--- a/misc/docs/2016-03-18-pgs-intro/intro.pptx
+++ b/misc/docs/2016-03-18-pgs-intro/intro.pptx
@@ -5,26 +5,34 @@
     <p:sldMasterId id="2147483660" r:id="rId1"/>
   </p:sldMasterIdLst>
   <p:notesMasterIdLst>
-    <p:notesMasterId r:id="rId19"/>
+    <p:notesMasterId r:id="rId27"/>
   </p:notesMasterIdLst>
   <p:sldIdLst>
     <p:sldId id="256" r:id="rId2"/>
     <p:sldId id="257" r:id="rId3"/>
     <p:sldId id="258" r:id="rId4"/>
     <p:sldId id="259" r:id="rId5"/>
-    <p:sldId id="260" r:id="rId6"/>
-    <p:sldId id="261" r:id="rId7"/>
-    <p:sldId id="262" r:id="rId8"/>
-    <p:sldId id="263" r:id="rId9"/>
-    <p:sldId id="264" r:id="rId10"/>
-    <p:sldId id="268" r:id="rId11"/>
-    <p:sldId id="265" r:id="rId12"/>
-    <p:sldId id="266" r:id="rId13"/>
-    <p:sldId id="267" r:id="rId14"/>
-    <p:sldId id="269" r:id="rId15"/>
-    <p:sldId id="271" r:id="rId16"/>
-    <p:sldId id="272" r:id="rId17"/>
-    <p:sldId id="270" r:id="rId18"/>
+    <p:sldId id="262" r:id="rId6"/>
+    <p:sldId id="263" r:id="rId7"/>
+    <p:sldId id="264" r:id="rId8"/>
+    <p:sldId id="273" r:id="rId9"/>
+    <p:sldId id="268" r:id="rId10"/>
+    <p:sldId id="265" r:id="rId11"/>
+    <p:sldId id="266" r:id="rId12"/>
+    <p:sldId id="267" r:id="rId13"/>
+    <p:sldId id="269" r:id="rId14"/>
+    <p:sldId id="271" r:id="rId15"/>
+    <p:sldId id="272" r:id="rId16"/>
+    <p:sldId id="270" r:id="rId17"/>
+    <p:sldId id="274" r:id="rId18"/>
+    <p:sldId id="281" r:id="rId19"/>
+    <p:sldId id="275" r:id="rId20"/>
+    <p:sldId id="276" r:id="rId21"/>
+    <p:sldId id="277" r:id="rId22"/>
+    <p:sldId id="278" r:id="rId23"/>
+    <p:sldId id="279" r:id="rId24"/>
+    <p:sldId id="280" r:id="rId25"/>
+    <p:sldId id="282" r:id="rId26"/>
   </p:sldIdLst>
   <p:sldSz cx="9144000" cy="6858000" type="screen4x3"/>
   <p:notesSz cx="6858000" cy="9144000"/>
@@ -132,11 +140,10 @@
             <p14:sldId id="257"/>
             <p14:sldId id="258"/>
             <p14:sldId id="259"/>
-            <p14:sldId id="260"/>
-            <p14:sldId id="261"/>
             <p14:sldId id="262"/>
             <p14:sldId id="263"/>
             <p14:sldId id="264"/>
+            <p14:sldId id="273"/>
             <p14:sldId id="268"/>
             <p14:sldId id="265"/>
             <p14:sldId id="266"/>
@@ -145,6 +152,15 @@
             <p14:sldId id="271"/>
             <p14:sldId id="272"/>
             <p14:sldId id="270"/>
+            <p14:sldId id="274"/>
+            <p14:sldId id="281"/>
+            <p14:sldId id="275"/>
+            <p14:sldId id="276"/>
+            <p14:sldId id="277"/>
+            <p14:sldId id="278"/>
+            <p14:sldId id="279"/>
+            <p14:sldId id="280"/>
+            <p14:sldId id="282"/>
           </p14:sldIdLst>
         </p14:section>
       </p14:sectionLst>
@@ -235,7 +251,7 @@
           <a:p>
             <a:fld id="{1BC8C14B-B87E-4858-A634-840573B53640}" type="datetimeFigureOut">
               <a:rPr lang="en-US" smtClean="0"/>
-              <a:t>3/18/2016</a:t>
+              <a:t>3/21/2016</a:t>
             </a:fld>
             <a:endParaRPr lang="en-US"/>
           </a:p>
@@ -662,7 +678,7 @@
     </p:spTree>
     <p:extLst>
       <p:ext uri="{BB962C8B-B14F-4D97-AF65-F5344CB8AC3E}">
-        <p14:creationId xmlns:p14="http://schemas.microsoft.com/office/powerpoint/2010/main" val="403083941"/>
+        <p14:creationId xmlns:p14="http://schemas.microsoft.com/office/powerpoint/2010/main" val="1664786571"/>
       </p:ext>
     </p:extLst>
   </p:cSld>
@@ -737,7 +753,7 @@
           <a:p>
             <a:fld id="{A5F18374-6A0D-4D89-A82F-547DD0C77902}" type="slidenum">
               <a:rPr lang="en-US" smtClean="0"/>
-              <a:t>7</a:t>
+              <a:t>6</a:t>
             </a:fld>
             <a:endParaRPr lang="en-US"/>
           </a:p>
@@ -746,7 +762,7 @@
     </p:spTree>
     <p:extLst>
       <p:ext uri="{BB962C8B-B14F-4D97-AF65-F5344CB8AC3E}">
-        <p14:creationId xmlns:p14="http://schemas.microsoft.com/office/powerpoint/2010/main" val="1664786571"/>
+        <p14:creationId xmlns:p14="http://schemas.microsoft.com/office/powerpoint/2010/main" val="1615506467"/>
       </p:ext>
     </p:extLst>
   </p:cSld>
@@ -821,7 +837,7 @@
           <a:p>
             <a:fld id="{A5F18374-6A0D-4D89-A82F-547DD0C77902}" type="slidenum">
               <a:rPr lang="en-US" smtClean="0"/>
-              <a:t>8</a:t>
+              <a:t>16</a:t>
             </a:fld>
             <a:endParaRPr lang="en-US"/>
           </a:p>
@@ -830,7 +846,7 @@
     </p:spTree>
     <p:extLst>
       <p:ext uri="{BB962C8B-B14F-4D97-AF65-F5344CB8AC3E}">
-        <p14:creationId xmlns:p14="http://schemas.microsoft.com/office/powerpoint/2010/main" val="1615506467"/>
+        <p14:creationId xmlns:p14="http://schemas.microsoft.com/office/powerpoint/2010/main" val="1932744289"/>
       </p:ext>
     </p:extLst>
   </p:cSld>
@@ -905,7 +921,7 @@
           <a:p>
             <a:fld id="{A5F18374-6A0D-4D89-A82F-547DD0C77902}" type="slidenum">
               <a:rPr lang="en-US" smtClean="0"/>
-              <a:t>17</a:t>
+              <a:t>24</a:t>
             </a:fld>
             <a:endParaRPr lang="en-US"/>
           </a:p>
@@ -914,7 +930,111 @@
     </p:spTree>
     <p:extLst>
       <p:ext uri="{BB962C8B-B14F-4D97-AF65-F5344CB8AC3E}">
-        <p14:creationId xmlns:p14="http://schemas.microsoft.com/office/powerpoint/2010/main" val="1932744289"/>
+        <p14:creationId xmlns:p14="http://schemas.microsoft.com/office/powerpoint/2010/main" val="1117558635"/>
+      </p:ext>
+    </p:extLst>
+  </p:cSld>
+  <p:clrMapOvr>
+    <a:masterClrMapping/>
+  </p:clrMapOvr>
+</p:notes>
+</file>
+
+<file path=ppt/notesSlides/notesSlide6.xml><?xml version="1.0" encoding="utf-8"?>
+<p:notes xmlns:a="http://schemas.openxmlformats.org/drawingml/2006/main" xmlns:r="http://schemas.openxmlformats.org/officeDocument/2006/relationships" xmlns:p="http://schemas.openxmlformats.org/presentationml/2006/main">
+  <p:cSld>
+    <p:spTree>
+      <p:nvGrpSpPr>
+        <p:cNvPr id="1" name=""/>
+        <p:cNvGrpSpPr/>
+        <p:nvPr/>
+      </p:nvGrpSpPr>
+      <p:grpSpPr>
+        <a:xfrm>
+          <a:off x="0" y="0"/>
+          <a:ext cx="0" cy="0"/>
+          <a:chOff x="0" y="0"/>
+          <a:chExt cx="0" cy="0"/>
+        </a:xfrm>
+      </p:grpSpPr>
+      <p:sp>
+        <p:nvSpPr>
+          <p:cNvPr id="2" name="Slide Image Placeholder 1"/>
+          <p:cNvSpPr>
+            <a:spLocks noGrp="1" noRot="1" noChangeAspect="1"/>
+          </p:cNvSpPr>
+          <p:nvPr>
+            <p:ph type="sldImg"/>
+          </p:nvPr>
+        </p:nvSpPr>
+        <p:spPr/>
+      </p:sp>
+      <p:sp>
+        <p:nvSpPr>
+          <p:cNvPr id="3" name="Notes Placeholder 2"/>
+          <p:cNvSpPr>
+            <a:spLocks noGrp="1"/>
+          </p:cNvSpPr>
+          <p:nvPr>
+            <p:ph type="body" idx="1"/>
+          </p:nvPr>
+        </p:nvSpPr>
+        <p:spPr/>
+        <p:txBody>
+          <a:bodyPr/>
+          <a:lstStyle/>
+          <a:p>
+            <a:r>
+              <a:rPr lang="en-US" dirty="0" smtClean="0"/>
+              <a:t>Wouldn’t be </a:t>
+            </a:r>
+            <a:r>
+              <a:rPr lang="en-US" smtClean="0"/>
+              <a:t>a QDLA</a:t>
+            </a:r>
+            <a:r>
+              <a:rPr lang="en-US" baseline="0" smtClean="0"/>
+              <a:t> </a:t>
+            </a:r>
+            <a:r>
+              <a:rPr lang="en-US" smtClean="0"/>
+              <a:t>presentation </a:t>
+            </a:r>
+            <a:r>
+              <a:rPr lang="en-US" dirty="0" smtClean="0"/>
+              <a:t>without Snoopy!</a:t>
+            </a:r>
+            <a:endParaRPr lang="en-US" dirty="0"/>
+          </a:p>
+        </p:txBody>
+      </p:sp>
+      <p:sp>
+        <p:nvSpPr>
+          <p:cNvPr id="4" name="Slide Number Placeholder 3"/>
+          <p:cNvSpPr>
+            <a:spLocks noGrp="1"/>
+          </p:cNvSpPr>
+          <p:nvPr>
+            <p:ph type="sldNum" sz="quarter" idx="10"/>
+          </p:nvPr>
+        </p:nvSpPr>
+        <p:spPr/>
+        <p:txBody>
+          <a:bodyPr/>
+          <a:lstStyle/>
+          <a:p>
+            <a:fld id="{A5F18374-6A0D-4D89-A82F-547DD0C77902}" type="slidenum">
+              <a:rPr lang="en-US" smtClean="0"/>
+              <a:t>25</a:t>
+            </a:fld>
+            <a:endParaRPr lang="en-US"/>
+          </a:p>
+        </p:txBody>
+      </p:sp>
+    </p:spTree>
+    <p:extLst>
+      <p:ext uri="{BB962C8B-B14F-4D97-AF65-F5344CB8AC3E}">
+        <p14:creationId xmlns:p14="http://schemas.microsoft.com/office/powerpoint/2010/main" val="299764127"/>
       </p:ext>
     </p:extLst>
   </p:cSld>
@@ -9143,7 +9263,7 @@
                 </a:solidFill>
               </a:rPr>
               <a:pPr/>
-              <a:t>3/18/2016</a:t>
+              <a:t>3/21/2016</a:t>
             </a:fld>
             <a:endParaRPr lang="en-US">
               <a:solidFill>
@@ -18342,125 +18462,6 @@
       </p:grpSpPr>
       <p:sp>
         <p:nvSpPr>
-          <p:cNvPr id="2" name="Title 1"/>
-          <p:cNvSpPr>
-            <a:spLocks noGrp="1"/>
-          </p:cNvSpPr>
-          <p:nvPr>
-            <p:ph type="title"/>
-          </p:nvPr>
-        </p:nvSpPr>
-        <p:spPr/>
-        <p:txBody>
-          <a:bodyPr/>
-          <a:lstStyle/>
-          <a:p>
-            <a:r>
-              <a:rPr lang="en-US" dirty="0" smtClean="0"/>
-              <a:t>practice</a:t>
-            </a:r>
-            <a:br>
-              <a:rPr lang="en-US" dirty="0" smtClean="0"/>
-            </a:br>
-            <a:endParaRPr lang="en-US" dirty="0"/>
-          </a:p>
-        </p:txBody>
-      </p:sp>
-      <p:sp>
-        <p:nvSpPr>
-          <p:cNvPr id="3" name="Content Placeholder 2"/>
-          <p:cNvSpPr>
-            <a:spLocks noGrp="1"/>
-          </p:cNvSpPr>
-          <p:nvPr>
-            <p:ph idx="1"/>
-          </p:nvPr>
-        </p:nvSpPr>
-        <p:spPr/>
-        <p:txBody>
-          <a:bodyPr/>
-          <a:lstStyle/>
-          <a:p>
-            <a:pPr marL="342900" indent="-342900">
-              <a:buFont typeface="Arial" panose="020B0604020202020204" pitchFamily="34" charset="0"/>
-              <a:buChar char="•"/>
-            </a:pPr>
-            <a:r>
-              <a:rPr lang="en-US" b="0" dirty="0" smtClean="0"/>
-              <a:t>Side notes:</a:t>
-            </a:r>
-            <a:br>
-              <a:rPr lang="en-US" b="0" dirty="0" smtClean="0"/>
-            </a:br>
-            <a:endParaRPr lang="en-US" b="0" dirty="0" smtClean="0"/>
-          </a:p>
-          <a:p>
-            <a:pPr marL="1085850" lvl="1" indent="-342900">
-              <a:buFont typeface="Arial" panose="020B0604020202020204" pitchFamily="34" charset="0"/>
-              <a:buChar char="•"/>
-            </a:pPr>
-            <a:r>
-              <a:rPr lang="en-US" dirty="0" smtClean="0">
-                <a:latin typeface="+mn-lt"/>
-              </a:rPr>
-              <a:t>Support for sum types in C++ has been limited</a:t>
-            </a:r>
-          </a:p>
-          <a:p>
-            <a:pPr marL="1085850" lvl="1" indent="-342900">
-              <a:buFont typeface="Arial" panose="020B0604020202020204" pitchFamily="34" charset="0"/>
-              <a:buChar char="•"/>
-            </a:pPr>
-            <a:r>
-              <a:rPr lang="en-US" b="0" dirty="0" smtClean="0">
-                <a:latin typeface="+mn-lt"/>
-              </a:rPr>
-              <a:t>Situation somewhat improved in C++11 with unrestricted unions and </a:t>
-            </a:r>
-            <a:r>
-              <a:rPr lang="en-US" b="0" dirty="0" err="1" smtClean="0">
-                <a:latin typeface="+mn-lt"/>
-              </a:rPr>
-              <a:t>variadic</a:t>
-            </a:r>
-            <a:r>
-              <a:rPr lang="en-US" b="0" dirty="0" smtClean="0">
-                <a:latin typeface="+mn-lt"/>
-              </a:rPr>
-              <a:t> templates</a:t>
-            </a:r>
-          </a:p>
-          <a:p>
-            <a:pPr marL="1085850" lvl="1" indent="-342900">
-              <a:buFont typeface="Arial" panose="020B0604020202020204" pitchFamily="34" charset="0"/>
-              <a:buChar char="•"/>
-            </a:pPr>
-            <a:r>
-              <a:rPr lang="en-US" b="0" dirty="0" err="1" smtClean="0">
-                <a:latin typeface="Source Code Pro" panose="020B0509030403020204" pitchFamily="49" charset="0"/>
-              </a:rPr>
-              <a:t>std</a:t>
-            </a:r>
-            <a:r>
-              <a:rPr lang="en-US" b="0" dirty="0" smtClean="0">
-                <a:latin typeface="Source Code Pro" panose="020B0509030403020204" pitchFamily="49" charset="0"/>
-              </a:rPr>
-              <a:t>::variant&lt;&gt; </a:t>
-            </a:r>
-            <a:r>
-              <a:rPr lang="en-US" b="0" dirty="0" smtClean="0">
-                <a:latin typeface="+mn-lt"/>
-              </a:rPr>
-              <a:t>coming soon to a standard near you</a:t>
-            </a:r>
-            <a:endParaRPr lang="en-US" b="0" dirty="0">
-              <a:latin typeface="+mn-lt"/>
-            </a:endParaRPr>
-          </a:p>
-        </p:txBody>
-      </p:sp>
-      <p:sp>
-        <p:nvSpPr>
           <p:cNvPr id="4" name="Slide Number Placeholder 3"/>
           <p:cNvSpPr>
             <a:spLocks noGrp="1"/>
@@ -18497,12 +18498,12 @@
       </p:sp>
       <p:sp>
         <p:nvSpPr>
-          <p:cNvPr id="5" name="Footer Placeholder 4"/>
+          <p:cNvPr id="6" name="Title 5"/>
           <p:cNvSpPr>
             <a:spLocks noGrp="1"/>
           </p:cNvSpPr>
           <p:nvPr>
-            <p:ph type="ftr" sz="quarter" idx="13"/>
+            <p:ph type="title"/>
           </p:nvPr>
         </p:nvSpPr>
         <p:spPr/>
@@ -18510,6 +18511,10 @@
           <a:bodyPr/>
           <a:lstStyle/>
           <a:p>
+            <a:r>
+              <a:rPr lang="en-US" dirty="0" smtClean="0"/>
+              <a:t>Sums with constructors</a:t>
+            </a:r>
             <a:endParaRPr lang="en-US" dirty="0"/>
           </a:p>
         </p:txBody>
@@ -18517,7 +18522,7 @@
     </p:spTree>
     <p:extLst>
       <p:ext uri="{BB962C8B-B14F-4D97-AF65-F5344CB8AC3E}">
-        <p14:creationId xmlns:p14="http://schemas.microsoft.com/office/powerpoint/2010/main" val="15638963"/>
+        <p14:creationId xmlns:p14="http://schemas.microsoft.com/office/powerpoint/2010/main" val="390305658"/>
       </p:ext>
     </p:extLst>
   </p:cSld>
@@ -18553,7 +18558,308 @@
       </p:grpSpPr>
       <p:sp>
         <p:nvSpPr>
-          <p:cNvPr id="4" name="Slide Number Placeholder 3"/>
+          <p:cNvPr id="4" name="Title 3"/>
+          <p:cNvSpPr>
+            <a:spLocks noGrp="1"/>
+          </p:cNvSpPr>
+          <p:nvPr>
+            <p:ph type="title"/>
+          </p:nvPr>
+        </p:nvSpPr>
+        <p:spPr/>
+        <p:txBody>
+          <a:bodyPr/>
+          <a:lstStyle/>
+          <a:p>
+            <a:r>
+              <a:rPr lang="en-US" dirty="0" smtClean="0"/>
+              <a:t>Sums with constructors</a:t>
+            </a:r>
+            <a:endParaRPr lang="en-US" dirty="0"/>
+          </a:p>
+        </p:txBody>
+      </p:sp>
+      <p:sp>
+        <p:nvSpPr>
+          <p:cNvPr id="5" name="Content Placeholder 4"/>
+          <p:cNvSpPr>
+            <a:spLocks noGrp="1"/>
+          </p:cNvSpPr>
+          <p:nvPr>
+            <p:ph idx="1"/>
+          </p:nvPr>
+        </p:nvSpPr>
+        <p:spPr/>
+        <p:txBody>
+          <a:bodyPr/>
+          <a:lstStyle/>
+          <a:p>
+            <a:pPr marL="342900" indent="-342900">
+              <a:buFont typeface="Arial" panose="020B0604020202020204" pitchFamily="34" charset="0"/>
+              <a:buChar char="•"/>
+            </a:pPr>
+            <a:r>
+              <a:rPr lang="en-US" b="0" dirty="0" err="1" smtClean="0">
+                <a:latin typeface="+mn-lt"/>
+              </a:rPr>
+              <a:t>OCaml</a:t>
+            </a:r>
+            <a:r>
+              <a:rPr lang="en-US" b="0" dirty="0" smtClean="0">
+                <a:latin typeface="+mn-lt"/>
+              </a:rPr>
+              <a:t> syntax:</a:t>
+            </a:r>
+            <a:br>
+              <a:rPr lang="en-US" b="0" dirty="0" smtClean="0">
+                <a:latin typeface="+mn-lt"/>
+              </a:rPr>
+            </a:br>
+            <a:r>
+              <a:rPr lang="en-US" b="0" dirty="0" smtClean="0">
+                <a:latin typeface="Source Code Pro" panose="020B0509030403020204" pitchFamily="49" charset="0"/>
+              </a:rPr>
+              <a:t/>
+            </a:r>
+            <a:br>
+              <a:rPr lang="en-US" b="0" dirty="0" smtClean="0">
+                <a:latin typeface="Source Code Pro" panose="020B0509030403020204" pitchFamily="49" charset="0"/>
+              </a:rPr>
+            </a:br>
+            <a:r>
+              <a:rPr lang="en-US" b="0" dirty="0" smtClean="0">
+                <a:latin typeface="Source Code Pro" panose="020B0509030403020204" pitchFamily="49" charset="0"/>
+              </a:rPr>
+              <a:t>type expr = </a:t>
+            </a:r>
+            <a:r>
+              <a:rPr lang="en-US" b="0" dirty="0" err="1" smtClean="0">
+                <a:latin typeface="Source Code Pro" panose="020B0509030403020204" pitchFamily="49" charset="0"/>
+              </a:rPr>
+              <a:t>Num</a:t>
+            </a:r>
+            <a:r>
+              <a:rPr lang="en-US" b="0" dirty="0" smtClean="0">
+                <a:latin typeface="Source Code Pro" panose="020B0509030403020204" pitchFamily="49" charset="0"/>
+              </a:rPr>
+              <a:t> of </a:t>
+            </a:r>
+            <a:r>
+              <a:rPr lang="en-US" b="0" dirty="0" err="1" smtClean="0">
+                <a:latin typeface="Source Code Pro" panose="020B0509030403020204" pitchFamily="49" charset="0"/>
+              </a:rPr>
+              <a:t>int</a:t>
+            </a:r>
+            <a:r>
+              <a:rPr lang="en-US" b="0" dirty="0" smtClean="0">
+                <a:latin typeface="Source Code Pro" panose="020B0509030403020204" pitchFamily="49" charset="0"/>
+              </a:rPr>
+              <a:t> | Add of expr * expr</a:t>
+            </a:r>
+          </a:p>
+          <a:p>
+            <a:pPr marL="342900" indent="-342900">
+              <a:buFont typeface="Arial" panose="020B0604020202020204" pitchFamily="34" charset="0"/>
+              <a:buChar char="•"/>
+            </a:pPr>
+            <a:endParaRPr lang="en-US" b="0" dirty="0" smtClean="0">
+              <a:latin typeface="Source Code Pro" panose="020B0509030403020204" pitchFamily="49" charset="0"/>
+            </a:endParaRPr>
+          </a:p>
+          <a:p>
+            <a:pPr marL="342900" indent="-342900">
+              <a:buFont typeface="Arial" panose="020B0604020202020204" pitchFamily="34" charset="0"/>
+              <a:buChar char="•"/>
+            </a:pPr>
+            <a:r>
+              <a:rPr lang="en-US" b="0" dirty="0">
+                <a:latin typeface="Source Code Pro" panose="020B0509030403020204" pitchFamily="49" charset="0"/>
+              </a:rPr>
+              <a:t>e</a:t>
+            </a:r>
+            <a:r>
+              <a:rPr lang="en-US" b="0" dirty="0" smtClean="0">
+                <a:latin typeface="Source Code Pro" panose="020B0509030403020204" pitchFamily="49" charset="0"/>
+              </a:rPr>
+              <a:t>xpr</a:t>
+            </a:r>
+            <a:r>
+              <a:rPr lang="en-US" b="0" dirty="0" smtClean="0">
+                <a:latin typeface="+mn-lt"/>
+              </a:rPr>
+              <a:t> is a (recursive) sum type of two cases</a:t>
+            </a:r>
+          </a:p>
+          <a:p>
+            <a:pPr marL="342900" indent="-342900">
+              <a:buFont typeface="Arial" panose="020B0604020202020204" pitchFamily="34" charset="0"/>
+              <a:buChar char="•"/>
+            </a:pPr>
+            <a:endParaRPr lang="en-US" b="0" dirty="0" smtClean="0">
+              <a:latin typeface="+mn-lt"/>
+            </a:endParaRPr>
+          </a:p>
+          <a:p>
+            <a:pPr marL="342900" indent="-342900">
+              <a:buFont typeface="Arial" panose="020B0604020202020204" pitchFamily="34" charset="0"/>
+              <a:buChar char="•"/>
+            </a:pPr>
+            <a:r>
+              <a:rPr lang="en-US" b="0" dirty="0" smtClean="0">
+                <a:latin typeface="+mn-lt"/>
+              </a:rPr>
+              <a:t>The symbols </a:t>
+            </a:r>
+            <a:r>
+              <a:rPr lang="en-US" b="0" dirty="0" err="1" smtClean="0">
+                <a:latin typeface="Source Code Pro" panose="020B0509030403020204" pitchFamily="49" charset="0"/>
+              </a:rPr>
+              <a:t>Num</a:t>
+            </a:r>
+            <a:r>
+              <a:rPr lang="en-US" b="0" dirty="0" smtClean="0">
+                <a:latin typeface="+mn-lt"/>
+              </a:rPr>
+              <a:t> and </a:t>
+            </a:r>
+            <a:r>
+              <a:rPr lang="en-US" b="0" dirty="0" smtClean="0">
+                <a:latin typeface="Source Code Pro" panose="020B0509030403020204" pitchFamily="49" charset="0"/>
+              </a:rPr>
+              <a:t>Add</a:t>
+            </a:r>
+            <a:r>
+              <a:rPr lang="en-US" b="0" dirty="0" smtClean="0">
+                <a:latin typeface="+mn-lt"/>
+              </a:rPr>
+              <a:t> are termed “constructors”</a:t>
+            </a:r>
+          </a:p>
+          <a:p>
+            <a:pPr marL="342900" indent="-342900">
+              <a:buFont typeface="Arial" panose="020B0604020202020204" pitchFamily="34" charset="0"/>
+              <a:buChar char="•"/>
+            </a:pPr>
+            <a:endParaRPr lang="en-US" b="0" dirty="0" smtClean="0">
+              <a:latin typeface="+mn-lt"/>
+            </a:endParaRPr>
+          </a:p>
+          <a:p>
+            <a:pPr marL="342900" indent="-342900">
+              <a:buFont typeface="Arial" panose="020B0604020202020204" pitchFamily="34" charset="0"/>
+              <a:buChar char="•"/>
+            </a:pPr>
+            <a:r>
+              <a:rPr lang="en-US" b="0" dirty="0" smtClean="0">
+                <a:latin typeface="+mn-lt"/>
+              </a:rPr>
+              <a:t>An example value of </a:t>
+            </a:r>
+            <a:r>
+              <a:rPr lang="en-US" b="0" dirty="0" smtClean="0">
+                <a:latin typeface="Source Code Pro" panose="020B0509030403020204" pitchFamily="49" charset="0"/>
+              </a:rPr>
+              <a:t>type expr </a:t>
+            </a:r>
+            <a:r>
+              <a:rPr lang="en-US" b="0" dirty="0" smtClean="0">
+                <a:latin typeface="+mn-lt"/>
+              </a:rPr>
+              <a:t>(</a:t>
+            </a:r>
+            <a:r>
+              <a:rPr lang="en-US" b="0" i="1" dirty="0" smtClean="0">
+                <a:latin typeface="+mn-lt"/>
+              </a:rPr>
+              <a:t>1 + (2 + 3</a:t>
+            </a:r>
+            <a:r>
+              <a:rPr lang="en-US" b="0" i="1" dirty="0" smtClean="0">
+                <a:latin typeface="+mn-lt"/>
+              </a:rPr>
+              <a:t>)</a:t>
+            </a:r>
+            <a:r>
+              <a:rPr lang="en-US" b="0" dirty="0" smtClean="0">
+                <a:latin typeface="+mn-lt"/>
+              </a:rPr>
+              <a:t>):</a:t>
+            </a:r>
+            <a:br>
+              <a:rPr lang="en-US" b="0" dirty="0" smtClean="0">
+                <a:latin typeface="+mn-lt"/>
+              </a:rPr>
+            </a:br>
+            <a:r>
+              <a:rPr lang="en-US" b="0" dirty="0" smtClean="0">
+                <a:latin typeface="+mn-lt"/>
+              </a:rPr>
+              <a:t/>
+            </a:r>
+            <a:br>
+              <a:rPr lang="en-US" b="0" dirty="0" smtClean="0">
+                <a:latin typeface="+mn-lt"/>
+              </a:rPr>
+            </a:br>
+            <a:r>
+              <a:rPr lang="en-US" b="0" dirty="0" smtClean="0">
+                <a:latin typeface="Source Code Pro" panose="020B0509030403020204" pitchFamily="49" charset="0"/>
+              </a:rPr>
+              <a:t>let e : expr = Add (</a:t>
+            </a:r>
+            <a:r>
+              <a:rPr lang="en-US" b="0" dirty="0" err="1" smtClean="0">
+                <a:latin typeface="Source Code Pro" panose="020B0509030403020204" pitchFamily="49" charset="0"/>
+              </a:rPr>
+              <a:t>Num</a:t>
+            </a:r>
+            <a:r>
+              <a:rPr lang="en-US" b="0" dirty="0" smtClean="0">
+                <a:latin typeface="Source Code Pro" panose="020B0509030403020204" pitchFamily="49" charset="0"/>
+              </a:rPr>
+              <a:t> 1, Add (</a:t>
+            </a:r>
+            <a:r>
+              <a:rPr lang="en-US" b="0" dirty="0" err="1" smtClean="0">
+                <a:latin typeface="Source Code Pro" panose="020B0509030403020204" pitchFamily="49" charset="0"/>
+              </a:rPr>
+              <a:t>Num</a:t>
+            </a:r>
+            <a:r>
+              <a:rPr lang="en-US" b="0" dirty="0" smtClean="0">
+                <a:latin typeface="Source Code Pro" panose="020B0509030403020204" pitchFamily="49" charset="0"/>
+              </a:rPr>
+              <a:t> </a:t>
+            </a:r>
+            <a:r>
+              <a:rPr lang="en-US" b="0" dirty="0" smtClean="0">
+                <a:latin typeface="Source Code Pro" panose="020B0509030403020204" pitchFamily="49" charset="0"/>
+              </a:rPr>
+              <a:t>2, </a:t>
+            </a:r>
+            <a:r>
+              <a:rPr lang="en-US" b="0" dirty="0" err="1" smtClean="0">
+                <a:latin typeface="Source Code Pro" panose="020B0509030403020204" pitchFamily="49" charset="0"/>
+              </a:rPr>
+              <a:t>Num</a:t>
+            </a:r>
+            <a:r>
+              <a:rPr lang="en-US" b="0" dirty="0" smtClean="0">
+                <a:latin typeface="Source Code Pro" panose="020B0509030403020204" pitchFamily="49" charset="0"/>
+              </a:rPr>
+              <a:t> 3))</a:t>
+            </a:r>
+          </a:p>
+          <a:p>
+            <a:endParaRPr lang="en-US" dirty="0">
+              <a:latin typeface="Source Code Pro" panose="020B0509030403020204" pitchFamily="49" charset="0"/>
+            </a:endParaRPr>
+          </a:p>
+        </p:txBody>
+      </p:sp>
+      <p:sp>
+        <p:nvSpPr>
+          <p:cNvPr id="2" name="Slide Number Placeholder 1"/>
           <p:cNvSpPr>
             <a:spLocks noGrp="1"/>
           </p:cNvSpPr>
@@ -18569,51 +18875,24 @@
             <a:fld id="{B383C57C-80DA-45D5-BFE5-7583B8192761}" type="slidenum">
               <a:rPr lang="en-US" smtClean="0">
                 <a:solidFill>
-                  <a:prstClr val="white">
-                    <a:lumMod val="75000"/>
-                  </a:prstClr>
+                  <a:prstClr val="white"/>
                 </a:solidFill>
               </a:rPr>
               <a:pPr/>
               <a:t>11</a:t>
             </a:fld>
-            <a:endParaRPr lang="en-US">
+            <a:endParaRPr lang="en-US" dirty="0">
               <a:solidFill>
-                <a:prstClr val="white">
-                  <a:lumMod val="75000"/>
-                </a:prstClr>
+                <a:prstClr val="white"/>
               </a:solidFill>
             </a:endParaRPr>
-          </a:p>
-        </p:txBody>
-      </p:sp>
-      <p:sp>
-        <p:nvSpPr>
-          <p:cNvPr id="6" name="Title 5"/>
-          <p:cNvSpPr>
-            <a:spLocks noGrp="1"/>
-          </p:cNvSpPr>
-          <p:nvPr>
-            <p:ph type="title"/>
-          </p:nvPr>
-        </p:nvSpPr>
-        <p:spPr/>
-        <p:txBody>
-          <a:bodyPr/>
-          <a:lstStyle/>
-          <a:p>
-            <a:r>
-              <a:rPr lang="en-US" dirty="0" smtClean="0"/>
-              <a:t>sums</a:t>
-            </a:r>
-            <a:endParaRPr lang="en-US" dirty="0"/>
           </a:p>
         </p:txBody>
       </p:sp>
     </p:spTree>
     <p:extLst>
       <p:ext uri="{BB962C8B-B14F-4D97-AF65-F5344CB8AC3E}">
-        <p14:creationId xmlns:p14="http://schemas.microsoft.com/office/powerpoint/2010/main" val="390305658"/>
+        <p14:creationId xmlns:p14="http://schemas.microsoft.com/office/powerpoint/2010/main" val="2505655423"/>
       </p:ext>
     </p:extLst>
   </p:cSld>
@@ -18649,7 +18928,7 @@
       </p:grpSpPr>
       <p:sp>
         <p:nvSpPr>
-          <p:cNvPr id="4" name="Title 3"/>
+          <p:cNvPr id="2" name="Title 1"/>
           <p:cNvSpPr>
             <a:spLocks noGrp="1"/>
           </p:cNvSpPr>
@@ -18664,7 +18943,7 @@
           <a:p>
             <a:r>
               <a:rPr lang="en-US" dirty="0" smtClean="0"/>
-              <a:t>Sums with constructors</a:t>
+              <a:t>Sum deconstruction (match)</a:t>
             </a:r>
             <a:endParaRPr lang="en-US" dirty="0"/>
           </a:p>
@@ -18672,7 +18951,7 @@
       </p:sp>
       <p:sp>
         <p:nvSpPr>
-          <p:cNvPr id="5" name="Content Placeholder 4"/>
+          <p:cNvPr id="3" name="Content Placeholder 2"/>
           <p:cNvSpPr>
             <a:spLocks noGrp="1"/>
           </p:cNvSpPr>
@@ -18690,22 +18969,135 @@
               <a:buChar char="•"/>
             </a:pPr>
             <a:r>
+              <a:rPr lang="en-US" b="0" dirty="0" smtClean="0"/>
+              <a:t>Sums are good where </a:t>
+            </a:r>
+            <a:r>
+              <a:rPr lang="en-US" b="0" dirty="0" smtClean="0"/>
+              <a:t>programming </a:t>
+            </a:r>
+            <a:r>
+              <a:rPr lang="en-US" b="0" dirty="0" smtClean="0"/>
+              <a:t>naturally proceeds </a:t>
+            </a:r>
+            <a:r>
+              <a:rPr lang="en-US" b="0" dirty="0" smtClean="0"/>
+              <a:t>via “case”</a:t>
+            </a:r>
+            <a:r>
+              <a:rPr lang="en-US" dirty="0" smtClean="0"/>
+              <a:t/>
+            </a:r>
+            <a:br>
+              <a:rPr lang="en-US" dirty="0" smtClean="0"/>
+            </a:br>
+            <a:r>
+              <a:rPr lang="en-US" dirty="0" smtClean="0"/>
+              <a:t/>
+            </a:r>
+            <a:br>
+              <a:rPr lang="en-US" dirty="0" smtClean="0"/>
+            </a:br>
+            <a:r>
+              <a:rPr lang="en-US" b="0" dirty="0" smtClean="0">
+                <a:latin typeface="Source Code Pro" panose="020B0509030403020204" pitchFamily="49" charset="0"/>
+              </a:rPr>
+              <a:t>let evaluate (</a:t>
+            </a:r>
+            <a:r>
+              <a:rPr lang="en-US" b="0" dirty="0" smtClean="0">
+                <a:latin typeface="Source Code Pro" panose="020B0509030403020204" pitchFamily="49" charset="0"/>
+              </a:rPr>
+              <a:t>e : expr</a:t>
+            </a:r>
+            <a:r>
+              <a:rPr lang="en-US" b="0" dirty="0" smtClean="0">
+                <a:latin typeface="Source Code Pro" panose="020B0509030403020204" pitchFamily="49" charset="0"/>
+              </a:rPr>
+              <a:t>) : </a:t>
+            </a:r>
+            <a:r>
               <a:rPr lang="en-US" b="0" dirty="0" err="1" smtClean="0">
-                <a:latin typeface="+mn-lt"/>
-              </a:rPr>
-              <a:t>OCaml</a:t>
+                <a:latin typeface="Source Code Pro" panose="020B0509030403020204" pitchFamily="49" charset="0"/>
+              </a:rPr>
+              <a:t>int</a:t>
             </a:r>
             <a:r>
               <a:rPr lang="en-US" b="0" dirty="0" smtClean="0">
-                <a:latin typeface="+mn-lt"/>
-              </a:rPr>
-              <a:t> syntax:</a:t>
+                <a:latin typeface="Source Code Pro" panose="020B0509030403020204" pitchFamily="49" charset="0"/>
+              </a:rPr>
+              <a:t> =</a:t>
             </a:r>
             <a:br>
               <a:rPr lang="en-US" b="0" dirty="0" smtClean="0">
-                <a:latin typeface="+mn-lt"/>
+                <a:latin typeface="Source Code Pro" panose="020B0509030403020204" pitchFamily="49" charset="0"/>
               </a:rPr>
             </a:br>
+            <a:r>
+              <a:rPr lang="en-US" b="0" dirty="0" smtClean="0">
+                <a:latin typeface="Source Code Pro" panose="020B0509030403020204" pitchFamily="49" charset="0"/>
+              </a:rPr>
+              <a:t>  </a:t>
+            </a:r>
+            <a:r>
+              <a:rPr lang="en-US" dirty="0" smtClean="0">
+                <a:latin typeface="Source Code Pro" panose="020B0509030403020204" pitchFamily="49" charset="0"/>
+              </a:rPr>
+              <a:t>match</a:t>
+            </a:r>
+            <a:r>
+              <a:rPr lang="en-US" b="0" dirty="0" smtClean="0">
+                <a:latin typeface="Source Code Pro" panose="020B0509030403020204" pitchFamily="49" charset="0"/>
+              </a:rPr>
+              <a:t> e with</a:t>
+            </a:r>
+            <a:r>
+              <a:rPr lang="en-US" b="0" dirty="0">
+                <a:latin typeface="Source Code Pro" panose="020B0509030403020204" pitchFamily="49" charset="0"/>
+              </a:rPr>
+              <a:t/>
+            </a:r>
+            <a:br>
+              <a:rPr lang="en-US" b="0" dirty="0">
+                <a:latin typeface="Source Code Pro" panose="020B0509030403020204" pitchFamily="49" charset="0"/>
+              </a:rPr>
+            </a:br>
+            <a:r>
+              <a:rPr lang="en-US" b="0" dirty="0" smtClean="0">
+                <a:latin typeface="Source Code Pro" panose="020B0509030403020204" pitchFamily="49" charset="0"/>
+              </a:rPr>
+              <a:t>    | </a:t>
+            </a:r>
+            <a:r>
+              <a:rPr lang="en-US" b="0" dirty="0" err="1" smtClean="0">
+                <a:latin typeface="Source Code Pro" panose="020B0509030403020204" pitchFamily="49" charset="0"/>
+              </a:rPr>
+              <a:t>Num</a:t>
+            </a:r>
+            <a:r>
+              <a:rPr lang="en-US" b="0" dirty="0" smtClean="0">
+                <a:latin typeface="Source Code Pro" panose="020B0509030403020204" pitchFamily="49" charset="0"/>
+              </a:rPr>
+              <a:t> </a:t>
+            </a:r>
+            <a:r>
+              <a:rPr lang="en-US" b="0" dirty="0" err="1" smtClean="0">
+                <a:latin typeface="Source Code Pro" panose="020B0509030403020204" pitchFamily="49" charset="0"/>
+              </a:rPr>
+              <a:t>i</a:t>
+            </a:r>
+            <a:r>
+              <a:rPr lang="en-US" b="0" dirty="0" smtClean="0">
+                <a:latin typeface="Source Code Pro" panose="020B0509030403020204" pitchFamily="49" charset="0"/>
+              </a:rPr>
+              <a:t> -&gt; </a:t>
+            </a:r>
+            <a:r>
+              <a:rPr lang="en-US" b="0" dirty="0" err="1" smtClean="0">
+                <a:latin typeface="Source Code Pro" panose="020B0509030403020204" pitchFamily="49" charset="0"/>
+              </a:rPr>
+              <a:t>i</a:t>
+            </a:r>
             <a:r>
               <a:rPr lang="en-US" b="0" dirty="0" smtClean="0">
                 <a:latin typeface="Source Code Pro" panose="020B0509030403020204" pitchFamily="49" charset="0"/>
@@ -18721,64 +19113,7 @@
               <a:rPr lang="en-US" b="0" dirty="0" smtClean="0">
                 <a:latin typeface="Source Code Pro" panose="020B0509030403020204" pitchFamily="49" charset="0"/>
               </a:rPr>
-              <a:t>type expr = </a:t>
-            </a:r>
-            <a:r>
-              <a:rPr lang="en-US" b="0" dirty="0" err="1" smtClean="0">
-                <a:latin typeface="Source Code Pro" panose="020B0509030403020204" pitchFamily="49" charset="0"/>
-              </a:rPr>
-              <a:t>Num</a:t>
-            </a:r>
-            <a:r>
-              <a:rPr lang="en-US" b="0" dirty="0" smtClean="0">
-                <a:latin typeface="Source Code Pro" panose="020B0509030403020204" pitchFamily="49" charset="0"/>
-              </a:rPr>
-              <a:t> of </a:t>
-            </a:r>
-            <a:r>
-              <a:rPr lang="en-US" b="0" dirty="0" err="1" smtClean="0">
-                <a:latin typeface="Source Code Pro" panose="020B0509030403020204" pitchFamily="49" charset="0"/>
-              </a:rPr>
-              <a:t>int</a:t>
-            </a:r>
-            <a:r>
-              <a:rPr lang="en-US" b="0" dirty="0" smtClean="0">
-                <a:latin typeface="Source Code Pro" panose="020B0509030403020204" pitchFamily="49" charset="0"/>
-              </a:rPr>
-              <a:t> | Add of expr * expr</a:t>
-            </a:r>
-          </a:p>
-          <a:p>
-            <a:pPr marL="342900" indent="-342900">
-              <a:buFont typeface="Arial" panose="020B0604020202020204" pitchFamily="34" charset="0"/>
-              <a:buChar char="•"/>
-            </a:pPr>
-            <a:endParaRPr lang="en-US" b="0" dirty="0" smtClean="0">
-              <a:latin typeface="Source Code Pro" panose="020B0509030403020204" pitchFamily="49" charset="0"/>
-            </a:endParaRPr>
-          </a:p>
-          <a:p>
-            <a:pPr marL="342900" indent="-342900">
-              <a:buFont typeface="Arial" panose="020B0604020202020204" pitchFamily="34" charset="0"/>
-              <a:buChar char="•"/>
-            </a:pPr>
-            <a:r>
-              <a:rPr lang="en-US" b="0" dirty="0">
-                <a:latin typeface="Source Code Pro" panose="020B0509030403020204" pitchFamily="49" charset="0"/>
-              </a:rPr>
-              <a:t>e</a:t>
-            </a:r>
-            <a:r>
-              <a:rPr lang="en-US" b="0" dirty="0" smtClean="0">
-                <a:latin typeface="Source Code Pro" panose="020B0509030403020204" pitchFamily="49" charset="0"/>
-              </a:rPr>
-              <a:t>xpr</a:t>
-            </a:r>
-            <a:r>
-              <a:rPr lang="en-US" b="0" dirty="0" smtClean="0">
-                <a:latin typeface="+mn-lt"/>
-              </a:rPr>
-              <a:t> is a (recursive) sum type of two cases</a:t>
+              <a:t>    | Add (u, v) -&gt; (evaluate u) + (evaluate v)</a:t>
             </a:r>
           </a:p>
           <a:p>
@@ -18799,127 +19134,11 @@
               <a:rPr lang="en-US" b="0" dirty="0" smtClean="0">
                 <a:latin typeface="+mn-lt"/>
               </a:rPr>
-              <a:t>The symbols </a:t>
-            </a:r>
-            <a:r>
-              <a:rPr lang="en-US" b="0" dirty="0" err="1" smtClean="0">
-                <a:latin typeface="Source Code Pro" panose="020B0509030403020204" pitchFamily="49" charset="0"/>
-              </a:rPr>
-              <a:t>Num</a:t>
-            </a:r>
-            <a:r>
-              <a:rPr lang="en-US" b="0" dirty="0" smtClean="0">
-                <a:latin typeface="+mn-lt"/>
-              </a:rPr>
-              <a:t> and </a:t>
-            </a:r>
-            <a:r>
-              <a:rPr lang="en-US" b="0" dirty="0" smtClean="0">
-                <a:latin typeface="Source Code Pro" panose="020B0509030403020204" pitchFamily="49" charset="0"/>
-              </a:rPr>
-              <a:t>Add</a:t>
-            </a:r>
-            <a:r>
-              <a:rPr lang="en-US" b="0" dirty="0" smtClean="0">
-                <a:latin typeface="+mn-lt"/>
-              </a:rPr>
-              <a:t> are termed “constructors”</a:t>
-            </a:r>
-          </a:p>
-          <a:p>
-            <a:pPr marL="342900" indent="-342900">
-              <a:buFont typeface="Arial" panose="020B0604020202020204" pitchFamily="34" charset="0"/>
-              <a:buChar char="•"/>
-            </a:pPr>
+              <a:t>Lots of data structures are naturally expressible as sums</a:t>
+            </a:r>
+          </a:p>
+          <a:p>
             <a:endParaRPr lang="en-US" b="0" dirty="0" smtClean="0">
-              <a:latin typeface="+mn-lt"/>
-            </a:endParaRPr>
-          </a:p>
-          <a:p>
-            <a:pPr marL="342900" indent="-342900">
-              <a:buFont typeface="Arial" panose="020B0604020202020204" pitchFamily="34" charset="0"/>
-              <a:buChar char="•"/>
-            </a:pPr>
-            <a:r>
-              <a:rPr lang="en-US" b="0" dirty="0" smtClean="0">
-                <a:latin typeface="+mn-lt"/>
-              </a:rPr>
-              <a:t>An example value of </a:t>
-            </a:r>
-            <a:r>
-              <a:rPr lang="en-US" b="0" dirty="0" smtClean="0">
-                <a:latin typeface="Source Code Pro" panose="020B0509030403020204" pitchFamily="49" charset="0"/>
-              </a:rPr>
-              <a:t>type expr </a:t>
-            </a:r>
-            <a:r>
-              <a:rPr lang="en-US" b="0" dirty="0" smtClean="0">
-                <a:latin typeface="+mn-lt"/>
-              </a:rPr>
-              <a:t>(</a:t>
-            </a:r>
-            <a:r>
-              <a:rPr lang="en-US" b="0" i="1" dirty="0" smtClean="0">
-                <a:latin typeface="+mn-lt"/>
-              </a:rPr>
-              <a:t>1 + (2 + 3)</a:t>
-            </a:r>
-            <a:r>
-              <a:rPr lang="en-US" b="0" dirty="0" smtClean="0">
-                <a:latin typeface="+mn-lt"/>
-              </a:rPr>
-              <a:t>):</a:t>
-            </a:r>
-            <a:br>
-              <a:rPr lang="en-US" b="0" dirty="0" smtClean="0">
-                <a:latin typeface="+mn-lt"/>
-              </a:rPr>
-            </a:br>
-            <a:r>
-              <a:rPr lang="en-US" b="0" dirty="0" smtClean="0">
-                <a:latin typeface="Source Code Pro" panose="020B0509030403020204" pitchFamily="49" charset="0"/>
-              </a:rPr>
-              <a:t>let e : expr = Add (</a:t>
-            </a:r>
-            <a:r>
-              <a:rPr lang="en-US" b="0" dirty="0" err="1" smtClean="0">
-                <a:latin typeface="Source Code Pro" panose="020B0509030403020204" pitchFamily="49" charset="0"/>
-              </a:rPr>
-              <a:t>Num</a:t>
-            </a:r>
-            <a:r>
-              <a:rPr lang="en-US" b="0" dirty="0" smtClean="0">
-                <a:latin typeface="Source Code Pro" panose="020B0509030403020204" pitchFamily="49" charset="0"/>
-              </a:rPr>
-              <a:t> 1, Add (</a:t>
-            </a:r>
-            <a:r>
-              <a:rPr lang="en-US" b="0" dirty="0" err="1" smtClean="0">
-                <a:latin typeface="Source Code Pro" panose="020B0509030403020204" pitchFamily="49" charset="0"/>
-              </a:rPr>
-              <a:t>Num</a:t>
-            </a:r>
-            <a:r>
-              <a:rPr lang="en-US" b="0" dirty="0" smtClean="0">
-                <a:latin typeface="Source Code Pro" panose="020B0509030403020204" pitchFamily="49" charset="0"/>
-              </a:rPr>
-              <a:t> 1, </a:t>
-            </a:r>
-            <a:r>
-              <a:rPr lang="en-US" b="0" dirty="0" err="1" smtClean="0">
-                <a:latin typeface="Source Code Pro" panose="020B0509030403020204" pitchFamily="49" charset="0"/>
-              </a:rPr>
-              <a:t>Num</a:t>
-            </a:r>
-            <a:r>
-              <a:rPr lang="en-US" b="0" dirty="0" smtClean="0">
-                <a:latin typeface="Source Code Pro" panose="020B0509030403020204" pitchFamily="49" charset="0"/>
-              </a:rPr>
-              <a:t> 3))</a:t>
-            </a:r>
-          </a:p>
-          <a:p>
-            <a:endParaRPr lang="en-US" dirty="0">
               <a:latin typeface="Source Code Pro" panose="020B0509030403020204" pitchFamily="49" charset="0"/>
             </a:endParaRPr>
           </a:p>
@@ -18927,7 +19146,7 @@
       </p:sp>
       <p:sp>
         <p:nvSpPr>
-          <p:cNvPr id="2" name="Slide Number Placeholder 1"/>
+          <p:cNvPr id="4" name="Slide Number Placeholder 3"/>
           <p:cNvSpPr>
             <a:spLocks noGrp="1"/>
           </p:cNvSpPr>
@@ -18943,24 +19162,47 @@
             <a:fld id="{B383C57C-80DA-45D5-BFE5-7583B8192761}" type="slidenum">
               <a:rPr lang="en-US" smtClean="0">
                 <a:solidFill>
-                  <a:prstClr val="white"/>
+                  <a:prstClr val="white">
+                    <a:lumMod val="75000"/>
+                  </a:prstClr>
                 </a:solidFill>
               </a:rPr>
               <a:pPr/>
               <a:t>12</a:t>
             </a:fld>
-            <a:endParaRPr lang="en-US" dirty="0">
+            <a:endParaRPr lang="en-US">
               <a:solidFill>
-                <a:prstClr val="white"/>
+                <a:prstClr val="white">
+                  <a:lumMod val="75000"/>
+                </a:prstClr>
               </a:solidFill>
             </a:endParaRPr>
+          </a:p>
+        </p:txBody>
+      </p:sp>
+      <p:sp>
+        <p:nvSpPr>
+          <p:cNvPr id="5" name="Footer Placeholder 4"/>
+          <p:cNvSpPr>
+            <a:spLocks noGrp="1"/>
+          </p:cNvSpPr>
+          <p:nvPr>
+            <p:ph type="ftr" sz="quarter" idx="13"/>
+          </p:nvPr>
+        </p:nvSpPr>
+        <p:spPr/>
+        <p:txBody>
+          <a:bodyPr/>
+          <a:lstStyle/>
+          <a:p>
+            <a:endParaRPr lang="en-US" dirty="0"/>
           </a:p>
         </p:txBody>
       </p:sp>
     </p:spTree>
     <p:extLst>
       <p:ext uri="{BB962C8B-B14F-4D97-AF65-F5344CB8AC3E}">
-        <p14:creationId xmlns:p14="http://schemas.microsoft.com/office/powerpoint/2010/main" val="2505655423"/>
+        <p14:creationId xmlns:p14="http://schemas.microsoft.com/office/powerpoint/2010/main" val="3436477302"/>
       </p:ext>
     </p:extLst>
   </p:cSld>
@@ -19011,7 +19253,7 @@
           <a:p>
             <a:r>
               <a:rPr lang="en-US" dirty="0" smtClean="0"/>
-              <a:t>Sum deconstruction (match)</a:t>
+              <a:t>Pretty good sum type</a:t>
             </a:r>
             <a:endParaRPr lang="en-US" dirty="0"/>
           </a:p>
@@ -19037,48 +19279,62 @@
               <a:buChar char="•"/>
             </a:pPr>
             <a:r>
+              <a:rPr lang="en-US" b="0" dirty="0" smtClean="0"/>
+              <a:t>The “Pretty </a:t>
+            </a:r>
+            <a:r>
+              <a:rPr lang="en-US" b="0" dirty="0" smtClean="0"/>
+              <a:t>Good Sum” library </a:t>
+            </a:r>
+            <a:r>
+              <a:rPr lang="en-US" b="0" dirty="0" smtClean="0"/>
+              <a:t>brings sums </a:t>
+            </a:r>
+            <a:r>
+              <a:rPr lang="en-US" b="0" dirty="0" smtClean="0"/>
+              <a:t>with </a:t>
+            </a:r>
+            <a:r>
+              <a:rPr lang="en-US" b="0" dirty="0" smtClean="0"/>
+              <a:t>constructors to C++</a:t>
+            </a:r>
+            <a:r>
+              <a:rPr lang="en-US" b="0" dirty="0" smtClean="0"/>
+              <a:t/>
+            </a:r>
+            <a:br>
+              <a:rPr lang="en-US" b="0" dirty="0" smtClean="0"/>
+            </a:br>
+            <a:r>
               <a:rPr lang="en-US" dirty="0" smtClean="0"/>
-              <a:t>So what are sums good for? They are good in contexts where programming proceeds via “case”</a:t>
+              <a:t/>
             </a:r>
             <a:br>
               <a:rPr lang="en-US" dirty="0" smtClean="0"/>
             </a:br>
             <a:r>
-              <a:rPr lang="en-US" dirty="0" smtClean="0"/>
-              <a:t/>
-            </a:r>
-            <a:br>
-              <a:rPr lang="en-US" dirty="0" smtClean="0"/>
-            </a:br>
+              <a:rPr lang="en-US" b="0" dirty="0" err="1" smtClean="0">
+                <a:latin typeface="Source Code Pro" panose="020B0509030403020204" pitchFamily="49" charset="0"/>
+              </a:rPr>
+              <a:t>struct</a:t>
+            </a:r>
             <a:r>
               <a:rPr lang="en-US" b="0" dirty="0" smtClean="0">
                 <a:latin typeface="Source Code Pro" panose="020B0509030403020204" pitchFamily="49" charset="0"/>
               </a:rPr>
-              <a:t>let evaluate (</a:t>
+              <a:t> </a:t>
             </a:r>
             <a:r>
               <a:rPr lang="en-US" b="0" dirty="0" err="1" smtClean="0">
                 <a:latin typeface="Source Code Pro" panose="020B0509030403020204" pitchFamily="49" charset="0"/>
               </a:rPr>
-              <a:t>e:expr</a:t>
+              <a:t>Num</a:t>
             </a:r>
             <a:r>
               <a:rPr lang="en-US" b="0" dirty="0" smtClean="0">
                 <a:latin typeface="Source Code Pro" panose="020B0509030403020204" pitchFamily="49" charset="0"/>
               </a:rPr>
-              <a:t>) : </a:t>
-            </a:r>
-            <a:r>
-              <a:rPr lang="en-US" b="0" dirty="0" err="1" smtClean="0">
-                <a:latin typeface="Source Code Pro" panose="020B0509030403020204" pitchFamily="49" charset="0"/>
-              </a:rPr>
-              <a:t>int</a:t>
-            </a:r>
-            <a:r>
-              <a:rPr lang="en-US" b="0" dirty="0" smtClean="0">
-                <a:latin typeface="Source Code Pro" panose="020B0509030403020204" pitchFamily="49" charset="0"/>
-              </a:rPr>
-              <a:t> =</a:t>
+              <a:t>;</a:t>
             </a:r>
             <a:br>
               <a:rPr lang="en-US" b="0" dirty="0" smtClean="0">
@@ -19086,75 +19342,28 @@
               </a:rPr>
             </a:br>
             <a:r>
+              <a:rPr lang="en-US" b="0" dirty="0" err="1" smtClean="0">
+                <a:latin typeface="Source Code Pro" panose="020B0509030403020204" pitchFamily="49" charset="0"/>
+              </a:rPr>
+              <a:t>struct</a:t>
+            </a:r>
+            <a:r>
               <a:rPr lang="en-US" b="0" dirty="0" smtClean="0">
                 <a:latin typeface="Source Code Pro" panose="020B0509030403020204" pitchFamily="49" charset="0"/>
               </a:rPr>
-              <a:t>  </a:t>
-            </a:r>
-            <a:r>
-              <a:rPr lang="en-US" dirty="0" smtClean="0">
-                <a:latin typeface="Source Code Pro" panose="020B0509030403020204" pitchFamily="49" charset="0"/>
-              </a:rPr>
-              <a:t>match</a:t>
+              <a:t> </a:t>
             </a:r>
             <a:r>
               <a:rPr lang="en-US" b="0" dirty="0" smtClean="0">
                 <a:latin typeface="Source Code Pro" panose="020B0509030403020204" pitchFamily="49" charset="0"/>
               </a:rPr>
-              <a:t> e with</a:t>
-            </a:r>
-            <a:r>
-              <a:rPr lang="en-US" b="0" dirty="0">
-                <a:latin typeface="Source Code Pro" panose="020B0509030403020204" pitchFamily="49" charset="0"/>
-              </a:rPr>
-              <a:t/>
-            </a:r>
-            <a:br>
-              <a:rPr lang="en-US" b="0" dirty="0">
-                <a:latin typeface="Source Code Pro" panose="020B0509030403020204" pitchFamily="49" charset="0"/>
-              </a:rPr>
-            </a:br>
+              <a:t>Add</a:t>
+            </a:r>
             <a:r>
               <a:rPr lang="en-US" b="0" dirty="0" smtClean="0">
                 <a:latin typeface="Source Code Pro" panose="020B0509030403020204" pitchFamily="49" charset="0"/>
               </a:rPr>
-              <a:t>    | </a:t>
-            </a:r>
-            <a:r>
-              <a:rPr lang="en-US" b="0" dirty="0" err="1" smtClean="0">
-                <a:latin typeface="Source Code Pro" panose="020B0509030403020204" pitchFamily="49" charset="0"/>
-              </a:rPr>
-              <a:t>Num</a:t>
-            </a:r>
-            <a:r>
-              <a:rPr lang="en-US" b="0" dirty="0" smtClean="0">
-                <a:latin typeface="Source Code Pro" panose="020B0509030403020204" pitchFamily="49" charset="0"/>
-              </a:rPr>
-              <a:t> </a:t>
-            </a:r>
-            <a:r>
-              <a:rPr lang="en-US" b="0" dirty="0" err="1" smtClean="0">
-                <a:latin typeface="Source Code Pro" panose="020B0509030403020204" pitchFamily="49" charset="0"/>
-              </a:rPr>
-              <a:t>i</a:t>
-            </a:r>
-            <a:r>
-              <a:rPr lang="en-US" b="0" dirty="0" smtClean="0">
-                <a:latin typeface="Source Code Pro" panose="020B0509030403020204" pitchFamily="49" charset="0"/>
-              </a:rPr>
-              <a:t> -&gt; </a:t>
-            </a:r>
-            <a:r>
-              <a:rPr lang="en-US" b="0" dirty="0" err="1" smtClean="0">
-                <a:latin typeface="Source Code Pro" panose="020B0509030403020204" pitchFamily="49" charset="0"/>
-              </a:rPr>
-              <a:t>i</a:t>
-            </a:r>
-            <a:r>
-              <a:rPr lang="en-US" b="0" dirty="0" smtClean="0">
-                <a:latin typeface="Source Code Pro" panose="020B0509030403020204" pitchFamily="49" charset="0"/>
-              </a:rPr>
-              <a:t/>
+              <a:t>;</a:t>
             </a:r>
             <a:br>
               <a:rPr lang="en-US" b="0" dirty="0" smtClean="0">
@@ -19165,95 +19374,206 @@
               <a:rPr lang="en-US" b="0" dirty="0" smtClean="0">
                 <a:latin typeface="Source Code Pro" panose="020B0509030403020204" pitchFamily="49" charset="0"/>
               </a:rPr>
-              <a:t>    | Add (u, v) -&gt; (evaluate u) + (evaluate v)</a:t>
-            </a:r>
-          </a:p>
-          <a:p>
-            <a:pPr marL="342900" indent="-342900">
-              <a:buFont typeface="Arial" panose="020B0604020202020204" pitchFamily="34" charset="0"/>
-              <a:buChar char="•"/>
-            </a:pPr>
-            <a:endParaRPr lang="en-US" b="0" dirty="0" smtClean="0">
-              <a:latin typeface="+mn-lt"/>
-            </a:endParaRPr>
-          </a:p>
-          <a:p>
-            <a:pPr marL="342900" indent="-342900">
-              <a:buFont typeface="Arial" panose="020B0604020202020204" pitchFamily="34" charset="0"/>
-              <a:buChar char="•"/>
-            </a:pPr>
-            <a:r>
+              <a:t/>
+            </a:r>
+            <a:br>
               <a:rPr lang="en-US" b="0" dirty="0" smtClean="0">
-                <a:latin typeface="+mn-lt"/>
-              </a:rPr>
-              <a:t>Lots of data structures are naturally expressible as sums</a:t>
-            </a:r>
-          </a:p>
-          <a:p>
-            <a:pPr marL="1085850" lvl="1" indent="-342900">
-              <a:buFont typeface="Arial" panose="020B0604020202020204" pitchFamily="34" charset="0"/>
-              <a:buChar char="•"/>
-            </a:pPr>
-            <a:r>
-              <a:rPr lang="en-US" dirty="0" smtClean="0">
-                <a:latin typeface="+mn-lt"/>
-              </a:rPr>
-              <a:t>Trees</a:t>
-            </a:r>
-          </a:p>
-          <a:p>
-            <a:pPr marL="1085850" lvl="1" indent="-342900">
-              <a:buFont typeface="Arial" panose="020B0604020202020204" pitchFamily="34" charset="0"/>
-              <a:buChar char="•"/>
-            </a:pPr>
+                <a:latin typeface="Source Code Pro" panose="020B0509030403020204" pitchFamily="49" charset="0"/>
+              </a:rPr>
+            </a:br>
             <a:r>
               <a:rPr lang="en-US" b="0" dirty="0" smtClean="0">
-                <a:latin typeface="+mn-lt"/>
-              </a:rPr>
-              <a:t>Lists</a:t>
-            </a:r>
-          </a:p>
-          <a:p>
-            <a:pPr marL="1085850" lvl="1" indent="-342900">
-              <a:buFont typeface="Arial" panose="020B0604020202020204" pitchFamily="34" charset="0"/>
-              <a:buChar char="•"/>
-            </a:pPr>
+                <a:latin typeface="Source Code Pro" panose="020B0509030403020204" pitchFamily="49" charset="0"/>
+              </a:rPr>
+              <a:t>using expr = </a:t>
+            </a:r>
+            <a:r>
+              <a:rPr lang="en-US" b="0" dirty="0" err="1" smtClean="0">
+                <a:latin typeface="Source Code Pro" panose="020B0509030403020204" pitchFamily="49" charset="0"/>
+              </a:rPr>
+              <a:t>pgs</a:t>
+            </a:r>
             <a:r>
               <a:rPr lang="en-US" b="0" dirty="0" smtClean="0">
-                <a:latin typeface="+mn-lt"/>
-              </a:rPr>
-              <a:t>Expressions</a:t>
-            </a:r>
-          </a:p>
-          <a:p>
-            <a:pPr marL="1085850" lvl="1" indent="-342900">
-              <a:buFont typeface="Arial" panose="020B0604020202020204" pitchFamily="34" charset="0"/>
-              <a:buChar char="•"/>
-            </a:pPr>
-            <a:r>
-              <a:rPr lang="en-US" dirty="0" smtClean="0">
-                <a:latin typeface="+mn-lt"/>
-              </a:rPr>
-              <a:t>…</a:t>
-            </a:r>
-          </a:p>
-          <a:p>
-            <a:pPr marL="1085850" lvl="1" indent="-342900">
-              <a:buFont typeface="Arial" panose="020B0604020202020204" pitchFamily="34" charset="0"/>
-              <a:buChar char="•"/>
-            </a:pPr>
-            <a:endParaRPr lang="en-US" b="0" dirty="0" smtClean="0">
-              <a:latin typeface="+mn-lt"/>
-            </a:endParaRPr>
-          </a:p>
-          <a:p>
-            <a:pPr marL="342900" indent="-342900">
-              <a:buFont typeface="Arial" panose="020B0604020202020204" pitchFamily="34" charset="0"/>
-              <a:buChar char="•"/>
-            </a:pPr>
-            <a:endParaRPr lang="en-US" b="0" dirty="0" smtClean="0">
-              <a:latin typeface="Source Code Pro" panose="020B0509030403020204" pitchFamily="49" charset="0"/>
-            </a:endParaRPr>
+                <a:latin typeface="Source Code Pro" panose="020B0509030403020204" pitchFamily="49" charset="0"/>
+              </a:rPr>
+              <a:t>::</a:t>
+            </a:r>
+            <a:r>
+              <a:rPr lang="en-US" b="0" dirty="0" err="1" smtClean="0">
+                <a:latin typeface="Source Code Pro" panose="020B0509030403020204" pitchFamily="49" charset="0"/>
+              </a:rPr>
+              <a:t>sum_type</a:t>
+            </a:r>
+            <a:r>
+              <a:rPr lang="en-US" b="0" dirty="0" smtClean="0">
+                <a:latin typeface="Source Code Pro" panose="020B0509030403020204" pitchFamily="49" charset="0"/>
+              </a:rPr>
+              <a:t>&lt;</a:t>
+            </a:r>
+            <a:br>
+              <a:rPr lang="en-US" b="0" dirty="0" smtClean="0">
+                <a:latin typeface="Source Code Pro" panose="020B0509030403020204" pitchFamily="49" charset="0"/>
+              </a:rPr>
+            </a:br>
+            <a:r>
+              <a:rPr lang="en-US" b="0" dirty="0" smtClean="0">
+                <a:latin typeface="Source Code Pro" panose="020B0509030403020204" pitchFamily="49" charset="0"/>
+              </a:rPr>
+              <a:t>  </a:t>
+            </a:r>
+            <a:r>
+              <a:rPr lang="en-US" b="0" dirty="0" err="1" smtClean="0">
+                <a:latin typeface="Source Code Pro" panose="020B0509030403020204" pitchFamily="49" charset="0"/>
+              </a:rPr>
+              <a:t>Num</a:t>
+            </a:r>
+            <a:r>
+              <a:rPr lang="en-US" b="0" dirty="0" smtClean="0">
+                <a:latin typeface="Source Code Pro" panose="020B0509030403020204" pitchFamily="49" charset="0"/>
+              </a:rPr>
+              <a:t>,</a:t>
+            </a:r>
+            <a:br>
+              <a:rPr lang="en-US" b="0" dirty="0" smtClean="0">
+                <a:latin typeface="Source Code Pro" panose="020B0509030403020204" pitchFamily="49" charset="0"/>
+              </a:rPr>
+            </a:br>
+            <a:r>
+              <a:rPr lang="en-US" b="0" dirty="0" smtClean="0">
+                <a:latin typeface="Source Code Pro" panose="020B0509030403020204" pitchFamily="49" charset="0"/>
+              </a:rPr>
+              <a:t>  </a:t>
+            </a:r>
+            <a:r>
+              <a:rPr lang="en-US" b="0" dirty="0" err="1" smtClean="0">
+                <a:latin typeface="Source Code Pro" panose="020B0509030403020204" pitchFamily="49" charset="0"/>
+              </a:rPr>
+              <a:t>recursive_wrapper</a:t>
+            </a:r>
+            <a:r>
+              <a:rPr lang="en-US" b="0" dirty="0" smtClean="0">
+                <a:latin typeface="Source Code Pro" panose="020B0509030403020204" pitchFamily="49" charset="0"/>
+              </a:rPr>
+              <a:t>&lt;Add</a:t>
+            </a:r>
+            <a:r>
+              <a:rPr lang="en-US" b="0" dirty="0" smtClean="0">
+                <a:latin typeface="Source Code Pro" panose="020B0509030403020204" pitchFamily="49" charset="0"/>
+              </a:rPr>
+              <a:t>&gt;</a:t>
+            </a:r>
+            <a:br>
+              <a:rPr lang="en-US" b="0" dirty="0" smtClean="0">
+                <a:latin typeface="Source Code Pro" panose="020B0509030403020204" pitchFamily="49" charset="0"/>
+              </a:rPr>
+            </a:br>
+            <a:r>
+              <a:rPr lang="en-US" b="0" dirty="0" smtClean="0">
+                <a:latin typeface="Source Code Pro" panose="020B0509030403020204" pitchFamily="49" charset="0"/>
+              </a:rPr>
+              <a:t>&gt;;</a:t>
+            </a:r>
+            <a:br>
+              <a:rPr lang="en-US" b="0" dirty="0" smtClean="0">
+                <a:latin typeface="Source Code Pro" panose="020B0509030403020204" pitchFamily="49" charset="0"/>
+              </a:rPr>
+            </a:br>
+            <a:r>
+              <a:rPr lang="en-US" b="0" dirty="0" smtClean="0">
+                <a:latin typeface="Source Code Pro" panose="020B0509030403020204" pitchFamily="49" charset="0"/>
+              </a:rPr>
+              <a:t/>
+            </a:r>
+            <a:br>
+              <a:rPr lang="en-US" b="0" dirty="0" smtClean="0">
+                <a:latin typeface="Source Code Pro" panose="020B0509030403020204" pitchFamily="49" charset="0"/>
+              </a:rPr>
+            </a:br>
+            <a:r>
+              <a:rPr lang="en-US" b="0" dirty="0" err="1" smtClean="0">
+                <a:latin typeface="Source Code Pro" panose="020B0509030403020204" pitchFamily="49" charset="0"/>
+              </a:rPr>
+              <a:t>struct</a:t>
+            </a:r>
+            <a:r>
+              <a:rPr lang="en-US" b="0" dirty="0" smtClean="0">
+                <a:latin typeface="Source Code Pro" panose="020B0509030403020204" pitchFamily="49" charset="0"/>
+              </a:rPr>
+              <a:t> </a:t>
+            </a:r>
+            <a:r>
+              <a:rPr lang="en-US" b="0" dirty="0" err="1" smtClean="0">
+                <a:latin typeface="Source Code Pro" panose="020B0509030403020204" pitchFamily="49" charset="0"/>
+              </a:rPr>
+              <a:t>Num</a:t>
+            </a:r>
+            <a:r>
+              <a:rPr lang="en-US" b="0" dirty="0" smtClean="0">
+                <a:latin typeface="Source Code Pro" panose="020B0509030403020204" pitchFamily="49" charset="0"/>
+              </a:rPr>
+              <a:t> </a:t>
+            </a:r>
+            <a:r>
+              <a:rPr lang="en-US" b="0" dirty="0" smtClean="0">
+                <a:latin typeface="Source Code Pro" panose="020B0509030403020204" pitchFamily="49" charset="0"/>
+              </a:rPr>
+              <a:t>{</a:t>
+            </a:r>
+            <a:r>
+              <a:rPr lang="en-US" b="0" dirty="0" err="1" smtClean="0">
+                <a:latin typeface="Source Code Pro" panose="020B0509030403020204" pitchFamily="49" charset="0"/>
+              </a:rPr>
+              <a:t>int</a:t>
+            </a:r>
+            <a:r>
+              <a:rPr lang="en-US" b="0" dirty="0" smtClean="0">
+                <a:latin typeface="Source Code Pro" panose="020B0509030403020204" pitchFamily="49" charset="0"/>
+              </a:rPr>
+              <a:t> </a:t>
+            </a:r>
+            <a:r>
+              <a:rPr lang="en-US" b="0" dirty="0" err="1" smtClean="0">
+                <a:latin typeface="Source Code Pro" panose="020B0509030403020204" pitchFamily="49" charset="0"/>
+              </a:rPr>
+              <a:t>i</a:t>
+            </a:r>
+            <a:r>
+              <a:rPr lang="en-US" b="0" dirty="0" smtClean="0">
+                <a:latin typeface="Source Code Pro" panose="020B0509030403020204" pitchFamily="49" charset="0"/>
+              </a:rPr>
+              <a:t>; //…};</a:t>
+            </a:r>
+            <a:br>
+              <a:rPr lang="en-US" b="0" dirty="0" smtClean="0">
+                <a:latin typeface="Source Code Pro" panose="020B0509030403020204" pitchFamily="49" charset="0"/>
+              </a:rPr>
+            </a:br>
+            <a:r>
+              <a:rPr lang="en-US" b="0" dirty="0" err="1" smtClean="0">
+                <a:latin typeface="Source Code Pro" panose="020B0509030403020204" pitchFamily="49" charset="0"/>
+              </a:rPr>
+              <a:t>struct</a:t>
+            </a:r>
+            <a:r>
+              <a:rPr lang="en-US" b="0" dirty="0" smtClean="0">
+                <a:latin typeface="Source Code Pro" panose="020B0509030403020204" pitchFamily="49" charset="0"/>
+              </a:rPr>
+              <a:t> </a:t>
+            </a:r>
+            <a:r>
+              <a:rPr lang="en-US" b="0" dirty="0" smtClean="0">
+                <a:latin typeface="Source Code Pro" panose="020B0509030403020204" pitchFamily="49" charset="0"/>
+              </a:rPr>
+              <a:t>Add </a:t>
+            </a:r>
+            <a:r>
+              <a:rPr lang="en-US" b="0" dirty="0" smtClean="0">
+                <a:latin typeface="Source Code Pro" panose="020B0509030403020204" pitchFamily="49" charset="0"/>
+              </a:rPr>
+              <a:t>{expr l; expr r; //…};</a:t>
+            </a:r>
+            <a:endParaRPr lang="en-US" dirty="0"/>
           </a:p>
         </p:txBody>
       </p:sp>
@@ -19315,7 +19635,7 @@
     </p:spTree>
     <p:extLst>
       <p:ext uri="{BB962C8B-B14F-4D97-AF65-F5344CB8AC3E}">
-        <p14:creationId xmlns:p14="http://schemas.microsoft.com/office/powerpoint/2010/main" val="3436477302"/>
+        <p14:creationId xmlns:p14="http://schemas.microsoft.com/office/powerpoint/2010/main" val="423993975"/>
       </p:ext>
     </p:extLst>
   </p:cSld>
@@ -19366,7 +19686,7 @@
           <a:p>
             <a:r>
               <a:rPr lang="en-US" dirty="0" smtClean="0"/>
-              <a:t>Pretty good sum type</a:t>
+              <a:t>Constructing sums</a:t>
             </a:r>
             <a:endParaRPr lang="en-US" dirty="0"/>
           </a:p>
@@ -19387,63 +19707,131 @@
           <a:bodyPr/>
           <a:lstStyle/>
           <a:p>
-            <a:pPr marL="342900" indent="-342900">
-              <a:buFont typeface="Arial" panose="020B0604020202020204" pitchFamily="34" charset="0"/>
-              <a:buChar char="•"/>
-            </a:pPr>
-            <a:r>
-              <a:rPr lang="en-US" dirty="0" smtClean="0"/>
-              <a:t>In a nutshell, the “Pretty </a:t>
-            </a:r>
-            <a:r>
-              <a:rPr lang="en-US" smtClean="0"/>
-              <a:t>Good Sum” </a:t>
-            </a:r>
-            <a:r>
-              <a:rPr lang="en-US" dirty="0" smtClean="0"/>
-              <a:t>library is an emulation of </a:t>
-            </a:r>
-            <a:r>
-              <a:rPr lang="en-US" dirty="0" err="1" smtClean="0"/>
-              <a:t>OCaml‘s</a:t>
-            </a:r>
-            <a:r>
-              <a:rPr lang="en-US" dirty="0" smtClean="0"/>
-              <a:t> sums with constructors</a:t>
+            <a:r>
+              <a:rPr lang="en-US" b="0" dirty="0"/>
+              <a:t>An example value of </a:t>
+            </a:r>
+            <a:r>
+              <a:rPr lang="en-US" b="0" dirty="0">
+                <a:latin typeface="Source Code Pro" panose="020B0509030403020204" pitchFamily="49" charset="0"/>
+              </a:rPr>
+              <a:t>type expr </a:t>
+            </a:r>
+            <a:r>
+              <a:rPr lang="en-US" b="0" dirty="0"/>
+              <a:t>(</a:t>
+            </a:r>
+            <a:r>
+              <a:rPr lang="en-US" b="0" i="1" dirty="0"/>
+              <a:t>1 + (2 + 3</a:t>
+            </a:r>
+            <a:r>
+              <a:rPr lang="en-US" b="0" i="1" dirty="0" smtClean="0"/>
+              <a:t>)</a:t>
+            </a:r>
+            <a:r>
+              <a:rPr lang="en-US" b="0" dirty="0" smtClean="0"/>
+              <a:t>):</a:t>
             </a:r>
             <a:br>
-              <a:rPr lang="en-US" dirty="0" smtClean="0"/>
+              <a:rPr lang="en-US" b="0" dirty="0" smtClean="0"/>
             </a:br>
             <a:r>
-              <a:rPr lang="en-US" dirty="0" smtClean="0"/>
+              <a:rPr lang="en-US" b="0" dirty="0"/>
               <a:t/>
             </a:r>
             <a:br>
-              <a:rPr lang="en-US" dirty="0" smtClean="0"/>
+              <a:rPr lang="en-US" b="0" dirty="0"/>
             </a:br>
             <a:r>
-              <a:rPr lang="en-US" b="0" dirty="0" err="1" smtClean="0">
-                <a:latin typeface="Source Code Pro" panose="020B0509030403020204" pitchFamily="49" charset="0"/>
-              </a:rPr>
-              <a:t>struct</a:t>
-            </a:r>
+              <a:rPr lang="en-US" b="0" dirty="0">
+                <a:latin typeface="Source Code Pro" panose="020B0509030403020204" pitchFamily="49" charset="0"/>
+              </a:rPr>
+              <a:t>expr e{</a:t>
+            </a:r>
+          </a:p>
+          <a:p>
+            <a:r>
+              <a:rPr lang="en-US" b="0" dirty="0">
+                <a:latin typeface="Source Code Pro" panose="020B0509030403020204" pitchFamily="49" charset="0"/>
+              </a:rPr>
+              <a:t>  constructor&lt;Add&gt;{}, </a:t>
+            </a:r>
+          </a:p>
+          <a:p>
+            <a:r>
+              <a:rPr lang="en-US" b="0" dirty="0">
+                <a:latin typeface="Source Code Pro" panose="020B0509030403020204" pitchFamily="49" charset="0"/>
+              </a:rPr>
+              <a:t>  expr{constructor&lt;</a:t>
+            </a:r>
+            <a:r>
+              <a:rPr lang="en-US" b="0" dirty="0" err="1">
+                <a:latin typeface="Source Code Pro" panose="020B0509030403020204" pitchFamily="49" charset="0"/>
+              </a:rPr>
+              <a:t>Num</a:t>
+            </a:r>
+            <a:r>
+              <a:rPr lang="en-US" b="0" dirty="0">
+                <a:latin typeface="Source Code Pro" panose="020B0509030403020204" pitchFamily="49" charset="0"/>
+              </a:rPr>
+              <a:t>&gt;{}, 1},</a:t>
+            </a:r>
+          </a:p>
+          <a:p>
+            <a:r>
+              <a:rPr lang="en-US" b="0" dirty="0">
+                <a:latin typeface="Source Code Pro" panose="020B0509030403020204" pitchFamily="49" charset="0"/>
+              </a:rPr>
+              <a:t>    expr{constructor&lt;Add&gt;{}, </a:t>
+            </a:r>
+          </a:p>
+          <a:p>
+            <a:r>
+              <a:rPr lang="en-US" b="0" dirty="0">
+                <a:latin typeface="Source Code Pro" panose="020B0509030403020204" pitchFamily="49" charset="0"/>
+              </a:rPr>
+              <a:t>      expr{constructor&lt;</a:t>
+            </a:r>
+            <a:r>
+              <a:rPr lang="en-US" b="0" dirty="0" err="1">
+                <a:latin typeface="Source Code Pro" panose="020B0509030403020204" pitchFamily="49" charset="0"/>
+              </a:rPr>
+              <a:t>Num</a:t>
+            </a:r>
+            <a:r>
+              <a:rPr lang="en-US" b="0" dirty="0">
+                <a:latin typeface="Source Code Pro" panose="020B0509030403020204" pitchFamily="49" charset="0"/>
+              </a:rPr>
+              <a:t>&gt;{}, 2}, </a:t>
+            </a:r>
+          </a:p>
+          <a:p>
+            <a:r>
+              <a:rPr lang="en-US" b="0" dirty="0">
+                <a:latin typeface="Source Code Pro" panose="020B0509030403020204" pitchFamily="49" charset="0"/>
+              </a:rPr>
+              <a:t>      expr{constructor&lt;</a:t>
+            </a:r>
+            <a:r>
+              <a:rPr lang="en-US" b="0" dirty="0" err="1">
+                <a:latin typeface="Source Code Pro" panose="020B0509030403020204" pitchFamily="49" charset="0"/>
+              </a:rPr>
+              <a:t>Num</a:t>
+            </a:r>
+            <a:r>
+              <a:rPr lang="en-US" b="0" dirty="0">
+                <a:latin typeface="Source Code Pro" panose="020B0509030403020204" pitchFamily="49" charset="0"/>
+              </a:rPr>
+              <a:t>&gt;{}, 3}}</a:t>
+            </a:r>
+          </a:p>
+          <a:p>
             <a:r>
               <a:rPr lang="en-US" b="0" dirty="0" smtClean="0">
                 <a:latin typeface="Source Code Pro" panose="020B0509030403020204" pitchFamily="49" charset="0"/>
               </a:rPr>
-              <a:t> </a:t>
-            </a:r>
-            <a:r>
-              <a:rPr lang="en-US" b="0" dirty="0" err="1" smtClean="0">
-                <a:latin typeface="Source Code Pro" panose="020B0509030403020204" pitchFamily="49" charset="0"/>
-              </a:rPr>
-              <a:t>num</a:t>
-            </a:r>
-            <a:r>
-              <a:rPr lang="en-US" b="0" dirty="0" smtClean="0">
-                <a:latin typeface="Source Code Pro" panose="020B0509030403020204" pitchFamily="49" charset="0"/>
-              </a:rPr>
-              <a:t>;</a:t>
+              <a:t>};</a:t>
             </a:r>
             <a:br>
               <a:rPr lang="en-US" b="0" dirty="0" smtClean="0">
@@ -19451,16 +19839,10 @@
               </a:rPr>
             </a:br>
             <a:r>
-              <a:rPr lang="en-US" b="0" dirty="0" err="1" smtClean="0">
-                <a:latin typeface="Source Code Pro" panose="020B0509030403020204" pitchFamily="49" charset="0"/>
-              </a:rPr>
-              <a:t>struct</a:t>
-            </a:r>
-            <a:r>
               <a:rPr lang="en-US" b="0" dirty="0" smtClean="0">
                 <a:latin typeface="Source Code Pro" panose="020B0509030403020204" pitchFamily="49" charset="0"/>
               </a:rPr>
-              <a:t> add;</a:t>
+              <a:t/>
             </a:r>
             <a:br>
               <a:rPr lang="en-US" b="0" dirty="0" smtClean="0">
@@ -19469,184 +19851,10 @@
             </a:br>
             <a:r>
               <a:rPr lang="en-US" b="0" dirty="0" smtClean="0">
-                <a:latin typeface="Source Code Pro" panose="020B0509030403020204" pitchFamily="49" charset="0"/>
-              </a:rPr>
-              <a:t/>
-            </a:r>
-            <a:br>
-              <a:rPr lang="en-US" b="0" dirty="0" smtClean="0">
-                <a:latin typeface="Source Code Pro" panose="020B0509030403020204" pitchFamily="49" charset="0"/>
-              </a:rPr>
-            </a:br>
-            <a:r>
-              <a:rPr lang="en-US" b="0" dirty="0" smtClean="0">
-                <a:latin typeface="Source Code Pro" panose="020B0509030403020204" pitchFamily="49" charset="0"/>
-              </a:rPr>
-              <a:t>using expr = </a:t>
-            </a:r>
-            <a:r>
-              <a:rPr lang="en-US" b="0" dirty="0" err="1" smtClean="0">
-                <a:latin typeface="Source Code Pro" panose="020B0509030403020204" pitchFamily="49" charset="0"/>
-              </a:rPr>
-              <a:t>pgs</a:t>
-            </a:r>
-            <a:r>
-              <a:rPr lang="en-US" b="0" dirty="0" smtClean="0">
-                <a:latin typeface="Source Code Pro" panose="020B0509030403020204" pitchFamily="49" charset="0"/>
-              </a:rPr>
-              <a:t>::</a:t>
-            </a:r>
-            <a:r>
-              <a:rPr lang="en-US" b="0" dirty="0" err="1" smtClean="0">
-                <a:latin typeface="Source Code Pro" panose="020B0509030403020204" pitchFamily="49" charset="0"/>
-              </a:rPr>
-              <a:t>sum_type</a:t>
-            </a:r>
-            <a:r>
-              <a:rPr lang="en-US" b="0" dirty="0" smtClean="0">
-                <a:latin typeface="Source Code Pro" panose="020B0509030403020204" pitchFamily="49" charset="0"/>
-              </a:rPr>
-              <a:t>&lt;</a:t>
-            </a:r>
-            <a:br>
-              <a:rPr lang="en-US" b="0" dirty="0" smtClean="0">
-                <a:latin typeface="Source Code Pro" panose="020B0509030403020204" pitchFamily="49" charset="0"/>
-              </a:rPr>
-            </a:br>
-            <a:r>
-              <a:rPr lang="en-US" b="0" dirty="0" smtClean="0">
-                <a:latin typeface="Source Code Pro" panose="020B0509030403020204" pitchFamily="49" charset="0"/>
-              </a:rPr>
-              <a:t>  </a:t>
-            </a:r>
-            <a:r>
-              <a:rPr lang="en-US" b="0" dirty="0" err="1" smtClean="0">
-                <a:latin typeface="Source Code Pro" panose="020B0509030403020204" pitchFamily="49" charset="0"/>
-              </a:rPr>
-              <a:t>num</a:t>
-            </a:r>
-            <a:r>
-              <a:rPr lang="en-US" b="0" dirty="0" smtClean="0">
-                <a:latin typeface="Source Code Pro" panose="020B0509030403020204" pitchFamily="49" charset="0"/>
-              </a:rPr>
-              <a:t>,</a:t>
-            </a:r>
-            <a:br>
-              <a:rPr lang="en-US" b="0" dirty="0" smtClean="0">
-                <a:latin typeface="Source Code Pro" panose="020B0509030403020204" pitchFamily="49" charset="0"/>
-              </a:rPr>
-            </a:br>
-            <a:r>
-              <a:rPr lang="en-US" b="0" dirty="0" smtClean="0">
-                <a:latin typeface="Source Code Pro" panose="020B0509030403020204" pitchFamily="49" charset="0"/>
-              </a:rPr>
-              <a:t>  </a:t>
-            </a:r>
-            <a:r>
-              <a:rPr lang="en-US" b="0" dirty="0" err="1" smtClean="0">
-                <a:latin typeface="Source Code Pro" panose="020B0509030403020204" pitchFamily="49" charset="0"/>
-              </a:rPr>
-              <a:t>recursive_wrapper</a:t>
-            </a:r>
-            <a:r>
-              <a:rPr lang="en-US" b="0" dirty="0" smtClean="0">
-                <a:latin typeface="Source Code Pro" panose="020B0509030403020204" pitchFamily="49" charset="0"/>
-              </a:rPr>
-              <a:t>&lt;add&gt;</a:t>
-            </a:r>
-            <a:br>
-              <a:rPr lang="en-US" b="0" dirty="0" smtClean="0">
-                <a:latin typeface="Source Code Pro" panose="020B0509030403020204" pitchFamily="49" charset="0"/>
-              </a:rPr>
-            </a:br>
-            <a:r>
-              <a:rPr lang="en-US" b="0" dirty="0" smtClean="0">
-                <a:latin typeface="Source Code Pro" panose="020B0509030403020204" pitchFamily="49" charset="0"/>
-              </a:rPr>
-              <a:t>&gt;;</a:t>
-            </a:r>
-            <a:br>
-              <a:rPr lang="en-US" b="0" dirty="0" smtClean="0">
-                <a:latin typeface="Source Code Pro" panose="020B0509030403020204" pitchFamily="49" charset="0"/>
-              </a:rPr>
-            </a:br>
-            <a:r>
-              <a:rPr lang="en-US" b="0" dirty="0" smtClean="0">
-                <a:latin typeface="Source Code Pro" panose="020B0509030403020204" pitchFamily="49" charset="0"/>
-              </a:rPr>
-              <a:t/>
-            </a:r>
-            <a:br>
-              <a:rPr lang="en-US" b="0" dirty="0" smtClean="0">
-                <a:latin typeface="Source Code Pro" panose="020B0509030403020204" pitchFamily="49" charset="0"/>
-              </a:rPr>
-            </a:br>
-            <a:r>
-              <a:rPr lang="en-US" b="0" dirty="0" err="1" smtClean="0">
-                <a:latin typeface="Source Code Pro" panose="020B0509030403020204" pitchFamily="49" charset="0"/>
-              </a:rPr>
-              <a:t>struct</a:t>
-            </a:r>
-            <a:r>
-              <a:rPr lang="en-US" b="0" dirty="0" smtClean="0">
-                <a:latin typeface="Source Code Pro" panose="020B0509030403020204" pitchFamily="49" charset="0"/>
-              </a:rPr>
-              <a:t> </a:t>
-            </a:r>
-            <a:r>
-              <a:rPr lang="en-US" b="0" dirty="0" err="1" smtClean="0">
-                <a:latin typeface="Source Code Pro" panose="020B0509030403020204" pitchFamily="49" charset="0"/>
-              </a:rPr>
-              <a:t>num</a:t>
-            </a:r>
-            <a:r>
-              <a:rPr lang="en-US" b="0" dirty="0" smtClean="0">
-                <a:latin typeface="Source Code Pro" panose="020B0509030403020204" pitchFamily="49" charset="0"/>
-              </a:rPr>
-              <a:t> {</a:t>
-            </a:r>
-            <a:r>
-              <a:rPr lang="en-US" b="0" dirty="0" err="1" smtClean="0">
-                <a:latin typeface="Source Code Pro" panose="020B0509030403020204" pitchFamily="49" charset="0"/>
-              </a:rPr>
-              <a:t>int</a:t>
-            </a:r>
-            <a:r>
-              <a:rPr lang="en-US" b="0" dirty="0" smtClean="0">
-                <a:latin typeface="Source Code Pro" panose="020B0509030403020204" pitchFamily="49" charset="0"/>
-              </a:rPr>
-              <a:t> </a:t>
-            </a:r>
-            <a:r>
-              <a:rPr lang="en-US" b="0" dirty="0" err="1" smtClean="0">
-                <a:latin typeface="Source Code Pro" panose="020B0509030403020204" pitchFamily="49" charset="0"/>
-              </a:rPr>
-              <a:t>i</a:t>
-            </a:r>
-            <a:r>
-              <a:rPr lang="en-US" b="0" dirty="0" smtClean="0">
-                <a:latin typeface="Source Code Pro" panose="020B0509030403020204" pitchFamily="49" charset="0"/>
-              </a:rPr>
-              <a:t>; //…};</a:t>
-            </a:r>
-            <a:br>
-              <a:rPr lang="en-US" b="0" dirty="0" smtClean="0">
-                <a:latin typeface="Source Code Pro" panose="020B0509030403020204" pitchFamily="49" charset="0"/>
-              </a:rPr>
-            </a:br>
-            <a:r>
-              <a:rPr lang="en-US" b="0" dirty="0" err="1" smtClean="0">
-                <a:latin typeface="Source Code Pro" panose="020B0509030403020204" pitchFamily="49" charset="0"/>
-              </a:rPr>
-              <a:t>struct</a:t>
-            </a:r>
-            <a:r>
-              <a:rPr lang="en-US" b="0" dirty="0" smtClean="0">
-                <a:latin typeface="Source Code Pro" panose="020B0509030403020204" pitchFamily="49" charset="0"/>
-              </a:rPr>
-              <a:t> add {expr l; expr r; //…};</a:t>
-            </a:r>
-            <a:endParaRPr lang="en-US" dirty="0"/>
+                <a:latin typeface="+mn-lt"/>
+              </a:rPr>
+              <a:t>Verbose. We can do better…</a:t>
+            </a:r>
           </a:p>
         </p:txBody>
       </p:sp>
@@ -19708,7 +19916,7 @@
     </p:spTree>
     <p:extLst>
       <p:ext uri="{BB962C8B-B14F-4D97-AF65-F5344CB8AC3E}">
-        <p14:creationId xmlns:p14="http://schemas.microsoft.com/office/powerpoint/2010/main" val="423993975"/>
+        <p14:creationId xmlns:p14="http://schemas.microsoft.com/office/powerpoint/2010/main" val="91328172"/>
       </p:ext>
     </p:extLst>
   </p:cSld>
@@ -19759,7 +19967,7 @@
           <a:p>
             <a:r>
               <a:rPr lang="en-US" dirty="0" smtClean="0"/>
-              <a:t>Constructing sums</a:t>
+              <a:t>Reduce syntactic verbosity</a:t>
             </a:r>
             <a:endParaRPr lang="en-US" dirty="0"/>
           </a:p>
@@ -19796,115 +20004,20 @@
             </a:r>
             <a:r>
               <a:rPr lang="en-US" b="0" i="1" dirty="0"/>
-              <a:t>1 + (2 + 3</a:t>
-            </a:r>
-            <a:r>
-              <a:rPr lang="en-US" b="0" i="1" dirty="0" smtClean="0"/>
-              <a:t>)</a:t>
-            </a:r>
-            <a:r>
-              <a:rPr lang="en-US" b="0" dirty="0" smtClean="0"/>
+              <a:t>1 + (2 + 3)</a:t>
+            </a:r>
+            <a:r>
+              <a:rPr lang="en-US" b="0" dirty="0"/>
               <a:t>):</a:t>
-            </a:r>
-            <a:br>
-              <a:rPr lang="en-US" b="0" dirty="0" smtClean="0"/>
-            </a:br>
-            <a:r>
-              <a:rPr lang="en-US" b="0" dirty="0"/>
-              <a:t/>
             </a:r>
             <a:br>
               <a:rPr lang="en-US" b="0" dirty="0"/>
             </a:br>
             <a:r>
-              <a:rPr lang="en-US" b="0" dirty="0">
-                <a:latin typeface="Source Code Pro" panose="020B0509030403020204" pitchFamily="49" charset="0"/>
-              </a:rPr>
-              <a:t>expr e{</a:t>
-            </a:r>
-          </a:p>
-          <a:p>
-            <a:r>
-              <a:rPr lang="en-US" b="0" dirty="0">
-                <a:latin typeface="Source Code Pro" panose="020B0509030403020204" pitchFamily="49" charset="0"/>
-              </a:rPr>
-              <a:t>  constructor&lt;Add&gt;{}, </a:t>
-            </a:r>
-          </a:p>
-          <a:p>
-            <a:r>
-              <a:rPr lang="en-US" b="0" dirty="0">
-                <a:latin typeface="Source Code Pro" panose="020B0509030403020204" pitchFamily="49" charset="0"/>
-              </a:rPr>
-              <a:t>  expr{constructor&lt;</a:t>
-            </a:r>
-            <a:r>
-              <a:rPr lang="en-US" b="0" dirty="0" err="1">
-                <a:latin typeface="Source Code Pro" panose="020B0509030403020204" pitchFamily="49" charset="0"/>
-              </a:rPr>
-              <a:t>Num</a:t>
-            </a:r>
-            <a:r>
-              <a:rPr lang="en-US" b="0" dirty="0">
-                <a:latin typeface="Source Code Pro" panose="020B0509030403020204" pitchFamily="49" charset="0"/>
-              </a:rPr>
-              <a:t>&gt;{}, 1},</a:t>
-            </a:r>
-          </a:p>
-          <a:p>
-            <a:r>
-              <a:rPr lang="en-US" b="0" dirty="0">
-                <a:latin typeface="Source Code Pro" panose="020B0509030403020204" pitchFamily="49" charset="0"/>
-              </a:rPr>
-              <a:t>    expr{constructor&lt;Add&gt;{}, </a:t>
-            </a:r>
-          </a:p>
-          <a:p>
-            <a:r>
-              <a:rPr lang="en-US" b="0" dirty="0">
-                <a:latin typeface="Source Code Pro" panose="020B0509030403020204" pitchFamily="49" charset="0"/>
-              </a:rPr>
-              <a:t>      expr{constructor&lt;</a:t>
-            </a:r>
-            <a:r>
-              <a:rPr lang="en-US" b="0" dirty="0" err="1">
-                <a:latin typeface="Source Code Pro" panose="020B0509030403020204" pitchFamily="49" charset="0"/>
-              </a:rPr>
-              <a:t>Num</a:t>
-            </a:r>
-            <a:r>
-              <a:rPr lang="en-US" b="0" dirty="0">
-                <a:latin typeface="Source Code Pro" panose="020B0509030403020204" pitchFamily="49" charset="0"/>
-              </a:rPr>
-              <a:t>&gt;{}, 2}, </a:t>
-            </a:r>
-          </a:p>
-          <a:p>
-            <a:r>
-              <a:rPr lang="en-US" b="0" dirty="0">
-                <a:latin typeface="Source Code Pro" panose="020B0509030403020204" pitchFamily="49" charset="0"/>
-              </a:rPr>
-              <a:t>      expr{constructor&lt;</a:t>
-            </a:r>
-            <a:r>
-              <a:rPr lang="en-US" b="0" dirty="0" err="1">
-                <a:latin typeface="Source Code Pro" panose="020B0509030403020204" pitchFamily="49" charset="0"/>
-              </a:rPr>
-              <a:t>Num</a:t>
-            </a:r>
-            <a:r>
-              <a:rPr lang="en-US" b="0" dirty="0">
-                <a:latin typeface="Source Code Pro" panose="020B0509030403020204" pitchFamily="49" charset="0"/>
-              </a:rPr>
-              <a:t>&gt;{}, 3}}</a:t>
-            </a:r>
-          </a:p>
-          <a:p>
-            <a:r>
               <a:rPr lang="en-US" b="0" dirty="0" smtClean="0">
                 <a:latin typeface="Source Code Pro" panose="020B0509030403020204" pitchFamily="49" charset="0"/>
               </a:rPr>
-              <a:t>};</a:t>
+              <a:t/>
             </a:r>
             <a:br>
               <a:rPr lang="en-US" b="0" dirty="0" smtClean="0">
@@ -19915,6 +20028,14 @@
               <a:rPr lang="en-US" b="0" dirty="0" smtClean="0">
                 <a:latin typeface="Source Code Pro" panose="020B0509030403020204" pitchFamily="49" charset="0"/>
               </a:rPr>
+              <a:t>//Factory functions</a:t>
+            </a:r>
+          </a:p>
+          <a:p>
+            <a:r>
+              <a:rPr lang="en-US" b="0" dirty="0" smtClean="0">
+                <a:latin typeface="Source Code Pro" panose="020B0509030403020204" pitchFamily="49" charset="0"/>
+              </a:rPr>
               <a:t/>
             </a:r>
             <a:br>
@@ -19924,10 +20045,253 @@
             </a:br>
             <a:r>
               <a:rPr lang="en-US" b="0" dirty="0" smtClean="0">
+                <a:latin typeface="Source Code Pro" panose="020B0509030403020204" pitchFamily="49" charset="0"/>
+              </a:rPr>
+              <a:t>expr </a:t>
+            </a:r>
+            <a:r>
+              <a:rPr lang="en-US" b="0" dirty="0" err="1">
+                <a:latin typeface="Source Code Pro" panose="020B0509030403020204" pitchFamily="49" charset="0"/>
+              </a:rPr>
+              <a:t>num</a:t>
+            </a:r>
+            <a:r>
+              <a:rPr lang="en-US" b="0" dirty="0">
+                <a:latin typeface="Source Code Pro" panose="020B0509030403020204" pitchFamily="49" charset="0"/>
+              </a:rPr>
+              <a:t> (</a:t>
+            </a:r>
+            <a:r>
+              <a:rPr lang="en-US" b="0" dirty="0" err="1">
+                <a:latin typeface="Source Code Pro" panose="020B0509030403020204" pitchFamily="49" charset="0"/>
+              </a:rPr>
+              <a:t>int</a:t>
+            </a:r>
+            <a:r>
+              <a:rPr lang="en-US" b="0" dirty="0">
+                <a:latin typeface="Source Code Pro" panose="020B0509030403020204" pitchFamily="49" charset="0"/>
+              </a:rPr>
+              <a:t> </a:t>
+            </a:r>
+            <a:r>
+              <a:rPr lang="en-US" b="0" dirty="0" err="1">
+                <a:latin typeface="Source Code Pro" panose="020B0509030403020204" pitchFamily="49" charset="0"/>
+              </a:rPr>
+              <a:t>i</a:t>
+            </a:r>
+            <a:r>
+              <a:rPr lang="en-US" b="0" dirty="0">
+                <a:latin typeface="Source Code Pro" panose="020B0509030403020204" pitchFamily="49" charset="0"/>
+              </a:rPr>
+              <a:t>) { </a:t>
+            </a:r>
+          </a:p>
+          <a:p>
+            <a:r>
+              <a:rPr lang="en-US" b="0" dirty="0">
+                <a:latin typeface="Source Code Pro" panose="020B0509030403020204" pitchFamily="49" charset="0"/>
+              </a:rPr>
+              <a:t>  return </a:t>
+            </a:r>
+            <a:r>
+              <a:rPr lang="en-US" b="0" dirty="0" smtClean="0">
+                <a:latin typeface="Source Code Pro" panose="020B0509030403020204" pitchFamily="49" charset="0"/>
+              </a:rPr>
+              <a:t>expr{constructor&lt;</a:t>
+            </a:r>
+            <a:r>
+              <a:rPr lang="en-US" b="0" dirty="0" err="1" smtClean="0">
+                <a:latin typeface="Source Code Pro" panose="020B0509030403020204" pitchFamily="49" charset="0"/>
+              </a:rPr>
+              <a:t>Num</a:t>
+            </a:r>
+            <a:r>
+              <a:rPr lang="en-US" b="0" dirty="0">
+                <a:latin typeface="Source Code Pro" panose="020B0509030403020204" pitchFamily="49" charset="0"/>
+              </a:rPr>
+              <a:t>&gt;{}, </a:t>
+            </a:r>
+            <a:r>
+              <a:rPr lang="en-US" b="0" dirty="0" err="1">
+                <a:latin typeface="Source Code Pro" panose="020B0509030403020204" pitchFamily="49" charset="0"/>
+              </a:rPr>
+              <a:t>i</a:t>
+            </a:r>
+            <a:r>
+              <a:rPr lang="en-US" b="0" dirty="0">
+                <a:latin typeface="Source Code Pro" panose="020B0509030403020204" pitchFamily="49" charset="0"/>
+              </a:rPr>
+              <a:t>}; </a:t>
+            </a:r>
+          </a:p>
+          <a:p>
+            <a:r>
+              <a:rPr lang="en-US" b="0" dirty="0">
+                <a:latin typeface="Source Code Pro" panose="020B0509030403020204" pitchFamily="49" charset="0"/>
+              </a:rPr>
+              <a:t>}</a:t>
+            </a:r>
+          </a:p>
+          <a:p>
+            <a:r>
+              <a:rPr lang="en-US" b="0" dirty="0">
+                <a:latin typeface="Source Code Pro" panose="020B0509030403020204" pitchFamily="49" charset="0"/>
+              </a:rPr>
+              <a:t>expr add (expr </a:t>
+            </a:r>
+            <a:r>
+              <a:rPr lang="en-US" b="0" dirty="0" err="1">
+                <a:latin typeface="Source Code Pro" panose="020B0509030403020204" pitchFamily="49" charset="0"/>
+              </a:rPr>
+              <a:t>const</a:t>
+            </a:r>
+            <a:r>
+              <a:rPr lang="en-US" b="0" dirty="0">
+                <a:latin typeface="Source Code Pro" panose="020B0509030403020204" pitchFamily="49" charset="0"/>
+              </a:rPr>
+              <a:t>&amp; u, expr </a:t>
+            </a:r>
+            <a:r>
+              <a:rPr lang="en-US" b="0" dirty="0" err="1">
+                <a:latin typeface="Source Code Pro" panose="020B0509030403020204" pitchFamily="49" charset="0"/>
+              </a:rPr>
+              <a:t>const</a:t>
+            </a:r>
+            <a:r>
+              <a:rPr lang="en-US" b="0" dirty="0">
+                <a:latin typeface="Source Code Pro" panose="020B0509030403020204" pitchFamily="49" charset="0"/>
+              </a:rPr>
+              <a:t>&amp; v) { </a:t>
+            </a:r>
+          </a:p>
+          <a:p>
+            <a:r>
+              <a:rPr lang="en-US" b="0" dirty="0">
+                <a:latin typeface="Source Code Pro" panose="020B0509030403020204" pitchFamily="49" charset="0"/>
+              </a:rPr>
+              <a:t>  return </a:t>
+            </a:r>
+            <a:r>
+              <a:rPr lang="en-US" b="0" dirty="0" smtClean="0">
+                <a:latin typeface="Source Code Pro" panose="020B0509030403020204" pitchFamily="49" charset="0"/>
+              </a:rPr>
+              <a:t>expr{constructor&lt;Add</a:t>
+            </a:r>
+            <a:r>
+              <a:rPr lang="en-US" b="0" dirty="0">
+                <a:latin typeface="Source Code Pro" panose="020B0509030403020204" pitchFamily="49" charset="0"/>
+              </a:rPr>
+              <a:t>&gt;{}, u, v}; </a:t>
+            </a:r>
+          </a:p>
+          <a:p>
+            <a:r>
+              <a:rPr lang="en-US" b="0" dirty="0" smtClean="0">
+                <a:latin typeface="Source Code Pro" panose="020B0509030403020204" pitchFamily="49" charset="0"/>
+              </a:rPr>
+              <a:t>}</a:t>
+            </a:r>
+            <a:br>
+              <a:rPr lang="en-US" b="0" dirty="0" smtClean="0">
+                <a:latin typeface="Source Code Pro" panose="020B0509030403020204" pitchFamily="49" charset="0"/>
+              </a:rPr>
+            </a:br>
+            <a:endParaRPr lang="en-US" b="0" dirty="0">
+              <a:latin typeface="Source Code Pro" panose="020B0509030403020204" pitchFamily="49" charset="0"/>
+            </a:endParaRPr>
+          </a:p>
+          <a:p>
+            <a:r>
+              <a:rPr lang="en-US" b="0" dirty="0" smtClean="0">
+                <a:latin typeface="Source Code Pro" panose="020B0509030403020204" pitchFamily="49" charset="0"/>
+              </a:rPr>
+              <a:t>expr </a:t>
+            </a:r>
+            <a:r>
+              <a:rPr lang="en-US" b="0" dirty="0">
+                <a:latin typeface="Source Code Pro" panose="020B0509030403020204" pitchFamily="49" charset="0"/>
+              </a:rPr>
+              <a:t>e = </a:t>
+            </a:r>
+            <a:r>
+              <a:rPr lang="en-US" b="0" dirty="0" smtClean="0">
+                <a:latin typeface="Source Code Pro" panose="020B0509030403020204" pitchFamily="49" charset="0"/>
+              </a:rPr>
+              <a:t>add </a:t>
+            </a:r>
+            <a:r>
+              <a:rPr lang="en-US" b="0" dirty="0">
+                <a:latin typeface="Source Code Pro" panose="020B0509030403020204" pitchFamily="49" charset="0"/>
+              </a:rPr>
+              <a:t>(</a:t>
+            </a:r>
+            <a:r>
+              <a:rPr lang="en-US" b="0" dirty="0" err="1">
+                <a:latin typeface="Source Code Pro" panose="020B0509030403020204" pitchFamily="49" charset="0"/>
+              </a:rPr>
+              <a:t>num</a:t>
+            </a:r>
+            <a:r>
+              <a:rPr lang="en-US" b="0" dirty="0">
+                <a:latin typeface="Source Code Pro" panose="020B0509030403020204" pitchFamily="49" charset="0"/>
+              </a:rPr>
+              <a:t> (1), add (</a:t>
+            </a:r>
+            <a:r>
+              <a:rPr lang="en-US" b="0" dirty="0" err="1">
+                <a:latin typeface="Source Code Pro" panose="020B0509030403020204" pitchFamily="49" charset="0"/>
+              </a:rPr>
+              <a:t>num</a:t>
+            </a:r>
+            <a:r>
+              <a:rPr lang="en-US" b="0" dirty="0">
+                <a:latin typeface="Source Code Pro" panose="020B0509030403020204" pitchFamily="49" charset="0"/>
+              </a:rPr>
+              <a:t> (2), </a:t>
+            </a:r>
+            <a:r>
+              <a:rPr lang="en-US" b="0" dirty="0" err="1">
+                <a:latin typeface="Source Code Pro" panose="020B0509030403020204" pitchFamily="49" charset="0"/>
+              </a:rPr>
+              <a:t>num</a:t>
+            </a:r>
+            <a:r>
+              <a:rPr lang="en-US" b="0" dirty="0">
+                <a:latin typeface="Source Code Pro" panose="020B0509030403020204" pitchFamily="49" charset="0"/>
+              </a:rPr>
+              <a:t> (3</a:t>
+            </a:r>
+            <a:r>
+              <a:rPr lang="en-US" b="0" dirty="0" smtClean="0">
+                <a:latin typeface="Source Code Pro" panose="020B0509030403020204" pitchFamily="49" charset="0"/>
+              </a:rPr>
+              <a:t>)));</a:t>
+            </a:r>
+            <a:br>
+              <a:rPr lang="en-US" b="0" dirty="0" smtClean="0">
+                <a:latin typeface="Source Code Pro" panose="020B0509030403020204" pitchFamily="49" charset="0"/>
+              </a:rPr>
+            </a:br>
+            <a:r>
+              <a:rPr lang="en-US" b="0" dirty="0" smtClean="0">
+                <a:latin typeface="Source Code Pro" panose="020B0509030403020204" pitchFamily="49" charset="0"/>
+              </a:rPr>
+              <a:t/>
+            </a:r>
+            <a:br>
+              <a:rPr lang="en-US" b="0" dirty="0" smtClean="0">
+                <a:latin typeface="Source Code Pro" panose="020B0509030403020204" pitchFamily="49" charset="0"/>
+              </a:rPr>
+            </a:br>
+            <a:r>
+              <a:rPr lang="en-US" b="0" dirty="0" smtClean="0">
                 <a:latin typeface="+mn-lt"/>
               </a:rPr>
-              <a:t>Verbose. We can do better…</a:t>
-            </a:r>
+              <a:t>Much better.</a:t>
+            </a:r>
+            <a:endParaRPr lang="en-US" b="0" dirty="0">
+              <a:latin typeface="+mn-lt"/>
+            </a:endParaRPr>
           </a:p>
         </p:txBody>
       </p:sp>
@@ -19989,7 +20353,7 @@
     </p:spTree>
     <p:extLst>
       <p:ext uri="{BB962C8B-B14F-4D97-AF65-F5344CB8AC3E}">
-        <p14:creationId xmlns:p14="http://schemas.microsoft.com/office/powerpoint/2010/main" val="91328172"/>
+        <p14:creationId xmlns:p14="http://schemas.microsoft.com/office/powerpoint/2010/main" val="2406155289"/>
       </p:ext>
     </p:extLst>
   </p:cSld>
@@ -20040,7 +20404,7 @@
           <a:p>
             <a:r>
               <a:rPr lang="en-US" dirty="0" smtClean="0"/>
-              <a:t>Reduce syntactic verbosity</a:t>
+              <a:t>Pattern matching</a:t>
             </a:r>
             <a:endParaRPr lang="en-US" dirty="0"/>
           </a:p>
@@ -20062,35 +20426,46 @@
           <a:lstStyle/>
           <a:p>
             <a:r>
-              <a:rPr lang="en-US" b="0" dirty="0"/>
-              <a:t>An example value of </a:t>
-            </a:r>
-            <a:r>
-              <a:rPr lang="en-US" b="0" dirty="0">
-                <a:latin typeface="Source Code Pro" panose="020B0509030403020204" pitchFamily="49" charset="0"/>
-              </a:rPr>
-              <a:t>type expr </a:t>
-            </a:r>
-            <a:r>
-              <a:rPr lang="en-US" b="0" dirty="0"/>
-              <a:t>(</a:t>
-            </a:r>
-            <a:r>
-              <a:rPr lang="en-US" b="0" i="1" dirty="0"/>
-              <a:t>1 + (2 + 3)</a:t>
-            </a:r>
-            <a:r>
-              <a:rPr lang="en-US" b="0" dirty="0"/>
-              <a:t>):</a:t>
+              <a:rPr lang="en-US" b="0" dirty="0" smtClean="0"/>
+              <a:t>Deconstructing expressions</a:t>
+            </a:r>
+            <a:r>
+              <a:rPr lang="en-US" dirty="0" smtClean="0"/>
+              <a:t/>
             </a:r>
             <a:br>
-              <a:rPr lang="en-US" b="0" dirty="0"/>
+              <a:rPr lang="en-US" dirty="0" smtClean="0"/>
             </a:br>
             <a:r>
+              <a:rPr lang="en-US" dirty="0"/>
+              <a:t/>
+            </a:r>
+            <a:br>
+              <a:rPr lang="en-US" dirty="0"/>
+            </a:br>
+            <a:r>
+              <a:rPr lang="en-US" b="0" dirty="0" err="1" smtClean="0">
+                <a:latin typeface="Source Code Pro" panose="020B0509030403020204" pitchFamily="49" charset="0"/>
+              </a:rPr>
+              <a:t>int</a:t>
+            </a:r>
+            <a:r>
               <a:rPr lang="en-US" b="0" dirty="0" smtClean="0">
                 <a:latin typeface="Source Code Pro" panose="020B0509030403020204" pitchFamily="49" charset="0"/>
               </a:rPr>
-              <a:t/>
+              <a:t> evaluate (expr </a:t>
+            </a:r>
+            <a:r>
+              <a:rPr lang="en-US" b="0" dirty="0" err="1" smtClean="0">
+                <a:latin typeface="Source Code Pro" panose="020B0509030403020204" pitchFamily="49" charset="0"/>
+              </a:rPr>
+              <a:t>const</a:t>
+            </a:r>
+            <a:r>
+              <a:rPr lang="en-US" b="0" dirty="0" smtClean="0">
+                <a:latin typeface="Source Code Pro" panose="020B0509030403020204" pitchFamily="49" charset="0"/>
+              </a:rPr>
+              <a:t>&amp; e) {</a:t>
             </a:r>
             <a:br>
               <a:rPr lang="en-US" b="0" dirty="0" smtClean="0">
@@ -20101,10 +20476,44 @@
               <a:rPr lang="en-US" b="0" dirty="0" smtClean="0">
                 <a:latin typeface="Source Code Pro" panose="020B0509030403020204" pitchFamily="49" charset="0"/>
               </a:rPr>
-              <a:t>//Factory functions</a:t>
-            </a:r>
-          </a:p>
-          <a:p>
+              <a:t>  return </a:t>
+            </a:r>
+            <a:r>
+              <a:rPr lang="en-US" dirty="0" err="1" smtClean="0">
+                <a:latin typeface="Source Code Pro" panose="020B0509030403020204" pitchFamily="49" charset="0"/>
+              </a:rPr>
+              <a:t>e.match</a:t>
+            </a:r>
+            <a:r>
+              <a:rPr lang="en-US" dirty="0" smtClean="0">
+                <a:latin typeface="Source Code Pro" panose="020B0509030403020204" pitchFamily="49" charset="0"/>
+              </a:rPr>
+              <a:t>&lt;</a:t>
+            </a:r>
+            <a:r>
+              <a:rPr lang="en-US" dirty="0" err="1" smtClean="0">
+                <a:latin typeface="Source Code Pro" panose="020B0509030403020204" pitchFamily="49" charset="0"/>
+              </a:rPr>
+              <a:t>int</a:t>
+            </a:r>
+            <a:r>
+              <a:rPr lang="en-US" b="0" dirty="0" smtClean="0">
+                <a:latin typeface="Source Code Pro" panose="020B0509030403020204" pitchFamily="49" charset="0"/>
+              </a:rPr>
+              <a:t>&gt; -&gt; </a:t>
+            </a:r>
+            <a:r>
+              <a:rPr lang="en-US" b="0" dirty="0" err="1" smtClean="0">
+                <a:latin typeface="Source Code Pro" panose="020B0509030403020204" pitchFamily="49" charset="0"/>
+              </a:rPr>
+              <a:t>int</a:t>
+            </a:r>
+            <a:r>
+              <a:rPr lang="en-US" b="0" dirty="0" smtClean="0">
+                <a:latin typeface="Source Code Pro" panose="020B0509030403020204" pitchFamily="49" charset="0"/>
+              </a:rPr>
+              <a:t> (</a:t>
+            </a:r>
             <a:r>
               <a:rPr lang="en-US" b="0" dirty="0" smtClean="0">
                 <a:latin typeface="Source Code Pro" panose="020B0509030403020204" pitchFamily="49" charset="0"/>
@@ -20120,26 +20529,60 @@
               <a:rPr lang="en-US" b="0" dirty="0" smtClean="0">
                 <a:latin typeface="Source Code Pro" panose="020B0509030403020204" pitchFamily="49" charset="0"/>
               </a:rPr>
-              <a:t>expr </a:t>
-            </a:r>
-            <a:r>
-              <a:rPr lang="en-US" b="0" dirty="0" err="1">
-                <a:latin typeface="Source Code Pro" panose="020B0509030403020204" pitchFamily="49" charset="0"/>
-              </a:rPr>
-              <a:t>num</a:t>
-            </a:r>
+              <a:t>    [](</a:t>
+            </a:r>
+            <a:r>
+              <a:rPr lang="en-US" b="0" dirty="0" err="1" smtClean="0">
+                <a:latin typeface="Source Code Pro" panose="020B0509030403020204" pitchFamily="49" charset="0"/>
+              </a:rPr>
+              <a:t>Num</a:t>
+            </a:r>
+            <a:r>
+              <a:rPr lang="en-US" b="0" dirty="0" smtClean="0">
+                <a:latin typeface="Source Code Pro" panose="020B0509030403020204" pitchFamily="49" charset="0"/>
+              </a:rPr>
+              <a:t> </a:t>
+            </a:r>
+            <a:r>
+              <a:rPr lang="en-US" b="0" dirty="0" err="1" smtClean="0">
+                <a:latin typeface="Source Code Pro" panose="020B0509030403020204" pitchFamily="49" charset="0"/>
+              </a:rPr>
+              <a:t>const</a:t>
+            </a:r>
+            <a:r>
+              <a:rPr lang="en-US" b="0" dirty="0" smtClean="0">
+                <a:latin typeface="Source Code Pro" panose="020B0509030403020204" pitchFamily="49" charset="0"/>
+              </a:rPr>
+              <a:t>&amp; n) {</a:t>
+            </a:r>
+          </a:p>
+          <a:p>
             <a:r>
               <a:rPr lang="en-US" b="0" dirty="0">
                 <a:latin typeface="Source Code Pro" panose="020B0509030403020204" pitchFamily="49" charset="0"/>
               </a:rPr>
-              <a:t> (</a:t>
-            </a:r>
-            <a:r>
-              <a:rPr lang="en-US" b="0" dirty="0" err="1">
-                <a:latin typeface="Source Code Pro" panose="020B0509030403020204" pitchFamily="49" charset="0"/>
-              </a:rPr>
-              <a:t>int</a:t>
-            </a:r>
+              <a:t> </a:t>
+            </a:r>
+            <a:r>
+              <a:rPr lang="en-US" b="0" dirty="0" smtClean="0">
+                <a:latin typeface="Source Code Pro" panose="020B0509030403020204" pitchFamily="49" charset="0"/>
+              </a:rPr>
+              <a:t>      return </a:t>
+            </a:r>
+            <a:r>
+              <a:rPr lang="en-US" b="0" dirty="0" err="1" smtClean="0">
+                <a:latin typeface="Source Code Pro" panose="020B0509030403020204" pitchFamily="49" charset="0"/>
+              </a:rPr>
+              <a:t>n.i</a:t>
+            </a:r>
+            <a:r>
+              <a:rPr lang="en-US" b="0" dirty="0" smtClean="0">
+                <a:latin typeface="Source Code Pro" panose="020B0509030403020204" pitchFamily="49" charset="0"/>
+              </a:rPr>
+              <a:t> </a:t>
+            </a:r>
+          </a:p>
+          <a:p>
             <a:r>
               <a:rPr lang="en-US" b="0" dirty="0">
                 <a:latin typeface="Source Code Pro" panose="020B0509030403020204" pitchFamily="49" charset="0"/>
@@ -20147,16 +20590,71 @@
               <a:t> </a:t>
             </a:r>
             <a:r>
-              <a:rPr lang="en-US" b="0" dirty="0" err="1">
-                <a:latin typeface="Source Code Pro" panose="020B0509030403020204" pitchFamily="49" charset="0"/>
-              </a:rPr>
-              <a:t>i</a:t>
-            </a:r>
+              <a:rPr lang="en-US" b="0" dirty="0" smtClean="0">
+                <a:latin typeface="Source Code Pro" panose="020B0509030403020204" pitchFamily="49" charset="0"/>
+              </a:rPr>
+              <a:t>   },</a:t>
+            </a:r>
+            <a:br>
+              <a:rPr lang="en-US" b="0" dirty="0" smtClean="0">
+                <a:latin typeface="Source Code Pro" panose="020B0509030403020204" pitchFamily="49" charset="0"/>
+              </a:rPr>
+            </a:br>
+            <a:r>
+              <a:rPr lang="en-US" b="0" dirty="0" smtClean="0">
+                <a:latin typeface="Source Code Pro" panose="020B0509030403020204" pitchFamily="49" charset="0"/>
+              </a:rPr>
+              <a:t>    [](Add </a:t>
+            </a:r>
+            <a:r>
+              <a:rPr lang="en-US" b="0" dirty="0" err="1" smtClean="0">
+                <a:latin typeface="Source Code Pro" panose="020B0509030403020204" pitchFamily="49" charset="0"/>
+              </a:rPr>
+              <a:t>const</a:t>
+            </a:r>
+            <a:r>
+              <a:rPr lang="en-US" b="0" dirty="0" smtClean="0">
+                <a:latin typeface="Source Code Pro" panose="020B0509030403020204" pitchFamily="49" charset="0"/>
+              </a:rPr>
+              <a:t>&amp; op) {</a:t>
+            </a:r>
+          </a:p>
+          <a:p>
             <a:r>
               <a:rPr lang="en-US" b="0" dirty="0">
                 <a:latin typeface="Source Code Pro" panose="020B0509030403020204" pitchFamily="49" charset="0"/>
               </a:rPr>
-              <a:t>) { </a:t>
+              <a:t> </a:t>
+            </a:r>
+            <a:r>
+              <a:rPr lang="en-US" b="0" dirty="0" smtClean="0">
+                <a:latin typeface="Source Code Pro" panose="020B0509030403020204" pitchFamily="49" charset="0"/>
+              </a:rPr>
+              <a:t>     return evaluate (</a:t>
+            </a:r>
+            <a:r>
+              <a:rPr lang="en-US" b="0" dirty="0" err="1" smtClean="0">
+                <a:latin typeface="Source Code Pro" panose="020B0509030403020204" pitchFamily="49" charset="0"/>
+              </a:rPr>
+              <a:t>op.l</a:t>
+            </a:r>
+            <a:r>
+              <a:rPr lang="en-US" b="0" dirty="0" smtClean="0">
+                <a:latin typeface="Source Code Pro" panose="020B0509030403020204" pitchFamily="49" charset="0"/>
+              </a:rPr>
+              <a:t>) + evaluate (</a:t>
+            </a:r>
+            <a:r>
+              <a:rPr lang="en-US" b="0" dirty="0" err="1" smtClean="0">
+                <a:latin typeface="Source Code Pro" panose="020B0509030403020204" pitchFamily="49" charset="0"/>
+              </a:rPr>
+              <a:t>op.r</a:t>
+            </a:r>
+            <a:r>
+              <a:rPr lang="en-US" b="0" dirty="0" smtClean="0">
+                <a:latin typeface="Source Code Pro" panose="020B0509030403020204" pitchFamily="49" charset="0"/>
+              </a:rPr>
+              <a:t>); </a:t>
             </a:r>
           </a:p>
           <a:p>
@@ -20164,179 +20662,38 @@
               <a:rPr lang="en-US" b="0" dirty="0">
                 <a:latin typeface="Source Code Pro" panose="020B0509030403020204" pitchFamily="49" charset="0"/>
               </a:rPr>
-              <a:t>  return expr{constructor&lt;</a:t>
-            </a:r>
-            <a:r>
-              <a:rPr lang="en-US" b="0" dirty="0" err="1">
-                <a:latin typeface="Source Code Pro" panose="020B0509030403020204" pitchFamily="49" charset="0"/>
-              </a:rPr>
-              <a:t>num</a:t>
-            </a:r>
-            <a:r>
-              <a:rPr lang="en-US" b="0" dirty="0">
-                <a:latin typeface="Source Code Pro" panose="020B0509030403020204" pitchFamily="49" charset="0"/>
-              </a:rPr>
-              <a:t>&gt;{}, </a:t>
-            </a:r>
-            <a:r>
-              <a:rPr lang="en-US" b="0" dirty="0" err="1">
-                <a:latin typeface="Source Code Pro" panose="020B0509030403020204" pitchFamily="49" charset="0"/>
-              </a:rPr>
-              <a:t>i</a:t>
-            </a:r>
-            <a:r>
-              <a:rPr lang="en-US" b="0" dirty="0">
-                <a:latin typeface="Source Code Pro" panose="020B0509030403020204" pitchFamily="49" charset="0"/>
-              </a:rPr>
-              <a:t>}; </a:t>
-            </a:r>
-          </a:p>
-          <a:p>
-            <a:r>
-              <a:rPr lang="en-US" b="0" dirty="0">
+              <a:t> </a:t>
+            </a:r>
+            <a:r>
+              <a:rPr lang="en-US" b="0" dirty="0" smtClean="0">
+                <a:latin typeface="Source Code Pro" panose="020B0509030403020204" pitchFamily="49" charset="0"/>
+              </a:rPr>
+              <a:t>   }</a:t>
+            </a:r>
+            <a:br>
+              <a:rPr lang="en-US" b="0" dirty="0" smtClean="0">
+                <a:latin typeface="Source Code Pro" panose="020B0509030403020204" pitchFamily="49" charset="0"/>
+              </a:rPr>
+            </a:br>
+            <a:r>
+              <a:rPr lang="en-US" b="0" dirty="0" smtClean="0">
+                <a:latin typeface="Source Code Pro" panose="020B0509030403020204" pitchFamily="49" charset="0"/>
+              </a:rPr>
+              <a:t>  );</a:t>
+            </a:r>
+            <a:br>
+              <a:rPr lang="en-US" b="0" dirty="0" smtClean="0">
+                <a:latin typeface="Source Code Pro" panose="020B0509030403020204" pitchFamily="49" charset="0"/>
+              </a:rPr>
+            </a:br>
+            <a:r>
+              <a:rPr lang="en-US" b="0" dirty="0" smtClean="0">
                 <a:latin typeface="Source Code Pro" panose="020B0509030403020204" pitchFamily="49" charset="0"/>
               </a:rPr>
               <a:t>}</a:t>
             </a:r>
-          </a:p>
-          <a:p>
-            <a:r>
-              <a:rPr lang="en-US" b="0" dirty="0">
-                <a:latin typeface="Source Code Pro" panose="020B0509030403020204" pitchFamily="49" charset="0"/>
-              </a:rPr>
-              <a:t>expr add (expr </a:t>
-            </a:r>
-            <a:r>
-              <a:rPr lang="en-US" b="0" dirty="0" err="1">
-                <a:latin typeface="Source Code Pro" panose="020B0509030403020204" pitchFamily="49" charset="0"/>
-              </a:rPr>
-              <a:t>const</a:t>
-            </a:r>
-            <a:r>
-              <a:rPr lang="en-US" b="0" dirty="0">
-                <a:latin typeface="Source Code Pro" panose="020B0509030403020204" pitchFamily="49" charset="0"/>
-              </a:rPr>
-              <a:t>&amp; u, expr </a:t>
-            </a:r>
-            <a:r>
-              <a:rPr lang="en-US" b="0" dirty="0" err="1">
-                <a:latin typeface="Source Code Pro" panose="020B0509030403020204" pitchFamily="49" charset="0"/>
-              </a:rPr>
-              <a:t>const</a:t>
-            </a:r>
-            <a:r>
-              <a:rPr lang="en-US" b="0" dirty="0">
-                <a:latin typeface="Source Code Pro" panose="020B0509030403020204" pitchFamily="49" charset="0"/>
-              </a:rPr>
-              <a:t>&amp; v) { </a:t>
-            </a:r>
-          </a:p>
-          <a:p>
-            <a:r>
-              <a:rPr lang="en-US" b="0" dirty="0">
-                <a:latin typeface="Source Code Pro" panose="020B0509030403020204" pitchFamily="49" charset="0"/>
-              </a:rPr>
-              <a:t>  return expr{constructor&lt;add&gt;{}, u, v}; </a:t>
-            </a:r>
-          </a:p>
-          <a:p>
-            <a:r>
-              <a:rPr lang="en-US" b="0" dirty="0">
-                <a:latin typeface="Source Code Pro" panose="020B0509030403020204" pitchFamily="49" charset="0"/>
-              </a:rPr>
-              <a:t>}</a:t>
-            </a:r>
-          </a:p>
-          <a:p>
             <a:endParaRPr lang="en-US" b="0" dirty="0">
               <a:latin typeface="Source Code Pro" panose="020B0509030403020204" pitchFamily="49" charset="0"/>
-            </a:endParaRPr>
-          </a:p>
-          <a:p>
-            <a:r>
-              <a:rPr lang="en-US" b="0" dirty="0">
-                <a:latin typeface="Source Code Pro" panose="020B0509030403020204" pitchFamily="49" charset="0"/>
-              </a:rPr>
-              <a:t>expr e = </a:t>
-            </a:r>
-            <a:r>
-              <a:rPr lang="en-US" b="0" dirty="0" smtClean="0">
-                <a:latin typeface="Source Code Pro" panose="020B0509030403020204" pitchFamily="49" charset="0"/>
-              </a:rPr>
-              <a:t>add </a:t>
-            </a:r>
-            <a:r>
-              <a:rPr lang="en-US" b="0" dirty="0">
-                <a:latin typeface="Source Code Pro" panose="020B0509030403020204" pitchFamily="49" charset="0"/>
-              </a:rPr>
-              <a:t>(</a:t>
-            </a:r>
-            <a:r>
-              <a:rPr lang="en-US" b="0" dirty="0" err="1">
-                <a:latin typeface="Source Code Pro" panose="020B0509030403020204" pitchFamily="49" charset="0"/>
-              </a:rPr>
-              <a:t>num</a:t>
-            </a:r>
-            <a:r>
-              <a:rPr lang="en-US" b="0" dirty="0">
-                <a:latin typeface="Source Code Pro" panose="020B0509030403020204" pitchFamily="49" charset="0"/>
-              </a:rPr>
-              <a:t> (1), add (</a:t>
-            </a:r>
-            <a:r>
-              <a:rPr lang="en-US" b="0" dirty="0" err="1">
-                <a:latin typeface="Source Code Pro" panose="020B0509030403020204" pitchFamily="49" charset="0"/>
-              </a:rPr>
-              <a:t>num</a:t>
-            </a:r>
-            <a:r>
-              <a:rPr lang="en-US" b="0" dirty="0">
-                <a:latin typeface="Source Code Pro" panose="020B0509030403020204" pitchFamily="49" charset="0"/>
-              </a:rPr>
-              <a:t> (2), </a:t>
-            </a:r>
-            <a:r>
-              <a:rPr lang="en-US" b="0" dirty="0" err="1">
-                <a:latin typeface="Source Code Pro" panose="020B0509030403020204" pitchFamily="49" charset="0"/>
-              </a:rPr>
-              <a:t>num</a:t>
-            </a:r>
-            <a:r>
-              <a:rPr lang="en-US" b="0" dirty="0">
-                <a:latin typeface="Source Code Pro" panose="020B0509030403020204" pitchFamily="49" charset="0"/>
-              </a:rPr>
-              <a:t> (3</a:t>
-            </a:r>
-            <a:r>
-              <a:rPr lang="en-US" b="0" dirty="0" smtClean="0">
-                <a:latin typeface="Source Code Pro" panose="020B0509030403020204" pitchFamily="49" charset="0"/>
-              </a:rPr>
-              <a:t>)));</a:t>
-            </a:r>
-            <a:br>
-              <a:rPr lang="en-US" b="0" dirty="0" smtClean="0">
-                <a:latin typeface="Source Code Pro" panose="020B0509030403020204" pitchFamily="49" charset="0"/>
-              </a:rPr>
-            </a:br>
-            <a:r>
-              <a:rPr lang="en-US" b="0" dirty="0" smtClean="0">
-                <a:latin typeface="Source Code Pro" panose="020B0509030403020204" pitchFamily="49" charset="0"/>
-              </a:rPr>
-              <a:t/>
-            </a:r>
-            <a:br>
-              <a:rPr lang="en-US" b="0" dirty="0" smtClean="0">
-                <a:latin typeface="Source Code Pro" panose="020B0509030403020204" pitchFamily="49" charset="0"/>
-              </a:rPr>
-            </a:br>
-            <a:r>
-              <a:rPr lang="en-US" b="0" dirty="0" smtClean="0">
-                <a:latin typeface="+mn-lt"/>
-              </a:rPr>
-              <a:t>Much better.</a:t>
-            </a:r>
-            <a:endParaRPr lang="en-US" b="0" dirty="0">
-              <a:latin typeface="+mn-lt"/>
             </a:endParaRPr>
           </a:p>
         </p:txBody>
@@ -20399,7 +20756,7 @@
     </p:spTree>
     <p:extLst>
       <p:ext uri="{BB962C8B-B14F-4D97-AF65-F5344CB8AC3E}">
-        <p14:creationId xmlns:p14="http://schemas.microsoft.com/office/powerpoint/2010/main" val="2406155289"/>
+        <p14:creationId xmlns:p14="http://schemas.microsoft.com/office/powerpoint/2010/main" val="1138511693"/>
       </p:ext>
     </p:extLst>
   </p:cSld>
@@ -20449,10 +20806,45 @@
           <a:lstStyle/>
           <a:p>
             <a:r>
-              <a:rPr lang="en-US" dirty="0" smtClean="0"/>
+              <a:rPr lang="en-US" dirty="0"/>
               <a:t>Pattern matching</a:t>
             </a:r>
-            <a:endParaRPr lang="en-US" dirty="0"/>
+          </a:p>
+        </p:txBody>
+      </p:sp>
+      <p:sp>
+        <p:nvSpPr>
+          <p:cNvPr id="4" name="Slide Number Placeholder 3"/>
+          <p:cNvSpPr>
+            <a:spLocks noGrp="1"/>
+          </p:cNvSpPr>
+          <p:nvPr>
+            <p:ph type="sldNum" sz="quarter" idx="12"/>
+          </p:nvPr>
+        </p:nvSpPr>
+        <p:spPr/>
+        <p:txBody>
+          <a:bodyPr/>
+          <a:lstStyle/>
+          <a:p>
+            <a:fld id="{B383C57C-80DA-45D5-BFE5-7583B8192761}" type="slidenum">
+              <a:rPr lang="en-US" smtClean="0">
+                <a:solidFill>
+                  <a:prstClr val="white">
+                    <a:lumMod val="75000"/>
+                  </a:prstClr>
+                </a:solidFill>
+              </a:rPr>
+              <a:pPr/>
+              <a:t>17</a:t>
+            </a:fld>
+            <a:endParaRPr lang="en-US">
+              <a:solidFill>
+                <a:prstClr val="white">
+                  <a:lumMod val="75000"/>
+                </a:prstClr>
+              </a:solidFill>
+            </a:endParaRPr>
           </a:p>
         </p:txBody>
       </p:sp>
@@ -20472,255 +20864,413 @@
           <a:lstStyle/>
           <a:p>
             <a:r>
+              <a:rPr lang="en-US" b="0" dirty="0" smtClean="0">
+                <a:latin typeface="+mn-lt"/>
+              </a:rPr>
+              <a:t>In some contexts, the full generality of </a:t>
+            </a:r>
+            <a:r>
+              <a:rPr lang="en-US" dirty="0" smtClean="0">
+                <a:latin typeface="Source Code Pro" panose="020B0509030403020204" pitchFamily="49" charset="0"/>
+              </a:rPr>
+              <a:t>match&lt;&gt;</a:t>
+            </a:r>
+            <a:r>
+              <a:rPr lang="en-US" b="0" dirty="0" smtClean="0">
+                <a:latin typeface="+mn-lt"/>
+              </a:rPr>
+              <a:t> is more than needed e.g.</a:t>
+            </a:r>
+            <a:r>
+              <a:rPr lang="en-US" dirty="0" smtClean="0">
+                <a:latin typeface="+mn-lt"/>
+              </a:rPr>
+              <a:t/>
+            </a:r>
+            <a:br>
+              <a:rPr lang="en-US" dirty="0" smtClean="0">
+                <a:latin typeface="+mn-lt"/>
+              </a:rPr>
+            </a:br>
+            <a:endParaRPr lang="en-US" dirty="0" smtClean="0">
+              <a:latin typeface="+mn-lt"/>
+            </a:endParaRPr>
+          </a:p>
+          <a:p>
+            <a:r>
+              <a:rPr lang="pt-BR" b="0" dirty="0">
+                <a:latin typeface="Source Code Pro" panose="020B0509030403020204" pitchFamily="49" charset="0"/>
+              </a:rPr>
+              <a:t> if (e.is&lt;Num&gt; ()) {</a:t>
+            </a:r>
+          </a:p>
+          <a:p>
+            <a:r>
+              <a:rPr lang="pt-BR" b="0" dirty="0">
+                <a:latin typeface="Source Code Pro" panose="020B0509030403020204" pitchFamily="49" charset="0"/>
+              </a:rPr>
+              <a:t>    E_num const&amp; n = pgs::get&lt;Num&gt; (e);</a:t>
+            </a:r>
+          </a:p>
+          <a:p>
+            <a:r>
+              <a:rPr lang="pt-BR" b="0" dirty="0">
+                <a:latin typeface="Source Code Pro" panose="020B0509030403020204" pitchFamily="49" charset="0"/>
+              </a:rPr>
+              <a:t>    // ... do something with n</a:t>
+            </a:r>
+          </a:p>
+          <a:p>
+            <a:r>
+              <a:rPr lang="pt-BR" b="0" dirty="0">
+                <a:latin typeface="Source Code Pro" panose="020B0509030403020204" pitchFamily="49" charset="0"/>
+              </a:rPr>
+              <a:t>  }</a:t>
+            </a:r>
+            <a:endParaRPr lang="en-US" b="0" dirty="0">
+              <a:latin typeface="Source Code Pro" panose="020B0509030403020204" pitchFamily="49" charset="0"/>
+            </a:endParaRPr>
+          </a:p>
+        </p:txBody>
+      </p:sp>
+      <p:sp>
+        <p:nvSpPr>
+          <p:cNvPr id="5" name="Footer Placeholder 4"/>
+          <p:cNvSpPr>
+            <a:spLocks noGrp="1"/>
+          </p:cNvSpPr>
+          <p:nvPr>
+            <p:ph type="ftr" sz="quarter" idx="13"/>
+          </p:nvPr>
+        </p:nvSpPr>
+        <p:spPr/>
+        <p:txBody>
+          <a:bodyPr/>
+          <a:lstStyle/>
+          <a:p>
+            <a:endParaRPr lang="en-US" dirty="0"/>
+          </a:p>
+        </p:txBody>
+      </p:sp>
+    </p:spTree>
+    <p:extLst>
+      <p:ext uri="{BB962C8B-B14F-4D97-AF65-F5344CB8AC3E}">
+        <p14:creationId xmlns:p14="http://schemas.microsoft.com/office/powerpoint/2010/main" val="2337189389"/>
+      </p:ext>
+    </p:extLst>
+  </p:cSld>
+  <p:clrMapOvr>
+    <a:masterClrMapping/>
+  </p:clrMapOvr>
+  <p:timing>
+    <p:tnLst>
+      <p:par>
+        <p:cTn id="1" dur="indefinite" restart="never" nodeType="tmRoot"/>
+      </p:par>
+    </p:tnLst>
+  </p:timing>
+</p:sld>
+</file>
+
+<file path=ppt/slides/slide18.xml><?xml version="1.0" encoding="utf-8"?>
+<p:sld xmlns:a="http://schemas.openxmlformats.org/drawingml/2006/main" xmlns:r="http://schemas.openxmlformats.org/officeDocument/2006/relationships" xmlns:p="http://schemas.openxmlformats.org/presentationml/2006/main">
+  <p:cSld>
+    <p:spTree>
+      <p:nvGrpSpPr>
+        <p:cNvPr id="1" name=""/>
+        <p:cNvGrpSpPr/>
+        <p:nvPr/>
+      </p:nvGrpSpPr>
+      <p:grpSpPr>
+        <a:xfrm>
+          <a:off x="0" y="0"/>
+          <a:ext cx="0" cy="0"/>
+          <a:chOff x="0" y="0"/>
+          <a:chExt cx="0" cy="0"/>
+        </a:xfrm>
+      </p:grpSpPr>
+      <p:sp>
+        <p:nvSpPr>
+          <p:cNvPr id="4" name="Slide Number Placeholder 3"/>
+          <p:cNvSpPr>
+            <a:spLocks noGrp="1"/>
+          </p:cNvSpPr>
+          <p:nvPr>
+            <p:ph type="sldNum" sz="quarter" idx="12"/>
+          </p:nvPr>
+        </p:nvSpPr>
+        <p:spPr/>
+        <p:txBody>
+          <a:bodyPr/>
+          <a:lstStyle/>
+          <a:p>
+            <a:fld id="{B383C57C-80DA-45D5-BFE5-7583B8192761}" type="slidenum">
+              <a:rPr lang="en-US" smtClean="0">
+                <a:solidFill>
+                  <a:prstClr val="white">
+                    <a:lumMod val="75000"/>
+                  </a:prstClr>
+                </a:solidFill>
+              </a:rPr>
+              <a:pPr/>
+              <a:t>18</a:t>
+            </a:fld>
+            <a:endParaRPr lang="en-US">
+              <a:solidFill>
+                <a:prstClr val="white">
+                  <a:lumMod val="75000"/>
+                </a:prstClr>
+              </a:solidFill>
+            </a:endParaRPr>
+          </a:p>
+        </p:txBody>
+      </p:sp>
+      <p:sp>
+        <p:nvSpPr>
+          <p:cNvPr id="6" name="Title 5"/>
+          <p:cNvSpPr>
+            <a:spLocks noGrp="1"/>
+          </p:cNvSpPr>
+          <p:nvPr>
+            <p:ph type="title"/>
+          </p:nvPr>
+        </p:nvSpPr>
+        <p:spPr/>
+        <p:txBody>
+          <a:bodyPr/>
+          <a:lstStyle/>
+          <a:p>
+            <a:r>
+              <a:rPr lang="en-US" dirty="0" smtClean="0"/>
+              <a:t>examples</a:t>
+            </a:r>
+            <a:endParaRPr lang="en-US" dirty="0"/>
+          </a:p>
+        </p:txBody>
+      </p:sp>
+    </p:spTree>
+    <p:extLst>
+      <p:ext uri="{BB962C8B-B14F-4D97-AF65-F5344CB8AC3E}">
+        <p14:creationId xmlns:p14="http://schemas.microsoft.com/office/powerpoint/2010/main" val="3283235431"/>
+      </p:ext>
+    </p:extLst>
+  </p:cSld>
+  <p:clrMapOvr>
+    <a:masterClrMapping/>
+  </p:clrMapOvr>
+  <p:timing>
+    <p:tnLst>
+      <p:par>
+        <p:cTn id="1" dur="indefinite" restart="never" nodeType="tmRoot"/>
+      </p:par>
+    </p:tnLst>
+  </p:timing>
+</p:sld>
+</file>
+
+<file path=ppt/slides/slide19.xml><?xml version="1.0" encoding="utf-8"?>
+<p:sld xmlns:a="http://schemas.openxmlformats.org/drawingml/2006/main" xmlns:r="http://schemas.openxmlformats.org/officeDocument/2006/relationships" xmlns:p="http://schemas.openxmlformats.org/presentationml/2006/main">
+  <p:cSld>
+    <p:spTree>
+      <p:nvGrpSpPr>
+        <p:cNvPr id="1" name=""/>
+        <p:cNvGrpSpPr/>
+        <p:nvPr/>
+      </p:nvGrpSpPr>
+      <p:grpSpPr>
+        <a:xfrm>
+          <a:off x="0" y="0"/>
+          <a:ext cx="0" cy="0"/>
+          <a:chOff x="0" y="0"/>
+          <a:chExt cx="0" cy="0"/>
+        </a:xfrm>
+      </p:grpSpPr>
+      <p:sp>
+        <p:nvSpPr>
+          <p:cNvPr id="2" name="Title 1"/>
+          <p:cNvSpPr>
+            <a:spLocks noGrp="1"/>
+          </p:cNvSpPr>
+          <p:nvPr>
+            <p:ph type="title"/>
+          </p:nvPr>
+        </p:nvSpPr>
+        <p:spPr>
+          <a:xfrm>
+            <a:off x="609600" y="762000"/>
+            <a:ext cx="8223250" cy="965200"/>
+          </a:xfrm>
+        </p:spPr>
+        <p:txBody>
+          <a:bodyPr/>
+          <a:lstStyle/>
+          <a:p>
+            <a:r>
+              <a:rPr lang="en-US" dirty="0" smtClean="0"/>
+              <a:t>Example : optional</a:t>
+            </a:r>
+            <a:endParaRPr lang="en-US" dirty="0"/>
+          </a:p>
+        </p:txBody>
+      </p:sp>
+      <p:sp>
+        <p:nvSpPr>
+          <p:cNvPr id="3" name="Content Placeholder 2"/>
+          <p:cNvSpPr>
+            <a:spLocks noGrp="1"/>
+          </p:cNvSpPr>
+          <p:nvPr>
+            <p:ph idx="1"/>
+          </p:nvPr>
+        </p:nvSpPr>
+        <p:spPr/>
+        <p:txBody>
+          <a:bodyPr/>
+          <a:lstStyle/>
+          <a:p>
+            <a:pPr marL="342900" indent="-342900">
+              <a:buFont typeface="Arial" panose="020B0604020202020204" pitchFamily="34" charset="0"/>
+              <a:buChar char="•"/>
+            </a:pPr>
+            <a:r>
               <a:rPr lang="en-US" b="0" dirty="0" smtClean="0"/>
-              <a:t>Deconstructing expressions</a:t>
-            </a:r>
-            <a:r>
-              <a:rPr lang="en-US" dirty="0" smtClean="0"/>
-              <a:t/>
-            </a:r>
-            <a:br>
-              <a:rPr lang="en-US" dirty="0" smtClean="0"/>
-            </a:br>
-            <a:r>
-              <a:rPr lang="en-US" dirty="0"/>
-              <a:t/>
-            </a:r>
-            <a:br>
-              <a:rPr lang="en-US" dirty="0"/>
-            </a:br>
+              <a:t>Consider a pointer : either it is </a:t>
+            </a:r>
             <a:r>
               <a:rPr lang="en-US" b="0" dirty="0" err="1" smtClean="0">
                 <a:latin typeface="Source Code Pro" panose="020B0509030403020204" pitchFamily="49" charset="0"/>
               </a:rPr>
-              <a:t>int</a:t>
+              <a:t>nullptr</a:t>
             </a:r>
             <a:r>
               <a:rPr lang="en-US" b="0" dirty="0" smtClean="0">
                 <a:latin typeface="Source Code Pro" panose="020B0509030403020204" pitchFamily="49" charset="0"/>
               </a:rPr>
-              <a:t> evaluate (expr </a:t>
-            </a:r>
-            <a:r>
-              <a:rPr lang="en-US" b="0" dirty="0" err="1" smtClean="0">
-                <a:latin typeface="Source Code Pro" panose="020B0509030403020204" pitchFamily="49" charset="0"/>
-              </a:rPr>
-              <a:t>const</a:t>
+              <a:t> </a:t>
             </a:r>
             <a:r>
               <a:rPr lang="en-US" b="0" dirty="0" smtClean="0">
-                <a:latin typeface="Source Code Pro" panose="020B0509030403020204" pitchFamily="49" charset="0"/>
-              </a:rPr>
-              <a:t>&amp; e) {</a:t>
+                <a:latin typeface="+mn-lt"/>
+              </a:rPr>
+              <a:t>or, it can be dereferenced</a:t>
             </a:r>
             <a:br>
               <a:rPr lang="en-US" b="0" dirty="0" smtClean="0">
-                <a:latin typeface="Source Code Pro" panose="020B0509030403020204" pitchFamily="49" charset="0"/>
+                <a:latin typeface="+mn-lt"/>
               </a:rPr>
             </a:br>
+            <a:endParaRPr lang="en-US" b="0" dirty="0" smtClean="0">
+              <a:latin typeface="+mn-lt"/>
+            </a:endParaRPr>
+          </a:p>
+          <a:p>
+            <a:pPr marL="342900" indent="-342900">
+              <a:buFont typeface="Arial" panose="020B0604020202020204" pitchFamily="34" charset="0"/>
+              <a:buChar char="•"/>
+            </a:pPr>
             <a:r>
               <a:rPr lang="en-US" b="0" dirty="0" smtClean="0">
-                <a:latin typeface="Source Code Pro" panose="020B0509030403020204" pitchFamily="49" charset="0"/>
-              </a:rPr>
-              <a:t>  return </a:t>
-            </a:r>
-            <a:r>
-              <a:rPr lang="en-US" dirty="0" err="1" smtClean="0">
-                <a:latin typeface="Source Code Pro" panose="020B0509030403020204" pitchFamily="49" charset="0"/>
-              </a:rPr>
-              <a:t>e.match</a:t>
-            </a:r>
-            <a:r>
-              <a:rPr lang="en-US" dirty="0" smtClean="0">
-                <a:latin typeface="Source Code Pro" panose="020B0509030403020204" pitchFamily="49" charset="0"/>
-              </a:rPr>
-              <a:t>&lt;</a:t>
-            </a:r>
-            <a:r>
-              <a:rPr lang="en-US" dirty="0" err="1" smtClean="0">
-                <a:latin typeface="Source Code Pro" panose="020B0509030403020204" pitchFamily="49" charset="0"/>
-              </a:rPr>
-              <a:t>int</a:t>
+                <a:latin typeface="+mn-lt"/>
+              </a:rPr>
+              <a:t>Types </a:t>
             </a:r>
             <a:r>
               <a:rPr lang="en-US" b="0" dirty="0" smtClean="0">
                 <a:latin typeface="Source Code Pro" panose="020B0509030403020204" pitchFamily="49" charset="0"/>
               </a:rPr>
-              <a:t>&gt;(</a:t>
+              <a:t>boost::optional&lt;T&gt;</a:t>
+            </a:r>
+            <a:r>
+              <a:rPr lang="en-US" b="0" dirty="0" smtClean="0">
+                <a:latin typeface="+mn-lt"/>
+              </a:rPr>
+              <a:t> and </a:t>
+            </a:r>
+            <a:r>
+              <a:rPr lang="en-US" b="0" dirty="0" err="1" smtClean="0">
+                <a:latin typeface="Source Code Pro" panose="020B0509030403020204" pitchFamily="49" charset="0"/>
+              </a:rPr>
+              <a:t>bdet_NullableValue</a:t>
+            </a:r>
+            <a:r>
+              <a:rPr lang="en-US" b="0" dirty="0" smtClean="0">
+                <a:latin typeface="Source Code Pro" panose="020B0509030403020204" pitchFamily="49" charset="0"/>
+              </a:rPr>
+              <a:t>&lt;T&gt; ha</a:t>
+            </a:r>
+            <a:r>
+              <a:rPr lang="en-US" b="0" dirty="0" smtClean="0">
+                <a:latin typeface="+mn-lt"/>
+              </a:rPr>
+              <a:t>ve similar semantics : either a given instance is a valid </a:t>
+            </a:r>
+            <a:r>
+              <a:rPr lang="en-US" b="0" dirty="0" smtClean="0">
+                <a:latin typeface="Source Code Pro" panose="020B0509030403020204" pitchFamily="49" charset="0"/>
+              </a:rPr>
+              <a:t>T </a:t>
+            </a:r>
+            <a:r>
+              <a:rPr lang="en-US" b="0" dirty="0" smtClean="0">
+                <a:latin typeface="+mn-lt"/>
+              </a:rPr>
+              <a:t>or is </a:t>
+            </a:r>
+            <a:r>
+              <a:rPr lang="en-US" b="0" dirty="0" smtClean="0">
+                <a:latin typeface="Source Code Pro" panose="020B0509030403020204" pitchFamily="49" charset="0"/>
+              </a:rPr>
+              <a:t>“missing”</a:t>
+            </a:r>
+          </a:p>
+          <a:p>
+            <a:pPr marL="342900" indent="-342900">
+              <a:buFont typeface="Arial" panose="020B0604020202020204" pitchFamily="34" charset="0"/>
+              <a:buChar char="•"/>
+            </a:pPr>
+            <a:endParaRPr lang="en-US" b="0" dirty="0" smtClean="0">
+              <a:latin typeface="+mn-lt"/>
+            </a:endParaRPr>
+          </a:p>
+          <a:p>
+            <a:pPr marL="342900" indent="-342900">
+              <a:buFont typeface="Arial" panose="020B0604020202020204" pitchFamily="34" charset="0"/>
+              <a:buChar char="•"/>
+            </a:pPr>
+            <a:r>
+              <a:rPr lang="en-US" b="0" dirty="0" smtClean="0">
+                <a:latin typeface="+mn-lt"/>
+              </a:rPr>
+              <a:t>Such types are sums with two cases</a:t>
             </a:r>
             <a:br>
               <a:rPr lang="en-US" b="0" dirty="0" smtClean="0">
-                <a:latin typeface="Source Code Pro" panose="020B0509030403020204" pitchFamily="49" charset="0"/>
+                <a:latin typeface="+mn-lt"/>
               </a:rPr>
             </a:br>
             <a:r>
               <a:rPr lang="en-US" b="0" dirty="0" smtClean="0">
-                <a:latin typeface="Source Code Pro" panose="020B0509030403020204" pitchFamily="49" charset="0"/>
-              </a:rPr>
-              <a:t>    [](</a:t>
-            </a:r>
-            <a:r>
-              <a:rPr lang="en-US" b="0" dirty="0" err="1" smtClean="0">
-                <a:latin typeface="Source Code Pro" panose="020B0509030403020204" pitchFamily="49" charset="0"/>
-              </a:rPr>
-              <a:t>Num</a:t>
-            </a:r>
-            <a:r>
-              <a:rPr lang="en-US" b="0" dirty="0" smtClean="0">
-                <a:latin typeface="Source Code Pro" panose="020B0509030403020204" pitchFamily="49" charset="0"/>
-              </a:rPr>
-              <a:t> </a:t>
-            </a:r>
-            <a:r>
-              <a:rPr lang="en-US" b="0" dirty="0" err="1" smtClean="0">
-                <a:latin typeface="Source Code Pro" panose="020B0509030403020204" pitchFamily="49" charset="0"/>
-              </a:rPr>
-              <a:t>const</a:t>
-            </a:r>
-            <a:r>
-              <a:rPr lang="en-US" b="0" dirty="0" smtClean="0">
-                <a:latin typeface="Source Code Pro" panose="020B0509030403020204" pitchFamily="49" charset="0"/>
-              </a:rPr>
-              <a:t>&amp; n) {</a:t>
-            </a:r>
-          </a:p>
-          <a:p>
-            <a:r>
-              <a:rPr lang="en-US" b="0" dirty="0">
-                <a:latin typeface="Source Code Pro" panose="020B0509030403020204" pitchFamily="49" charset="0"/>
-              </a:rPr>
-              <a:t> </a:t>
-            </a:r>
-            <a:r>
-              <a:rPr lang="en-US" b="0" dirty="0" smtClean="0">
-                <a:latin typeface="Source Code Pro" panose="020B0509030403020204" pitchFamily="49" charset="0"/>
-              </a:rPr>
-              <a:t>      return </a:t>
-            </a:r>
-            <a:r>
-              <a:rPr lang="en-US" b="0" dirty="0" err="1" smtClean="0">
-                <a:latin typeface="Source Code Pro" panose="020B0509030403020204" pitchFamily="49" charset="0"/>
-              </a:rPr>
-              <a:t>n.i</a:t>
-            </a:r>
-            <a:r>
-              <a:rPr lang="en-US" b="0" dirty="0" smtClean="0">
-                <a:latin typeface="Source Code Pro" panose="020B0509030403020204" pitchFamily="49" charset="0"/>
-              </a:rPr>
-              <a:t> </a:t>
-            </a:r>
-          </a:p>
-          <a:p>
-            <a:r>
-              <a:rPr lang="en-US" b="0" dirty="0">
-                <a:latin typeface="Source Code Pro" panose="020B0509030403020204" pitchFamily="49" charset="0"/>
-              </a:rPr>
-              <a:t> </a:t>
-            </a:r>
-            <a:r>
-              <a:rPr lang="en-US" b="0" dirty="0" smtClean="0">
-                <a:latin typeface="Source Code Pro" panose="020B0509030403020204" pitchFamily="49" charset="0"/>
-              </a:rPr>
-              <a:t>   },</a:t>
+                <a:latin typeface="+mn-lt"/>
+              </a:rPr>
+              <a:t/>
             </a:r>
             <a:br>
               <a:rPr lang="en-US" b="0" dirty="0" smtClean="0">
-                <a:latin typeface="Source Code Pro" panose="020B0509030403020204" pitchFamily="49" charset="0"/>
+                <a:latin typeface="+mn-lt"/>
               </a:rPr>
             </a:br>
             <a:r>
               <a:rPr lang="en-US" b="0" dirty="0" smtClean="0">
                 <a:latin typeface="Source Code Pro" panose="020B0509030403020204" pitchFamily="49" charset="0"/>
               </a:rPr>
-              <a:t>    [](Add </a:t>
-            </a:r>
-            <a:r>
-              <a:rPr lang="en-US" b="0" dirty="0" err="1" smtClean="0">
-                <a:latin typeface="Source Code Pro" panose="020B0509030403020204" pitchFamily="49" charset="0"/>
-              </a:rPr>
-              <a:t>const</a:t>
-            </a:r>
-            <a:r>
-              <a:rPr lang="en-US" b="0" dirty="0" smtClean="0">
-                <a:latin typeface="Source Code Pro" panose="020B0509030403020204" pitchFamily="49" charset="0"/>
-              </a:rPr>
-              <a:t>&amp; op) {</a:t>
-            </a:r>
-          </a:p>
-          <a:p>
-            <a:r>
-              <a:rPr lang="en-US" b="0" dirty="0">
-                <a:latin typeface="Source Code Pro" panose="020B0509030403020204" pitchFamily="49" charset="0"/>
-              </a:rPr>
-              <a:t> </a:t>
-            </a:r>
-            <a:r>
-              <a:rPr lang="en-US" b="0" dirty="0" smtClean="0">
-                <a:latin typeface="Source Code Pro" panose="020B0509030403020204" pitchFamily="49" charset="0"/>
-              </a:rPr>
-              <a:t>     return evaluate (</a:t>
-            </a:r>
-            <a:r>
-              <a:rPr lang="en-US" b="0" dirty="0" err="1" smtClean="0">
-                <a:latin typeface="Source Code Pro" panose="020B0509030403020204" pitchFamily="49" charset="0"/>
-              </a:rPr>
-              <a:t>op.l</a:t>
-            </a:r>
-            <a:r>
-              <a:rPr lang="en-US" b="0" dirty="0" smtClean="0">
-                <a:latin typeface="Source Code Pro" panose="020B0509030403020204" pitchFamily="49" charset="0"/>
-              </a:rPr>
-              <a:t>) + evaluate (</a:t>
-            </a:r>
-            <a:r>
-              <a:rPr lang="en-US" b="0" dirty="0" err="1" smtClean="0">
-                <a:latin typeface="Source Code Pro" panose="020B0509030403020204" pitchFamily="49" charset="0"/>
-              </a:rPr>
-              <a:t>op.r</a:t>
-            </a:r>
-            <a:r>
-              <a:rPr lang="en-US" b="0" dirty="0" smtClean="0">
-                <a:latin typeface="Source Code Pro" panose="020B0509030403020204" pitchFamily="49" charset="0"/>
-              </a:rPr>
-              <a:t>); </a:t>
-            </a:r>
-          </a:p>
-          <a:p>
-            <a:r>
-              <a:rPr lang="en-US" b="0" dirty="0">
-                <a:latin typeface="Source Code Pro" panose="020B0509030403020204" pitchFamily="49" charset="0"/>
-              </a:rPr>
-              <a:t> </a:t>
-            </a:r>
-            <a:r>
-              <a:rPr lang="en-US" b="0" dirty="0" smtClean="0">
-                <a:latin typeface="Source Code Pro" panose="020B0509030403020204" pitchFamily="49" charset="0"/>
-              </a:rPr>
-              <a:t>   }</a:t>
+              <a:t>type ‘a option = Some of ‘a | None</a:t>
             </a:r>
             <a:br>
               <a:rPr lang="en-US" b="0" dirty="0" smtClean="0">
                 <a:latin typeface="Source Code Pro" panose="020B0509030403020204" pitchFamily="49" charset="0"/>
               </a:rPr>
             </a:br>
-            <a:r>
-              <a:rPr lang="en-US" b="0" dirty="0" smtClean="0">
-                <a:latin typeface="Source Code Pro" panose="020B0509030403020204" pitchFamily="49" charset="0"/>
-              </a:rPr>
-              <a:t>  );</a:t>
-            </a:r>
-            <a:br>
-              <a:rPr lang="en-US" b="0" dirty="0" smtClean="0">
-                <a:latin typeface="Source Code Pro" panose="020B0509030403020204" pitchFamily="49" charset="0"/>
-              </a:rPr>
-            </a:br>
-            <a:r>
-              <a:rPr lang="en-US" b="0" dirty="0" smtClean="0">
-                <a:latin typeface="Source Code Pro" panose="020B0509030403020204" pitchFamily="49" charset="0"/>
-              </a:rPr>
-              <a:t>}</a:t>
-            </a:r>
-            <a:endParaRPr lang="en-US" b="0" dirty="0">
+            <a:endParaRPr lang="en-US" b="0" dirty="0" smtClean="0">
               <a:latin typeface="Source Code Pro" panose="020B0509030403020204" pitchFamily="49" charset="0"/>
             </a:endParaRPr>
           </a:p>
@@ -20750,7 +21300,7 @@
                 </a:solidFill>
               </a:rPr>
               <a:pPr/>
-              <a:t>17</a:t>
+              <a:t>19</a:t>
             </a:fld>
             <a:endParaRPr lang="en-US">
               <a:solidFill>
@@ -20784,7 +21334,7 @@
     </p:spTree>
     <p:extLst>
       <p:ext uri="{BB962C8B-B14F-4D97-AF65-F5344CB8AC3E}">
-        <p14:creationId xmlns:p14="http://schemas.microsoft.com/office/powerpoint/2010/main" val="1138511693"/>
+        <p14:creationId xmlns:p14="http://schemas.microsoft.com/office/powerpoint/2010/main" val="884096557"/>
       </p:ext>
     </p:extLst>
   </p:cSld>
@@ -20923,6 +21473,1978 @@
 </p:sld>
 </file>
 
+<file path=ppt/slides/slide20.xml><?xml version="1.0" encoding="utf-8"?>
+<p:sld xmlns:a="http://schemas.openxmlformats.org/drawingml/2006/main" xmlns:r="http://schemas.openxmlformats.org/officeDocument/2006/relationships" xmlns:p="http://schemas.openxmlformats.org/presentationml/2006/main">
+  <p:cSld>
+    <p:spTree>
+      <p:nvGrpSpPr>
+        <p:cNvPr id="1" name=""/>
+        <p:cNvGrpSpPr/>
+        <p:nvPr/>
+      </p:nvGrpSpPr>
+      <p:grpSpPr>
+        <a:xfrm>
+          <a:off x="0" y="0"/>
+          <a:ext cx="0" cy="0"/>
+          <a:chOff x="0" y="0"/>
+          <a:chExt cx="0" cy="0"/>
+        </a:xfrm>
+      </p:grpSpPr>
+      <p:sp>
+        <p:nvSpPr>
+          <p:cNvPr id="2" name="Title 1"/>
+          <p:cNvSpPr>
+            <a:spLocks noGrp="1"/>
+          </p:cNvSpPr>
+          <p:nvPr>
+            <p:ph type="title"/>
+          </p:nvPr>
+        </p:nvSpPr>
+        <p:spPr/>
+        <p:txBody>
+          <a:bodyPr/>
+          <a:lstStyle/>
+          <a:p>
+            <a:r>
+              <a:rPr lang="en-US" dirty="0" smtClean="0"/>
+              <a:t>Example : optional</a:t>
+            </a:r>
+            <a:endParaRPr lang="en-US" dirty="0"/>
+          </a:p>
+        </p:txBody>
+      </p:sp>
+      <p:sp>
+        <p:nvSpPr>
+          <p:cNvPr id="3" name="Content Placeholder 2"/>
+          <p:cNvSpPr>
+            <a:spLocks noGrp="1"/>
+          </p:cNvSpPr>
+          <p:nvPr>
+            <p:ph idx="1"/>
+          </p:nvPr>
+        </p:nvSpPr>
+        <p:spPr/>
+        <p:txBody>
+          <a:bodyPr/>
+          <a:lstStyle/>
+          <a:p>
+            <a:r>
+              <a:rPr lang="en-US" b="0" dirty="0" smtClean="0"/>
+              <a:t>In C++ using pretty good sums we can implement </a:t>
+            </a:r>
+            <a:r>
+              <a:rPr lang="el-GR" b="0" dirty="0" smtClean="0"/>
+              <a:t>α</a:t>
+            </a:r>
+            <a:r>
+              <a:rPr lang="en-US" b="0" dirty="0" smtClean="0">
+                <a:latin typeface="Source Code Pro" panose="020B0509030403020204" pitchFamily="49" charset="0"/>
+              </a:rPr>
+              <a:t> option </a:t>
+            </a:r>
+            <a:r>
+              <a:rPr lang="en-US" b="0" dirty="0" smtClean="0">
+                <a:latin typeface="+mn-lt"/>
+              </a:rPr>
+              <a:t>like this</a:t>
+            </a:r>
+            <a:r>
+              <a:rPr lang="en-US" b="0" dirty="0" smtClean="0"/>
+              <a:t/>
+            </a:r>
+            <a:br>
+              <a:rPr lang="en-US" b="0" dirty="0" smtClean="0"/>
+            </a:br>
+            <a:r>
+              <a:rPr lang="en-US" b="0" dirty="0" smtClean="0"/>
+              <a:t/>
+            </a:r>
+            <a:br>
+              <a:rPr lang="en-US" b="0" dirty="0" smtClean="0"/>
+            </a:br>
+            <a:r>
+              <a:rPr lang="en-US" b="0" dirty="0" smtClean="0">
+                <a:latin typeface="Source Code Pro" panose="020B0509030403020204" pitchFamily="49" charset="0"/>
+              </a:rPr>
+              <a:t>template </a:t>
+            </a:r>
+            <a:r>
+              <a:rPr lang="en-US" b="0" dirty="0">
+                <a:latin typeface="Source Code Pro" panose="020B0509030403020204" pitchFamily="49" charset="0"/>
+              </a:rPr>
+              <a:t>&lt;class T&gt;</a:t>
+            </a:r>
+          </a:p>
+          <a:p>
+            <a:r>
+              <a:rPr lang="en-US" b="0" dirty="0" err="1">
+                <a:latin typeface="Source Code Pro" panose="020B0509030403020204" pitchFamily="49" charset="0"/>
+              </a:rPr>
+              <a:t>struct</a:t>
+            </a:r>
+            <a:r>
+              <a:rPr lang="en-US" b="0" dirty="0">
+                <a:latin typeface="Source Code Pro" panose="020B0509030403020204" pitchFamily="49" charset="0"/>
+              </a:rPr>
+              <a:t> </a:t>
+            </a:r>
+            <a:r>
+              <a:rPr lang="en-US" b="0" dirty="0" smtClean="0">
+                <a:latin typeface="Source Code Pro" panose="020B0509030403020204" pitchFamily="49" charset="0"/>
+              </a:rPr>
+              <a:t>Some {</a:t>
+            </a:r>
+            <a:br>
+              <a:rPr lang="en-US" b="0" dirty="0" smtClean="0">
+                <a:latin typeface="Source Code Pro" panose="020B0509030403020204" pitchFamily="49" charset="0"/>
+              </a:rPr>
+            </a:br>
+            <a:r>
+              <a:rPr lang="en-US" b="0" dirty="0" smtClean="0">
+                <a:latin typeface="Source Code Pro" panose="020B0509030403020204" pitchFamily="49" charset="0"/>
+              </a:rPr>
+              <a:t>  T </a:t>
+            </a:r>
+            <a:r>
+              <a:rPr lang="en-US" b="0" dirty="0">
+                <a:latin typeface="Source Code Pro" panose="020B0509030403020204" pitchFamily="49" charset="0"/>
+              </a:rPr>
+              <a:t>data; </a:t>
+            </a:r>
+            <a:r>
+              <a:rPr lang="en-US" b="0" dirty="0" smtClean="0">
+                <a:latin typeface="Source Code Pro" panose="020B0509030403020204" pitchFamily="49" charset="0"/>
+              </a:rPr>
+              <a:t/>
+            </a:r>
+            <a:br>
+              <a:rPr lang="en-US" b="0" dirty="0" smtClean="0">
+                <a:latin typeface="Source Code Pro" panose="020B0509030403020204" pitchFamily="49" charset="0"/>
+              </a:rPr>
+            </a:br>
+            <a:r>
+              <a:rPr lang="en-US" b="0" dirty="0" smtClean="0">
+                <a:latin typeface="Source Code Pro" panose="020B0509030403020204" pitchFamily="49" charset="0"/>
+              </a:rPr>
+              <a:t>  //</a:t>
+            </a:r>
+            <a:r>
+              <a:rPr lang="en-US" b="0" dirty="0" err="1" smtClean="0">
+                <a:latin typeface="Source Code Pro" panose="020B0509030403020204" pitchFamily="49" charset="0"/>
+              </a:rPr>
+              <a:t>ctor</a:t>
+            </a:r>
+            <a:r>
+              <a:rPr lang="en-US" b="0" dirty="0" smtClean="0">
+                <a:latin typeface="Source Code Pro" panose="020B0509030403020204" pitchFamily="49" charset="0"/>
+              </a:rPr>
+              <a:t/>
+            </a:r>
+            <a:br>
+              <a:rPr lang="en-US" b="0" dirty="0" smtClean="0">
+                <a:latin typeface="Source Code Pro" panose="020B0509030403020204" pitchFamily="49" charset="0"/>
+              </a:rPr>
+            </a:br>
+            <a:r>
+              <a:rPr lang="en-US" b="0" dirty="0" smtClean="0">
+                <a:latin typeface="Source Code Pro" panose="020B0509030403020204" pitchFamily="49" charset="0"/>
+              </a:rPr>
+              <a:t>};</a:t>
+            </a:r>
+            <a:endParaRPr lang="en-US" b="0" dirty="0">
+              <a:latin typeface="Source Code Pro" panose="020B0509030403020204" pitchFamily="49" charset="0"/>
+            </a:endParaRPr>
+          </a:p>
+          <a:p>
+            <a:endParaRPr lang="en-US" b="0" dirty="0">
+              <a:latin typeface="Source Code Pro" panose="020B0509030403020204" pitchFamily="49" charset="0"/>
+            </a:endParaRPr>
+          </a:p>
+          <a:p>
+            <a:r>
+              <a:rPr lang="en-US" b="0" dirty="0" err="1">
+                <a:latin typeface="Source Code Pro" panose="020B0509030403020204" pitchFamily="49" charset="0"/>
+              </a:rPr>
+              <a:t>struct</a:t>
+            </a:r>
+            <a:r>
+              <a:rPr lang="en-US" b="0" dirty="0">
+                <a:latin typeface="Source Code Pro" panose="020B0509030403020204" pitchFamily="49" charset="0"/>
+              </a:rPr>
+              <a:t> </a:t>
+            </a:r>
+            <a:r>
+              <a:rPr lang="en-US" b="0" dirty="0" smtClean="0">
+                <a:latin typeface="Source Code Pro" panose="020B0509030403020204" pitchFamily="49" charset="0"/>
+              </a:rPr>
+              <a:t>None {};</a:t>
+            </a:r>
+            <a:endParaRPr lang="en-US" b="0" dirty="0">
+              <a:latin typeface="Source Code Pro" panose="020B0509030403020204" pitchFamily="49" charset="0"/>
+            </a:endParaRPr>
+          </a:p>
+          <a:p>
+            <a:endParaRPr lang="en-US" b="0" dirty="0">
+              <a:latin typeface="Source Code Pro" panose="020B0509030403020204" pitchFamily="49" charset="0"/>
+            </a:endParaRPr>
+          </a:p>
+          <a:p>
+            <a:r>
+              <a:rPr lang="en-US" b="0" dirty="0" smtClean="0">
+                <a:latin typeface="Source Code Pro" panose="020B0509030403020204" pitchFamily="49" charset="0"/>
+              </a:rPr>
+              <a:t>template&lt;class </a:t>
+            </a:r>
+            <a:r>
+              <a:rPr lang="en-US" b="0" dirty="0">
+                <a:latin typeface="Source Code Pro" panose="020B0509030403020204" pitchFamily="49" charset="0"/>
+              </a:rPr>
+              <a:t>T&gt;</a:t>
+            </a:r>
+          </a:p>
+          <a:p>
+            <a:r>
+              <a:rPr lang="en-US" b="0" dirty="0">
+                <a:latin typeface="Source Code Pro" panose="020B0509030403020204" pitchFamily="49" charset="0"/>
+              </a:rPr>
+              <a:t>using option = </a:t>
+            </a:r>
+            <a:r>
+              <a:rPr lang="en-US" b="0" dirty="0" err="1" smtClean="0">
+                <a:latin typeface="Source Code Pro" panose="020B0509030403020204" pitchFamily="49" charset="0"/>
+              </a:rPr>
+              <a:t>sum_type</a:t>
+            </a:r>
+            <a:r>
+              <a:rPr lang="en-US" b="0" dirty="0" smtClean="0">
+                <a:latin typeface="Source Code Pro" panose="020B0509030403020204" pitchFamily="49" charset="0"/>
+              </a:rPr>
+              <a:t>&lt;Some&lt;T</a:t>
+            </a:r>
+            <a:r>
+              <a:rPr lang="en-US" b="0" dirty="0">
+                <a:latin typeface="Source Code Pro" panose="020B0509030403020204" pitchFamily="49" charset="0"/>
+              </a:rPr>
+              <a:t>&gt;, N</a:t>
+            </a:r>
+            <a:r>
+              <a:rPr lang="en-US" b="0" dirty="0" smtClean="0">
+                <a:latin typeface="Source Code Pro" panose="020B0509030403020204" pitchFamily="49" charset="0"/>
+              </a:rPr>
+              <a:t>one&gt;;</a:t>
+            </a:r>
+            <a:endParaRPr lang="en-US" b="0" dirty="0">
+              <a:latin typeface="Source Code Pro" panose="020B0509030403020204" pitchFamily="49" charset="0"/>
+            </a:endParaRPr>
+          </a:p>
+          <a:p>
+            <a:endParaRPr lang="en-US" dirty="0"/>
+          </a:p>
+        </p:txBody>
+      </p:sp>
+      <p:sp>
+        <p:nvSpPr>
+          <p:cNvPr id="4" name="Slide Number Placeholder 3"/>
+          <p:cNvSpPr>
+            <a:spLocks noGrp="1"/>
+          </p:cNvSpPr>
+          <p:nvPr>
+            <p:ph type="sldNum" sz="quarter" idx="12"/>
+          </p:nvPr>
+        </p:nvSpPr>
+        <p:spPr/>
+        <p:txBody>
+          <a:bodyPr/>
+          <a:lstStyle/>
+          <a:p>
+            <a:fld id="{B383C57C-80DA-45D5-BFE5-7583B8192761}" type="slidenum">
+              <a:rPr lang="en-US" smtClean="0">
+                <a:solidFill>
+                  <a:prstClr val="white">
+                    <a:lumMod val="75000"/>
+                  </a:prstClr>
+                </a:solidFill>
+              </a:rPr>
+              <a:pPr/>
+              <a:t>20</a:t>
+            </a:fld>
+            <a:endParaRPr lang="en-US" dirty="0">
+              <a:solidFill>
+                <a:prstClr val="white">
+                  <a:lumMod val="75000"/>
+                </a:prstClr>
+              </a:solidFill>
+            </a:endParaRPr>
+          </a:p>
+        </p:txBody>
+      </p:sp>
+      <p:sp>
+        <p:nvSpPr>
+          <p:cNvPr id="5" name="Footer Placeholder 4"/>
+          <p:cNvSpPr>
+            <a:spLocks noGrp="1"/>
+          </p:cNvSpPr>
+          <p:nvPr>
+            <p:ph type="ftr" sz="quarter" idx="13"/>
+          </p:nvPr>
+        </p:nvSpPr>
+        <p:spPr/>
+        <p:txBody>
+          <a:bodyPr/>
+          <a:lstStyle/>
+          <a:p>
+            <a:endParaRPr lang="en-US" dirty="0"/>
+          </a:p>
+        </p:txBody>
+      </p:sp>
+    </p:spTree>
+    <p:extLst>
+      <p:ext uri="{BB962C8B-B14F-4D97-AF65-F5344CB8AC3E}">
+        <p14:creationId xmlns:p14="http://schemas.microsoft.com/office/powerpoint/2010/main" val="3363025706"/>
+      </p:ext>
+    </p:extLst>
+  </p:cSld>
+  <p:clrMapOvr>
+    <a:masterClrMapping/>
+  </p:clrMapOvr>
+  <p:timing>
+    <p:tnLst>
+      <p:par>
+        <p:cTn id="1" dur="indefinite" restart="never" nodeType="tmRoot"/>
+      </p:par>
+    </p:tnLst>
+  </p:timing>
+</p:sld>
+</file>
+
+<file path=ppt/slides/slide21.xml><?xml version="1.0" encoding="utf-8"?>
+<p:sld xmlns:a="http://schemas.openxmlformats.org/drawingml/2006/main" xmlns:r="http://schemas.openxmlformats.org/officeDocument/2006/relationships" xmlns:p="http://schemas.openxmlformats.org/presentationml/2006/main">
+  <p:cSld>
+    <p:spTree>
+      <p:nvGrpSpPr>
+        <p:cNvPr id="1" name=""/>
+        <p:cNvGrpSpPr/>
+        <p:nvPr/>
+      </p:nvGrpSpPr>
+      <p:grpSpPr>
+        <a:xfrm>
+          <a:off x="0" y="0"/>
+          <a:ext cx="0" cy="0"/>
+          <a:chOff x="0" y="0"/>
+          <a:chExt cx="0" cy="0"/>
+        </a:xfrm>
+      </p:grpSpPr>
+      <p:sp>
+        <p:nvSpPr>
+          <p:cNvPr id="2" name="Title 1"/>
+          <p:cNvSpPr>
+            <a:spLocks noGrp="1"/>
+          </p:cNvSpPr>
+          <p:nvPr>
+            <p:ph type="title"/>
+          </p:nvPr>
+        </p:nvSpPr>
+        <p:spPr/>
+        <p:txBody>
+          <a:bodyPr/>
+          <a:lstStyle/>
+          <a:p>
+            <a:r>
+              <a:rPr lang="en-US" dirty="0" smtClean="0"/>
+              <a:t>Example : functional lists</a:t>
+            </a:r>
+            <a:endParaRPr lang="en-US" dirty="0"/>
+          </a:p>
+        </p:txBody>
+      </p:sp>
+      <p:sp>
+        <p:nvSpPr>
+          <p:cNvPr id="3" name="Content Placeholder 2"/>
+          <p:cNvSpPr>
+            <a:spLocks noGrp="1"/>
+          </p:cNvSpPr>
+          <p:nvPr>
+            <p:ph idx="1"/>
+          </p:nvPr>
+        </p:nvSpPr>
+        <p:spPr/>
+        <p:txBody>
+          <a:bodyPr/>
+          <a:lstStyle/>
+          <a:p>
+            <a:r>
+              <a:rPr lang="en-US" b="0" dirty="0" smtClean="0"/>
+              <a:t>Lists are empty or non empty sequences of elements</a:t>
+            </a:r>
+            <a:r>
+              <a:rPr lang="en-US" dirty="0" smtClean="0"/>
+              <a:t> </a:t>
+            </a:r>
+            <a:br>
+              <a:rPr lang="en-US" dirty="0" smtClean="0"/>
+            </a:br>
+            <a:r>
+              <a:rPr lang="en-US" dirty="0" smtClean="0"/>
+              <a:t/>
+            </a:r>
+            <a:br>
+              <a:rPr lang="en-US" dirty="0" smtClean="0"/>
+            </a:br>
+            <a:r>
+              <a:rPr lang="en-US" b="0" dirty="0" smtClean="0">
+                <a:latin typeface="Source Code Pro" panose="020B0509030403020204" pitchFamily="49" charset="0"/>
+              </a:rPr>
+              <a:t>type </a:t>
+            </a:r>
+            <a:r>
+              <a:rPr lang="el-GR" b="0" dirty="0" smtClean="0"/>
+              <a:t>α</a:t>
+            </a:r>
+            <a:r>
+              <a:rPr lang="en-US" b="0" dirty="0" smtClean="0">
+                <a:latin typeface="Source Code Pro" panose="020B0509030403020204" pitchFamily="49" charset="0"/>
+              </a:rPr>
+              <a:t> list = Nil | Cons of </a:t>
+            </a:r>
+            <a:r>
+              <a:rPr lang="el-GR" b="0" dirty="0"/>
+              <a:t>α</a:t>
+            </a:r>
+            <a:r>
+              <a:rPr lang="en-US" b="0" dirty="0" smtClean="0">
+                <a:latin typeface="Source Code Pro" panose="020B0509030403020204" pitchFamily="49" charset="0"/>
+              </a:rPr>
+              <a:t> * </a:t>
+            </a:r>
+            <a:r>
+              <a:rPr lang="el-GR" b="0" dirty="0"/>
+              <a:t>α</a:t>
+            </a:r>
+            <a:r>
+              <a:rPr lang="en-US" b="0" dirty="0" smtClean="0">
+                <a:latin typeface="Source Code Pro" panose="020B0509030403020204" pitchFamily="49" charset="0"/>
+              </a:rPr>
+              <a:t> list</a:t>
+            </a:r>
+            <a:br>
+              <a:rPr lang="en-US" b="0" dirty="0" smtClean="0">
+                <a:latin typeface="Source Code Pro" panose="020B0509030403020204" pitchFamily="49" charset="0"/>
+              </a:rPr>
+            </a:br>
+            <a:endParaRPr lang="en-US" b="0" dirty="0">
+              <a:latin typeface="Source Code Pro" panose="020B0509030403020204" pitchFamily="49" charset="0"/>
+            </a:endParaRPr>
+          </a:p>
+        </p:txBody>
+      </p:sp>
+      <p:sp>
+        <p:nvSpPr>
+          <p:cNvPr id="4" name="Slide Number Placeholder 3"/>
+          <p:cNvSpPr>
+            <a:spLocks noGrp="1"/>
+          </p:cNvSpPr>
+          <p:nvPr>
+            <p:ph type="sldNum" sz="quarter" idx="12"/>
+          </p:nvPr>
+        </p:nvSpPr>
+        <p:spPr/>
+        <p:txBody>
+          <a:bodyPr/>
+          <a:lstStyle/>
+          <a:p>
+            <a:fld id="{B383C57C-80DA-45D5-BFE5-7583B8192761}" type="slidenum">
+              <a:rPr lang="en-US" smtClean="0">
+                <a:solidFill>
+                  <a:prstClr val="white">
+                    <a:lumMod val="75000"/>
+                  </a:prstClr>
+                </a:solidFill>
+              </a:rPr>
+              <a:pPr/>
+              <a:t>21</a:t>
+            </a:fld>
+            <a:endParaRPr lang="en-US">
+              <a:solidFill>
+                <a:prstClr val="white">
+                  <a:lumMod val="75000"/>
+                </a:prstClr>
+              </a:solidFill>
+            </a:endParaRPr>
+          </a:p>
+        </p:txBody>
+      </p:sp>
+      <p:sp>
+        <p:nvSpPr>
+          <p:cNvPr id="5" name="Footer Placeholder 4"/>
+          <p:cNvSpPr>
+            <a:spLocks noGrp="1"/>
+          </p:cNvSpPr>
+          <p:nvPr>
+            <p:ph type="ftr" sz="quarter" idx="13"/>
+          </p:nvPr>
+        </p:nvSpPr>
+        <p:spPr/>
+        <p:txBody>
+          <a:bodyPr/>
+          <a:lstStyle/>
+          <a:p>
+            <a:endParaRPr lang="en-US" dirty="0"/>
+          </a:p>
+        </p:txBody>
+      </p:sp>
+    </p:spTree>
+    <p:extLst>
+      <p:ext uri="{BB962C8B-B14F-4D97-AF65-F5344CB8AC3E}">
+        <p14:creationId xmlns:p14="http://schemas.microsoft.com/office/powerpoint/2010/main" val="2800118867"/>
+      </p:ext>
+    </p:extLst>
+  </p:cSld>
+  <p:clrMapOvr>
+    <a:masterClrMapping/>
+  </p:clrMapOvr>
+  <p:timing>
+    <p:tnLst>
+      <p:par>
+        <p:cTn id="1" dur="indefinite" restart="never" nodeType="tmRoot"/>
+      </p:par>
+    </p:tnLst>
+  </p:timing>
+</p:sld>
+</file>
+
+<file path=ppt/slides/slide22.xml><?xml version="1.0" encoding="utf-8"?>
+<p:sld xmlns:a="http://schemas.openxmlformats.org/drawingml/2006/main" xmlns:r="http://schemas.openxmlformats.org/officeDocument/2006/relationships" xmlns:p="http://schemas.openxmlformats.org/presentationml/2006/main">
+  <p:cSld>
+    <p:spTree>
+      <p:nvGrpSpPr>
+        <p:cNvPr id="1" name=""/>
+        <p:cNvGrpSpPr/>
+        <p:nvPr/>
+      </p:nvGrpSpPr>
+      <p:grpSpPr>
+        <a:xfrm>
+          <a:off x="0" y="0"/>
+          <a:ext cx="0" cy="0"/>
+          <a:chOff x="0" y="0"/>
+          <a:chExt cx="0" cy="0"/>
+        </a:xfrm>
+      </p:grpSpPr>
+      <p:sp>
+        <p:nvSpPr>
+          <p:cNvPr id="2" name="Title 1"/>
+          <p:cNvSpPr>
+            <a:spLocks noGrp="1"/>
+          </p:cNvSpPr>
+          <p:nvPr>
+            <p:ph type="title"/>
+          </p:nvPr>
+        </p:nvSpPr>
+        <p:spPr/>
+        <p:txBody>
+          <a:bodyPr/>
+          <a:lstStyle/>
+          <a:p>
+            <a:r>
+              <a:rPr lang="en-US" dirty="0" smtClean="0"/>
+              <a:t>Example : functional lists</a:t>
+            </a:r>
+            <a:endParaRPr lang="en-US" dirty="0"/>
+          </a:p>
+        </p:txBody>
+      </p:sp>
+      <p:sp>
+        <p:nvSpPr>
+          <p:cNvPr id="3" name="Content Placeholder 2"/>
+          <p:cNvSpPr>
+            <a:spLocks noGrp="1"/>
+          </p:cNvSpPr>
+          <p:nvPr>
+            <p:ph idx="1"/>
+          </p:nvPr>
+        </p:nvSpPr>
+        <p:spPr/>
+        <p:txBody>
+          <a:bodyPr/>
+          <a:lstStyle/>
+          <a:p>
+            <a:r>
+              <a:rPr lang="en-US" dirty="0"/>
+              <a:t> </a:t>
+            </a:r>
+            <a:r>
+              <a:rPr lang="en-US" b="0" dirty="0"/>
+              <a:t>In C++</a:t>
+            </a:r>
+            <a:br>
+              <a:rPr lang="en-US" b="0" dirty="0"/>
+            </a:br>
+            <a:r>
+              <a:rPr lang="en-US" b="0" dirty="0"/>
+              <a:t/>
+            </a:r>
+            <a:br>
+              <a:rPr lang="en-US" b="0" dirty="0"/>
+            </a:br>
+            <a:r>
+              <a:rPr lang="en-US" b="0" dirty="0">
+                <a:latin typeface="Source Code Pro" panose="020B0509030403020204" pitchFamily="49" charset="0"/>
+              </a:rPr>
+              <a:t> template &lt;class T&gt; </a:t>
+            </a:r>
+            <a:r>
+              <a:rPr lang="en-US" b="0" dirty="0" err="1">
+                <a:latin typeface="Source Code Pro" panose="020B0509030403020204" pitchFamily="49" charset="0"/>
+              </a:rPr>
+              <a:t>struct</a:t>
+            </a:r>
+            <a:r>
+              <a:rPr lang="en-US" b="0" dirty="0">
+                <a:latin typeface="Source Code Pro" panose="020B0509030403020204" pitchFamily="49" charset="0"/>
+              </a:rPr>
+              <a:t> </a:t>
+            </a:r>
+            <a:r>
+              <a:rPr lang="en-US" b="0" dirty="0" err="1">
+                <a:latin typeface="Source Code Pro" panose="020B0509030403020204" pitchFamily="49" charset="0"/>
+              </a:rPr>
+              <a:t>cons_t</a:t>
+            </a:r>
+            <a:r>
+              <a:rPr lang="en-US" b="0" dirty="0">
+                <a:latin typeface="Source Code Pro" panose="020B0509030403020204" pitchFamily="49" charset="0"/>
+              </a:rPr>
+              <a:t>; // Case 1</a:t>
+            </a:r>
+          </a:p>
+          <a:p>
+            <a:r>
+              <a:rPr lang="en-US" b="0" dirty="0" smtClean="0">
+                <a:latin typeface="Source Code Pro" panose="020B0509030403020204" pitchFamily="49" charset="0"/>
+              </a:rPr>
+              <a:t> </a:t>
+            </a:r>
+            <a:r>
+              <a:rPr lang="en-US" b="0" dirty="0" err="1" smtClean="0">
+                <a:latin typeface="Source Code Pro" panose="020B0509030403020204" pitchFamily="49" charset="0"/>
+              </a:rPr>
+              <a:t>struct</a:t>
+            </a:r>
+            <a:r>
+              <a:rPr lang="en-US" b="0" dirty="0" smtClean="0">
+                <a:latin typeface="Source Code Pro" panose="020B0509030403020204" pitchFamily="49" charset="0"/>
+              </a:rPr>
+              <a:t> </a:t>
+            </a:r>
+            <a:r>
+              <a:rPr lang="en-US" b="0" dirty="0" err="1">
+                <a:latin typeface="Source Code Pro" panose="020B0509030403020204" pitchFamily="49" charset="0"/>
+              </a:rPr>
+              <a:t>nil_t</a:t>
+            </a:r>
+            <a:r>
+              <a:rPr lang="en-US" b="0" dirty="0">
+                <a:latin typeface="Source Code Pro" panose="020B0509030403020204" pitchFamily="49" charset="0"/>
+              </a:rPr>
+              <a:t> </a:t>
+            </a:r>
+            <a:r>
+              <a:rPr lang="en-US" b="0" dirty="0" smtClean="0">
+                <a:latin typeface="Source Code Pro" panose="020B0509030403020204" pitchFamily="49" charset="0"/>
+              </a:rPr>
+              <a:t>{};  // Case 2</a:t>
+            </a:r>
+          </a:p>
+          <a:p>
+            <a:endParaRPr lang="en-US" b="0" dirty="0" smtClean="0">
+              <a:latin typeface="Source Code Pro" panose="020B0509030403020204" pitchFamily="49" charset="0"/>
+            </a:endParaRPr>
+          </a:p>
+          <a:p>
+            <a:r>
+              <a:rPr lang="en-US" b="0" dirty="0" smtClean="0">
+                <a:latin typeface="Source Code Pro" panose="020B0509030403020204" pitchFamily="49" charset="0"/>
+              </a:rPr>
+              <a:t>template </a:t>
+            </a:r>
+            <a:r>
+              <a:rPr lang="en-US" b="0" dirty="0">
+                <a:latin typeface="Source Code Pro" panose="020B0509030403020204" pitchFamily="49" charset="0"/>
+              </a:rPr>
+              <a:t>&lt;class </a:t>
+            </a:r>
+            <a:r>
+              <a:rPr lang="en-US" b="0" dirty="0" smtClean="0">
+                <a:latin typeface="Source Code Pro" panose="020B0509030403020204" pitchFamily="49" charset="0"/>
+              </a:rPr>
+              <a:t>T&gt; using </a:t>
+            </a:r>
+            <a:r>
+              <a:rPr lang="en-US" b="0" dirty="0">
+                <a:latin typeface="Source Code Pro" panose="020B0509030403020204" pitchFamily="49" charset="0"/>
+              </a:rPr>
+              <a:t>list = </a:t>
+            </a:r>
+            <a:endParaRPr lang="en-US" b="0" dirty="0" smtClean="0">
+              <a:latin typeface="Source Code Pro" panose="020B0509030403020204" pitchFamily="49" charset="0"/>
+            </a:endParaRPr>
+          </a:p>
+          <a:p>
+            <a:r>
+              <a:rPr lang="en-US" b="0" dirty="0" smtClean="0">
+                <a:latin typeface="Source Code Pro" panose="020B0509030403020204" pitchFamily="49" charset="0"/>
+              </a:rPr>
+              <a:t>  </a:t>
+            </a:r>
+            <a:r>
+              <a:rPr lang="en-US" b="0" dirty="0" err="1" smtClean="0">
+                <a:latin typeface="Source Code Pro" panose="020B0509030403020204" pitchFamily="49" charset="0"/>
+              </a:rPr>
+              <a:t>sum_type</a:t>
+            </a:r>
+            <a:r>
+              <a:rPr lang="en-US" b="0" dirty="0" smtClean="0">
+                <a:latin typeface="Source Code Pro" panose="020B0509030403020204" pitchFamily="49" charset="0"/>
+              </a:rPr>
+              <a:t> &lt;</a:t>
+            </a:r>
+            <a:r>
+              <a:rPr lang="en-US" b="0" dirty="0" err="1" smtClean="0">
+                <a:latin typeface="Source Code Pro" panose="020B0509030403020204" pitchFamily="49" charset="0"/>
+              </a:rPr>
+              <a:t>recursive_wrapper</a:t>
+            </a:r>
+            <a:r>
+              <a:rPr lang="en-US" b="0" dirty="0" smtClean="0">
+                <a:latin typeface="Source Code Pro" panose="020B0509030403020204" pitchFamily="49" charset="0"/>
+              </a:rPr>
+              <a:t>&lt;</a:t>
+            </a:r>
+            <a:r>
+              <a:rPr lang="en-US" b="0" dirty="0" err="1" smtClean="0">
+                <a:latin typeface="Source Code Pro" panose="020B0509030403020204" pitchFamily="49" charset="0"/>
+              </a:rPr>
+              <a:t>cons_t</a:t>
+            </a:r>
+            <a:r>
+              <a:rPr lang="en-US" b="0" dirty="0" smtClean="0">
+                <a:latin typeface="Source Code Pro" panose="020B0509030403020204" pitchFamily="49" charset="0"/>
+              </a:rPr>
+              <a:t>&lt;T</a:t>
+            </a:r>
+            <a:r>
+              <a:rPr lang="en-US" b="0" dirty="0">
+                <a:latin typeface="Source Code Pro" panose="020B0509030403020204" pitchFamily="49" charset="0"/>
+              </a:rPr>
+              <a:t>&gt;&gt;, </a:t>
+            </a:r>
+            <a:r>
+              <a:rPr lang="en-US" b="0" dirty="0" err="1">
+                <a:latin typeface="Source Code Pro" panose="020B0509030403020204" pitchFamily="49" charset="0"/>
+              </a:rPr>
+              <a:t>nil_t</a:t>
+            </a:r>
+            <a:r>
+              <a:rPr lang="en-US" b="0" dirty="0">
+                <a:latin typeface="Source Code Pro" panose="020B0509030403020204" pitchFamily="49" charset="0"/>
+              </a:rPr>
+              <a:t>&gt;;</a:t>
+            </a:r>
+            <a:br>
+              <a:rPr lang="en-US" b="0" dirty="0">
+                <a:latin typeface="Source Code Pro" panose="020B0509030403020204" pitchFamily="49" charset="0"/>
+              </a:rPr>
+            </a:br>
+            <a:r>
+              <a:rPr lang="en-US" b="0" dirty="0">
+                <a:latin typeface="Source Code Pro" panose="020B0509030403020204" pitchFamily="49" charset="0"/>
+              </a:rPr>
+              <a:t/>
+            </a:r>
+            <a:br>
+              <a:rPr lang="en-US" b="0" dirty="0">
+                <a:latin typeface="Source Code Pro" panose="020B0509030403020204" pitchFamily="49" charset="0"/>
+              </a:rPr>
+            </a:br>
+            <a:r>
+              <a:rPr lang="en-US" b="0" dirty="0" smtClean="0">
+                <a:latin typeface="Source Code Pro" panose="020B0509030403020204" pitchFamily="49" charset="0"/>
+              </a:rPr>
+              <a:t>template </a:t>
+            </a:r>
+            <a:r>
+              <a:rPr lang="en-US" b="0" dirty="0">
+                <a:latin typeface="Source Code Pro" panose="020B0509030403020204" pitchFamily="49" charset="0"/>
+              </a:rPr>
+              <a:t>&lt;class T&gt; </a:t>
+            </a:r>
+          </a:p>
+          <a:p>
+            <a:r>
+              <a:rPr lang="en-US" b="0" dirty="0" err="1" smtClean="0">
+                <a:latin typeface="Source Code Pro" panose="020B0509030403020204" pitchFamily="49" charset="0"/>
+              </a:rPr>
+              <a:t>struct</a:t>
+            </a:r>
+            <a:r>
+              <a:rPr lang="en-US" b="0" dirty="0" smtClean="0">
+                <a:latin typeface="Source Code Pro" panose="020B0509030403020204" pitchFamily="49" charset="0"/>
+              </a:rPr>
+              <a:t> </a:t>
+            </a:r>
+            <a:r>
+              <a:rPr lang="en-US" b="0" dirty="0" err="1">
+                <a:latin typeface="Source Code Pro" panose="020B0509030403020204" pitchFamily="49" charset="0"/>
+              </a:rPr>
+              <a:t>cons_t</a:t>
+            </a:r>
+            <a:r>
+              <a:rPr lang="en-US" b="0" dirty="0">
+                <a:latin typeface="Source Code Pro" panose="020B0509030403020204" pitchFamily="49" charset="0"/>
+              </a:rPr>
+              <a:t> {</a:t>
+            </a:r>
+          </a:p>
+          <a:p>
+            <a:r>
+              <a:rPr lang="en-US" b="0" dirty="0" smtClean="0">
+                <a:latin typeface="Source Code Pro" panose="020B0509030403020204" pitchFamily="49" charset="0"/>
+              </a:rPr>
+              <a:t>  </a:t>
+            </a:r>
+            <a:r>
+              <a:rPr lang="en-US" b="0" dirty="0">
+                <a:latin typeface="Source Code Pro" panose="020B0509030403020204" pitchFamily="49" charset="0"/>
+              </a:rPr>
+              <a:t>T </a:t>
+            </a:r>
+            <a:r>
+              <a:rPr lang="en-US" b="0" dirty="0" err="1">
+                <a:latin typeface="Source Code Pro" panose="020B0509030403020204" pitchFamily="49" charset="0"/>
+              </a:rPr>
+              <a:t>hd</a:t>
+            </a:r>
+            <a:r>
+              <a:rPr lang="en-US" b="0" dirty="0">
+                <a:latin typeface="Source Code Pro" panose="020B0509030403020204" pitchFamily="49" charset="0"/>
+              </a:rPr>
+              <a:t>;</a:t>
+            </a:r>
+          </a:p>
+          <a:p>
+            <a:r>
+              <a:rPr lang="en-US" b="0" dirty="0" smtClean="0">
+                <a:latin typeface="Source Code Pro" panose="020B0509030403020204" pitchFamily="49" charset="0"/>
+              </a:rPr>
+              <a:t>  </a:t>
+            </a:r>
+            <a:r>
+              <a:rPr lang="en-US" b="0" dirty="0">
+                <a:latin typeface="Source Code Pro" panose="020B0509030403020204" pitchFamily="49" charset="0"/>
+              </a:rPr>
+              <a:t>list&lt;T&gt; </a:t>
+            </a:r>
+            <a:r>
+              <a:rPr lang="en-US" b="0" dirty="0" err="1">
+                <a:latin typeface="Source Code Pro" panose="020B0509030403020204" pitchFamily="49" charset="0"/>
+              </a:rPr>
+              <a:t>tl</a:t>
+            </a:r>
+            <a:r>
+              <a:rPr lang="en-US" b="0" dirty="0">
+                <a:latin typeface="Source Code Pro" panose="020B0509030403020204" pitchFamily="49" charset="0"/>
+              </a:rPr>
+              <a:t>;</a:t>
+            </a:r>
+          </a:p>
+          <a:p>
+            <a:r>
+              <a:rPr lang="en-US" b="0" dirty="0" smtClean="0">
+                <a:latin typeface="Source Code Pro" panose="020B0509030403020204" pitchFamily="49" charset="0"/>
+              </a:rPr>
+              <a:t>  // </a:t>
+            </a:r>
+            <a:r>
+              <a:rPr lang="en-US" b="0" dirty="0" err="1" smtClean="0">
+                <a:latin typeface="Source Code Pro" panose="020B0509030403020204" pitchFamily="49" charset="0"/>
+              </a:rPr>
+              <a:t>ctors</a:t>
+            </a:r>
+            <a:r>
+              <a:rPr lang="en-US" b="0" dirty="0" smtClean="0">
+                <a:latin typeface="Source Code Pro" panose="020B0509030403020204" pitchFamily="49" charset="0"/>
+              </a:rPr>
+              <a:t>…</a:t>
+            </a:r>
+            <a:br>
+              <a:rPr lang="en-US" b="0" dirty="0" smtClean="0">
+                <a:latin typeface="Source Code Pro" panose="020B0509030403020204" pitchFamily="49" charset="0"/>
+              </a:rPr>
+            </a:br>
+            <a:r>
+              <a:rPr lang="en-US" b="0" dirty="0" smtClean="0">
+                <a:latin typeface="Source Code Pro" panose="020B0509030403020204" pitchFamily="49" charset="0"/>
+              </a:rPr>
+              <a:t>};</a:t>
+            </a:r>
+          </a:p>
+        </p:txBody>
+      </p:sp>
+      <p:sp>
+        <p:nvSpPr>
+          <p:cNvPr id="4" name="Slide Number Placeholder 3"/>
+          <p:cNvSpPr>
+            <a:spLocks noGrp="1"/>
+          </p:cNvSpPr>
+          <p:nvPr>
+            <p:ph type="sldNum" sz="quarter" idx="12"/>
+          </p:nvPr>
+        </p:nvSpPr>
+        <p:spPr/>
+        <p:txBody>
+          <a:bodyPr/>
+          <a:lstStyle/>
+          <a:p>
+            <a:fld id="{B383C57C-80DA-45D5-BFE5-7583B8192761}" type="slidenum">
+              <a:rPr lang="en-US" smtClean="0">
+                <a:solidFill>
+                  <a:prstClr val="white">
+                    <a:lumMod val="75000"/>
+                  </a:prstClr>
+                </a:solidFill>
+              </a:rPr>
+              <a:pPr/>
+              <a:t>22</a:t>
+            </a:fld>
+            <a:endParaRPr lang="en-US">
+              <a:solidFill>
+                <a:prstClr val="white">
+                  <a:lumMod val="75000"/>
+                </a:prstClr>
+              </a:solidFill>
+            </a:endParaRPr>
+          </a:p>
+        </p:txBody>
+      </p:sp>
+      <p:sp>
+        <p:nvSpPr>
+          <p:cNvPr id="5" name="Footer Placeholder 4"/>
+          <p:cNvSpPr>
+            <a:spLocks noGrp="1"/>
+          </p:cNvSpPr>
+          <p:nvPr>
+            <p:ph type="ftr" sz="quarter" idx="13"/>
+          </p:nvPr>
+        </p:nvSpPr>
+        <p:spPr/>
+        <p:txBody>
+          <a:bodyPr/>
+          <a:lstStyle/>
+          <a:p>
+            <a:endParaRPr lang="en-US" dirty="0"/>
+          </a:p>
+        </p:txBody>
+      </p:sp>
+    </p:spTree>
+    <p:extLst>
+      <p:ext uri="{BB962C8B-B14F-4D97-AF65-F5344CB8AC3E}">
+        <p14:creationId xmlns:p14="http://schemas.microsoft.com/office/powerpoint/2010/main" val="1691094416"/>
+      </p:ext>
+    </p:extLst>
+  </p:cSld>
+  <p:clrMapOvr>
+    <a:masterClrMapping/>
+  </p:clrMapOvr>
+  <p:timing>
+    <p:tnLst>
+      <p:par>
+        <p:cTn id="1" dur="indefinite" restart="never" nodeType="tmRoot"/>
+      </p:par>
+    </p:tnLst>
+  </p:timing>
+</p:sld>
+</file>
+
+<file path=ppt/slides/slide23.xml><?xml version="1.0" encoding="utf-8"?>
+<p:sld xmlns:a="http://schemas.openxmlformats.org/drawingml/2006/main" xmlns:r="http://schemas.openxmlformats.org/officeDocument/2006/relationships" xmlns:p="http://schemas.openxmlformats.org/presentationml/2006/main">
+  <p:cSld>
+    <p:spTree>
+      <p:nvGrpSpPr>
+        <p:cNvPr id="1" name=""/>
+        <p:cNvGrpSpPr/>
+        <p:nvPr/>
+      </p:nvGrpSpPr>
+      <p:grpSpPr>
+        <a:xfrm>
+          <a:off x="0" y="0"/>
+          <a:ext cx="0" cy="0"/>
+          <a:chOff x="0" y="0"/>
+          <a:chExt cx="0" cy="0"/>
+        </a:xfrm>
+      </p:grpSpPr>
+      <p:sp>
+        <p:nvSpPr>
+          <p:cNvPr id="2" name="Title 1"/>
+          <p:cNvSpPr>
+            <a:spLocks noGrp="1"/>
+          </p:cNvSpPr>
+          <p:nvPr>
+            <p:ph type="title"/>
+          </p:nvPr>
+        </p:nvSpPr>
+        <p:spPr/>
+        <p:txBody>
+          <a:bodyPr/>
+          <a:lstStyle/>
+          <a:p>
+            <a:r>
+              <a:rPr lang="en-US" dirty="0" smtClean="0"/>
+              <a:t>Example : Binary search trees</a:t>
+            </a:r>
+            <a:endParaRPr lang="en-US" dirty="0"/>
+          </a:p>
+        </p:txBody>
+      </p:sp>
+      <p:sp>
+        <p:nvSpPr>
+          <p:cNvPr id="3" name="Content Placeholder 2"/>
+          <p:cNvSpPr>
+            <a:spLocks noGrp="1"/>
+          </p:cNvSpPr>
+          <p:nvPr>
+            <p:ph idx="1"/>
+          </p:nvPr>
+        </p:nvSpPr>
+        <p:spPr/>
+        <p:txBody>
+          <a:bodyPr/>
+          <a:lstStyle/>
+          <a:p>
+            <a:r>
+              <a:rPr lang="en-US" b="0" dirty="0" smtClean="0"/>
+              <a:t>In </a:t>
+            </a:r>
+            <a:r>
+              <a:rPr lang="en-US" b="0" dirty="0" err="1" smtClean="0"/>
+              <a:t>OCaml</a:t>
+            </a:r>
+            <a:r>
+              <a:rPr lang="en-US" b="0" dirty="0" smtClean="0"/>
+              <a:t>,</a:t>
+            </a:r>
+            <a:br>
+              <a:rPr lang="en-US" b="0" dirty="0" smtClean="0"/>
+            </a:br>
+            <a:r>
+              <a:rPr lang="en-US" b="0" dirty="0" smtClean="0"/>
+              <a:t/>
+            </a:r>
+            <a:br>
+              <a:rPr lang="en-US" b="0" dirty="0" smtClean="0"/>
+            </a:br>
+            <a:r>
+              <a:rPr lang="en-US" b="0" dirty="0" smtClean="0">
+                <a:latin typeface="Source Code Pro" panose="020B0509030403020204" pitchFamily="49" charset="0"/>
+              </a:rPr>
+              <a:t>type (</a:t>
+            </a:r>
+            <a:r>
+              <a:rPr lang="el-GR" b="0" dirty="0" smtClean="0"/>
+              <a:t>α</a:t>
+            </a:r>
+            <a:r>
+              <a:rPr lang="en-US" b="0" dirty="0" smtClean="0">
+                <a:latin typeface="Source Code Pro" panose="020B0509030403020204" pitchFamily="49" charset="0"/>
+              </a:rPr>
+              <a:t>, </a:t>
+            </a:r>
+            <a:r>
+              <a:rPr lang="el-GR" b="0" dirty="0" smtClean="0">
+                <a:latin typeface="Times New Roman"/>
+                <a:cs typeface="Times New Roman"/>
+              </a:rPr>
+              <a:t>β</a:t>
+            </a:r>
+            <a:r>
+              <a:rPr lang="en-US" b="0" dirty="0" smtClean="0">
+                <a:latin typeface="Source Code Pro" panose="020B0509030403020204" pitchFamily="49" charset="0"/>
+              </a:rPr>
+              <a:t>) tree = </a:t>
+            </a:r>
+          </a:p>
+          <a:p>
+            <a:r>
+              <a:rPr lang="en-US" b="0" dirty="0" smtClean="0">
+                <a:latin typeface="Source Code Pro" panose="020B0509030403020204" pitchFamily="49" charset="0"/>
+              </a:rPr>
+              <a:t>    Empty </a:t>
+            </a:r>
+          </a:p>
+          <a:p>
+            <a:r>
+              <a:rPr lang="en-US" b="0" dirty="0" smtClean="0">
+                <a:latin typeface="Source Code Pro" panose="020B0509030403020204" pitchFamily="49" charset="0"/>
+              </a:rPr>
+              <a:t>  | Node of (</a:t>
+            </a:r>
+            <a:r>
+              <a:rPr lang="el-GR" b="0" dirty="0" smtClean="0"/>
+              <a:t>α</a:t>
+            </a:r>
+            <a:r>
+              <a:rPr lang="en-US" b="0" dirty="0" smtClean="0">
+                <a:latin typeface="Source Code Pro" panose="020B0509030403020204" pitchFamily="49" charset="0"/>
+              </a:rPr>
+              <a:t> * </a:t>
+            </a:r>
+            <a:r>
+              <a:rPr lang="el-GR" b="0" dirty="0">
+                <a:latin typeface="Times New Roman"/>
+                <a:cs typeface="Times New Roman"/>
+              </a:rPr>
+              <a:t>β</a:t>
+            </a:r>
+            <a:r>
+              <a:rPr lang="en-US" b="0" dirty="0" smtClean="0">
+                <a:latin typeface="Source Code Pro" panose="020B0509030403020204" pitchFamily="49" charset="0"/>
+              </a:rPr>
+              <a:t>) * </a:t>
+            </a:r>
+            <a:r>
+              <a:rPr lang="en-US" b="0" dirty="0">
+                <a:latin typeface="Source Code Pro" panose="020B0509030403020204" pitchFamily="49" charset="0"/>
+              </a:rPr>
+              <a:t>(</a:t>
+            </a:r>
+            <a:r>
+              <a:rPr lang="el-GR" b="0" dirty="0"/>
+              <a:t>α</a:t>
+            </a:r>
+            <a:r>
+              <a:rPr lang="en-US" b="0" dirty="0">
+                <a:latin typeface="Source Code Pro" panose="020B0509030403020204" pitchFamily="49" charset="0"/>
+              </a:rPr>
+              <a:t> * </a:t>
+            </a:r>
+            <a:r>
+              <a:rPr lang="el-GR" b="0" dirty="0">
+                <a:latin typeface="Times New Roman"/>
+                <a:cs typeface="Times New Roman"/>
+              </a:rPr>
+              <a:t>β</a:t>
+            </a:r>
+            <a:r>
+              <a:rPr lang="en-US" b="0" dirty="0">
+                <a:latin typeface="Source Code Pro" panose="020B0509030403020204" pitchFamily="49" charset="0"/>
+              </a:rPr>
+              <a:t>) </a:t>
+            </a:r>
+            <a:r>
+              <a:rPr lang="en-US" b="0" dirty="0" smtClean="0">
+                <a:latin typeface="Source Code Pro" panose="020B0509030403020204" pitchFamily="49" charset="0"/>
+              </a:rPr>
+              <a:t>tree * </a:t>
+            </a:r>
+            <a:r>
+              <a:rPr lang="en-US" b="0" dirty="0">
+                <a:latin typeface="Source Code Pro" panose="020B0509030403020204" pitchFamily="49" charset="0"/>
+              </a:rPr>
+              <a:t>(</a:t>
+            </a:r>
+            <a:r>
+              <a:rPr lang="el-GR" b="0" dirty="0"/>
+              <a:t>α</a:t>
+            </a:r>
+            <a:r>
+              <a:rPr lang="en-US" b="0" dirty="0">
+                <a:latin typeface="Source Code Pro" panose="020B0509030403020204" pitchFamily="49" charset="0"/>
+              </a:rPr>
+              <a:t> * </a:t>
+            </a:r>
+            <a:r>
+              <a:rPr lang="el-GR" b="0" dirty="0">
+                <a:latin typeface="Times New Roman"/>
+                <a:cs typeface="Times New Roman"/>
+              </a:rPr>
+              <a:t>β</a:t>
+            </a:r>
+            <a:r>
+              <a:rPr lang="en-US" b="0" dirty="0">
+                <a:latin typeface="Source Code Pro" panose="020B0509030403020204" pitchFamily="49" charset="0"/>
+              </a:rPr>
+              <a:t>) </a:t>
+            </a:r>
+            <a:r>
+              <a:rPr lang="en-US" b="0" dirty="0" smtClean="0">
+                <a:latin typeface="Source Code Pro" panose="020B0509030403020204" pitchFamily="49" charset="0"/>
+              </a:rPr>
+              <a:t>tree</a:t>
+            </a:r>
+          </a:p>
+          <a:p>
+            <a:r>
+              <a:rPr lang="en-US" b="0" dirty="0" smtClean="0">
+                <a:latin typeface="Source Code Pro" panose="020B0509030403020204" pitchFamily="49" charset="0"/>
+              </a:rPr>
+              <a:t/>
+            </a:r>
+            <a:br>
+              <a:rPr lang="en-US" b="0" dirty="0" smtClean="0">
+                <a:latin typeface="Source Code Pro" panose="020B0509030403020204" pitchFamily="49" charset="0"/>
+              </a:rPr>
+            </a:br>
+            <a:r>
+              <a:rPr lang="en-US" b="0" dirty="0" smtClean="0">
+                <a:latin typeface="+mn-lt"/>
+              </a:rPr>
+              <a:t>In C++,</a:t>
+            </a:r>
+          </a:p>
+          <a:p>
+            <a:endParaRPr lang="en-US" b="0" dirty="0">
+              <a:latin typeface="+mn-lt"/>
+            </a:endParaRPr>
+          </a:p>
+          <a:p>
+            <a:r>
+              <a:rPr lang="en-US" b="0" dirty="0" err="1">
+                <a:latin typeface="Source Code Pro" panose="020B0509030403020204" pitchFamily="49" charset="0"/>
+              </a:rPr>
+              <a:t>struct</a:t>
+            </a:r>
+            <a:r>
+              <a:rPr lang="en-US" b="0" dirty="0">
+                <a:latin typeface="Source Code Pro" panose="020B0509030403020204" pitchFamily="49" charset="0"/>
+              </a:rPr>
+              <a:t> </a:t>
+            </a:r>
+            <a:r>
+              <a:rPr lang="en-US" b="0" dirty="0" err="1">
+                <a:latin typeface="Source Code Pro" panose="020B0509030403020204" pitchFamily="49" charset="0"/>
+              </a:rPr>
+              <a:t>empty_t</a:t>
+            </a:r>
+            <a:r>
+              <a:rPr lang="en-US" b="0" dirty="0">
+                <a:latin typeface="Source Code Pro" panose="020B0509030403020204" pitchFamily="49" charset="0"/>
+              </a:rPr>
+              <a:t> </a:t>
+            </a:r>
+            <a:r>
+              <a:rPr lang="en-US" b="0" dirty="0" smtClean="0">
+                <a:latin typeface="Source Code Pro" panose="020B0509030403020204" pitchFamily="49" charset="0"/>
+              </a:rPr>
+              <a:t>{};</a:t>
+            </a:r>
+            <a:br>
+              <a:rPr lang="en-US" b="0" dirty="0" smtClean="0">
+                <a:latin typeface="Source Code Pro" panose="020B0509030403020204" pitchFamily="49" charset="0"/>
+              </a:rPr>
+            </a:br>
+            <a:r>
+              <a:rPr lang="en-US" b="0" dirty="0" smtClean="0">
+                <a:latin typeface="Source Code Pro" panose="020B0509030403020204" pitchFamily="49" charset="0"/>
+              </a:rPr>
+              <a:t>template </a:t>
+            </a:r>
+            <a:r>
+              <a:rPr lang="en-US" b="0" dirty="0">
+                <a:latin typeface="Source Code Pro" panose="020B0509030403020204" pitchFamily="49" charset="0"/>
+              </a:rPr>
+              <a:t>&lt;class T, class V&gt; </a:t>
+            </a:r>
+            <a:r>
+              <a:rPr lang="en-US" b="0" dirty="0" err="1">
+                <a:latin typeface="Source Code Pro" panose="020B0509030403020204" pitchFamily="49" charset="0"/>
+              </a:rPr>
+              <a:t>struct</a:t>
+            </a:r>
+            <a:r>
+              <a:rPr lang="en-US" b="0" dirty="0">
+                <a:latin typeface="Source Code Pro" panose="020B0509030403020204" pitchFamily="49" charset="0"/>
+              </a:rPr>
+              <a:t> </a:t>
+            </a:r>
+            <a:r>
+              <a:rPr lang="en-US" b="0" dirty="0" err="1" smtClean="0">
+                <a:latin typeface="Source Code Pro" panose="020B0509030403020204" pitchFamily="49" charset="0"/>
+              </a:rPr>
+              <a:t>node_t</a:t>
+            </a:r>
+            <a:r>
+              <a:rPr lang="en-US" b="0" dirty="0" smtClean="0">
+                <a:latin typeface="Source Code Pro" panose="020B0509030403020204" pitchFamily="49" charset="0"/>
+              </a:rPr>
+              <a:t>;</a:t>
+            </a:r>
+          </a:p>
+          <a:p>
+            <a:endParaRPr lang="en-US" b="0" dirty="0" smtClean="0">
+              <a:latin typeface="Source Code Pro" panose="020B0509030403020204" pitchFamily="49" charset="0"/>
+            </a:endParaRPr>
+          </a:p>
+          <a:p>
+            <a:r>
+              <a:rPr lang="en-US" b="0" dirty="0" smtClean="0">
+                <a:latin typeface="Source Code Pro" panose="020B0509030403020204" pitchFamily="49" charset="0"/>
+              </a:rPr>
+              <a:t>template </a:t>
+            </a:r>
+            <a:r>
+              <a:rPr lang="en-US" b="0" dirty="0">
+                <a:latin typeface="Source Code Pro" panose="020B0509030403020204" pitchFamily="49" charset="0"/>
+              </a:rPr>
+              <a:t>&lt;class K, class V&gt;</a:t>
+            </a:r>
+          </a:p>
+          <a:p>
+            <a:r>
+              <a:rPr lang="en-US" b="0" dirty="0">
+                <a:latin typeface="Source Code Pro" panose="020B0509030403020204" pitchFamily="49" charset="0"/>
+              </a:rPr>
+              <a:t>    using tree = </a:t>
+            </a:r>
+            <a:r>
+              <a:rPr lang="en-US" b="0" dirty="0" err="1">
+                <a:latin typeface="Source Code Pro" panose="020B0509030403020204" pitchFamily="49" charset="0"/>
+              </a:rPr>
+              <a:t>sum_type</a:t>
+            </a:r>
+            <a:r>
+              <a:rPr lang="en-US" b="0" dirty="0">
+                <a:latin typeface="Source Code Pro" panose="020B0509030403020204" pitchFamily="49" charset="0"/>
+              </a:rPr>
+              <a:t> &lt;</a:t>
+            </a:r>
+            <a:r>
+              <a:rPr lang="en-US" b="0" dirty="0" err="1">
+                <a:latin typeface="Source Code Pro" panose="020B0509030403020204" pitchFamily="49" charset="0"/>
+              </a:rPr>
+              <a:t>empty_t</a:t>
+            </a:r>
+            <a:r>
+              <a:rPr lang="en-US" b="0" dirty="0">
+                <a:latin typeface="Source Code Pro" panose="020B0509030403020204" pitchFamily="49" charset="0"/>
+              </a:rPr>
+              <a:t>, </a:t>
+            </a:r>
+            <a:r>
+              <a:rPr lang="en-US" b="0" dirty="0" err="1">
+                <a:latin typeface="Source Code Pro" panose="020B0509030403020204" pitchFamily="49" charset="0"/>
+              </a:rPr>
+              <a:t>recursive_wrapper</a:t>
+            </a:r>
+            <a:r>
+              <a:rPr lang="en-US" b="0" dirty="0">
+                <a:latin typeface="Source Code Pro" panose="020B0509030403020204" pitchFamily="49" charset="0"/>
+              </a:rPr>
+              <a:t>&lt;</a:t>
+            </a:r>
+            <a:r>
+              <a:rPr lang="en-US" b="0" dirty="0" err="1">
+                <a:latin typeface="Source Code Pro" panose="020B0509030403020204" pitchFamily="49" charset="0"/>
+              </a:rPr>
+              <a:t>node_t</a:t>
+            </a:r>
+            <a:r>
+              <a:rPr lang="en-US" b="0" dirty="0">
+                <a:latin typeface="Source Code Pro" panose="020B0509030403020204" pitchFamily="49" charset="0"/>
+              </a:rPr>
+              <a:t>&lt;K, V&gt;&gt;&gt;;</a:t>
+            </a:r>
+          </a:p>
+        </p:txBody>
+      </p:sp>
+      <p:sp>
+        <p:nvSpPr>
+          <p:cNvPr id="4" name="Slide Number Placeholder 3"/>
+          <p:cNvSpPr>
+            <a:spLocks noGrp="1"/>
+          </p:cNvSpPr>
+          <p:nvPr>
+            <p:ph type="sldNum" sz="quarter" idx="12"/>
+          </p:nvPr>
+        </p:nvSpPr>
+        <p:spPr/>
+        <p:txBody>
+          <a:bodyPr/>
+          <a:lstStyle/>
+          <a:p>
+            <a:fld id="{B383C57C-80DA-45D5-BFE5-7583B8192761}" type="slidenum">
+              <a:rPr lang="en-US" smtClean="0">
+                <a:solidFill>
+                  <a:prstClr val="white">
+                    <a:lumMod val="75000"/>
+                  </a:prstClr>
+                </a:solidFill>
+              </a:rPr>
+              <a:pPr/>
+              <a:t>23</a:t>
+            </a:fld>
+            <a:endParaRPr lang="en-US">
+              <a:solidFill>
+                <a:prstClr val="white">
+                  <a:lumMod val="75000"/>
+                </a:prstClr>
+              </a:solidFill>
+            </a:endParaRPr>
+          </a:p>
+        </p:txBody>
+      </p:sp>
+      <p:sp>
+        <p:nvSpPr>
+          <p:cNvPr id="5" name="Footer Placeholder 4"/>
+          <p:cNvSpPr>
+            <a:spLocks noGrp="1"/>
+          </p:cNvSpPr>
+          <p:nvPr>
+            <p:ph type="ftr" sz="quarter" idx="13"/>
+          </p:nvPr>
+        </p:nvSpPr>
+        <p:spPr/>
+        <p:txBody>
+          <a:bodyPr/>
+          <a:lstStyle/>
+          <a:p>
+            <a:endParaRPr lang="en-US" dirty="0"/>
+          </a:p>
+        </p:txBody>
+      </p:sp>
+    </p:spTree>
+    <p:extLst>
+      <p:ext uri="{BB962C8B-B14F-4D97-AF65-F5344CB8AC3E}">
+        <p14:creationId xmlns:p14="http://schemas.microsoft.com/office/powerpoint/2010/main" val="1066784931"/>
+      </p:ext>
+    </p:extLst>
+  </p:cSld>
+  <p:clrMapOvr>
+    <a:masterClrMapping/>
+  </p:clrMapOvr>
+  <p:timing>
+    <p:tnLst>
+      <p:par>
+        <p:cTn id="1" dur="indefinite" restart="never" nodeType="tmRoot"/>
+      </p:par>
+    </p:tnLst>
+  </p:timing>
+</p:sld>
+</file>
+
+<file path=ppt/slides/slide24.xml><?xml version="1.0" encoding="utf-8"?>
+<p:sld xmlns:a="http://schemas.openxmlformats.org/drawingml/2006/main" xmlns:r="http://schemas.openxmlformats.org/officeDocument/2006/relationships" xmlns:p="http://schemas.openxmlformats.org/presentationml/2006/main">
+  <p:cSld>
+    <p:spTree>
+      <p:nvGrpSpPr>
+        <p:cNvPr id="1" name=""/>
+        <p:cNvGrpSpPr/>
+        <p:nvPr/>
+      </p:nvGrpSpPr>
+      <p:grpSpPr>
+        <a:xfrm>
+          <a:off x="0" y="0"/>
+          <a:ext cx="0" cy="0"/>
+          <a:chOff x="0" y="0"/>
+          <a:chExt cx="0" cy="0"/>
+        </a:xfrm>
+      </p:grpSpPr>
+      <p:sp>
+        <p:nvSpPr>
+          <p:cNvPr id="2" name="Title 1"/>
+          <p:cNvSpPr>
+            <a:spLocks noGrp="1"/>
+          </p:cNvSpPr>
+          <p:nvPr>
+            <p:ph type="title"/>
+          </p:nvPr>
+        </p:nvSpPr>
+        <p:spPr/>
+        <p:txBody>
+          <a:bodyPr/>
+          <a:lstStyle/>
+          <a:p>
+            <a:r>
+              <a:rPr lang="en-US" dirty="0" smtClean="0"/>
+              <a:t>Example : Binary search trees</a:t>
+            </a:r>
+            <a:endParaRPr lang="en-US" dirty="0"/>
+          </a:p>
+        </p:txBody>
+      </p:sp>
+      <p:sp>
+        <p:nvSpPr>
+          <p:cNvPr id="3" name="Content Placeholder 2"/>
+          <p:cNvSpPr>
+            <a:spLocks noGrp="1"/>
+          </p:cNvSpPr>
+          <p:nvPr>
+            <p:ph idx="1"/>
+          </p:nvPr>
+        </p:nvSpPr>
+        <p:spPr/>
+        <p:txBody>
+          <a:bodyPr/>
+          <a:lstStyle/>
+          <a:p>
+            <a:r>
+              <a:rPr lang="en-US" b="0" dirty="0">
+                <a:latin typeface="Source Code Pro" panose="020B0509030403020204" pitchFamily="49" charset="0"/>
+              </a:rPr>
+              <a:t>template &lt;class K, class V&gt;</a:t>
+            </a:r>
+          </a:p>
+          <a:p>
+            <a:r>
+              <a:rPr lang="en-US" b="0" dirty="0" err="1" smtClean="0">
+                <a:latin typeface="Source Code Pro" panose="020B0509030403020204" pitchFamily="49" charset="0"/>
+              </a:rPr>
+              <a:t>struct</a:t>
+            </a:r>
+            <a:r>
+              <a:rPr lang="en-US" b="0" dirty="0" smtClean="0">
+                <a:latin typeface="Source Code Pro" panose="020B0509030403020204" pitchFamily="49" charset="0"/>
+              </a:rPr>
+              <a:t> </a:t>
+            </a:r>
+            <a:r>
+              <a:rPr lang="en-US" b="0" dirty="0" err="1">
+                <a:latin typeface="Source Code Pro" panose="020B0509030403020204" pitchFamily="49" charset="0"/>
+              </a:rPr>
+              <a:t>node_t</a:t>
+            </a:r>
+            <a:r>
+              <a:rPr lang="en-US" b="0" dirty="0">
+                <a:latin typeface="Source Code Pro" panose="020B0509030403020204" pitchFamily="49" charset="0"/>
+              </a:rPr>
+              <a:t> {</a:t>
+            </a:r>
+          </a:p>
+          <a:p>
+            <a:r>
+              <a:rPr lang="en-US" b="0" dirty="0" smtClean="0">
+                <a:latin typeface="Source Code Pro" panose="020B0509030403020204" pitchFamily="49" charset="0"/>
+              </a:rPr>
+              <a:t>  using </a:t>
+            </a:r>
+            <a:r>
+              <a:rPr lang="en-US" b="0" dirty="0" err="1">
+                <a:latin typeface="Source Code Pro" panose="020B0509030403020204" pitchFamily="49" charset="0"/>
+              </a:rPr>
+              <a:t>tree_type</a:t>
+            </a:r>
+            <a:r>
+              <a:rPr lang="en-US" b="0" dirty="0">
+                <a:latin typeface="Source Code Pro" panose="020B0509030403020204" pitchFamily="49" charset="0"/>
+              </a:rPr>
+              <a:t> = tree&lt;K, V&gt;;</a:t>
+            </a:r>
+          </a:p>
+          <a:p>
+            <a:r>
+              <a:rPr lang="en-US" b="0" dirty="0" smtClean="0">
+                <a:latin typeface="Source Code Pro" panose="020B0509030403020204" pitchFamily="49" charset="0"/>
+              </a:rPr>
+              <a:t>  using </a:t>
+            </a:r>
+            <a:r>
+              <a:rPr lang="en-US" b="0" dirty="0" err="1">
+                <a:latin typeface="Source Code Pro" panose="020B0509030403020204" pitchFamily="49" charset="0"/>
+              </a:rPr>
+              <a:t>value_type</a:t>
+            </a:r>
+            <a:r>
+              <a:rPr lang="en-US" b="0" dirty="0">
+                <a:latin typeface="Source Code Pro" panose="020B0509030403020204" pitchFamily="49" charset="0"/>
+              </a:rPr>
+              <a:t> = </a:t>
+            </a:r>
+            <a:r>
+              <a:rPr lang="en-US" b="0" dirty="0" err="1">
+                <a:latin typeface="Source Code Pro" panose="020B0509030403020204" pitchFamily="49" charset="0"/>
+              </a:rPr>
+              <a:t>std</a:t>
+            </a:r>
+            <a:r>
+              <a:rPr lang="en-US" b="0" dirty="0">
+                <a:latin typeface="Source Code Pro" panose="020B0509030403020204" pitchFamily="49" charset="0"/>
+              </a:rPr>
+              <a:t>::pair&lt;K, V&gt;; </a:t>
+            </a:r>
+          </a:p>
+          <a:p>
+            <a:endParaRPr lang="en-US" b="0" dirty="0">
+              <a:latin typeface="Source Code Pro" panose="020B0509030403020204" pitchFamily="49" charset="0"/>
+            </a:endParaRPr>
+          </a:p>
+          <a:p>
+            <a:r>
+              <a:rPr lang="en-US" b="0" dirty="0" smtClean="0">
+                <a:latin typeface="Source Code Pro" panose="020B0509030403020204" pitchFamily="49" charset="0"/>
+              </a:rPr>
+              <a:t>  </a:t>
+            </a:r>
+            <a:r>
+              <a:rPr lang="en-US" b="0" dirty="0" err="1" smtClean="0">
+                <a:latin typeface="Source Code Pro" panose="020B0509030403020204" pitchFamily="49" charset="0"/>
+              </a:rPr>
+              <a:t>value_type</a:t>
+            </a:r>
+            <a:r>
+              <a:rPr lang="en-US" b="0" dirty="0" smtClean="0">
+                <a:latin typeface="Source Code Pro" panose="020B0509030403020204" pitchFamily="49" charset="0"/>
+              </a:rPr>
+              <a:t> </a:t>
+            </a:r>
+            <a:r>
+              <a:rPr lang="en-US" b="0" dirty="0">
+                <a:latin typeface="Source Code Pro" panose="020B0509030403020204" pitchFamily="49" charset="0"/>
+              </a:rPr>
+              <a:t>data</a:t>
+            </a:r>
+            <a:r>
+              <a:rPr lang="en-US" b="0" dirty="0" smtClean="0">
+                <a:latin typeface="Source Code Pro" panose="020B0509030403020204" pitchFamily="49" charset="0"/>
+              </a:rPr>
+              <a:t>;</a:t>
+            </a:r>
+          </a:p>
+          <a:p>
+            <a:r>
+              <a:rPr lang="en-US" b="0" dirty="0">
+                <a:latin typeface="Source Code Pro" panose="020B0509030403020204" pitchFamily="49" charset="0"/>
+              </a:rPr>
+              <a:t> </a:t>
+            </a:r>
+            <a:r>
+              <a:rPr lang="en-US" b="0" dirty="0" smtClean="0">
+                <a:latin typeface="Source Code Pro" panose="020B0509030403020204" pitchFamily="49" charset="0"/>
+              </a:rPr>
+              <a:t> </a:t>
+            </a:r>
+            <a:r>
+              <a:rPr lang="en-US" b="0" dirty="0" err="1" smtClean="0">
+                <a:latin typeface="Source Code Pro" panose="020B0509030403020204" pitchFamily="49" charset="0"/>
+              </a:rPr>
+              <a:t>tree_type</a:t>
+            </a:r>
+            <a:r>
+              <a:rPr lang="en-US" b="0" dirty="0" smtClean="0">
+                <a:latin typeface="Source Code Pro" panose="020B0509030403020204" pitchFamily="49" charset="0"/>
+              </a:rPr>
+              <a:t> </a:t>
+            </a:r>
+            <a:r>
+              <a:rPr lang="en-US" b="0" dirty="0" err="1">
+                <a:latin typeface="Source Code Pro" panose="020B0509030403020204" pitchFamily="49" charset="0"/>
+              </a:rPr>
+              <a:t>left_child</a:t>
+            </a:r>
+            <a:r>
+              <a:rPr lang="en-US" b="0" dirty="0" smtClean="0">
+                <a:latin typeface="Source Code Pro" panose="020B0509030403020204" pitchFamily="49" charset="0"/>
+              </a:rPr>
+              <a:t>;</a:t>
+            </a:r>
+            <a:br>
+              <a:rPr lang="en-US" b="0" dirty="0" smtClean="0">
+                <a:latin typeface="Source Code Pro" panose="020B0509030403020204" pitchFamily="49" charset="0"/>
+              </a:rPr>
+            </a:br>
+            <a:r>
+              <a:rPr lang="en-US" b="0" dirty="0" smtClean="0">
+                <a:latin typeface="Source Code Pro" panose="020B0509030403020204" pitchFamily="49" charset="0"/>
+              </a:rPr>
+              <a:t>  </a:t>
+            </a:r>
+            <a:r>
+              <a:rPr lang="en-US" b="0" dirty="0" err="1" smtClean="0">
+                <a:latin typeface="Source Code Pro" panose="020B0509030403020204" pitchFamily="49" charset="0"/>
+              </a:rPr>
+              <a:t>tree_type</a:t>
+            </a:r>
+            <a:r>
+              <a:rPr lang="en-US" b="0" dirty="0" smtClean="0">
+                <a:latin typeface="Source Code Pro" panose="020B0509030403020204" pitchFamily="49" charset="0"/>
+              </a:rPr>
+              <a:t> </a:t>
+            </a:r>
+            <a:r>
+              <a:rPr lang="en-US" b="0" dirty="0" err="1" smtClean="0">
+                <a:latin typeface="Source Code Pro" panose="020B0509030403020204" pitchFamily="49" charset="0"/>
+              </a:rPr>
+              <a:t>right_child</a:t>
+            </a:r>
+            <a:r>
+              <a:rPr lang="en-US" b="0" dirty="0" smtClean="0">
+                <a:latin typeface="Source Code Pro" panose="020B0509030403020204" pitchFamily="49" charset="0"/>
+              </a:rPr>
+              <a:t>;</a:t>
+            </a:r>
+            <a:endParaRPr lang="en-US" b="0" dirty="0">
+              <a:latin typeface="Source Code Pro" panose="020B0509030403020204" pitchFamily="49" charset="0"/>
+            </a:endParaRPr>
+          </a:p>
+          <a:p>
+            <a:r>
+              <a:rPr lang="en-US" b="0" dirty="0" smtClean="0">
+                <a:latin typeface="Source Code Pro" panose="020B0509030403020204" pitchFamily="49" charset="0"/>
+              </a:rPr>
+              <a:t/>
+            </a:r>
+            <a:br>
+              <a:rPr lang="en-US" b="0" dirty="0" smtClean="0">
+                <a:latin typeface="Source Code Pro" panose="020B0509030403020204" pitchFamily="49" charset="0"/>
+              </a:rPr>
+            </a:br>
+            <a:r>
+              <a:rPr lang="en-US" b="0" dirty="0" smtClean="0">
+                <a:latin typeface="Source Code Pro" panose="020B0509030403020204" pitchFamily="49" charset="0"/>
+              </a:rPr>
+              <a:t>  //</a:t>
+            </a:r>
+            <a:r>
+              <a:rPr lang="en-US" b="0" dirty="0" err="1" smtClean="0">
+                <a:latin typeface="Source Code Pro" panose="020B0509030403020204" pitchFamily="49" charset="0"/>
+              </a:rPr>
+              <a:t>ctors</a:t>
+            </a:r>
+            <a:r>
+              <a:rPr lang="en-US" b="0" dirty="0" smtClean="0">
+                <a:latin typeface="Source Code Pro" panose="020B0509030403020204" pitchFamily="49" charset="0"/>
+              </a:rPr>
+              <a:t>...</a:t>
+            </a:r>
+            <a:br>
+              <a:rPr lang="en-US" b="0" dirty="0" smtClean="0">
+                <a:latin typeface="Source Code Pro" panose="020B0509030403020204" pitchFamily="49" charset="0"/>
+              </a:rPr>
+            </a:br>
+            <a:r>
+              <a:rPr lang="en-US" b="0" dirty="0" smtClean="0">
+                <a:latin typeface="Source Code Pro" panose="020B0509030403020204" pitchFamily="49" charset="0"/>
+              </a:rPr>
+              <a:t>};</a:t>
+            </a:r>
+            <a:endParaRPr lang="en-US" b="0" dirty="0">
+              <a:latin typeface="Source Code Pro" panose="020B0509030403020204" pitchFamily="49" charset="0"/>
+            </a:endParaRPr>
+          </a:p>
+        </p:txBody>
+      </p:sp>
+      <p:sp>
+        <p:nvSpPr>
+          <p:cNvPr id="4" name="Slide Number Placeholder 3"/>
+          <p:cNvSpPr>
+            <a:spLocks noGrp="1"/>
+          </p:cNvSpPr>
+          <p:nvPr>
+            <p:ph type="sldNum" sz="quarter" idx="12"/>
+          </p:nvPr>
+        </p:nvSpPr>
+        <p:spPr/>
+        <p:txBody>
+          <a:bodyPr/>
+          <a:lstStyle/>
+          <a:p>
+            <a:fld id="{B383C57C-80DA-45D5-BFE5-7583B8192761}" type="slidenum">
+              <a:rPr lang="en-US" smtClean="0">
+                <a:solidFill>
+                  <a:prstClr val="white">
+                    <a:lumMod val="75000"/>
+                  </a:prstClr>
+                </a:solidFill>
+              </a:rPr>
+              <a:pPr/>
+              <a:t>24</a:t>
+            </a:fld>
+            <a:endParaRPr lang="en-US">
+              <a:solidFill>
+                <a:prstClr val="white">
+                  <a:lumMod val="75000"/>
+                </a:prstClr>
+              </a:solidFill>
+            </a:endParaRPr>
+          </a:p>
+        </p:txBody>
+      </p:sp>
+      <p:sp>
+        <p:nvSpPr>
+          <p:cNvPr id="5" name="Footer Placeholder 4"/>
+          <p:cNvSpPr>
+            <a:spLocks noGrp="1"/>
+          </p:cNvSpPr>
+          <p:nvPr>
+            <p:ph type="ftr" sz="quarter" idx="13"/>
+          </p:nvPr>
+        </p:nvSpPr>
+        <p:spPr/>
+        <p:txBody>
+          <a:bodyPr/>
+          <a:lstStyle/>
+          <a:p>
+            <a:endParaRPr lang="en-US" dirty="0"/>
+          </a:p>
+        </p:txBody>
+      </p:sp>
+    </p:spTree>
+    <p:extLst>
+      <p:ext uri="{BB962C8B-B14F-4D97-AF65-F5344CB8AC3E}">
+        <p14:creationId xmlns:p14="http://schemas.microsoft.com/office/powerpoint/2010/main" val="1331087406"/>
+      </p:ext>
+    </p:extLst>
+  </p:cSld>
+  <p:clrMapOvr>
+    <a:masterClrMapping/>
+  </p:clrMapOvr>
+  <p:timing>
+    <p:tnLst>
+      <p:par>
+        <p:cTn id="1" dur="indefinite" restart="never" nodeType="tmRoot"/>
+      </p:par>
+    </p:tnLst>
+  </p:timing>
+</p:sld>
+</file>
+
+<file path=ppt/slides/slide25.xml><?xml version="1.0" encoding="utf-8"?>
+<p:sld xmlns:a="http://schemas.openxmlformats.org/drawingml/2006/main" xmlns:r="http://schemas.openxmlformats.org/officeDocument/2006/relationships" xmlns:p="http://schemas.openxmlformats.org/presentationml/2006/main">
+  <p:cSld>
+    <p:spTree>
+      <p:nvGrpSpPr>
+        <p:cNvPr id="1" name=""/>
+        <p:cNvGrpSpPr/>
+        <p:nvPr/>
+      </p:nvGrpSpPr>
+      <p:grpSpPr>
+        <a:xfrm>
+          <a:off x="0" y="0"/>
+          <a:ext cx="0" cy="0"/>
+          <a:chOff x="0" y="0"/>
+          <a:chExt cx="0" cy="0"/>
+        </a:xfrm>
+      </p:grpSpPr>
+      <p:sp>
+        <p:nvSpPr>
+          <p:cNvPr id="6" name="Title 5"/>
+          <p:cNvSpPr>
+            <a:spLocks noGrp="1"/>
+          </p:cNvSpPr>
+          <p:nvPr>
+            <p:ph type="title"/>
+          </p:nvPr>
+        </p:nvSpPr>
+        <p:spPr/>
+        <p:txBody>
+          <a:bodyPr/>
+          <a:lstStyle/>
+          <a:p>
+            <a:endParaRPr lang="en-US" dirty="0"/>
+          </a:p>
+        </p:txBody>
+      </p:sp>
+      <p:sp>
+        <p:nvSpPr>
+          <p:cNvPr id="4" name="Slide Number Placeholder 3"/>
+          <p:cNvSpPr>
+            <a:spLocks noGrp="1"/>
+          </p:cNvSpPr>
+          <p:nvPr>
+            <p:ph type="sldNum" sz="quarter" idx="12"/>
+          </p:nvPr>
+        </p:nvSpPr>
+        <p:spPr/>
+        <p:txBody>
+          <a:bodyPr/>
+          <a:lstStyle/>
+          <a:p>
+            <a:fld id="{B383C57C-80DA-45D5-BFE5-7583B8192761}" type="slidenum">
+              <a:rPr lang="en-US" smtClean="0">
+                <a:solidFill>
+                  <a:prstClr val="white">
+                    <a:lumMod val="75000"/>
+                  </a:prstClr>
+                </a:solidFill>
+              </a:rPr>
+              <a:pPr/>
+              <a:t>25</a:t>
+            </a:fld>
+            <a:endParaRPr lang="en-US">
+              <a:solidFill>
+                <a:prstClr val="white">
+                  <a:lumMod val="75000"/>
+                </a:prstClr>
+              </a:solidFill>
+            </a:endParaRPr>
+          </a:p>
+        </p:txBody>
+      </p:sp>
+      <p:sp>
+        <p:nvSpPr>
+          <p:cNvPr id="5" name="Footer Placeholder 4"/>
+          <p:cNvSpPr>
+            <a:spLocks noGrp="1"/>
+          </p:cNvSpPr>
+          <p:nvPr>
+            <p:ph type="ftr" sz="quarter" idx="15"/>
+          </p:nvPr>
+        </p:nvSpPr>
+        <p:spPr/>
+        <p:txBody>
+          <a:bodyPr/>
+          <a:lstStyle/>
+          <a:p>
+            <a:endParaRPr lang="en-US" dirty="0"/>
+          </a:p>
+        </p:txBody>
+      </p:sp>
+      <p:pic>
+        <p:nvPicPr>
+          <p:cNvPr id="7" name="Picture 6"/>
+          <p:cNvPicPr>
+            <a:picLocks noChangeAspect="1"/>
+          </p:cNvPicPr>
+          <p:nvPr/>
+        </p:nvPicPr>
+        <p:blipFill>
+          <a:blip r:embed="rId3">
+            <a:extLst>
+              <a:ext uri="{28A0092B-C50C-407E-A947-70E740481C1C}">
+                <a14:useLocalDpi xmlns:a14="http://schemas.microsoft.com/office/drawing/2010/main" val="0"/>
+              </a:ext>
+            </a:extLst>
+          </a:blip>
+          <a:stretch>
+            <a:fillRect/>
+          </a:stretch>
+        </p:blipFill>
+        <p:spPr>
+          <a:xfrm>
+            <a:off x="1714500" y="571500"/>
+            <a:ext cx="5715000" cy="5715000"/>
+          </a:xfrm>
+          <a:prstGeom prst="rect">
+            <a:avLst/>
+          </a:prstGeom>
+        </p:spPr>
+      </p:pic>
+    </p:spTree>
+    <p:extLst>
+      <p:ext uri="{BB962C8B-B14F-4D97-AF65-F5344CB8AC3E}">
+        <p14:creationId xmlns:p14="http://schemas.microsoft.com/office/powerpoint/2010/main" val="3046816275"/>
+      </p:ext>
+    </p:extLst>
+  </p:cSld>
+  <p:clrMapOvr>
+    <a:masterClrMapping/>
+  </p:clrMapOvr>
+  <p:timing>
+    <p:tnLst>
+      <p:par>
+        <p:cTn id="1" dur="indefinite" restart="never" nodeType="tmRoot"/>
+      </p:par>
+    </p:tnLst>
+  </p:timing>
+</p:sld>
+</file>
+
 <file path=ppt/slides/slide3.xml><?xml version="1.0" encoding="utf-8"?>
 <p:sld xmlns:a="http://schemas.openxmlformats.org/drawingml/2006/main" xmlns:r="http://schemas.openxmlformats.org/officeDocument/2006/relationships" xmlns:p="http://schemas.openxmlformats.org/presentationml/2006/main">
   <p:cSld>
@@ -20993,7 +23515,11 @@
           <a:p>
             <a:r>
               <a:rPr lang="en-US" dirty="0" smtClean="0"/>
-              <a:t>Algebraic data types (‘n all that)</a:t>
+              <a:t>Algebraic data </a:t>
+            </a:r>
+            <a:r>
+              <a:rPr lang="en-US" dirty="0" smtClean="0"/>
+              <a:t>types</a:t>
             </a:r>
             <a:endParaRPr lang="en-US" dirty="0"/>
           </a:p>
@@ -21053,7 +23579,7 @@
           <a:p>
             <a:r>
               <a:rPr lang="en-US" dirty="0" smtClean="0"/>
-              <a:t>Why sums?</a:t>
+              <a:t>Theory</a:t>
             </a:r>
             <a:endParaRPr lang="en-US" dirty="0"/>
           </a:p>
@@ -21116,37 +23642,42 @@
               <a:buChar char="•"/>
             </a:pPr>
             <a:r>
-              <a:rPr lang="en-US" dirty="0" smtClean="0"/>
+              <a:rPr lang="en-US" i="1" dirty="0" smtClean="0"/>
               <a:t>Products</a:t>
             </a:r>
           </a:p>
           <a:p>
-            <a:pPr marL="1085850" lvl="1" indent="-342900" algn="just">
+            <a:pPr marL="1085850" lvl="1" indent="-342900">
               <a:buFont typeface="Arial" panose="020B0604020202020204" pitchFamily="34" charset="0"/>
               <a:buChar char="•"/>
             </a:pPr>
             <a:r>
+              <a:rPr lang="en-US" i="1" dirty="0" smtClean="0"/>
+              <a:t>Sums</a:t>
+            </a:r>
+            <a:r>
               <a:rPr lang="en-US" dirty="0" smtClean="0"/>
-              <a:t>Sums</a:t>
-            </a:r>
+              <a:t/>
+            </a:r>
+            <a:br>
+              <a:rPr lang="en-US" dirty="0" smtClean="0"/>
+            </a:br>
+            <a:endParaRPr lang="en-US" dirty="0"/>
           </a:p>
           <a:p>
             <a:pPr marL="342900" indent="-342900" algn="just">
               <a:buFont typeface="Arial" panose="020B0604020202020204" pitchFamily="34" charset="0"/>
               <a:buChar char="•"/>
             </a:pPr>
+            <a:r>
+              <a:rPr lang="en-US" dirty="0" smtClean="0"/>
+              <a:t>The terms product and sum (co-product) come from category theory</a:t>
+            </a:r>
             <a:endParaRPr lang="en-US" dirty="0" smtClean="0"/>
           </a:p>
           <a:p>
-            <a:pPr marL="342900" indent="-342900" algn="just">
-              <a:buFont typeface="Arial" panose="020B0604020202020204" pitchFamily="34" charset="0"/>
-              <a:buChar char="•"/>
-            </a:pPr>
-            <a:r>
-              <a:rPr lang="en-US" dirty="0" smtClean="0"/>
-              <a:t>To understand this better we need to (lightly) look at a little (category) theory…</a:t>
-            </a:r>
-            <a:endParaRPr lang="en-US" dirty="0"/>
+            <a:pPr algn="just"/>
+            <a:endParaRPr lang="en-US" dirty="0" smtClean="0"/>
           </a:p>
         </p:txBody>
       </p:sp>
@@ -21236,8 +23767,11 @@
           <a:p>
             <a:r>
               <a:rPr lang="en-US" dirty="0" smtClean="0"/>
-              <a:t>Theory : Products</a:t>
-            </a:r>
+              <a:t>Practice</a:t>
+            </a:r>
+            <a:br>
+              <a:rPr lang="en-US" dirty="0" smtClean="0"/>
+            </a:br>
             <a:endParaRPr lang="en-US" dirty="0"/>
           </a:p>
         </p:txBody>
@@ -21257,7 +23791,184 @@
           <a:bodyPr/>
           <a:lstStyle/>
           <a:p>
-            <a:endParaRPr lang="en-US" dirty="0"/>
+            <a:pPr marL="342900" indent="-342900">
+              <a:buFont typeface="Arial" panose="020B0604020202020204" pitchFamily="34" charset="0"/>
+              <a:buChar char="•"/>
+            </a:pPr>
+            <a:r>
+              <a:rPr lang="en-US" dirty="0" smtClean="0"/>
+              <a:t>Examples of products in C++:</a:t>
+            </a:r>
+            <a:br>
+              <a:rPr lang="en-US" dirty="0" smtClean="0"/>
+            </a:br>
+            <a:endParaRPr lang="en-US" dirty="0" smtClean="0"/>
+          </a:p>
+          <a:p>
+            <a:pPr marL="1085850" lvl="1" indent="-342900">
+              <a:buFont typeface="Arial" panose="020B0604020202020204" pitchFamily="34" charset="0"/>
+              <a:buChar char="•"/>
+            </a:pPr>
+            <a:r>
+              <a:rPr lang="en-US" dirty="0" smtClean="0"/>
+              <a:t>Structure types e.g.</a:t>
+            </a:r>
+            <a:br>
+              <a:rPr lang="en-US" dirty="0" smtClean="0"/>
+            </a:br>
+            <a:r>
+              <a:rPr lang="en-US" dirty="0" err="1" smtClean="0">
+                <a:latin typeface="Source Code Pro" panose="020B0509030403020204" pitchFamily="49" charset="0"/>
+              </a:rPr>
+              <a:t>struct</a:t>
+            </a:r>
+            <a:r>
+              <a:rPr lang="en-US" dirty="0" smtClean="0">
+                <a:latin typeface="Source Code Pro" panose="020B0509030403020204" pitchFamily="49" charset="0"/>
+              </a:rPr>
+              <a:t> </a:t>
+            </a:r>
+            <a:r>
+              <a:rPr lang="en-US" dirty="0" err="1" smtClean="0">
+                <a:latin typeface="Source Code Pro" panose="020B0509030403020204" pitchFamily="49" charset="0"/>
+              </a:rPr>
+              <a:t>type_name</a:t>
+            </a:r>
+            <a:r>
+              <a:rPr lang="en-US" dirty="0" smtClean="0">
+                <a:latin typeface="Source Code Pro" panose="020B0509030403020204" pitchFamily="49" charset="0"/>
+              </a:rPr>
+              <a:t> {</a:t>
+            </a:r>
+            <a:br>
+              <a:rPr lang="en-US" dirty="0" smtClean="0">
+                <a:latin typeface="Source Code Pro" panose="020B0509030403020204" pitchFamily="49" charset="0"/>
+              </a:rPr>
+            </a:br>
+            <a:r>
+              <a:rPr lang="en-US" dirty="0" smtClean="0">
+                <a:latin typeface="Source Code Pro" panose="020B0509030403020204" pitchFamily="49" charset="0"/>
+              </a:rPr>
+              <a:t>member_type1 member_name1;</a:t>
+            </a:r>
+            <a:br>
+              <a:rPr lang="en-US" dirty="0" smtClean="0">
+                <a:latin typeface="Source Code Pro" panose="020B0509030403020204" pitchFamily="49" charset="0"/>
+              </a:rPr>
+            </a:br>
+            <a:r>
+              <a:rPr lang="en-US" dirty="0" smtClean="0">
+                <a:latin typeface="Source Code Pro" panose="020B0509030403020204" pitchFamily="49" charset="0"/>
+              </a:rPr>
+              <a:t>member_type2 member_name2;</a:t>
+            </a:r>
+            <a:br>
+              <a:rPr lang="en-US" dirty="0" smtClean="0">
+                <a:latin typeface="Source Code Pro" panose="020B0509030403020204" pitchFamily="49" charset="0"/>
+              </a:rPr>
+            </a:br>
+            <a:r>
+              <a:rPr lang="en-US" dirty="0" smtClean="0">
+                <a:latin typeface="Source Code Pro" panose="020B0509030403020204" pitchFamily="49" charset="0"/>
+              </a:rPr>
+              <a:t>...</a:t>
+            </a:r>
+            <a:br>
+              <a:rPr lang="en-US" dirty="0" smtClean="0">
+                <a:latin typeface="Source Code Pro" panose="020B0509030403020204" pitchFamily="49" charset="0"/>
+              </a:rPr>
+            </a:br>
+            <a:r>
+              <a:rPr lang="en-US" dirty="0" smtClean="0">
+                <a:latin typeface="Source Code Pro" panose="020B0509030403020204" pitchFamily="49" charset="0"/>
+              </a:rPr>
+              <a:t>};</a:t>
+            </a:r>
+            <a:br>
+              <a:rPr lang="en-US" dirty="0" smtClean="0">
+                <a:latin typeface="Source Code Pro" panose="020B0509030403020204" pitchFamily="49" charset="0"/>
+              </a:rPr>
+            </a:br>
+            <a:endParaRPr lang="en-US" dirty="0" smtClean="0">
+              <a:latin typeface="Source Code Pro" panose="020B0509030403020204" pitchFamily="49" charset="0"/>
+            </a:endParaRPr>
+          </a:p>
+          <a:p>
+            <a:pPr marL="1085850" lvl="1" indent="-342900">
+              <a:buFont typeface="Arial" panose="020B0604020202020204" pitchFamily="34" charset="0"/>
+              <a:buChar char="•"/>
+            </a:pPr>
+            <a:r>
+              <a:rPr lang="en-US" dirty="0" smtClean="0">
+                <a:latin typeface="+mn-lt"/>
+              </a:rPr>
+              <a:t>Tuple types e.g.</a:t>
+            </a:r>
+            <a:br>
+              <a:rPr lang="en-US" dirty="0" smtClean="0">
+                <a:latin typeface="+mn-lt"/>
+              </a:rPr>
+            </a:br>
+            <a:r>
+              <a:rPr lang="en-US" dirty="0" err="1" smtClean="0">
+                <a:latin typeface="Source Code Pro" panose="020B0509030403020204" pitchFamily="49" charset="0"/>
+              </a:rPr>
+              <a:t>std</a:t>
+            </a:r>
+            <a:r>
+              <a:rPr lang="en-US" dirty="0" smtClean="0">
+                <a:latin typeface="Source Code Pro" panose="020B0509030403020204" pitchFamily="49" charset="0"/>
+              </a:rPr>
+              <a:t>::tuple&lt;</a:t>
+            </a:r>
+            <a:r>
+              <a:rPr lang="en-US" dirty="0" err="1" smtClean="0">
+                <a:latin typeface="Source Code Pro" panose="020B0509030403020204" pitchFamily="49" charset="0"/>
+              </a:rPr>
+              <a:t>int</a:t>
+            </a:r>
+            <a:r>
+              <a:rPr lang="en-US" dirty="0" smtClean="0">
+                <a:latin typeface="Source Code Pro" panose="020B0509030403020204" pitchFamily="49" charset="0"/>
+              </a:rPr>
+              <a:t>, double, </a:t>
+            </a:r>
+            <a:r>
+              <a:rPr lang="en-US" dirty="0" err="1" smtClean="0">
+                <a:latin typeface="Source Code Pro" panose="020B0509030403020204" pitchFamily="49" charset="0"/>
+              </a:rPr>
+              <a:t>std</a:t>
+            </a:r>
+            <a:r>
+              <a:rPr lang="en-US" dirty="0" smtClean="0">
+                <a:latin typeface="Source Code Pro" panose="020B0509030403020204" pitchFamily="49" charset="0"/>
+              </a:rPr>
+              <a:t>::string&gt;</a:t>
+            </a:r>
+          </a:p>
+          <a:p>
+            <a:pPr marL="1085850" lvl="1" indent="-342900">
+              <a:buFont typeface="Arial" panose="020B0604020202020204" pitchFamily="34" charset="0"/>
+              <a:buChar char="•"/>
+            </a:pPr>
+            <a:endParaRPr lang="en-US" dirty="0" smtClean="0">
+              <a:latin typeface="+mn-lt"/>
+            </a:endParaRPr>
+          </a:p>
+          <a:p>
+            <a:pPr marL="1085850" lvl="1" indent="-342900">
+              <a:buFont typeface="Arial" panose="020B0604020202020204" pitchFamily="34" charset="0"/>
+              <a:buChar char="•"/>
+            </a:pPr>
+            <a:r>
+              <a:rPr lang="en-US" dirty="0" smtClean="0">
+                <a:latin typeface="+mn-lt"/>
+              </a:rPr>
+              <a:t>Indeed, one can view structures as tuples where the fields are named for the corresponding projection function </a:t>
+            </a:r>
+            <a:endParaRPr lang="en-US" dirty="0">
+              <a:latin typeface="+mn-lt"/>
+            </a:endParaRPr>
           </a:p>
         </p:txBody>
       </p:sp>
@@ -21316,74 +24027,10 @@
           </a:p>
         </p:txBody>
       </p:sp>
-      <p:pic>
-        <p:nvPicPr>
-          <p:cNvPr id="1027" name="Picture 3"/>
-          <p:cNvPicPr>
-            <a:picLocks noChangeAspect="1" noChangeArrowheads="1"/>
-          </p:cNvPicPr>
-          <p:nvPr/>
-        </p:nvPicPr>
-        <p:blipFill>
-          <a:blip r:embed="rId3">
-            <a:extLst>
-              <a:ext uri="{28A0092B-C50C-407E-A947-70E740481C1C}">
-                <a14:useLocalDpi xmlns:a14="http://schemas.microsoft.com/office/drawing/2010/main" val="0"/>
-              </a:ext>
-            </a:extLst>
-          </a:blip>
-          <a:srcRect/>
-          <a:stretch>
-            <a:fillRect/>
-          </a:stretch>
-        </p:blipFill>
-        <p:spPr bwMode="auto">
-          <a:xfrm>
-            <a:off x="579438" y="1995488"/>
-            <a:ext cx="7983537" cy="2867025"/>
-          </a:xfrm>
-          <a:prstGeom prst="rect">
-            <a:avLst/>
-          </a:prstGeom>
-          <a:noFill/>
-          <a:ln>
-            <a:noFill/>
-          </a:ln>
-          <a:effectLst/>
-          <a:extLst>
-            <a:ext uri="{909E8E84-426E-40DD-AFC4-6F175D3DCCD1}">
-              <a14:hiddenFill xmlns:a14="http://schemas.microsoft.com/office/drawing/2010/main">
-                <a:solidFill>
-                  <a:schemeClr val="accent1"/>
-                </a:solidFill>
-              </a14:hiddenFill>
-            </a:ext>
-            <a:ext uri="{91240B29-F687-4F45-9708-019B960494DF}">
-              <a14:hiddenLine xmlns:a14="http://schemas.microsoft.com/office/drawing/2010/main" w="9525">
-                <a:solidFill>
-                  <a:schemeClr val="tx1"/>
-                </a:solidFill>
-                <a:miter lim="800000"/>
-                <a:headEnd/>
-                <a:tailEnd/>
-              </a14:hiddenLine>
-            </a:ext>
-            <a:ext uri="{AF507438-7753-43E0-B8FC-AC1667EBCBE1}">
-              <a14:hiddenEffects xmlns:a14="http://schemas.microsoft.com/office/drawing/2010/main">
-                <a:effectLst>
-                  <a:outerShdw dist="35921" dir="2700000" algn="ctr" rotWithShape="0">
-                    <a:schemeClr val="bg2"/>
-                  </a:outerShdw>
-                </a:effectLst>
-              </a14:hiddenEffects>
-            </a:ext>
-          </a:extLst>
-        </p:spPr>
-      </p:pic>
     </p:spTree>
     <p:extLst>
       <p:ext uri="{BB962C8B-B14F-4D97-AF65-F5344CB8AC3E}">
-        <p14:creationId xmlns:p14="http://schemas.microsoft.com/office/powerpoint/2010/main" val="1921546675"/>
+        <p14:creationId xmlns:p14="http://schemas.microsoft.com/office/powerpoint/2010/main" val="3348166344"/>
       </p:ext>
     </p:extLst>
   </p:cSld>
@@ -21434,9 +24081,201 @@
           <a:p>
             <a:r>
               <a:rPr lang="en-US" dirty="0" smtClean="0"/>
-              <a:t>Theory : Sums (coproducts)</a:t>
+              <a:t>Practice</a:t>
             </a:r>
             <a:endParaRPr lang="en-US" dirty="0"/>
+          </a:p>
+        </p:txBody>
+      </p:sp>
+      <p:sp>
+        <p:nvSpPr>
+          <p:cNvPr id="3" name="Content Placeholder 2"/>
+          <p:cNvSpPr>
+            <a:spLocks noGrp="1"/>
+          </p:cNvSpPr>
+          <p:nvPr>
+            <p:ph idx="1"/>
+          </p:nvPr>
+        </p:nvSpPr>
+        <p:spPr/>
+        <p:txBody>
+          <a:bodyPr/>
+          <a:lstStyle/>
+          <a:p>
+            <a:pPr marL="342900" indent="-342900">
+              <a:buFont typeface="Arial" panose="020B0604020202020204" pitchFamily="34" charset="0"/>
+              <a:buChar char="•"/>
+            </a:pPr>
+            <a:r>
+              <a:rPr lang="en-US" dirty="0" smtClean="0"/>
+              <a:t>Examples of sum types in C++:</a:t>
+            </a:r>
+          </a:p>
+          <a:p>
+            <a:pPr marL="342900" indent="-342900">
+              <a:buFont typeface="Arial" panose="020B0604020202020204" pitchFamily="34" charset="0"/>
+              <a:buChar char="•"/>
+            </a:pPr>
+            <a:endParaRPr lang="en-US" dirty="0" smtClean="0"/>
+          </a:p>
+          <a:p>
+            <a:pPr marL="1085850" lvl="1" indent="-342900">
+              <a:buFont typeface="Arial" panose="020B0604020202020204" pitchFamily="34" charset="0"/>
+              <a:buChar char="•"/>
+            </a:pPr>
+            <a:r>
+              <a:rPr lang="en-US" dirty="0" smtClean="0"/>
+              <a:t>Enumerated types e.g.</a:t>
+            </a:r>
+            <a:br>
+              <a:rPr lang="en-US" dirty="0" smtClean="0"/>
+            </a:br>
+            <a:r>
+              <a:rPr lang="en-US" dirty="0" smtClean="0"/>
+              <a:t/>
+            </a:r>
+            <a:br>
+              <a:rPr lang="en-US" dirty="0" smtClean="0"/>
+            </a:br>
+            <a:r>
+              <a:rPr lang="en-US" dirty="0" err="1" smtClean="0">
+                <a:latin typeface="Source Code Pro" panose="020B0509030403020204" pitchFamily="49" charset="0"/>
+              </a:rPr>
+              <a:t>enum</a:t>
+            </a:r>
+            <a:r>
+              <a:rPr lang="en-US" dirty="0" smtClean="0">
+                <a:latin typeface="Source Code Pro" panose="020B0509030403020204" pitchFamily="49" charset="0"/>
+              </a:rPr>
+              <a:t> colors={red, blue, green};</a:t>
+            </a:r>
+            <a:br>
+              <a:rPr lang="en-US" dirty="0" smtClean="0">
+                <a:latin typeface="Source Code Pro" panose="020B0509030403020204" pitchFamily="49" charset="0"/>
+              </a:rPr>
+            </a:br>
+            <a:r>
+              <a:rPr lang="en-US" dirty="0" smtClean="0">
+                <a:latin typeface="Source Code Pro" panose="020B0509030403020204" pitchFamily="49" charset="0"/>
+              </a:rPr>
+              <a:t/>
+            </a:r>
+            <a:br>
+              <a:rPr lang="en-US" dirty="0" smtClean="0">
+                <a:latin typeface="Source Code Pro" panose="020B0509030403020204" pitchFamily="49" charset="0"/>
+              </a:rPr>
+            </a:br>
+            <a:r>
+              <a:rPr lang="en-US" dirty="0" smtClean="0">
+                <a:latin typeface="Source Code Pro" panose="020B0509030403020204" pitchFamily="49" charset="0"/>
+              </a:rPr>
+              <a:t>// …</a:t>
+            </a:r>
+            <a:br>
+              <a:rPr lang="en-US" dirty="0" smtClean="0">
+                <a:latin typeface="Source Code Pro" panose="020B0509030403020204" pitchFamily="49" charset="0"/>
+              </a:rPr>
+            </a:br>
+            <a:r>
+              <a:rPr lang="en-US" dirty="0" smtClean="0">
+                <a:latin typeface="Source Code Pro" panose="020B0509030403020204" pitchFamily="49" charset="0"/>
+              </a:rPr>
+              <a:t/>
+            </a:r>
+            <a:br>
+              <a:rPr lang="en-US" dirty="0" smtClean="0">
+                <a:latin typeface="Source Code Pro" panose="020B0509030403020204" pitchFamily="49" charset="0"/>
+              </a:rPr>
+            </a:br>
+            <a:r>
+              <a:rPr lang="en-US" dirty="0" smtClean="0">
+                <a:latin typeface="Source Code Pro" panose="020B0509030403020204" pitchFamily="49" charset="0"/>
+              </a:rPr>
+              <a:t>switch (c) {</a:t>
+            </a:r>
+            <a:r>
+              <a:rPr lang="en-US" dirty="0">
+                <a:latin typeface="Source Code Pro" panose="020B0509030403020204" pitchFamily="49" charset="0"/>
+              </a:rPr>
+              <a:t/>
+            </a:r>
+            <a:br>
+              <a:rPr lang="en-US" dirty="0">
+                <a:latin typeface="Source Code Pro" panose="020B0509030403020204" pitchFamily="49" charset="0"/>
+              </a:rPr>
+            </a:br>
+            <a:r>
+              <a:rPr lang="en-US" dirty="0" smtClean="0">
+                <a:latin typeface="Source Code Pro" panose="020B0509030403020204" pitchFamily="49" charset="0"/>
+              </a:rPr>
+              <a:t>case red:</a:t>
+            </a:r>
+            <a:br>
+              <a:rPr lang="en-US" dirty="0" smtClean="0">
+                <a:latin typeface="Source Code Pro" panose="020B0509030403020204" pitchFamily="49" charset="0"/>
+              </a:rPr>
+            </a:br>
+            <a:r>
+              <a:rPr lang="en-US" dirty="0" smtClean="0">
+                <a:latin typeface="Source Code Pro" panose="020B0509030403020204" pitchFamily="49" charset="0"/>
+              </a:rPr>
+              <a:t>  // …</a:t>
+            </a:r>
+            <a:br>
+              <a:rPr lang="en-US" dirty="0" smtClean="0">
+                <a:latin typeface="Source Code Pro" panose="020B0509030403020204" pitchFamily="49" charset="0"/>
+              </a:rPr>
+            </a:br>
+            <a:r>
+              <a:rPr lang="en-US" dirty="0" smtClean="0">
+                <a:latin typeface="Source Code Pro" panose="020B0509030403020204" pitchFamily="49" charset="0"/>
+              </a:rPr>
+              <a:t>case blue:</a:t>
+            </a:r>
+            <a:br>
+              <a:rPr lang="en-US" dirty="0" smtClean="0">
+                <a:latin typeface="Source Code Pro" panose="020B0509030403020204" pitchFamily="49" charset="0"/>
+              </a:rPr>
+            </a:br>
+            <a:r>
+              <a:rPr lang="en-US" dirty="0" smtClean="0">
+                <a:latin typeface="Source Code Pro" panose="020B0509030403020204" pitchFamily="49" charset="0"/>
+              </a:rPr>
+              <a:t>  // …</a:t>
+            </a:r>
+            <a:br>
+              <a:rPr lang="en-US" dirty="0" smtClean="0">
+                <a:latin typeface="Source Code Pro" panose="020B0509030403020204" pitchFamily="49" charset="0"/>
+              </a:rPr>
+            </a:br>
+            <a:r>
+              <a:rPr lang="en-US" dirty="0" smtClean="0">
+                <a:latin typeface="Source Code Pro" panose="020B0509030403020204" pitchFamily="49" charset="0"/>
+              </a:rPr>
+              <a:t/>
+            </a:r>
+            <a:br>
+              <a:rPr lang="en-US" dirty="0" smtClean="0">
+                <a:latin typeface="Source Code Pro" panose="020B0509030403020204" pitchFamily="49" charset="0"/>
+              </a:rPr>
+            </a:br>
+            <a:r>
+              <a:rPr lang="en-US" dirty="0" smtClean="0">
+                <a:latin typeface="Source Code Pro" panose="020B0509030403020204" pitchFamily="49" charset="0"/>
+              </a:rPr>
+              <a:t>// …</a:t>
+            </a:r>
+            <a:br>
+              <a:rPr lang="en-US" dirty="0" smtClean="0">
+                <a:latin typeface="Source Code Pro" panose="020B0509030403020204" pitchFamily="49" charset="0"/>
+              </a:rPr>
+            </a:br>
+            <a:r>
+              <a:rPr lang="en-US" dirty="0" smtClean="0">
+                <a:latin typeface="Source Code Pro" panose="020B0509030403020204" pitchFamily="49" charset="0"/>
+              </a:rPr>
+              <a:t>}</a:t>
+            </a:r>
           </a:p>
         </p:txBody>
       </p:sp>
@@ -21495,76 +24334,10 @@
           </a:p>
         </p:txBody>
       </p:sp>
-      <p:pic>
-        <p:nvPicPr>
-          <p:cNvPr id="2050" name="Picture 2"/>
-          <p:cNvPicPr>
-            <a:picLocks noGrp="1" noChangeAspect="1" noChangeArrowheads="1"/>
-          </p:cNvPicPr>
-          <p:nvPr>
-            <p:ph idx="1"/>
-          </p:nvPr>
-        </p:nvPicPr>
-        <p:blipFill>
-          <a:blip r:embed="rId2">
-            <a:extLst>
-              <a:ext uri="{28A0092B-C50C-407E-A947-70E740481C1C}">
-                <a14:useLocalDpi xmlns:a14="http://schemas.microsoft.com/office/drawing/2010/main" val="0"/>
-              </a:ext>
-            </a:extLst>
-          </a:blip>
-          <a:srcRect/>
-          <a:stretch>
-            <a:fillRect/>
-          </a:stretch>
-        </p:blipFill>
-        <p:spPr bwMode="auto">
-          <a:xfrm>
-            <a:off x="684213" y="1524000"/>
-            <a:ext cx="7773987" cy="2723664"/>
-          </a:xfrm>
-          <a:prstGeom prst="rect">
-            <a:avLst/>
-          </a:prstGeom>
-          <a:noFill/>
-          <a:ln>
-            <a:noFill/>
-          </a:ln>
-          <a:effectLst/>
-          <a:extLst>
-            <a:ext uri="{909E8E84-426E-40DD-AFC4-6F175D3DCCD1}">
-              <a14:hiddenFill xmlns:a14="http://schemas.microsoft.com/office/drawing/2010/main">
-                <a:solidFill>
-                  <a:schemeClr val="accent1"/>
-                </a:solidFill>
-              </a14:hiddenFill>
-            </a:ext>
-            <a:ext uri="{91240B29-F687-4F45-9708-019B960494DF}">
-              <a14:hiddenLine xmlns:a14="http://schemas.microsoft.com/office/drawing/2010/main" w="9525">
-                <a:solidFill>
-                  <a:schemeClr val="tx1"/>
-                </a:solidFill>
-                <a:miter lim="800000"/>
-                <a:headEnd/>
-                <a:tailEnd/>
-              </a14:hiddenLine>
-            </a:ext>
-            <a:ext uri="{AF507438-7753-43E0-B8FC-AC1667EBCBE1}">
-              <a14:hiddenEffects xmlns:a14="http://schemas.microsoft.com/office/drawing/2010/main">
-                <a:effectLst>
-                  <a:outerShdw dist="35921" dir="2700000" algn="ctr" rotWithShape="0">
-                    <a:schemeClr val="bg2"/>
-                  </a:outerShdw>
-                </a:effectLst>
-              </a14:hiddenEffects>
-            </a:ext>
-          </a:extLst>
-        </p:spPr>
-      </p:pic>
     </p:spTree>
     <p:extLst>
       <p:ext uri="{BB962C8B-B14F-4D97-AF65-F5344CB8AC3E}">
-        <p14:creationId xmlns:p14="http://schemas.microsoft.com/office/powerpoint/2010/main" val="442653532"/>
+        <p14:creationId xmlns:p14="http://schemas.microsoft.com/office/powerpoint/2010/main" val="675502341"/>
       </p:ext>
     </p:extLst>
   </p:cSld>
@@ -21617,9 +24390,6 @@
               <a:rPr lang="en-US" dirty="0" smtClean="0"/>
               <a:t>Practice</a:t>
             </a:r>
-            <a:br>
-              <a:rPr lang="en-US" dirty="0" smtClean="0"/>
-            </a:br>
             <a:endParaRPr lang="en-US" dirty="0"/>
           </a:p>
         </p:txBody>
@@ -21639,32 +24409,33 @@
           <a:bodyPr/>
           <a:lstStyle/>
           <a:p>
-            <a:pPr marL="342900" indent="-342900">
-              <a:buFont typeface="Arial" panose="020B0604020202020204" pitchFamily="34" charset="0"/>
-              <a:buChar char="•"/>
-            </a:pPr>
-            <a:r>
-              <a:rPr lang="en-US" dirty="0" smtClean="0"/>
-              <a:t>Examples of products in C++:</a:t>
-            </a:r>
-            <a:br>
-              <a:rPr lang="en-US" dirty="0" smtClean="0"/>
-            </a:br>
-            <a:endParaRPr lang="en-US" dirty="0" smtClean="0"/>
-          </a:p>
-          <a:p>
             <a:pPr marL="1085850" lvl="1" indent="-342900">
               <a:buFont typeface="Arial" panose="020B0604020202020204" pitchFamily="34" charset="0"/>
               <a:buChar char="•"/>
             </a:pPr>
             <a:r>
               <a:rPr lang="en-US" dirty="0" smtClean="0"/>
-              <a:t>Structure types e.g.</a:t>
+              <a:t>Discriminated union types </a:t>
+            </a:r>
+            <a:r>
+              <a:rPr lang="en-US" dirty="0"/>
+              <a:t>e.g</a:t>
+            </a:r>
+            <a:r>
+              <a:rPr lang="en-US" dirty="0" smtClean="0"/>
+              <a:t>.</a:t>
             </a:r>
             <a:br>
               <a:rPr lang="en-US" dirty="0" smtClean="0"/>
             </a:br>
             <a:r>
+              <a:rPr lang="en-US" dirty="0"/>
+              <a:t/>
+            </a:r>
+            <a:br>
+              <a:rPr lang="en-US" dirty="0"/>
+            </a:br>
+            <a:r>
               <a:rPr lang="en-US" dirty="0" err="1" smtClean="0">
                 <a:latin typeface="Source Code Pro" panose="020B0509030403020204" pitchFamily="49" charset="0"/>
               </a:rPr>
@@ -21680,7 +24451,7 @@
               <a:rPr lang="en-US" dirty="0" err="1" smtClean="0">
                 <a:latin typeface="Source Code Pro" panose="020B0509030403020204" pitchFamily="49" charset="0"/>
               </a:rPr>
-              <a:t>type_name</a:t>
+              <a:t>poly_var</a:t>
             </a:r>
             <a:r>
               <a:rPr lang="en-US" dirty="0" smtClean="0">
@@ -21697,7 +24468,19 @@
               <a:rPr lang="en-US" dirty="0" smtClean="0">
                 <a:latin typeface="Source Code Pro" panose="020B0509030403020204" pitchFamily="49" charset="0"/>
               </a:rPr>
-              <a:t>member_type1 member_name1;</a:t>
+              <a:t>  </a:t>
+            </a:r>
+            <a:r>
+              <a:rPr lang="en-US" dirty="0" err="1" smtClean="0">
+                <a:latin typeface="Source Code Pro" panose="020B0509030403020204" pitchFamily="49" charset="0"/>
+              </a:rPr>
+              <a:t>int</a:t>
+            </a:r>
+            <a:r>
+              <a:rPr lang="en-US" dirty="0" smtClean="0">
+                <a:latin typeface="Source Code Pro" panose="020B0509030403020204" pitchFamily="49" charset="0"/>
+              </a:rPr>
+              <a:t> type;</a:t>
             </a:r>
             <a:br>
               <a:rPr lang="en-US" dirty="0" smtClean="0">
@@ -21708,7 +24491,135 @@
               <a:rPr lang="en-US" dirty="0" smtClean="0">
                 <a:latin typeface="Source Code Pro" panose="020B0509030403020204" pitchFamily="49" charset="0"/>
               </a:rPr>
-              <a:t>member_type2 member_name2;</a:t>
+              <a:t>  union </a:t>
+            </a:r>
+            <a:r>
+              <a:rPr lang="en-US" dirty="0">
+                <a:latin typeface="Source Code Pro" panose="020B0509030403020204" pitchFamily="49" charset="0"/>
+              </a:rPr>
+              <a:t>{ </a:t>
+            </a:r>
+            <a:br>
+              <a:rPr lang="en-US" dirty="0">
+                <a:latin typeface="Source Code Pro" panose="020B0509030403020204" pitchFamily="49" charset="0"/>
+              </a:rPr>
+            </a:br>
+            <a:r>
+              <a:rPr lang="en-US" dirty="0" smtClean="0">
+                <a:latin typeface="Source Code Pro" panose="020B0509030403020204" pitchFamily="49" charset="0"/>
+              </a:rPr>
+              <a:t>  </a:t>
+            </a:r>
+            <a:r>
+              <a:rPr lang="en-US" dirty="0" smtClean="0">
+                <a:latin typeface="Source Code Pro" panose="020B0509030403020204" pitchFamily="49" charset="0"/>
+              </a:rPr>
+              <a:t>  </a:t>
+            </a:r>
+            <a:r>
+              <a:rPr lang="en-US" dirty="0" err="1" smtClean="0">
+                <a:latin typeface="Source Code Pro" panose="020B0509030403020204" pitchFamily="49" charset="0"/>
+              </a:rPr>
+              <a:t>int</a:t>
+            </a:r>
+            <a:r>
+              <a:rPr lang="en-US" dirty="0" smtClean="0">
+                <a:latin typeface="Source Code Pro" panose="020B0509030403020204" pitchFamily="49" charset="0"/>
+              </a:rPr>
+              <a:t> </a:t>
+            </a:r>
+            <a:r>
+              <a:rPr lang="en-US" dirty="0">
+                <a:latin typeface="Source Code Pro" panose="020B0509030403020204" pitchFamily="49" charset="0"/>
+              </a:rPr>
+              <a:t>w;</a:t>
+            </a:r>
+            <a:br>
+              <a:rPr lang="en-US" dirty="0">
+                <a:latin typeface="Source Code Pro" panose="020B0509030403020204" pitchFamily="49" charset="0"/>
+              </a:rPr>
+            </a:br>
+            <a:r>
+              <a:rPr lang="en-US" dirty="0" smtClean="0">
+                <a:latin typeface="Source Code Pro" panose="020B0509030403020204" pitchFamily="49" charset="0"/>
+              </a:rPr>
+              <a:t>  </a:t>
+            </a:r>
+            <a:r>
+              <a:rPr lang="en-US" dirty="0" smtClean="0">
+                <a:latin typeface="Source Code Pro" panose="020B0509030403020204" pitchFamily="49" charset="0"/>
+              </a:rPr>
+              <a:t>  double </a:t>
+            </a:r>
+            <a:r>
+              <a:rPr lang="en-US" dirty="0" err="1">
+                <a:latin typeface="Source Code Pro" panose="020B0509030403020204" pitchFamily="49" charset="0"/>
+              </a:rPr>
+              <a:t>num</a:t>
+            </a:r>
+            <a:r>
+              <a:rPr lang="en-US" dirty="0">
+                <a:latin typeface="Source Code Pro" panose="020B0509030403020204" pitchFamily="49" charset="0"/>
+              </a:rPr>
+              <a:t>;</a:t>
+            </a:r>
+            <a:br>
+              <a:rPr lang="en-US" dirty="0">
+                <a:latin typeface="Source Code Pro" panose="020B0509030403020204" pitchFamily="49" charset="0"/>
+              </a:rPr>
+            </a:br>
+            <a:r>
+              <a:rPr lang="en-US" dirty="0" smtClean="0">
+                <a:latin typeface="Source Code Pro" panose="020B0509030403020204" pitchFamily="49" charset="0"/>
+              </a:rPr>
+              <a:t>  </a:t>
+            </a:r>
+            <a:r>
+              <a:rPr lang="en-US" dirty="0" smtClean="0">
+                <a:latin typeface="Source Code Pro" panose="020B0509030403020204" pitchFamily="49" charset="0"/>
+              </a:rPr>
+              <a:t>  char</a:t>
+            </a:r>
+            <a:r>
+              <a:rPr lang="en-US" dirty="0">
+                <a:latin typeface="Source Code Pro" panose="020B0509030403020204" pitchFamily="49" charset="0"/>
+              </a:rPr>
+              <a:t>* </a:t>
+            </a:r>
+            <a:r>
+              <a:rPr lang="en-US" dirty="0" err="1">
+                <a:latin typeface="Source Code Pro" panose="020B0509030403020204" pitchFamily="49" charset="0"/>
+              </a:rPr>
+              <a:t>str</a:t>
+            </a:r>
+            <a:r>
+              <a:rPr lang="en-US" dirty="0">
+                <a:latin typeface="Source Code Pro" panose="020B0509030403020204" pitchFamily="49" charset="0"/>
+              </a:rPr>
+              <a:t/>
+            </a:r>
+            <a:br>
+              <a:rPr lang="en-US" dirty="0">
+                <a:latin typeface="Source Code Pro" panose="020B0509030403020204" pitchFamily="49" charset="0"/>
+              </a:rPr>
+            </a:br>
+            <a:r>
+              <a:rPr lang="en-US" dirty="0" smtClean="0">
+                <a:latin typeface="Source Code Pro" panose="020B0509030403020204" pitchFamily="49" charset="0"/>
+              </a:rPr>
+              <a:t>  } </a:t>
+            </a:r>
+            <a:r>
+              <a:rPr lang="en-US" dirty="0" err="1" smtClean="0">
+                <a:latin typeface="Source Code Pro" panose="020B0509030403020204" pitchFamily="49" charset="0"/>
+              </a:rPr>
+              <a:t>val</a:t>
+            </a:r>
+            <a:r>
+              <a:rPr lang="en-US" dirty="0" smtClean="0">
+                <a:latin typeface="Source Code Pro" panose="020B0509030403020204" pitchFamily="49" charset="0"/>
+              </a:rPr>
+              <a:t>;</a:t>
             </a:r>
             <a:br>
               <a:rPr lang="en-US" dirty="0" smtClean="0">
@@ -21719,80 +24630,11 @@
               <a:rPr lang="en-US" dirty="0" smtClean="0">
                 <a:latin typeface="Source Code Pro" panose="020B0509030403020204" pitchFamily="49" charset="0"/>
               </a:rPr>
-              <a:t>...</a:t>
-            </a:r>
-            <a:br>
-              <a:rPr lang="en-US" dirty="0" smtClean="0">
-                <a:latin typeface="Source Code Pro" panose="020B0509030403020204" pitchFamily="49" charset="0"/>
-              </a:rPr>
-            </a:br>
-            <a:r>
-              <a:rPr lang="en-US" dirty="0" smtClean="0">
-                <a:latin typeface="Source Code Pro" panose="020B0509030403020204" pitchFamily="49" charset="0"/>
-              </a:rPr>
               <a:t>};</a:t>
             </a:r>
-            <a:br>
-              <a:rPr lang="en-US" dirty="0" smtClean="0">
-                <a:latin typeface="Source Code Pro" panose="020B0509030403020204" pitchFamily="49" charset="0"/>
-              </a:rPr>
-            </a:br>
-            <a:endParaRPr lang="en-US" dirty="0" smtClean="0">
+            <a:endParaRPr lang="en-US" dirty="0">
               <a:latin typeface="Source Code Pro" panose="020B0509030403020204" pitchFamily="49" charset="0"/>
             </a:endParaRPr>
-          </a:p>
-          <a:p>
-            <a:pPr marL="1085850" lvl="1" indent="-342900">
-              <a:buFont typeface="Arial" panose="020B0604020202020204" pitchFamily="34" charset="0"/>
-              <a:buChar char="•"/>
-            </a:pPr>
-            <a:r>
-              <a:rPr lang="en-US" dirty="0" smtClean="0">
-                <a:latin typeface="+mn-lt"/>
-              </a:rPr>
-              <a:t>Tuple types e.g.</a:t>
-            </a:r>
-            <a:br>
-              <a:rPr lang="en-US" dirty="0" smtClean="0">
-                <a:latin typeface="+mn-lt"/>
-              </a:rPr>
-            </a:br>
-            <a:r>
-              <a:rPr lang="en-US" dirty="0" err="1" smtClean="0">
-                <a:latin typeface="Source Code Pro" panose="020B0509030403020204" pitchFamily="49" charset="0"/>
-              </a:rPr>
-              <a:t>std</a:t>
-            </a:r>
-            <a:r>
-              <a:rPr lang="en-US" dirty="0" smtClean="0">
-                <a:latin typeface="Source Code Pro" panose="020B0509030403020204" pitchFamily="49" charset="0"/>
-              </a:rPr>
-              <a:t>::tuple&lt;</a:t>
-            </a:r>
-            <a:r>
-              <a:rPr lang="en-US" dirty="0" err="1" smtClean="0">
-                <a:latin typeface="Source Code Pro" panose="020B0509030403020204" pitchFamily="49" charset="0"/>
-              </a:rPr>
-              <a:t>int</a:t>
-            </a:r>
-            <a:r>
-              <a:rPr lang="en-US" dirty="0" smtClean="0">
-                <a:latin typeface="Source Code Pro" panose="020B0509030403020204" pitchFamily="49" charset="0"/>
-              </a:rPr>
-              <a:t>, double, </a:t>
-            </a:r>
-            <a:r>
-              <a:rPr lang="en-US" dirty="0" err="1" smtClean="0">
-                <a:latin typeface="Source Code Pro" panose="020B0509030403020204" pitchFamily="49" charset="0"/>
-              </a:rPr>
-              <a:t>std</a:t>
-            </a:r>
-            <a:r>
-              <a:rPr lang="en-US" dirty="0" smtClean="0">
-                <a:latin typeface="Source Code Pro" panose="020B0509030403020204" pitchFamily="49" charset="0"/>
-              </a:rPr>
-              <a:t>::string&gt;</a:t>
-            </a:r>
           </a:p>
           <a:p>
             <a:pPr marL="1085850" lvl="1" indent="-342900">
@@ -21800,7 +24642,7 @@
               <a:buChar char="•"/>
             </a:pPr>
             <a:endParaRPr lang="en-US" dirty="0" smtClean="0">
-              <a:latin typeface="+mn-lt"/>
+              <a:latin typeface="Source Code Pro" panose="020B0509030403020204" pitchFamily="49" charset="0"/>
             </a:endParaRPr>
           </a:p>
           <a:p>
@@ -21810,13 +24652,77 @@
             </a:pPr>
             <a:r>
               <a:rPr lang="en-US" dirty="0" smtClean="0">
-                <a:latin typeface="+mn-lt"/>
-              </a:rPr>
-              <a:t>Indeed, one can view structures as tuples where the fields are named for the corresponding projection function </a:t>
-            </a:r>
+                <a:latin typeface="Source Code Pro" panose="020B0509030403020204" pitchFamily="49" charset="0"/>
+              </a:rPr>
+              <a:t>boost</a:t>
+            </a:r>
+            <a:r>
+              <a:rPr lang="en-US" dirty="0">
+                <a:latin typeface="Source Code Pro" panose="020B0509030403020204" pitchFamily="49" charset="0"/>
+              </a:rPr>
+              <a:t>::variant&lt;</a:t>
+            </a:r>
+            <a:r>
+              <a:rPr lang="en-US" dirty="0" err="1">
+                <a:latin typeface="Source Code Pro" panose="020B0509030403020204" pitchFamily="49" charset="0"/>
+              </a:rPr>
+              <a:t>int</a:t>
+            </a:r>
+            <a:r>
+              <a:rPr lang="en-US" dirty="0">
+                <a:latin typeface="Source Code Pro" panose="020B0509030403020204" pitchFamily="49" charset="0"/>
+              </a:rPr>
+              <a:t>, double, char*&gt;</a:t>
+            </a:r>
+            <a:br>
+              <a:rPr lang="en-US" dirty="0">
+                <a:latin typeface="Source Code Pro" panose="020B0509030403020204" pitchFamily="49" charset="0"/>
+              </a:rPr>
+            </a:br>
+            <a:endParaRPr lang="en-US" dirty="0" smtClean="0">
+              <a:latin typeface="Source Code Pro" panose="020B0509030403020204" pitchFamily="49" charset="0"/>
+            </a:endParaRPr>
+          </a:p>
+          <a:p>
+            <a:pPr marL="1085850" lvl="1" indent="-342900">
+              <a:buFont typeface="Arial" panose="020B0604020202020204" pitchFamily="34" charset="0"/>
+              <a:buChar char="•"/>
+            </a:pPr>
+            <a:r>
+              <a:rPr lang="en-US" dirty="0" err="1" smtClean="0">
+                <a:latin typeface="Source Code Pro" panose="020B0509030403020204" pitchFamily="49" charset="0"/>
+              </a:rPr>
+              <a:t>bdetu_Variant</a:t>
+            </a:r>
+            <a:r>
+              <a:rPr lang="en-US" dirty="0" smtClean="0">
+                <a:latin typeface="Source Code Pro" panose="020B0509030403020204" pitchFamily="49" charset="0"/>
+              </a:rPr>
+              <a:t>&lt;</a:t>
+            </a:r>
+            <a:r>
+              <a:rPr lang="en-US" dirty="0" err="1" smtClean="0">
+                <a:latin typeface="Source Code Pro" panose="020B0509030403020204" pitchFamily="49" charset="0"/>
+              </a:rPr>
+              <a:t>int</a:t>
+            </a:r>
+            <a:r>
+              <a:rPr lang="en-US" dirty="0">
+                <a:latin typeface="Source Code Pro" panose="020B0509030403020204" pitchFamily="49" charset="0"/>
+              </a:rPr>
+              <a:t>, double, char*&gt;</a:t>
+            </a:r>
+            <a:br>
+              <a:rPr lang="en-US" dirty="0">
+                <a:latin typeface="Source Code Pro" panose="020B0509030403020204" pitchFamily="49" charset="0"/>
+              </a:rPr>
+            </a:br>
             <a:endParaRPr lang="en-US" dirty="0">
-              <a:latin typeface="+mn-lt"/>
+              <a:latin typeface="Source Code Pro" panose="020B0509030403020204" pitchFamily="49" charset="0"/>
             </a:endParaRPr>
+          </a:p>
+          <a:p>
+            <a:endParaRPr lang="en-US" dirty="0"/>
           </a:p>
         </p:txBody>
       </p:sp>
@@ -21878,7 +24784,7 @@
     </p:spTree>
     <p:extLst>
       <p:ext uri="{BB962C8B-B14F-4D97-AF65-F5344CB8AC3E}">
-        <p14:creationId xmlns:p14="http://schemas.microsoft.com/office/powerpoint/2010/main" val="3348166344"/>
+        <p14:creationId xmlns:p14="http://schemas.microsoft.com/office/powerpoint/2010/main" val="270190063"/>
       </p:ext>
     </p:extLst>
   </p:cSld>
@@ -21929,7 +24835,7 @@
           <a:p>
             <a:r>
               <a:rPr lang="en-US" dirty="0" smtClean="0"/>
-              <a:t>Practice</a:t>
+              <a:t>practice</a:t>
             </a:r>
             <a:endParaRPr lang="en-US" dirty="0"/>
           </a:p>
@@ -21950,180 +24856,295 @@
           <a:bodyPr/>
           <a:lstStyle/>
           <a:p>
-            <a:pPr marL="342900" indent="-342900">
+            <a:pPr marL="285750" indent="-285750">
               <a:buFont typeface="Arial" panose="020B0604020202020204" pitchFamily="34" charset="0"/>
               <a:buChar char="•"/>
             </a:pPr>
             <a:r>
-              <a:rPr lang="en-US" dirty="0" smtClean="0"/>
-              <a:t>Examples of sum types in C++:</a:t>
-            </a:r>
-          </a:p>
-          <a:p>
-            <a:pPr marL="342900" indent="-342900">
+              <a:rPr lang="en-US" sz="1800" b="0" dirty="0" smtClean="0">
+                <a:latin typeface="+mn-lt"/>
+              </a:rPr>
+              <a:t>Inheritance e.g.</a:t>
+            </a:r>
+          </a:p>
+          <a:p>
+            <a:pPr marL="285750" indent="-285750">
               <a:buFont typeface="Arial" panose="020B0604020202020204" pitchFamily="34" charset="0"/>
               <a:buChar char="•"/>
             </a:pPr>
-            <a:endParaRPr lang="en-US" dirty="0" smtClean="0"/>
-          </a:p>
-          <a:p>
-            <a:pPr marL="1085850" lvl="1" indent="-342900">
-              <a:buFont typeface="Arial" panose="020B0604020202020204" pitchFamily="34" charset="0"/>
-              <a:buChar char="•"/>
-            </a:pPr>
-            <a:r>
-              <a:rPr lang="en-US" dirty="0" smtClean="0"/>
-              <a:t>Enumerated types e.g.</a:t>
-            </a:r>
-            <a:br>
-              <a:rPr lang="en-US" dirty="0" smtClean="0"/>
-            </a:br>
-            <a:r>
-              <a:rPr lang="en-US" dirty="0" smtClean="0"/>
-              <a:t/>
-            </a:r>
-            <a:br>
-              <a:rPr lang="en-US" dirty="0" smtClean="0"/>
-            </a:br>
-            <a:r>
-              <a:rPr lang="en-US" dirty="0" err="1" smtClean="0">
-                <a:latin typeface="Source Code Pro" panose="020B0509030403020204" pitchFamily="49" charset="0"/>
-              </a:rPr>
-              <a:t>enum</a:t>
-            </a:r>
-            <a:r>
-              <a:rPr lang="en-US" dirty="0" smtClean="0">
-                <a:latin typeface="Source Code Pro" panose="020B0509030403020204" pitchFamily="49" charset="0"/>
-              </a:rPr>
-              <a:t> colors={red, blue, green};</a:t>
-            </a:r>
-            <a:br>
-              <a:rPr lang="en-US" dirty="0" smtClean="0">
-                <a:latin typeface="Source Code Pro" panose="020B0509030403020204" pitchFamily="49" charset="0"/>
-              </a:rPr>
-            </a:br>
-            <a:r>
-              <a:rPr lang="en-US" dirty="0" smtClean="0">
-                <a:latin typeface="Source Code Pro" panose="020B0509030403020204" pitchFamily="49" charset="0"/>
-              </a:rPr>
-              <a:t/>
-            </a:r>
-            <a:br>
-              <a:rPr lang="en-US" dirty="0" smtClean="0">
-                <a:latin typeface="Source Code Pro" panose="020B0509030403020204" pitchFamily="49" charset="0"/>
-              </a:rPr>
-            </a:br>
-            <a:r>
-              <a:rPr lang="en-US" dirty="0" smtClean="0">
-                <a:latin typeface="Source Code Pro" panose="020B0509030403020204" pitchFamily="49" charset="0"/>
-              </a:rPr>
-              <a:t>// …</a:t>
-            </a:r>
-            <a:br>
-              <a:rPr lang="en-US" dirty="0" smtClean="0">
-                <a:latin typeface="Source Code Pro" panose="020B0509030403020204" pitchFamily="49" charset="0"/>
-              </a:rPr>
-            </a:br>
-            <a:r>
-              <a:rPr lang="en-US" dirty="0" smtClean="0">
-                <a:latin typeface="Source Code Pro" panose="020B0509030403020204" pitchFamily="49" charset="0"/>
-              </a:rPr>
-              <a:t/>
-            </a:r>
-            <a:br>
-              <a:rPr lang="en-US" dirty="0" smtClean="0">
-                <a:latin typeface="Source Code Pro" panose="020B0509030403020204" pitchFamily="49" charset="0"/>
-              </a:rPr>
-            </a:br>
-            <a:r>
-              <a:rPr lang="en-US" dirty="0" smtClean="0">
-                <a:latin typeface="Source Code Pro" panose="020B0509030403020204" pitchFamily="49" charset="0"/>
-              </a:rPr>
-              <a:t>switch (c) {</a:t>
-            </a:r>
-            <a:r>
-              <a:rPr lang="en-US" dirty="0">
-                <a:latin typeface="Source Code Pro" panose="020B0509030403020204" pitchFamily="49" charset="0"/>
-              </a:rPr>
-              <a:t/>
-            </a:r>
-            <a:br>
-              <a:rPr lang="en-US" dirty="0">
-                <a:latin typeface="Source Code Pro" panose="020B0509030403020204" pitchFamily="49" charset="0"/>
-              </a:rPr>
-            </a:br>
-            <a:r>
-              <a:rPr lang="en-US" dirty="0" smtClean="0">
-                <a:latin typeface="Source Code Pro" panose="020B0509030403020204" pitchFamily="49" charset="0"/>
-              </a:rPr>
-              <a:t>case red:</a:t>
-            </a:r>
-            <a:br>
-              <a:rPr lang="en-US" dirty="0" smtClean="0">
-                <a:latin typeface="Source Code Pro" panose="020B0509030403020204" pitchFamily="49" charset="0"/>
-              </a:rPr>
-            </a:br>
-            <a:r>
-              <a:rPr lang="en-US" dirty="0" smtClean="0">
-                <a:latin typeface="Source Code Pro" panose="020B0509030403020204" pitchFamily="49" charset="0"/>
-              </a:rPr>
-              <a:t>  // …</a:t>
-            </a:r>
-            <a:br>
-              <a:rPr lang="en-US" dirty="0" smtClean="0">
-                <a:latin typeface="Source Code Pro" panose="020B0509030403020204" pitchFamily="49" charset="0"/>
-              </a:rPr>
-            </a:br>
-            <a:r>
-              <a:rPr lang="en-US" dirty="0" smtClean="0">
-                <a:latin typeface="Source Code Pro" panose="020B0509030403020204" pitchFamily="49" charset="0"/>
-              </a:rPr>
-              <a:t>case blue:</a:t>
-            </a:r>
-            <a:br>
-              <a:rPr lang="en-US" dirty="0" smtClean="0">
-                <a:latin typeface="Source Code Pro" panose="020B0509030403020204" pitchFamily="49" charset="0"/>
-              </a:rPr>
-            </a:br>
-            <a:r>
-              <a:rPr lang="en-US" dirty="0" smtClean="0">
-                <a:latin typeface="Source Code Pro" panose="020B0509030403020204" pitchFamily="49" charset="0"/>
-              </a:rPr>
-              <a:t>  // …</a:t>
-            </a:r>
-            <a:br>
-              <a:rPr lang="en-US" dirty="0" smtClean="0">
-                <a:latin typeface="Source Code Pro" panose="020B0509030403020204" pitchFamily="49" charset="0"/>
-              </a:rPr>
-            </a:br>
-            <a:r>
-              <a:rPr lang="en-US" dirty="0" smtClean="0">
-                <a:latin typeface="Source Code Pro" panose="020B0509030403020204" pitchFamily="49" charset="0"/>
-              </a:rPr>
-              <a:t/>
-            </a:r>
-            <a:br>
-              <a:rPr lang="en-US" dirty="0" smtClean="0">
-                <a:latin typeface="Source Code Pro" panose="020B0509030403020204" pitchFamily="49" charset="0"/>
-              </a:rPr>
-            </a:br>
-            <a:r>
-              <a:rPr lang="en-US" dirty="0" smtClean="0">
-                <a:latin typeface="Source Code Pro" panose="020B0509030403020204" pitchFamily="49" charset="0"/>
-              </a:rPr>
-              <a:t>// …</a:t>
-            </a:r>
-            <a:br>
-              <a:rPr lang="en-US" dirty="0" smtClean="0">
-                <a:latin typeface="Source Code Pro" panose="020B0509030403020204" pitchFamily="49" charset="0"/>
-              </a:rPr>
-            </a:br>
-            <a:r>
-              <a:rPr lang="en-US" dirty="0" smtClean="0">
+            <a:endParaRPr lang="en-US" sz="1800" b="0" dirty="0" smtClean="0">
+              <a:latin typeface="+mn-lt"/>
+            </a:endParaRPr>
+          </a:p>
+          <a:p>
+            <a:r>
+              <a:rPr lang="en-US" sz="1800" b="0" dirty="0" err="1" smtClean="0">
+                <a:latin typeface="Source Code Pro" panose="020B0509030403020204" pitchFamily="49" charset="0"/>
+              </a:rPr>
+              <a:t>struct</a:t>
+            </a:r>
+            <a:r>
+              <a:rPr lang="en-US" sz="1800" b="0" dirty="0" smtClean="0">
+                <a:latin typeface="Source Code Pro" panose="020B0509030403020204" pitchFamily="49" charset="0"/>
+              </a:rPr>
+              <a:t> </a:t>
+            </a:r>
+            <a:r>
+              <a:rPr lang="en-US" sz="1800" b="0" dirty="0" err="1" smtClean="0">
+                <a:latin typeface="Source Code Pro" panose="020B0509030403020204" pitchFamily="49" charset="0"/>
+              </a:rPr>
+              <a:t>airplane_seat</a:t>
+            </a:r>
+            <a:r>
+              <a:rPr lang="en-US" sz="1800" b="0" dirty="0" smtClean="0">
+                <a:latin typeface="Source Code Pro" panose="020B0509030403020204" pitchFamily="49" charset="0"/>
+              </a:rPr>
+              <a:t> {  /* … */ };</a:t>
+            </a:r>
+            <a:endParaRPr lang="en-US" sz="1800" b="0" dirty="0">
+              <a:latin typeface="Source Code Pro" panose="020B0509030403020204" pitchFamily="49" charset="0"/>
+            </a:endParaRPr>
+          </a:p>
+          <a:p>
+            <a:endParaRPr lang="en-US" sz="1800" b="0" dirty="0">
+              <a:latin typeface="Source Code Pro" panose="020B0509030403020204" pitchFamily="49" charset="0"/>
+            </a:endParaRPr>
+          </a:p>
+          <a:p>
+            <a:r>
+              <a:rPr lang="en-US" sz="1800" b="0" dirty="0" err="1" smtClean="0">
+                <a:latin typeface="Source Code Pro" panose="020B0509030403020204" pitchFamily="49" charset="0"/>
+              </a:rPr>
+              <a:t>struct</a:t>
+            </a:r>
+            <a:r>
+              <a:rPr lang="en-US" sz="1800" b="0" dirty="0" smtClean="0">
+                <a:latin typeface="Source Code Pro" panose="020B0509030403020204" pitchFamily="49" charset="0"/>
+              </a:rPr>
+              <a:t> </a:t>
+            </a:r>
+            <a:r>
+              <a:rPr lang="en-US" sz="1800" b="0" dirty="0" err="1" smtClean="0">
+                <a:latin typeface="Source Code Pro" panose="020B0509030403020204" pitchFamily="49" charset="0"/>
+              </a:rPr>
+              <a:t>economy_seat</a:t>
+            </a:r>
+            <a:r>
+              <a:rPr lang="en-US" sz="1800" b="0" dirty="0" smtClean="0">
+                <a:latin typeface="Source Code Pro" panose="020B0509030403020204" pitchFamily="49" charset="0"/>
+              </a:rPr>
+              <a:t> </a:t>
+            </a:r>
+            <a:r>
+              <a:rPr lang="en-US" sz="1800" b="0" dirty="0">
+                <a:latin typeface="Source Code Pro" panose="020B0509030403020204" pitchFamily="49" charset="0"/>
+              </a:rPr>
+              <a:t>: </a:t>
+            </a:r>
+            <a:r>
+              <a:rPr lang="en-US" sz="1800" b="0" dirty="0" err="1" smtClean="0">
+                <a:latin typeface="Source Code Pro" panose="020B0509030403020204" pitchFamily="49" charset="0"/>
+              </a:rPr>
+              <a:t>airplane_seat</a:t>
+            </a:r>
+            <a:r>
+              <a:rPr lang="en-US" sz="1800" b="0" dirty="0" smtClean="0">
+                <a:latin typeface="Source Code Pro" panose="020B0509030403020204" pitchFamily="49" charset="0"/>
+              </a:rPr>
+              <a:t> { /*… */ };</a:t>
+            </a:r>
+            <a:endParaRPr lang="en-US" sz="1800" b="0" dirty="0">
+              <a:latin typeface="Source Code Pro" panose="020B0509030403020204" pitchFamily="49" charset="0"/>
+            </a:endParaRPr>
+          </a:p>
+          <a:p>
+            <a:r>
+              <a:rPr lang="en-US" sz="1800" b="0" dirty="0" err="1" smtClean="0">
+                <a:latin typeface="Source Code Pro" panose="020B0509030403020204" pitchFamily="49" charset="0"/>
+              </a:rPr>
+              <a:t>struct</a:t>
+            </a:r>
+            <a:r>
+              <a:rPr lang="en-US" sz="1800" b="0" dirty="0" smtClean="0">
+                <a:latin typeface="Source Code Pro" panose="020B0509030403020204" pitchFamily="49" charset="0"/>
+              </a:rPr>
+              <a:t> </a:t>
+            </a:r>
+            <a:r>
+              <a:rPr lang="en-US" sz="1800" b="0" dirty="0" err="1">
+                <a:latin typeface="Source Code Pro" panose="020B0509030403020204" pitchFamily="49" charset="0"/>
+              </a:rPr>
+              <a:t>first_class_seat</a:t>
+            </a:r>
+            <a:r>
+              <a:rPr lang="en-US" sz="1800" b="0" dirty="0">
+                <a:latin typeface="Source Code Pro" panose="020B0509030403020204" pitchFamily="49" charset="0"/>
+              </a:rPr>
+              <a:t> : </a:t>
+            </a:r>
+            <a:r>
+              <a:rPr lang="en-US" sz="1800" b="0" dirty="0" err="1" smtClean="0">
+                <a:latin typeface="Source Code Pro" panose="020B0509030403020204" pitchFamily="49" charset="0"/>
+              </a:rPr>
+              <a:t>airplane_seat</a:t>
+            </a:r>
+            <a:r>
+              <a:rPr lang="en-US" sz="1800" b="0" dirty="0" smtClean="0">
+                <a:latin typeface="Source Code Pro" panose="020B0509030403020204" pitchFamily="49" charset="0"/>
+              </a:rPr>
+              <a:t> { /* ... */ };</a:t>
+            </a:r>
+            <a:endParaRPr lang="en-US" sz="1800" b="0" dirty="0">
+              <a:latin typeface="Source Code Pro" panose="020B0509030403020204" pitchFamily="49" charset="0"/>
+            </a:endParaRPr>
+          </a:p>
+          <a:p>
+            <a:endParaRPr lang="en-US" sz="1800" b="0" dirty="0">
+              <a:latin typeface="Source Code Pro" panose="020B0509030403020204" pitchFamily="49" charset="0"/>
+            </a:endParaRPr>
+          </a:p>
+          <a:p>
+            <a:r>
+              <a:rPr lang="en-US" sz="1800" b="0" dirty="0">
+                <a:latin typeface="Source Code Pro" panose="020B0509030403020204" pitchFamily="49" charset="0"/>
+              </a:rPr>
+              <a:t>void book (</a:t>
+            </a:r>
+            <a:r>
+              <a:rPr lang="en-US" sz="1800" b="0" dirty="0" err="1">
+                <a:latin typeface="Source Code Pro" panose="020B0509030403020204" pitchFamily="49" charset="0"/>
+              </a:rPr>
+              <a:t>airplane_seat</a:t>
+            </a:r>
+            <a:r>
+              <a:rPr lang="en-US" sz="1800" b="0" dirty="0">
+                <a:latin typeface="Source Code Pro" panose="020B0509030403020204" pitchFamily="49" charset="0"/>
+              </a:rPr>
+              <a:t>* seat) {</a:t>
+            </a:r>
+          </a:p>
+          <a:p>
+            <a:endParaRPr lang="en-US" sz="1800" b="0" dirty="0">
+              <a:latin typeface="Source Code Pro" panose="020B0509030403020204" pitchFamily="49" charset="0"/>
+            </a:endParaRPr>
+          </a:p>
+          <a:p>
+            <a:r>
+              <a:rPr lang="en-US" sz="1800" b="0" dirty="0">
+                <a:latin typeface="Source Code Pro" panose="020B0509030403020204" pitchFamily="49" charset="0"/>
+              </a:rPr>
+              <a:t>  if (</a:t>
+            </a:r>
+            <a:r>
+              <a:rPr lang="en-US" sz="1800" b="0" dirty="0" err="1">
+                <a:latin typeface="Source Code Pro" panose="020B0509030403020204" pitchFamily="49" charset="0"/>
+              </a:rPr>
+              <a:t>first_class_seat</a:t>
+            </a:r>
+            <a:r>
+              <a:rPr lang="en-US" sz="1800" b="0" dirty="0">
+                <a:latin typeface="Source Code Pro" panose="020B0509030403020204" pitchFamily="49" charset="0"/>
+              </a:rPr>
+              <a:t>* s </a:t>
+            </a:r>
+            <a:r>
+              <a:rPr lang="en-US" sz="1800" b="0" dirty="0" smtClean="0">
+                <a:latin typeface="Source Code Pro" panose="020B0509030403020204" pitchFamily="49" charset="0"/>
+              </a:rPr>
+              <a:t>=</a:t>
+            </a:r>
+          </a:p>
+          <a:p>
+            <a:r>
+              <a:rPr lang="en-US" sz="1800" b="0" dirty="0">
+                <a:latin typeface="Source Code Pro" panose="020B0509030403020204" pitchFamily="49" charset="0"/>
+              </a:rPr>
+              <a:t> </a:t>
+            </a:r>
+            <a:r>
+              <a:rPr lang="en-US" sz="1800" b="0" dirty="0" smtClean="0">
+                <a:latin typeface="Source Code Pro" panose="020B0509030403020204" pitchFamily="49" charset="0"/>
+              </a:rPr>
+              <a:t>       </a:t>
+            </a:r>
+            <a:r>
+              <a:rPr lang="en-US" sz="1800" b="0" dirty="0" err="1" smtClean="0">
+                <a:latin typeface="Source Code Pro" panose="020B0509030403020204" pitchFamily="49" charset="0"/>
+              </a:rPr>
+              <a:t>dynamic_cast</a:t>
+            </a:r>
+            <a:r>
+              <a:rPr lang="en-US" sz="1800" b="0" dirty="0" smtClean="0">
+                <a:latin typeface="Source Code Pro" panose="020B0509030403020204" pitchFamily="49" charset="0"/>
+              </a:rPr>
+              <a:t>&lt;</a:t>
+            </a:r>
+            <a:r>
+              <a:rPr lang="en-US" sz="1800" b="0" dirty="0" err="1" smtClean="0">
+                <a:latin typeface="Source Code Pro" panose="020B0509030403020204" pitchFamily="49" charset="0"/>
+              </a:rPr>
+              <a:t>first_class_seat</a:t>
+            </a:r>
+            <a:r>
+              <a:rPr lang="en-US" sz="1800" b="0" dirty="0">
+                <a:latin typeface="Source Code Pro" panose="020B0509030403020204" pitchFamily="49" charset="0"/>
+              </a:rPr>
+              <a:t>*&gt; (seat)){</a:t>
+            </a:r>
+          </a:p>
+          <a:p>
+            <a:r>
+              <a:rPr lang="en-US" sz="1800" b="0" dirty="0">
+                <a:latin typeface="Source Code Pro" panose="020B0509030403020204" pitchFamily="49" charset="0"/>
+              </a:rPr>
+              <a:t>    // ...</a:t>
+            </a:r>
+          </a:p>
+          <a:p>
+            <a:r>
+              <a:rPr lang="en-US" sz="1800" b="0" dirty="0">
+                <a:latin typeface="Source Code Pro" panose="020B0509030403020204" pitchFamily="49" charset="0"/>
+              </a:rPr>
+              <a:t>  }</a:t>
+            </a:r>
+          </a:p>
+          <a:p>
+            <a:r>
+              <a:rPr lang="en-US" sz="1800" b="0" dirty="0">
+                <a:latin typeface="Source Code Pro" panose="020B0509030403020204" pitchFamily="49" charset="0"/>
+              </a:rPr>
+              <a:t>  else {</a:t>
+            </a:r>
+          </a:p>
+          <a:p>
+            <a:r>
+              <a:rPr lang="en-US" sz="1800" b="0" dirty="0">
+                <a:latin typeface="Source Code Pro" panose="020B0509030403020204" pitchFamily="49" charset="0"/>
+              </a:rPr>
+              <a:t>    // ...</a:t>
+            </a:r>
+          </a:p>
+          <a:p>
+            <a:r>
+              <a:rPr lang="en-US" sz="1800" b="0" dirty="0">
+                <a:latin typeface="Source Code Pro" panose="020B0509030403020204" pitchFamily="49" charset="0"/>
+              </a:rPr>
+              <a:t>  }</a:t>
+            </a:r>
+          </a:p>
+          <a:p>
+            <a:r>
+              <a:rPr lang="en-US" sz="1800" b="0" dirty="0" smtClean="0">
                 <a:latin typeface="Source Code Pro" panose="020B0509030403020204" pitchFamily="49" charset="0"/>
               </a:rPr>
               <a:t>}</a:t>
             </a:r>
+            <a:endParaRPr lang="en-US" sz="1800" b="0" dirty="0">
+              <a:latin typeface="Source Code Pro" panose="020B0509030403020204" pitchFamily="49" charset="0"/>
+            </a:endParaRPr>
+          </a:p>
+          <a:p>
+            <a:endParaRPr lang="en-US" dirty="0"/>
           </a:p>
         </p:txBody>
       </p:sp>
@@ -22185,7 +25206,7 @@
     </p:spTree>
     <p:extLst>
       <p:ext uri="{BB962C8B-B14F-4D97-AF65-F5344CB8AC3E}">
-        <p14:creationId xmlns:p14="http://schemas.microsoft.com/office/powerpoint/2010/main" val="675502341"/>
+        <p14:creationId xmlns:p14="http://schemas.microsoft.com/office/powerpoint/2010/main" val="3301944288"/>
       </p:ext>
     </p:extLst>
   </p:cSld>
@@ -22236,8 +25257,11 @@
           <a:p>
             <a:r>
               <a:rPr lang="en-US" dirty="0" smtClean="0"/>
-              <a:t>Practice</a:t>
-            </a:r>
+              <a:t>practice</a:t>
+            </a:r>
+            <a:br>
+              <a:rPr lang="en-US" dirty="0" smtClean="0"/>
+            </a:br>
             <a:endParaRPr lang="en-US" dirty="0"/>
           </a:p>
         </p:txBody>
@@ -22257,213 +25281,38 @@
           <a:bodyPr/>
           <a:lstStyle/>
           <a:p>
+            <a:pPr marL="342900" indent="-342900">
+              <a:buFont typeface="Arial" panose="020B0604020202020204" pitchFamily="34" charset="0"/>
+              <a:buChar char="•"/>
+            </a:pPr>
+            <a:r>
+              <a:rPr lang="en-US" b="0" dirty="0" smtClean="0"/>
+              <a:t>Side notes:</a:t>
+            </a:r>
+            <a:br>
+              <a:rPr lang="en-US" b="0" dirty="0" smtClean="0"/>
+            </a:br>
+            <a:endParaRPr lang="en-US" b="0" dirty="0" smtClean="0"/>
+          </a:p>
+          <a:p>
             <a:pPr marL="1085850" lvl="1" indent="-342900">
               <a:buFont typeface="Arial" panose="020B0604020202020204" pitchFamily="34" charset="0"/>
               <a:buChar char="•"/>
             </a:pPr>
             <a:r>
-              <a:rPr lang="en-US" dirty="0" smtClean="0"/>
-              <a:t>Discriminated union types </a:t>
-            </a:r>
-            <a:r>
-              <a:rPr lang="en-US" dirty="0"/>
-              <a:t>e.g</a:t>
-            </a:r>
-            <a:r>
-              <a:rPr lang="en-US" dirty="0" smtClean="0"/>
-              <a:t>.</a:t>
-            </a:r>
-            <a:br>
-              <a:rPr lang="en-US" dirty="0" smtClean="0"/>
-            </a:br>
-            <a:r>
-              <a:rPr lang="en-US" dirty="0"/>
-              <a:t/>
-            </a:r>
-            <a:br>
-              <a:rPr lang="en-US" dirty="0"/>
-            </a:br>
-            <a:r>
-              <a:rPr lang="en-US" dirty="0" err="1" smtClean="0">
-                <a:latin typeface="Source Code Pro" panose="020B0509030403020204" pitchFamily="49" charset="0"/>
-              </a:rPr>
-              <a:t>struct</a:t>
-            </a:r>
-            <a:r>
               <a:rPr lang="en-US" dirty="0" smtClean="0">
-                <a:latin typeface="Source Code Pro" panose="020B0509030403020204" pitchFamily="49" charset="0"/>
-              </a:rPr>
-              <a:t> </a:t>
-            </a:r>
-            <a:r>
-              <a:rPr lang="en-US" dirty="0" err="1" smtClean="0">
-                <a:latin typeface="Source Code Pro" panose="020B0509030403020204" pitchFamily="49" charset="0"/>
-              </a:rPr>
-              <a:t>poly_var</a:t>
+                <a:latin typeface="+mn-lt"/>
+              </a:rPr>
+              <a:t>Support for sum types in C++ has been </a:t>
             </a:r>
             <a:r>
               <a:rPr lang="en-US" dirty="0" smtClean="0">
-                <a:latin typeface="Source Code Pro" panose="020B0509030403020204" pitchFamily="49" charset="0"/>
-              </a:rPr>
-              <a:t> {</a:t>
-            </a:r>
-            <a:br>
-              <a:rPr lang="en-US" dirty="0" smtClean="0">
-                <a:latin typeface="Source Code Pro" panose="020B0509030403020204" pitchFamily="49" charset="0"/>
-              </a:rPr>
-            </a:br>
-            <a:r>
-              <a:rPr lang="en-US" dirty="0" smtClean="0">
-                <a:latin typeface="Source Code Pro" panose="020B0509030403020204" pitchFamily="49" charset="0"/>
-              </a:rPr>
-              <a:t>  </a:t>
-            </a:r>
-            <a:r>
-              <a:rPr lang="en-US" dirty="0" err="1" smtClean="0">
-                <a:latin typeface="Source Code Pro" panose="020B0509030403020204" pitchFamily="49" charset="0"/>
-              </a:rPr>
-              <a:t>int</a:t>
-            </a:r>
-            <a:r>
-              <a:rPr lang="en-US" dirty="0" smtClean="0">
-                <a:latin typeface="Source Code Pro" panose="020B0509030403020204" pitchFamily="49" charset="0"/>
-              </a:rPr>
-              <a:t> type;</a:t>
-            </a:r>
-            <a:br>
-              <a:rPr lang="en-US" dirty="0" smtClean="0">
-                <a:latin typeface="Source Code Pro" panose="020B0509030403020204" pitchFamily="49" charset="0"/>
-              </a:rPr>
-            </a:br>
-            <a:r>
-              <a:rPr lang="en-US" dirty="0" smtClean="0">
-                <a:latin typeface="Source Code Pro" panose="020B0509030403020204" pitchFamily="49" charset="0"/>
-              </a:rPr>
-              <a:t>  union </a:t>
-            </a:r>
-            <a:r>
-              <a:rPr lang="en-US" dirty="0">
-                <a:latin typeface="Source Code Pro" panose="020B0509030403020204" pitchFamily="49" charset="0"/>
-              </a:rPr>
-              <a:t>{ </a:t>
-            </a:r>
-            <a:br>
-              <a:rPr lang="en-US" dirty="0">
-                <a:latin typeface="Source Code Pro" panose="020B0509030403020204" pitchFamily="49" charset="0"/>
-              </a:rPr>
-            </a:br>
-            <a:r>
-              <a:rPr lang="en-US" dirty="0" smtClean="0">
-                <a:latin typeface="Source Code Pro" panose="020B0509030403020204" pitchFamily="49" charset="0"/>
-              </a:rPr>
-              <a:t>  </a:t>
-            </a:r>
-            <a:r>
-              <a:rPr lang="en-US" dirty="0" err="1" smtClean="0">
-                <a:latin typeface="Source Code Pro" panose="020B0509030403020204" pitchFamily="49" charset="0"/>
-              </a:rPr>
-              <a:t>int</a:t>
-            </a:r>
-            <a:r>
-              <a:rPr lang="en-US" dirty="0" smtClean="0">
-                <a:latin typeface="Source Code Pro" panose="020B0509030403020204" pitchFamily="49" charset="0"/>
-              </a:rPr>
-              <a:t> </a:t>
-            </a:r>
-            <a:r>
-              <a:rPr lang="en-US" dirty="0">
-                <a:latin typeface="Source Code Pro" panose="020B0509030403020204" pitchFamily="49" charset="0"/>
-              </a:rPr>
-              <a:t>w;</a:t>
-            </a:r>
-            <a:br>
-              <a:rPr lang="en-US" dirty="0">
-                <a:latin typeface="Source Code Pro" panose="020B0509030403020204" pitchFamily="49" charset="0"/>
-              </a:rPr>
-            </a:br>
-            <a:r>
-              <a:rPr lang="en-US" dirty="0" smtClean="0">
-                <a:latin typeface="Source Code Pro" panose="020B0509030403020204" pitchFamily="49" charset="0"/>
-              </a:rPr>
-              <a:t>  double </a:t>
-            </a:r>
-            <a:r>
-              <a:rPr lang="en-US" dirty="0" err="1">
-                <a:latin typeface="Source Code Pro" panose="020B0509030403020204" pitchFamily="49" charset="0"/>
-              </a:rPr>
-              <a:t>num</a:t>
-            </a:r>
-            <a:r>
-              <a:rPr lang="en-US" dirty="0">
-                <a:latin typeface="Source Code Pro" panose="020B0509030403020204" pitchFamily="49" charset="0"/>
-              </a:rPr>
-              <a:t>;</a:t>
-            </a:r>
-            <a:br>
-              <a:rPr lang="en-US" dirty="0">
-                <a:latin typeface="Source Code Pro" panose="020B0509030403020204" pitchFamily="49" charset="0"/>
-              </a:rPr>
-            </a:br>
-            <a:r>
-              <a:rPr lang="en-US" dirty="0" smtClean="0">
-                <a:latin typeface="Source Code Pro" panose="020B0509030403020204" pitchFamily="49" charset="0"/>
-              </a:rPr>
-              <a:t>  char</a:t>
-            </a:r>
-            <a:r>
-              <a:rPr lang="en-US" dirty="0">
-                <a:latin typeface="Source Code Pro" panose="020B0509030403020204" pitchFamily="49" charset="0"/>
-              </a:rPr>
-              <a:t>* </a:t>
-            </a:r>
-            <a:r>
-              <a:rPr lang="en-US" dirty="0" err="1">
-                <a:latin typeface="Source Code Pro" panose="020B0509030403020204" pitchFamily="49" charset="0"/>
-              </a:rPr>
-              <a:t>str</a:t>
-            </a:r>
-            <a:r>
-              <a:rPr lang="en-US" dirty="0">
-                <a:latin typeface="Source Code Pro" panose="020B0509030403020204" pitchFamily="49" charset="0"/>
-              </a:rPr>
-              <a:t/>
-            </a:r>
-            <a:br>
-              <a:rPr lang="en-US" dirty="0">
-                <a:latin typeface="Source Code Pro" panose="020B0509030403020204" pitchFamily="49" charset="0"/>
-              </a:rPr>
-            </a:br>
-            <a:r>
-              <a:rPr lang="en-US" dirty="0" smtClean="0">
-                <a:latin typeface="Source Code Pro" panose="020B0509030403020204" pitchFamily="49" charset="0"/>
-              </a:rPr>
-              <a:t>  } </a:t>
-            </a:r>
-            <a:r>
-              <a:rPr lang="en-US" dirty="0" err="1" smtClean="0">
-                <a:latin typeface="Source Code Pro" panose="020B0509030403020204" pitchFamily="49" charset="0"/>
-              </a:rPr>
-              <a:t>val</a:t>
-            </a:r>
-            <a:r>
-              <a:rPr lang="en-US" dirty="0" smtClean="0">
-                <a:latin typeface="Source Code Pro" panose="020B0509030403020204" pitchFamily="49" charset="0"/>
-              </a:rPr>
-              <a:t>;</a:t>
-            </a:r>
-            <a:br>
-              <a:rPr lang="en-US" dirty="0" smtClean="0">
-                <a:latin typeface="Source Code Pro" panose="020B0509030403020204" pitchFamily="49" charset="0"/>
-              </a:rPr>
-            </a:br>
-            <a:r>
-              <a:rPr lang="en-US" dirty="0" smtClean="0">
-                <a:latin typeface="Source Code Pro" panose="020B0509030403020204" pitchFamily="49" charset="0"/>
-              </a:rPr>
-              <a:t>};</a:t>
-            </a:r>
-            <a:endParaRPr lang="en-US" dirty="0">
-              <a:latin typeface="Source Code Pro" panose="020B0509030403020204" pitchFamily="49" charset="0"/>
+                <a:latin typeface="+mn-lt"/>
+              </a:rPr>
+              <a:t>limited</a:t>
+            </a:r>
+            <a:endParaRPr lang="en-US" dirty="0" smtClean="0">
+              <a:latin typeface="+mn-lt"/>
             </a:endParaRPr>
           </a:p>
           <a:p>
@@ -22471,9 +25320,24 @@
               <a:buFont typeface="Arial" panose="020B0604020202020204" pitchFamily="34" charset="0"/>
               <a:buChar char="•"/>
             </a:pPr>
-            <a:endParaRPr lang="en-US" dirty="0" smtClean="0">
-              <a:latin typeface="Source Code Pro" panose="020B0509030403020204" pitchFamily="49" charset="0"/>
-            </a:endParaRPr>
+            <a:r>
+              <a:rPr lang="en-US" b="0" dirty="0" smtClean="0">
+                <a:latin typeface="+mn-lt"/>
+              </a:rPr>
+              <a:t>Situation somewhat improved in C++11 with unrestricted unions and </a:t>
+            </a:r>
+            <a:r>
+              <a:rPr lang="en-US" b="0" dirty="0" err="1" smtClean="0">
+                <a:latin typeface="+mn-lt"/>
+              </a:rPr>
+              <a:t>variadic</a:t>
+            </a:r>
+            <a:r>
+              <a:rPr lang="en-US" b="0" dirty="0" smtClean="0">
+                <a:latin typeface="+mn-lt"/>
+              </a:rPr>
+              <a:t> templates</a:t>
+            </a:r>
           </a:p>
           <a:p>
             <a:pPr marL="1085850" lvl="1" indent="-342900">
@@ -22481,78 +25345,26 @@
               <a:buChar char="•"/>
             </a:pPr>
             <a:r>
-              <a:rPr lang="en-US" dirty="0" smtClean="0">
-                <a:latin typeface="Source Code Pro" panose="020B0509030403020204" pitchFamily="49" charset="0"/>
-              </a:rPr>
-              <a:t>boost</a:t>
-            </a:r>
-            <a:r>
-              <a:rPr lang="en-US" dirty="0">
-                <a:latin typeface="Source Code Pro" panose="020B0509030403020204" pitchFamily="49" charset="0"/>
-              </a:rPr>
-              <a:t>::variant&lt;</a:t>
-            </a:r>
-            <a:r>
-              <a:rPr lang="en-US" dirty="0" err="1">
-                <a:latin typeface="Source Code Pro" panose="020B0509030403020204" pitchFamily="49" charset="0"/>
-              </a:rPr>
-              <a:t>int</a:t>
-            </a:r>
-            <a:r>
-              <a:rPr lang="en-US" dirty="0">
-                <a:latin typeface="Source Code Pro" panose="020B0509030403020204" pitchFamily="49" charset="0"/>
-              </a:rPr>
-              <a:t>, double, char*&gt;</a:t>
-            </a:r>
-            <a:br>
-              <a:rPr lang="en-US" dirty="0">
-                <a:latin typeface="Source Code Pro" panose="020B0509030403020204" pitchFamily="49" charset="0"/>
-              </a:rPr>
-            </a:br>
-            <a:endParaRPr lang="en-US" dirty="0" smtClean="0">
-              <a:latin typeface="Source Code Pro" panose="020B0509030403020204" pitchFamily="49" charset="0"/>
+              <a:rPr lang="en-US" b="0" dirty="0" err="1" smtClean="0">
+                <a:latin typeface="Source Code Pro" panose="020B0509030403020204" pitchFamily="49" charset="0"/>
+              </a:rPr>
+              <a:t>std</a:t>
+            </a:r>
+            <a:r>
+              <a:rPr lang="en-US" b="0" dirty="0" smtClean="0">
+                <a:latin typeface="Source Code Pro" panose="020B0509030403020204" pitchFamily="49" charset="0"/>
+              </a:rPr>
+              <a:t>::variant&lt;&gt; </a:t>
+            </a:r>
+            <a:r>
+              <a:rPr lang="en-US" b="0" dirty="0" smtClean="0">
+                <a:latin typeface="+mn-lt"/>
+              </a:rPr>
+              <a:t>coming soon to a standard near you</a:t>
+            </a:r>
+            <a:endParaRPr lang="en-US" b="0" dirty="0">
+              <a:latin typeface="+mn-lt"/>
             </a:endParaRPr>
-          </a:p>
-          <a:p>
-            <a:pPr marL="1085850" lvl="1" indent="-342900">
-              <a:buFont typeface="Arial" panose="020B0604020202020204" pitchFamily="34" charset="0"/>
-              <a:buChar char="•"/>
-            </a:pPr>
-            <a:r>
-              <a:rPr lang="en-US" dirty="0" err="1" smtClean="0">
-                <a:latin typeface="Source Code Pro" panose="020B0509030403020204" pitchFamily="49" charset="0"/>
-              </a:rPr>
-              <a:t>bdetu_Variant</a:t>
-            </a:r>
-            <a:r>
-              <a:rPr lang="en-US" dirty="0" smtClean="0">
-                <a:latin typeface="Source Code Pro" panose="020B0509030403020204" pitchFamily="49" charset="0"/>
-              </a:rPr>
-              <a:t>&lt;</a:t>
-            </a:r>
-            <a:r>
-              <a:rPr lang="en-US" dirty="0" err="1" smtClean="0">
-                <a:latin typeface="Source Code Pro" panose="020B0509030403020204" pitchFamily="49" charset="0"/>
-              </a:rPr>
-              <a:t>int</a:t>
-            </a:r>
-            <a:r>
-              <a:rPr lang="en-US" dirty="0">
-                <a:latin typeface="Source Code Pro" panose="020B0509030403020204" pitchFamily="49" charset="0"/>
-              </a:rPr>
-              <a:t>, double, char*&gt;</a:t>
-            </a:r>
-            <a:br>
-              <a:rPr lang="en-US" dirty="0">
-                <a:latin typeface="Source Code Pro" panose="020B0509030403020204" pitchFamily="49" charset="0"/>
-              </a:rPr>
-            </a:br>
-            <a:endParaRPr lang="en-US" dirty="0">
-              <a:latin typeface="Source Code Pro" panose="020B0509030403020204" pitchFamily="49" charset="0"/>
-            </a:endParaRPr>
-          </a:p>
-          <a:p>
-            <a:endParaRPr lang="en-US" dirty="0"/>
           </a:p>
         </p:txBody>
       </p:sp>
@@ -22614,7 +25426,7 @@
     </p:spTree>
     <p:extLst>
       <p:ext uri="{BB962C8B-B14F-4D97-AF65-F5344CB8AC3E}">
-        <p14:creationId xmlns:p14="http://schemas.microsoft.com/office/powerpoint/2010/main" val="270190063"/>
+        <p14:creationId xmlns:p14="http://schemas.microsoft.com/office/powerpoint/2010/main" val="15638963"/>
       </p:ext>
     </p:extLst>
   </p:cSld>

--- a/misc/docs/2016-03-18-pgs-intro/intro.pptx
+++ b/misc/docs/2016-03-18-pgs-intro/intro.pptx
@@ -5,7 +5,7 @@
     <p:sldMasterId id="2147483660" r:id="rId1"/>
   </p:sldMasterIdLst>
   <p:notesMasterIdLst>
-    <p:notesMasterId r:id="rId27"/>
+    <p:notesMasterId r:id="rId37"/>
   </p:notesMasterIdLst>
   <p:sldIdLst>
     <p:sldId id="256" r:id="rId2"/>
@@ -23,16 +23,26 @@
     <p:sldId id="269" r:id="rId14"/>
     <p:sldId id="271" r:id="rId15"/>
     <p:sldId id="272" r:id="rId16"/>
-    <p:sldId id="270" r:id="rId17"/>
-    <p:sldId id="274" r:id="rId18"/>
-    <p:sldId id="281" r:id="rId19"/>
-    <p:sldId id="275" r:id="rId20"/>
-    <p:sldId id="276" r:id="rId21"/>
-    <p:sldId id="277" r:id="rId22"/>
-    <p:sldId id="278" r:id="rId23"/>
-    <p:sldId id="279" r:id="rId24"/>
-    <p:sldId id="280" r:id="rId25"/>
-    <p:sldId id="282" r:id="rId26"/>
+    <p:sldId id="290" r:id="rId17"/>
+    <p:sldId id="270" r:id="rId18"/>
+    <p:sldId id="274" r:id="rId19"/>
+    <p:sldId id="281" r:id="rId20"/>
+    <p:sldId id="275" r:id="rId21"/>
+    <p:sldId id="276" r:id="rId22"/>
+    <p:sldId id="277" r:id="rId23"/>
+    <p:sldId id="278" r:id="rId24"/>
+    <p:sldId id="279" r:id="rId25"/>
+    <p:sldId id="280" r:id="rId26"/>
+    <p:sldId id="291" r:id="rId27"/>
+    <p:sldId id="285" r:id="rId28"/>
+    <p:sldId id="284" r:id="rId29"/>
+    <p:sldId id="286" r:id="rId30"/>
+    <p:sldId id="287" r:id="rId31"/>
+    <p:sldId id="288" r:id="rId32"/>
+    <p:sldId id="289" r:id="rId33"/>
+    <p:sldId id="292" r:id="rId34"/>
+    <p:sldId id="283" r:id="rId35"/>
+    <p:sldId id="282" r:id="rId36"/>
   </p:sldIdLst>
   <p:sldSz cx="9144000" cy="6858000" type="screen4x3"/>
   <p:notesSz cx="6858000" cy="9144000"/>
@@ -151,6 +161,7 @@
             <p14:sldId id="269"/>
             <p14:sldId id="271"/>
             <p14:sldId id="272"/>
+            <p14:sldId id="290"/>
             <p14:sldId id="270"/>
             <p14:sldId id="274"/>
             <p14:sldId id="281"/>
@@ -160,6 +171,15 @@
             <p14:sldId id="278"/>
             <p14:sldId id="279"/>
             <p14:sldId id="280"/>
+            <p14:sldId id="291"/>
+            <p14:sldId id="285"/>
+            <p14:sldId id="284"/>
+            <p14:sldId id="286"/>
+            <p14:sldId id="287"/>
+            <p14:sldId id="288"/>
+            <p14:sldId id="289"/>
+            <p14:sldId id="292"/>
+            <p14:sldId id="283"/>
             <p14:sldId id="282"/>
           </p14:sldIdLst>
         </p14:section>
@@ -837,7 +857,7 @@
           <a:p>
             <a:fld id="{A5F18374-6A0D-4D89-A82F-547DD0C77902}" type="slidenum">
               <a:rPr lang="en-US" smtClean="0"/>
-              <a:t>16</a:t>
+              <a:t>17</a:t>
             </a:fld>
             <a:endParaRPr lang="en-US"/>
           </a:p>
@@ -921,7 +941,7 @@
           <a:p>
             <a:fld id="{A5F18374-6A0D-4D89-A82F-547DD0C77902}" type="slidenum">
               <a:rPr lang="en-US" smtClean="0"/>
-              <a:t>24</a:t>
+              <a:t>25</a:t>
             </a:fld>
             <a:endParaRPr lang="en-US"/>
           </a:p>
@@ -986,23 +1006,15 @@
           <a:p>
             <a:r>
               <a:rPr lang="en-US" dirty="0" smtClean="0"/>
-              <a:t>Wouldn’t be </a:t>
-            </a:r>
-            <a:r>
-              <a:rPr lang="en-US" smtClean="0"/>
-              <a:t>a QDLA</a:t>
-            </a:r>
-            <a:r>
-              <a:rPr lang="en-US" baseline="0" smtClean="0"/>
+              <a:t>Wouldn’t be a QDLA</a:t>
+            </a:r>
+            <a:r>
+              <a:rPr lang="en-US" baseline="0" dirty="0" smtClean="0"/>
               <a:t> </a:t>
             </a:r>
             <a:r>
-              <a:rPr lang="en-US" smtClean="0"/>
-              <a:t>presentation </a:t>
-            </a:r>
-            <a:r>
               <a:rPr lang="en-US" dirty="0" smtClean="0"/>
-              <a:t>without Snoopy!</a:t>
+              <a:t>presentation without Snoopy!</a:t>
             </a:r>
             <a:endParaRPr lang="en-US" dirty="0"/>
           </a:p>
@@ -1025,7 +1037,7 @@
           <a:p>
             <a:fld id="{A5F18374-6A0D-4D89-A82F-547DD0C77902}" type="slidenum">
               <a:rPr lang="en-US" smtClean="0"/>
-              <a:t>25</a:t>
+              <a:t>35</a:t>
             </a:fld>
             <a:endParaRPr lang="en-US"/>
           </a:p>
@@ -20403,10 +20415,9 @@
           <a:lstStyle/>
           <a:p>
             <a:r>
-              <a:rPr lang="en-US" dirty="0" smtClean="0"/>
-              <a:t>Pattern matching</a:t>
-            </a:r>
-            <a:endParaRPr lang="en-US" dirty="0"/>
+              <a:rPr lang="en-US" dirty="0"/>
+              <a:t>Reduce syntactic verbosity</a:t>
+            </a:r>
           </a:p>
         </p:txBody>
       </p:sp>
@@ -20426,274 +20437,211 @@
           <a:lstStyle/>
           <a:p>
             <a:r>
-              <a:rPr lang="en-US" b="0" dirty="0" smtClean="0"/>
-              <a:t>Deconstructing expressions</a:t>
-            </a:r>
-            <a:r>
-              <a:rPr lang="en-US" dirty="0" smtClean="0"/>
-              <a:t/>
-            </a:r>
-            <a:br>
-              <a:rPr lang="en-US" dirty="0" smtClean="0"/>
-            </a:br>
-            <a:r>
-              <a:rPr lang="en-US" dirty="0"/>
-              <a:t/>
-            </a:r>
-            <a:br>
-              <a:rPr lang="en-US" dirty="0"/>
-            </a:br>
-            <a:r>
-              <a:rPr lang="en-US" b="0" dirty="0" err="1" smtClean="0">
-                <a:latin typeface="Source Code Pro" panose="020B0509030403020204" pitchFamily="49" charset="0"/>
-              </a:rPr>
-              <a:t>int</a:t>
-            </a:r>
-            <a:r>
               <a:rPr lang="en-US" b="0" dirty="0" smtClean="0">
-                <a:latin typeface="Source Code Pro" panose="020B0509030403020204" pitchFamily="49" charset="0"/>
-              </a:rPr>
-              <a:t> evaluate (expr </a:t>
-            </a:r>
-            <a:r>
-              <a:rPr lang="en-US" b="0" dirty="0" err="1" smtClean="0">
-                <a:latin typeface="Source Code Pro" panose="020B0509030403020204" pitchFamily="49" charset="0"/>
-              </a:rPr>
-              <a:t>const</a:t>
-            </a:r>
-            <a:r>
-              <a:rPr lang="en-US" b="0" dirty="0" smtClean="0">
-                <a:latin typeface="Source Code Pro" panose="020B0509030403020204" pitchFamily="49" charset="0"/>
-              </a:rPr>
-              <a:t>&amp; e) {</a:t>
+                <a:latin typeface="+mn-lt"/>
+              </a:rPr>
+              <a:t>Side note :</a:t>
             </a:r>
             <a:br>
               <a:rPr lang="en-US" b="0" dirty="0" smtClean="0">
-                <a:latin typeface="Source Code Pro" panose="020B0509030403020204" pitchFamily="49" charset="0"/>
+                <a:latin typeface="+mn-lt"/>
               </a:rPr>
             </a:br>
             <a:r>
               <a:rPr lang="en-US" b="0" dirty="0" smtClean="0">
-                <a:latin typeface="Source Code Pro" panose="020B0509030403020204" pitchFamily="49" charset="0"/>
-              </a:rPr>
-              <a:t>  return </a:t>
-            </a:r>
-            <a:r>
-              <a:rPr lang="en-US" dirty="0" err="1" smtClean="0">
-                <a:latin typeface="Source Code Pro" panose="020B0509030403020204" pitchFamily="49" charset="0"/>
-              </a:rPr>
-              <a:t>e.match</a:t>
-            </a:r>
-            <a:r>
-              <a:rPr lang="en-US" dirty="0" smtClean="0">
-                <a:latin typeface="Source Code Pro" panose="020B0509030403020204" pitchFamily="49" charset="0"/>
-              </a:rPr>
-              <a:t>&lt;</a:t>
-            </a:r>
-            <a:r>
-              <a:rPr lang="en-US" dirty="0" err="1" smtClean="0">
-                <a:latin typeface="Source Code Pro" panose="020B0509030403020204" pitchFamily="49" charset="0"/>
-              </a:rPr>
-              <a:t>int</a:t>
-            </a:r>
-            <a:r>
-              <a:rPr lang="en-US" b="0" dirty="0" smtClean="0">
-                <a:latin typeface="Source Code Pro" panose="020B0509030403020204" pitchFamily="49" charset="0"/>
-              </a:rPr>
-              <a:t>&gt; -&gt; </a:t>
-            </a:r>
-            <a:r>
-              <a:rPr lang="en-US" b="0" dirty="0" err="1" smtClean="0">
-                <a:latin typeface="Source Code Pro" panose="020B0509030403020204" pitchFamily="49" charset="0"/>
-              </a:rPr>
-              <a:t>int</a:t>
-            </a:r>
-            <a:r>
-              <a:rPr lang="en-US" b="0" dirty="0" smtClean="0">
-                <a:latin typeface="Source Code Pro" panose="020B0509030403020204" pitchFamily="49" charset="0"/>
-              </a:rPr>
-              <a:t> (</a:t>
-            </a:r>
-            <a:r>
-              <a:rPr lang="en-US" b="0" dirty="0" smtClean="0">
-                <a:latin typeface="Source Code Pro" panose="020B0509030403020204" pitchFamily="49" charset="0"/>
+                <a:latin typeface="+mn-lt"/>
               </a:rPr>
               <a:t/>
             </a:r>
             <a:br>
               <a:rPr lang="en-US" b="0" dirty="0" smtClean="0">
-                <a:latin typeface="Source Code Pro" panose="020B0509030403020204" pitchFamily="49" charset="0"/>
+                <a:latin typeface="+mn-lt"/>
               </a:rPr>
             </a:br>
             <a:r>
               <a:rPr lang="en-US" b="0" dirty="0" smtClean="0">
-                <a:latin typeface="Source Code Pro" panose="020B0509030403020204" pitchFamily="49" charset="0"/>
-              </a:rPr>
-              <a:t>    [](</a:t>
-            </a:r>
-            <a:r>
-              <a:rPr lang="en-US" b="0" dirty="0" err="1" smtClean="0">
-                <a:latin typeface="Source Code Pro" panose="020B0509030403020204" pitchFamily="49" charset="0"/>
-              </a:rPr>
-              <a:t>Num</a:t>
-            </a:r>
-            <a:r>
-              <a:rPr lang="en-US" b="0" dirty="0" smtClean="0">
-                <a:latin typeface="Source Code Pro" panose="020B0509030403020204" pitchFamily="49" charset="0"/>
-              </a:rPr>
-              <a:t> </a:t>
-            </a:r>
-            <a:r>
-              <a:rPr lang="en-US" b="0" dirty="0" err="1" smtClean="0">
-                <a:latin typeface="Source Code Pro" panose="020B0509030403020204" pitchFamily="49" charset="0"/>
-              </a:rPr>
-              <a:t>const</a:t>
-            </a:r>
-            <a:r>
-              <a:rPr lang="en-US" b="0" dirty="0" smtClean="0">
-                <a:latin typeface="Source Code Pro" panose="020B0509030403020204" pitchFamily="49" charset="0"/>
-              </a:rPr>
-              <a:t>&amp; n) {</a:t>
-            </a:r>
-          </a:p>
-          <a:p>
-            <a:r>
-              <a:rPr lang="en-US" b="0" dirty="0">
-                <a:latin typeface="Source Code Pro" panose="020B0509030403020204" pitchFamily="49" charset="0"/>
-              </a:rPr>
-              <a:t> </a:t>
-            </a:r>
-            <a:r>
-              <a:rPr lang="en-US" b="0" dirty="0" smtClean="0">
-                <a:latin typeface="Source Code Pro" panose="020B0509030403020204" pitchFamily="49" charset="0"/>
-              </a:rPr>
-              <a:t>      return </a:t>
-            </a:r>
-            <a:r>
-              <a:rPr lang="en-US" b="0" dirty="0" err="1" smtClean="0">
-                <a:latin typeface="Source Code Pro" panose="020B0509030403020204" pitchFamily="49" charset="0"/>
-              </a:rPr>
-              <a:t>n.i</a:t>
-            </a:r>
-            <a:r>
-              <a:rPr lang="en-US" b="0" dirty="0" smtClean="0">
-                <a:latin typeface="Source Code Pro" panose="020B0509030403020204" pitchFamily="49" charset="0"/>
-              </a:rPr>
-              <a:t> </a:t>
-            </a:r>
-          </a:p>
-          <a:p>
-            <a:r>
-              <a:rPr lang="en-US" b="0" dirty="0">
-                <a:latin typeface="Source Code Pro" panose="020B0509030403020204" pitchFamily="49" charset="0"/>
-              </a:rPr>
-              <a:t> </a:t>
-            </a:r>
-            <a:r>
-              <a:rPr lang="en-US" b="0" dirty="0" smtClean="0">
-                <a:latin typeface="Source Code Pro" panose="020B0509030403020204" pitchFamily="49" charset="0"/>
-              </a:rPr>
-              <a:t>   },</a:t>
+                <a:latin typeface="+mn-lt"/>
+              </a:rPr>
+              <a:t>PGS sums are move aware. In production code, you would probably prefer to write something like</a:t>
             </a:r>
             <a:br>
               <a:rPr lang="en-US" b="0" dirty="0" smtClean="0">
-                <a:latin typeface="Source Code Pro" panose="020B0509030403020204" pitchFamily="49" charset="0"/>
+                <a:latin typeface="+mn-lt"/>
               </a:rPr>
             </a:br>
             <a:r>
               <a:rPr lang="en-US" b="0" dirty="0" smtClean="0">
-                <a:latin typeface="Source Code Pro" panose="020B0509030403020204" pitchFamily="49" charset="0"/>
-              </a:rPr>
-              <a:t>    [](Add </a:t>
-            </a:r>
-            <a:r>
-              <a:rPr lang="en-US" b="0" dirty="0" err="1" smtClean="0">
-                <a:latin typeface="Source Code Pro" panose="020B0509030403020204" pitchFamily="49" charset="0"/>
-              </a:rPr>
-              <a:t>const</a:t>
-            </a:r>
-            <a:r>
-              <a:rPr lang="en-US" b="0" dirty="0" smtClean="0">
-                <a:latin typeface="Source Code Pro" panose="020B0509030403020204" pitchFamily="49" charset="0"/>
-              </a:rPr>
-              <a:t>&amp; op) {</a:t>
-            </a:r>
-          </a:p>
-          <a:p>
-            <a:r>
-              <a:rPr lang="en-US" b="0" dirty="0">
-                <a:latin typeface="Source Code Pro" panose="020B0509030403020204" pitchFamily="49" charset="0"/>
-              </a:rPr>
-              <a:t> </a:t>
-            </a:r>
-            <a:r>
-              <a:rPr lang="en-US" b="0" dirty="0" smtClean="0">
-                <a:latin typeface="Source Code Pro" panose="020B0509030403020204" pitchFamily="49" charset="0"/>
-              </a:rPr>
-              <a:t>     return evaluate (</a:t>
-            </a:r>
-            <a:r>
-              <a:rPr lang="en-US" b="0" dirty="0" err="1" smtClean="0">
-                <a:latin typeface="Source Code Pro" panose="020B0509030403020204" pitchFamily="49" charset="0"/>
-              </a:rPr>
-              <a:t>op.l</a:t>
-            </a:r>
-            <a:r>
-              <a:rPr lang="en-US" b="0" dirty="0" smtClean="0">
-                <a:latin typeface="Source Code Pro" panose="020B0509030403020204" pitchFamily="49" charset="0"/>
-              </a:rPr>
-              <a:t>) + evaluate (</a:t>
-            </a:r>
-            <a:r>
-              <a:rPr lang="en-US" b="0" dirty="0" err="1" smtClean="0">
-                <a:latin typeface="Source Code Pro" panose="020B0509030403020204" pitchFamily="49" charset="0"/>
-              </a:rPr>
-              <a:t>op.r</a:t>
-            </a:r>
-            <a:r>
-              <a:rPr lang="en-US" b="0" dirty="0" smtClean="0">
-                <a:latin typeface="Source Code Pro" panose="020B0509030403020204" pitchFamily="49" charset="0"/>
-              </a:rPr>
-              <a:t>); </a:t>
-            </a:r>
-          </a:p>
-          <a:p>
-            <a:r>
-              <a:rPr lang="en-US" b="0" dirty="0">
-                <a:latin typeface="Source Code Pro" panose="020B0509030403020204" pitchFamily="49" charset="0"/>
-              </a:rPr>
-              <a:t> </a:t>
-            </a:r>
-            <a:r>
-              <a:rPr lang="en-US" b="0" dirty="0" smtClean="0">
-                <a:latin typeface="Source Code Pro" panose="020B0509030403020204" pitchFamily="49" charset="0"/>
-              </a:rPr>
-              <a:t>   }</a:t>
+                <a:latin typeface="+mn-lt"/>
+              </a:rPr>
+              <a:t/>
             </a:r>
             <a:br>
               <a:rPr lang="en-US" b="0" dirty="0" smtClean="0">
-                <a:latin typeface="Source Code Pro" panose="020B0509030403020204" pitchFamily="49" charset="0"/>
+                <a:latin typeface="+mn-lt"/>
               </a:rPr>
             </a:br>
             <a:r>
               <a:rPr lang="en-US" b="0" dirty="0" smtClean="0">
-                <a:latin typeface="Source Code Pro" panose="020B0509030403020204" pitchFamily="49" charset="0"/>
-              </a:rPr>
-              <a:t>  );</a:t>
+                <a:latin typeface="+mn-lt"/>
+              </a:rPr>
+              <a:t>template &lt;class U, class V&gt;</a:t>
             </a:r>
             <a:br>
               <a:rPr lang="en-US" b="0" dirty="0" smtClean="0">
-                <a:latin typeface="Source Code Pro" panose="020B0509030403020204" pitchFamily="49" charset="0"/>
+                <a:latin typeface="+mn-lt"/>
               </a:rPr>
             </a:br>
             <a:r>
               <a:rPr lang="en-US" b="0" dirty="0" smtClean="0">
                 <a:latin typeface="Source Code Pro" panose="020B0509030403020204" pitchFamily="49" charset="0"/>
               </a:rPr>
-              <a:t>}</a:t>
+              <a:t>expr </a:t>
+            </a:r>
+            <a:r>
+              <a:rPr lang="en-US" b="0" dirty="0">
+                <a:latin typeface="Source Code Pro" panose="020B0509030403020204" pitchFamily="49" charset="0"/>
+              </a:rPr>
+              <a:t>add </a:t>
+            </a:r>
+            <a:r>
+              <a:rPr lang="en-US" b="0" dirty="0" smtClean="0">
+                <a:latin typeface="Source Code Pro" panose="020B0509030403020204" pitchFamily="49" charset="0"/>
+              </a:rPr>
+              <a:t>(U&amp;&amp; </a:t>
+            </a:r>
+            <a:r>
+              <a:rPr lang="en-US" b="0" dirty="0">
+                <a:latin typeface="Source Code Pro" panose="020B0509030403020204" pitchFamily="49" charset="0"/>
+              </a:rPr>
+              <a:t>u, </a:t>
+            </a:r>
+            <a:r>
+              <a:rPr lang="en-US" b="0" dirty="0" smtClean="0">
+                <a:latin typeface="Source Code Pro" panose="020B0509030403020204" pitchFamily="49" charset="0"/>
+              </a:rPr>
+              <a:t>V&amp;&amp; </a:t>
+            </a:r>
+            <a:r>
+              <a:rPr lang="en-US" b="0" dirty="0">
+                <a:latin typeface="Source Code Pro" panose="020B0509030403020204" pitchFamily="49" charset="0"/>
+              </a:rPr>
+              <a:t>v) { </a:t>
+            </a:r>
+          </a:p>
+          <a:p>
+            <a:r>
+              <a:rPr lang="en-US" b="0" dirty="0">
+                <a:latin typeface="Source Code Pro" panose="020B0509030403020204" pitchFamily="49" charset="0"/>
+              </a:rPr>
+              <a:t>  return expr</a:t>
+            </a:r>
+            <a:r>
+              <a:rPr lang="en-US" b="0" dirty="0" smtClean="0">
+                <a:latin typeface="Source Code Pro" panose="020B0509030403020204" pitchFamily="49" charset="0"/>
+              </a:rPr>
+              <a:t>{</a:t>
+            </a:r>
+          </a:p>
+          <a:p>
+            <a:r>
+              <a:rPr lang="en-US" b="0" dirty="0">
+                <a:latin typeface="Source Code Pro" panose="020B0509030403020204" pitchFamily="49" charset="0"/>
+              </a:rPr>
+              <a:t> </a:t>
+            </a:r>
+            <a:r>
+              <a:rPr lang="en-US" b="0" dirty="0" smtClean="0">
+                <a:latin typeface="Source Code Pro" panose="020B0509030403020204" pitchFamily="49" charset="0"/>
+              </a:rPr>
+              <a:t>   constructor&lt;Add&gt;{}</a:t>
+            </a:r>
+          </a:p>
+          <a:p>
+            <a:r>
+              <a:rPr lang="en-US" b="0" dirty="0">
+                <a:latin typeface="Source Code Pro" panose="020B0509030403020204" pitchFamily="49" charset="0"/>
+              </a:rPr>
+              <a:t> </a:t>
+            </a:r>
+            <a:r>
+              <a:rPr lang="en-US" b="0" dirty="0" smtClean="0">
+                <a:latin typeface="Source Code Pro" panose="020B0509030403020204" pitchFamily="49" charset="0"/>
+              </a:rPr>
+              <a:t> , </a:t>
+            </a:r>
+            <a:r>
+              <a:rPr lang="en-US" b="0" dirty="0" err="1" smtClean="0">
+                <a:latin typeface="Source Code Pro" panose="020B0509030403020204" pitchFamily="49" charset="0"/>
+              </a:rPr>
+              <a:t>std</a:t>
+            </a:r>
+            <a:r>
+              <a:rPr lang="en-US" b="0" dirty="0" smtClean="0">
+                <a:latin typeface="Source Code Pro" panose="020B0509030403020204" pitchFamily="49" charset="0"/>
+              </a:rPr>
+              <a:t>::forward&lt;U&gt;(u)</a:t>
+            </a:r>
+          </a:p>
+          <a:p>
+            <a:r>
+              <a:rPr lang="en-US" b="0" dirty="0">
+                <a:latin typeface="Source Code Pro" panose="020B0509030403020204" pitchFamily="49" charset="0"/>
+              </a:rPr>
+              <a:t> </a:t>
+            </a:r>
+            <a:r>
+              <a:rPr lang="en-US" b="0" dirty="0" smtClean="0">
+                <a:latin typeface="Source Code Pro" panose="020B0509030403020204" pitchFamily="49" charset="0"/>
+              </a:rPr>
+              <a:t> , </a:t>
+            </a:r>
+            <a:r>
+              <a:rPr lang="en-US" b="0" dirty="0" err="1" smtClean="0">
+                <a:latin typeface="Source Code Pro" panose="020B0509030403020204" pitchFamily="49" charset="0"/>
+              </a:rPr>
+              <a:t>std</a:t>
+            </a:r>
+            <a:r>
+              <a:rPr lang="en-US" b="0" dirty="0" smtClean="0">
+                <a:latin typeface="Source Code Pro" panose="020B0509030403020204" pitchFamily="49" charset="0"/>
+              </a:rPr>
+              <a:t>::forward&lt;V&gt;(v)}; </a:t>
             </a:r>
             <a:endParaRPr lang="en-US" b="0" dirty="0">
               <a:latin typeface="Source Code Pro" panose="020B0509030403020204" pitchFamily="49" charset="0"/>
+            </a:endParaRPr>
+          </a:p>
+          <a:p>
+            <a:r>
+              <a:rPr lang="en-US" b="0" dirty="0" smtClean="0">
+                <a:latin typeface="Source Code Pro" panose="020B0509030403020204" pitchFamily="49" charset="0"/>
+              </a:rPr>
+              <a:t>}</a:t>
+            </a:r>
+            <a:br>
+              <a:rPr lang="en-US" b="0" dirty="0" smtClean="0">
+                <a:latin typeface="Source Code Pro" panose="020B0509030403020204" pitchFamily="49" charset="0"/>
+              </a:rPr>
+            </a:br>
+            <a:r>
+              <a:rPr lang="en-US" b="0" dirty="0" smtClean="0">
+                <a:latin typeface="Source Code Pro" panose="020B0509030403020204" pitchFamily="49" charset="0"/>
+              </a:rPr>
+              <a:t/>
+            </a:r>
+            <a:br>
+              <a:rPr lang="en-US" b="0" dirty="0" smtClean="0">
+                <a:latin typeface="Source Code Pro" panose="020B0509030403020204" pitchFamily="49" charset="0"/>
+              </a:rPr>
+            </a:br>
+            <a:r>
+              <a:rPr lang="en-US" b="0" dirty="0" smtClean="0">
+                <a:latin typeface="+mn-lt"/>
+              </a:rPr>
+              <a:t>in order to get the benefit of move semantics where they apply</a:t>
+            </a:r>
+            <a:endParaRPr lang="en-US" b="0" dirty="0">
+              <a:latin typeface="+mn-lt"/>
             </a:endParaRPr>
           </a:p>
         </p:txBody>
@@ -20756,7 +20704,7 @@
     </p:spTree>
     <p:extLst>
       <p:ext uri="{BB962C8B-B14F-4D97-AF65-F5344CB8AC3E}">
-        <p14:creationId xmlns:p14="http://schemas.microsoft.com/office/powerpoint/2010/main" val="1138511693"/>
+        <p14:creationId xmlns:p14="http://schemas.microsoft.com/office/powerpoint/2010/main" val="621952859"/>
       </p:ext>
     </p:extLst>
   </p:cSld>
@@ -20806,9 +20754,298 @@
           <a:lstStyle/>
           <a:p>
             <a:r>
+              <a:rPr lang="en-US" dirty="0" smtClean="0"/>
+              <a:t>Pattern matching</a:t>
+            </a:r>
+            <a:endParaRPr lang="en-US" dirty="0"/>
+          </a:p>
+        </p:txBody>
+      </p:sp>
+      <p:sp>
+        <p:nvSpPr>
+          <p:cNvPr id="3" name="Content Placeholder 2"/>
+          <p:cNvSpPr>
+            <a:spLocks noGrp="1"/>
+          </p:cNvSpPr>
+          <p:nvPr>
+            <p:ph idx="1"/>
+          </p:nvPr>
+        </p:nvSpPr>
+        <p:spPr/>
+        <p:txBody>
+          <a:bodyPr/>
+          <a:lstStyle/>
+          <a:p>
+            <a:r>
+              <a:rPr lang="en-US" b="0" dirty="0" smtClean="0"/>
+              <a:t>Deconstructing expressions</a:t>
+            </a:r>
+            <a:r>
+              <a:rPr lang="en-US" dirty="0" smtClean="0"/>
+              <a:t/>
+            </a:r>
+            <a:br>
+              <a:rPr lang="en-US" dirty="0" smtClean="0"/>
+            </a:br>
+            <a:r>
               <a:rPr lang="en-US" dirty="0"/>
-              <a:t>Pattern matching</a:t>
-            </a:r>
+              <a:t/>
+            </a:r>
+            <a:br>
+              <a:rPr lang="en-US" dirty="0"/>
+            </a:br>
+            <a:r>
+              <a:rPr lang="en-US" b="0" dirty="0" err="1" smtClean="0">
+                <a:latin typeface="Source Code Pro" panose="020B0509030403020204" pitchFamily="49" charset="0"/>
+              </a:rPr>
+              <a:t>int</a:t>
+            </a:r>
+            <a:r>
+              <a:rPr lang="en-US" b="0" dirty="0" smtClean="0">
+                <a:latin typeface="Source Code Pro" panose="020B0509030403020204" pitchFamily="49" charset="0"/>
+              </a:rPr>
+              <a:t> evaluate (expr </a:t>
+            </a:r>
+            <a:r>
+              <a:rPr lang="en-US" b="0" dirty="0" err="1" smtClean="0">
+                <a:latin typeface="Source Code Pro" panose="020B0509030403020204" pitchFamily="49" charset="0"/>
+              </a:rPr>
+              <a:t>const</a:t>
+            </a:r>
+            <a:r>
+              <a:rPr lang="en-US" b="0" dirty="0" smtClean="0">
+                <a:latin typeface="Source Code Pro" panose="020B0509030403020204" pitchFamily="49" charset="0"/>
+              </a:rPr>
+              <a:t>&amp; e) {</a:t>
+            </a:r>
+            <a:br>
+              <a:rPr lang="en-US" b="0" dirty="0" smtClean="0">
+                <a:latin typeface="Source Code Pro" panose="020B0509030403020204" pitchFamily="49" charset="0"/>
+              </a:rPr>
+            </a:br>
+            <a:r>
+              <a:rPr lang="en-US" b="0" dirty="0" smtClean="0">
+                <a:latin typeface="Source Code Pro" panose="020B0509030403020204" pitchFamily="49" charset="0"/>
+              </a:rPr>
+              <a:t>  return </a:t>
+            </a:r>
+            <a:r>
+              <a:rPr lang="en-US" dirty="0" err="1" smtClean="0">
+                <a:latin typeface="Source Code Pro" panose="020B0509030403020204" pitchFamily="49" charset="0"/>
+              </a:rPr>
+              <a:t>e.match</a:t>
+            </a:r>
+            <a:r>
+              <a:rPr lang="en-US" dirty="0" smtClean="0">
+                <a:latin typeface="Source Code Pro" panose="020B0509030403020204" pitchFamily="49" charset="0"/>
+              </a:rPr>
+              <a:t>&lt;</a:t>
+            </a:r>
+            <a:r>
+              <a:rPr lang="en-US" dirty="0" err="1" smtClean="0">
+                <a:latin typeface="Source Code Pro" panose="020B0509030403020204" pitchFamily="49" charset="0"/>
+              </a:rPr>
+              <a:t>int</a:t>
+            </a:r>
+            <a:r>
+              <a:rPr lang="en-US" b="0" dirty="0" smtClean="0">
+                <a:latin typeface="Source Code Pro" panose="020B0509030403020204" pitchFamily="49" charset="0"/>
+              </a:rPr>
+              <a:t>&gt; -&gt; </a:t>
+            </a:r>
+            <a:r>
+              <a:rPr lang="en-US" b="0" dirty="0" err="1" smtClean="0">
+                <a:latin typeface="Source Code Pro" panose="020B0509030403020204" pitchFamily="49" charset="0"/>
+              </a:rPr>
+              <a:t>int</a:t>
+            </a:r>
+            <a:r>
+              <a:rPr lang="en-US" b="0" dirty="0" smtClean="0">
+                <a:latin typeface="Source Code Pro" panose="020B0509030403020204" pitchFamily="49" charset="0"/>
+              </a:rPr>
+              <a:t> (</a:t>
+            </a:r>
+            <a:r>
+              <a:rPr lang="en-US" b="0" dirty="0" smtClean="0">
+                <a:latin typeface="Source Code Pro" panose="020B0509030403020204" pitchFamily="49" charset="0"/>
+              </a:rPr>
+              <a:t/>
+            </a:r>
+            <a:br>
+              <a:rPr lang="en-US" b="0" dirty="0" smtClean="0">
+                <a:latin typeface="Source Code Pro" panose="020B0509030403020204" pitchFamily="49" charset="0"/>
+              </a:rPr>
+            </a:br>
+            <a:r>
+              <a:rPr lang="en-US" b="0" dirty="0" smtClean="0">
+                <a:latin typeface="Source Code Pro" panose="020B0509030403020204" pitchFamily="49" charset="0"/>
+              </a:rPr>
+              <a:t>    [](</a:t>
+            </a:r>
+            <a:r>
+              <a:rPr lang="en-US" b="0" dirty="0" err="1" smtClean="0">
+                <a:latin typeface="Source Code Pro" panose="020B0509030403020204" pitchFamily="49" charset="0"/>
+              </a:rPr>
+              <a:t>Num</a:t>
+            </a:r>
+            <a:r>
+              <a:rPr lang="en-US" b="0" dirty="0" smtClean="0">
+                <a:latin typeface="Source Code Pro" panose="020B0509030403020204" pitchFamily="49" charset="0"/>
+              </a:rPr>
+              <a:t> </a:t>
+            </a:r>
+            <a:r>
+              <a:rPr lang="en-US" b="0" dirty="0" err="1" smtClean="0">
+                <a:latin typeface="Source Code Pro" panose="020B0509030403020204" pitchFamily="49" charset="0"/>
+              </a:rPr>
+              <a:t>const</a:t>
+            </a:r>
+            <a:r>
+              <a:rPr lang="en-US" b="0" dirty="0" smtClean="0">
+                <a:latin typeface="Source Code Pro" panose="020B0509030403020204" pitchFamily="49" charset="0"/>
+              </a:rPr>
+              <a:t>&amp; n) {</a:t>
+            </a:r>
+          </a:p>
+          <a:p>
+            <a:r>
+              <a:rPr lang="en-US" b="0" dirty="0">
+                <a:latin typeface="Source Code Pro" panose="020B0509030403020204" pitchFamily="49" charset="0"/>
+              </a:rPr>
+              <a:t> </a:t>
+            </a:r>
+            <a:r>
+              <a:rPr lang="en-US" b="0" dirty="0" smtClean="0">
+                <a:latin typeface="Source Code Pro" panose="020B0509030403020204" pitchFamily="49" charset="0"/>
+              </a:rPr>
+              <a:t>      return </a:t>
+            </a:r>
+            <a:r>
+              <a:rPr lang="en-US" b="0" dirty="0" err="1" smtClean="0">
+                <a:latin typeface="Source Code Pro" panose="020B0509030403020204" pitchFamily="49" charset="0"/>
+              </a:rPr>
+              <a:t>n.i</a:t>
+            </a:r>
+            <a:r>
+              <a:rPr lang="en-US" b="0" dirty="0" smtClean="0">
+                <a:latin typeface="Source Code Pro" panose="020B0509030403020204" pitchFamily="49" charset="0"/>
+              </a:rPr>
+              <a:t> </a:t>
+            </a:r>
+          </a:p>
+          <a:p>
+            <a:r>
+              <a:rPr lang="en-US" b="0" dirty="0">
+                <a:latin typeface="Source Code Pro" panose="020B0509030403020204" pitchFamily="49" charset="0"/>
+              </a:rPr>
+              <a:t> </a:t>
+            </a:r>
+            <a:r>
+              <a:rPr lang="en-US" b="0" dirty="0" smtClean="0">
+                <a:latin typeface="Source Code Pro" panose="020B0509030403020204" pitchFamily="49" charset="0"/>
+              </a:rPr>
+              <a:t>   },</a:t>
+            </a:r>
+            <a:br>
+              <a:rPr lang="en-US" b="0" dirty="0" smtClean="0">
+                <a:latin typeface="Source Code Pro" panose="020B0509030403020204" pitchFamily="49" charset="0"/>
+              </a:rPr>
+            </a:br>
+            <a:r>
+              <a:rPr lang="en-US" b="0" dirty="0" smtClean="0">
+                <a:latin typeface="Source Code Pro" panose="020B0509030403020204" pitchFamily="49" charset="0"/>
+              </a:rPr>
+              <a:t>    [](Add </a:t>
+            </a:r>
+            <a:r>
+              <a:rPr lang="en-US" b="0" dirty="0" err="1" smtClean="0">
+                <a:latin typeface="Source Code Pro" panose="020B0509030403020204" pitchFamily="49" charset="0"/>
+              </a:rPr>
+              <a:t>const</a:t>
+            </a:r>
+            <a:r>
+              <a:rPr lang="en-US" b="0" dirty="0" smtClean="0">
+                <a:latin typeface="Source Code Pro" panose="020B0509030403020204" pitchFamily="49" charset="0"/>
+              </a:rPr>
+              <a:t>&amp; op) {</a:t>
+            </a:r>
+          </a:p>
+          <a:p>
+            <a:r>
+              <a:rPr lang="en-US" b="0" dirty="0">
+                <a:latin typeface="Source Code Pro" panose="020B0509030403020204" pitchFamily="49" charset="0"/>
+              </a:rPr>
+              <a:t> </a:t>
+            </a:r>
+            <a:r>
+              <a:rPr lang="en-US" b="0" dirty="0" smtClean="0">
+                <a:latin typeface="Source Code Pro" panose="020B0509030403020204" pitchFamily="49" charset="0"/>
+              </a:rPr>
+              <a:t>     return evaluate (</a:t>
+            </a:r>
+            <a:r>
+              <a:rPr lang="en-US" b="0" dirty="0" err="1" smtClean="0">
+                <a:latin typeface="Source Code Pro" panose="020B0509030403020204" pitchFamily="49" charset="0"/>
+              </a:rPr>
+              <a:t>op.l</a:t>
+            </a:r>
+            <a:r>
+              <a:rPr lang="en-US" b="0" dirty="0" smtClean="0">
+                <a:latin typeface="Source Code Pro" panose="020B0509030403020204" pitchFamily="49" charset="0"/>
+              </a:rPr>
+              <a:t>) + evaluate (</a:t>
+            </a:r>
+            <a:r>
+              <a:rPr lang="en-US" b="0" dirty="0" err="1" smtClean="0">
+                <a:latin typeface="Source Code Pro" panose="020B0509030403020204" pitchFamily="49" charset="0"/>
+              </a:rPr>
+              <a:t>op.r</a:t>
+            </a:r>
+            <a:r>
+              <a:rPr lang="en-US" b="0" dirty="0" smtClean="0">
+                <a:latin typeface="Source Code Pro" panose="020B0509030403020204" pitchFamily="49" charset="0"/>
+              </a:rPr>
+              <a:t>); </a:t>
+            </a:r>
+          </a:p>
+          <a:p>
+            <a:r>
+              <a:rPr lang="en-US" b="0" dirty="0">
+                <a:latin typeface="Source Code Pro" panose="020B0509030403020204" pitchFamily="49" charset="0"/>
+              </a:rPr>
+              <a:t> </a:t>
+            </a:r>
+            <a:r>
+              <a:rPr lang="en-US" b="0" dirty="0" smtClean="0">
+                <a:latin typeface="Source Code Pro" panose="020B0509030403020204" pitchFamily="49" charset="0"/>
+              </a:rPr>
+              <a:t>   }</a:t>
+            </a:r>
+            <a:br>
+              <a:rPr lang="en-US" b="0" dirty="0" smtClean="0">
+                <a:latin typeface="Source Code Pro" panose="020B0509030403020204" pitchFamily="49" charset="0"/>
+              </a:rPr>
+            </a:br>
+            <a:r>
+              <a:rPr lang="en-US" b="0" dirty="0" smtClean="0">
+                <a:latin typeface="Source Code Pro" panose="020B0509030403020204" pitchFamily="49" charset="0"/>
+              </a:rPr>
+              <a:t>  );</a:t>
+            </a:r>
+            <a:br>
+              <a:rPr lang="en-US" b="0" dirty="0" smtClean="0">
+                <a:latin typeface="Source Code Pro" panose="020B0509030403020204" pitchFamily="49" charset="0"/>
+              </a:rPr>
+            </a:br>
+            <a:r>
+              <a:rPr lang="en-US" b="0" dirty="0" smtClean="0">
+                <a:latin typeface="Source Code Pro" panose="020B0509030403020204" pitchFamily="49" charset="0"/>
+              </a:rPr>
+              <a:t>}</a:t>
+            </a:r>
+            <a:endParaRPr lang="en-US" b="0" dirty="0">
+              <a:latin typeface="Source Code Pro" panose="020B0509030403020204" pitchFamily="49" charset="0"/>
+            </a:endParaRPr>
           </a:p>
         </p:txBody>
       </p:sp>
@@ -20850,91 +21087,6 @@
       </p:sp>
       <p:sp>
         <p:nvSpPr>
-          <p:cNvPr id="3" name="Content Placeholder 2"/>
-          <p:cNvSpPr>
-            <a:spLocks noGrp="1"/>
-          </p:cNvSpPr>
-          <p:nvPr>
-            <p:ph idx="1"/>
-          </p:nvPr>
-        </p:nvSpPr>
-        <p:spPr/>
-        <p:txBody>
-          <a:bodyPr/>
-          <a:lstStyle/>
-          <a:p>
-            <a:r>
-              <a:rPr lang="en-US" b="0" dirty="0" smtClean="0">
-                <a:latin typeface="+mn-lt"/>
-              </a:rPr>
-              <a:t>In some contexts, the full generality of </a:t>
-            </a:r>
-            <a:r>
-              <a:rPr lang="en-US" dirty="0" smtClean="0">
-                <a:latin typeface="Source Code Pro" panose="020B0509030403020204" pitchFamily="49" charset="0"/>
-              </a:rPr>
-              <a:t>match&lt;&gt;</a:t>
-            </a:r>
-            <a:r>
-              <a:rPr lang="en-US" b="0" dirty="0" smtClean="0">
-                <a:latin typeface="+mn-lt"/>
-              </a:rPr>
-              <a:t> is more than needed e.g.</a:t>
-            </a:r>
-            <a:r>
-              <a:rPr lang="en-US" dirty="0" smtClean="0">
-                <a:latin typeface="+mn-lt"/>
-              </a:rPr>
-              <a:t/>
-            </a:r>
-            <a:br>
-              <a:rPr lang="en-US" dirty="0" smtClean="0">
-                <a:latin typeface="+mn-lt"/>
-              </a:rPr>
-            </a:br>
-            <a:endParaRPr lang="en-US" dirty="0" smtClean="0">
-              <a:latin typeface="+mn-lt"/>
-            </a:endParaRPr>
-          </a:p>
-          <a:p>
-            <a:r>
-              <a:rPr lang="pt-BR" b="0" dirty="0">
-                <a:latin typeface="Source Code Pro" panose="020B0509030403020204" pitchFamily="49" charset="0"/>
-              </a:rPr>
-              <a:t> if (e.is&lt;Num&gt; ()) {</a:t>
-            </a:r>
-          </a:p>
-          <a:p>
-            <a:r>
-              <a:rPr lang="pt-BR" b="0" dirty="0">
-                <a:latin typeface="Source Code Pro" panose="020B0509030403020204" pitchFamily="49" charset="0"/>
-              </a:rPr>
-              <a:t>    E_num const&amp; n = pgs::get&lt;Num&gt; (e);</a:t>
-            </a:r>
-          </a:p>
-          <a:p>
-            <a:r>
-              <a:rPr lang="pt-BR" b="0" dirty="0">
-                <a:latin typeface="Source Code Pro" panose="020B0509030403020204" pitchFamily="49" charset="0"/>
-              </a:rPr>
-              <a:t>    // ... do something with n</a:t>
-            </a:r>
-          </a:p>
-          <a:p>
-            <a:r>
-              <a:rPr lang="pt-BR" b="0" dirty="0">
-                <a:latin typeface="Source Code Pro" panose="020B0509030403020204" pitchFamily="49" charset="0"/>
-              </a:rPr>
-              <a:t>  }</a:t>
-            </a:r>
-            <a:endParaRPr lang="en-US" b="0" dirty="0">
-              <a:latin typeface="Source Code Pro" panose="020B0509030403020204" pitchFamily="49" charset="0"/>
-            </a:endParaRPr>
-          </a:p>
-        </p:txBody>
-      </p:sp>
-      <p:sp>
-        <p:nvSpPr>
           <p:cNvPr id="5" name="Footer Placeholder 4"/>
           <p:cNvSpPr>
             <a:spLocks noGrp="1"/>
@@ -20955,7 +21107,7 @@
     </p:spTree>
     <p:extLst>
       <p:ext uri="{BB962C8B-B14F-4D97-AF65-F5344CB8AC3E}">
-        <p14:creationId xmlns:p14="http://schemas.microsoft.com/office/powerpoint/2010/main" val="2337189389"/>
+        <p14:creationId xmlns:p14="http://schemas.microsoft.com/office/powerpoint/2010/main" val="1138511693"/>
       </p:ext>
     </p:extLst>
   </p:cSld>
@@ -20991,6 +21143,28 @@
       </p:grpSpPr>
       <p:sp>
         <p:nvSpPr>
+          <p:cNvPr id="2" name="Title 1"/>
+          <p:cNvSpPr>
+            <a:spLocks noGrp="1"/>
+          </p:cNvSpPr>
+          <p:nvPr>
+            <p:ph type="title"/>
+          </p:nvPr>
+        </p:nvSpPr>
+        <p:spPr/>
+        <p:txBody>
+          <a:bodyPr/>
+          <a:lstStyle/>
+          <a:p>
+            <a:r>
+              <a:rPr lang="en-US" dirty="0"/>
+              <a:t>Pattern matching</a:t>
+            </a:r>
+          </a:p>
+        </p:txBody>
+      </p:sp>
+      <p:sp>
+        <p:nvSpPr>
           <p:cNvPr id="4" name="Slide Number Placeholder 3"/>
           <p:cNvSpPr>
             <a:spLocks noGrp="1"/>
@@ -21027,12 +21201,12 @@
       </p:sp>
       <p:sp>
         <p:nvSpPr>
-          <p:cNvPr id="6" name="Title 5"/>
+          <p:cNvPr id="3" name="Content Placeholder 2"/>
           <p:cNvSpPr>
             <a:spLocks noGrp="1"/>
           </p:cNvSpPr>
           <p:nvPr>
-            <p:ph type="title"/>
+            <p:ph idx="1"/>
           </p:nvPr>
         </p:nvSpPr>
         <p:spPr/>
@@ -21041,9 +21215,90 @@
           <a:lstStyle/>
           <a:p>
             <a:r>
-              <a:rPr lang="en-US" dirty="0" smtClean="0"/>
-              <a:t>examples</a:t>
-            </a:r>
+              <a:rPr lang="en-US" b="0" dirty="0" smtClean="0">
+                <a:latin typeface="+mn-lt"/>
+              </a:rPr>
+              <a:t>In some contexts, the full generality of </a:t>
+            </a:r>
+            <a:r>
+              <a:rPr lang="en-US" dirty="0" smtClean="0">
+                <a:latin typeface="Source Code Pro" panose="020B0509030403020204" pitchFamily="49" charset="0"/>
+              </a:rPr>
+              <a:t>match&lt;&gt;</a:t>
+            </a:r>
+            <a:r>
+              <a:rPr lang="en-US" b="0" dirty="0" smtClean="0">
+                <a:latin typeface="+mn-lt"/>
+              </a:rPr>
+              <a:t> is more than needed e.g.</a:t>
+            </a:r>
+            <a:r>
+              <a:rPr lang="en-US" dirty="0" smtClean="0">
+                <a:latin typeface="+mn-lt"/>
+              </a:rPr>
+              <a:t/>
+            </a:r>
+            <a:br>
+              <a:rPr lang="en-US" dirty="0" smtClean="0">
+                <a:latin typeface="+mn-lt"/>
+              </a:rPr>
+            </a:br>
+            <a:endParaRPr lang="en-US" dirty="0" smtClean="0">
+              <a:latin typeface="+mn-lt"/>
+            </a:endParaRPr>
+          </a:p>
+          <a:p>
+            <a:r>
+              <a:rPr lang="pt-BR" b="0" dirty="0">
+                <a:latin typeface="Source Code Pro" panose="020B0509030403020204" pitchFamily="49" charset="0"/>
+              </a:rPr>
+              <a:t> if (e.is&lt;Num&gt; ()) {</a:t>
+            </a:r>
+          </a:p>
+          <a:p>
+            <a:r>
+              <a:rPr lang="pt-BR" b="0" dirty="0">
+                <a:latin typeface="Source Code Pro" panose="020B0509030403020204" pitchFamily="49" charset="0"/>
+              </a:rPr>
+              <a:t>    E_num const&amp; n = pgs::get&lt;Num&gt; (e);</a:t>
+            </a:r>
+          </a:p>
+          <a:p>
+            <a:r>
+              <a:rPr lang="pt-BR" b="0" dirty="0">
+                <a:latin typeface="Source Code Pro" panose="020B0509030403020204" pitchFamily="49" charset="0"/>
+              </a:rPr>
+              <a:t>    // ... do something with n</a:t>
+            </a:r>
+          </a:p>
+          <a:p>
+            <a:r>
+              <a:rPr lang="pt-BR" b="0" dirty="0">
+                <a:latin typeface="Source Code Pro" panose="020B0509030403020204" pitchFamily="49" charset="0"/>
+              </a:rPr>
+              <a:t>  }</a:t>
+            </a:r>
+            <a:endParaRPr lang="en-US" b="0" dirty="0">
+              <a:latin typeface="Source Code Pro" panose="020B0509030403020204" pitchFamily="49" charset="0"/>
+            </a:endParaRPr>
+          </a:p>
+        </p:txBody>
+      </p:sp>
+      <p:sp>
+        <p:nvSpPr>
+          <p:cNvPr id="5" name="Footer Placeholder 4"/>
+          <p:cNvSpPr>
+            <a:spLocks noGrp="1"/>
+          </p:cNvSpPr>
+          <p:nvPr>
+            <p:ph type="ftr" sz="quarter" idx="13"/>
+          </p:nvPr>
+        </p:nvSpPr>
+        <p:spPr/>
+        <p:txBody>
+          <a:bodyPr/>
+          <a:lstStyle/>
+          <a:p>
             <a:endParaRPr lang="en-US" dirty="0"/>
           </a:p>
         </p:txBody>
@@ -21051,7 +21306,7 @@
     </p:spTree>
     <p:extLst>
       <p:ext uri="{BB962C8B-B14F-4D97-AF65-F5344CB8AC3E}">
-        <p14:creationId xmlns:p14="http://schemas.microsoft.com/office/powerpoint/2010/main" val="3283235431"/>
+        <p14:creationId xmlns:p14="http://schemas.microsoft.com/office/powerpoint/2010/main" val="2337189389"/>
       </p:ext>
     </p:extLst>
   </p:cSld>
@@ -21087,197 +21342,6 @@
       </p:grpSpPr>
       <p:sp>
         <p:nvSpPr>
-          <p:cNvPr id="2" name="Title 1"/>
-          <p:cNvSpPr>
-            <a:spLocks noGrp="1"/>
-          </p:cNvSpPr>
-          <p:nvPr>
-            <p:ph type="title"/>
-          </p:nvPr>
-        </p:nvSpPr>
-        <p:spPr>
-          <a:xfrm>
-            <a:off x="609600" y="762000"/>
-            <a:ext cx="8223250" cy="965200"/>
-          </a:xfrm>
-        </p:spPr>
-        <p:txBody>
-          <a:bodyPr/>
-          <a:lstStyle/>
-          <a:p>
-            <a:r>
-              <a:rPr lang="en-US" dirty="0" smtClean="0"/>
-              <a:t>Example : optional</a:t>
-            </a:r>
-            <a:endParaRPr lang="en-US" dirty="0"/>
-          </a:p>
-        </p:txBody>
-      </p:sp>
-      <p:sp>
-        <p:nvSpPr>
-          <p:cNvPr id="3" name="Content Placeholder 2"/>
-          <p:cNvSpPr>
-            <a:spLocks noGrp="1"/>
-          </p:cNvSpPr>
-          <p:nvPr>
-            <p:ph idx="1"/>
-          </p:nvPr>
-        </p:nvSpPr>
-        <p:spPr/>
-        <p:txBody>
-          <a:bodyPr/>
-          <a:lstStyle/>
-          <a:p>
-            <a:pPr marL="342900" indent="-342900">
-              <a:buFont typeface="Arial" panose="020B0604020202020204" pitchFamily="34" charset="0"/>
-              <a:buChar char="•"/>
-            </a:pPr>
-            <a:r>
-              <a:rPr lang="en-US" b="0" dirty="0" smtClean="0"/>
-              <a:t>Consider a pointer : either it is </a:t>
-            </a:r>
-            <a:r>
-              <a:rPr lang="en-US" b="0" dirty="0" err="1" smtClean="0">
-                <a:latin typeface="Source Code Pro" panose="020B0509030403020204" pitchFamily="49" charset="0"/>
-              </a:rPr>
-              <a:t>nullptr</a:t>
-            </a:r>
-            <a:r>
-              <a:rPr lang="en-US" b="0" dirty="0" smtClean="0">
-                <a:latin typeface="Source Code Pro" panose="020B0509030403020204" pitchFamily="49" charset="0"/>
-              </a:rPr>
-              <a:t> </a:t>
-            </a:r>
-            <a:r>
-              <a:rPr lang="en-US" b="0" dirty="0" smtClean="0">
-                <a:latin typeface="+mn-lt"/>
-              </a:rPr>
-              <a:t>or, it can be dereferenced</a:t>
-            </a:r>
-            <a:br>
-              <a:rPr lang="en-US" b="0" dirty="0" smtClean="0">
-                <a:latin typeface="+mn-lt"/>
-              </a:rPr>
-            </a:br>
-            <a:endParaRPr lang="en-US" b="0" dirty="0" smtClean="0">
-              <a:latin typeface="+mn-lt"/>
-            </a:endParaRPr>
-          </a:p>
-          <a:p>
-            <a:pPr marL="342900" indent="-342900">
-              <a:buFont typeface="Arial" panose="020B0604020202020204" pitchFamily="34" charset="0"/>
-              <a:buChar char="•"/>
-            </a:pPr>
-            <a:r>
-              <a:rPr lang="en-US" b="0" dirty="0" smtClean="0">
-                <a:latin typeface="+mn-lt"/>
-              </a:rPr>
-              <a:t>Types </a:t>
-            </a:r>
-            <a:r>
-              <a:rPr lang="en-US" b="0" dirty="0" smtClean="0">
-                <a:latin typeface="Source Code Pro" panose="020B0509030403020204" pitchFamily="49" charset="0"/>
-              </a:rPr>
-              <a:t>boost::optional&lt;T&gt;</a:t>
-            </a:r>
-            <a:r>
-              <a:rPr lang="en-US" b="0" dirty="0" smtClean="0">
-                <a:latin typeface="+mn-lt"/>
-              </a:rPr>
-              <a:t> and </a:t>
-            </a:r>
-            <a:r>
-              <a:rPr lang="en-US" b="0" dirty="0" err="1" smtClean="0">
-                <a:latin typeface="Source Code Pro" panose="020B0509030403020204" pitchFamily="49" charset="0"/>
-              </a:rPr>
-              <a:t>bdet_NullableValue</a:t>
-            </a:r>
-            <a:r>
-              <a:rPr lang="en-US" b="0" dirty="0" smtClean="0">
-                <a:latin typeface="Source Code Pro" panose="020B0509030403020204" pitchFamily="49" charset="0"/>
-              </a:rPr>
-              <a:t>&lt;T&gt; ha</a:t>
-            </a:r>
-            <a:r>
-              <a:rPr lang="en-US" b="0" dirty="0" smtClean="0">
-                <a:latin typeface="+mn-lt"/>
-              </a:rPr>
-              <a:t>ve similar semantics : either a given instance is a valid </a:t>
-            </a:r>
-            <a:r>
-              <a:rPr lang="en-US" b="0" dirty="0" smtClean="0">
-                <a:latin typeface="Source Code Pro" panose="020B0509030403020204" pitchFamily="49" charset="0"/>
-              </a:rPr>
-              <a:t>T </a:t>
-            </a:r>
-            <a:r>
-              <a:rPr lang="en-US" b="0" dirty="0" smtClean="0">
-                <a:latin typeface="+mn-lt"/>
-              </a:rPr>
-              <a:t>or is </a:t>
-            </a:r>
-            <a:r>
-              <a:rPr lang="en-US" b="0" dirty="0" smtClean="0">
-                <a:latin typeface="Source Code Pro" panose="020B0509030403020204" pitchFamily="49" charset="0"/>
-              </a:rPr>
-              <a:t>“missing”</a:t>
-            </a:r>
-          </a:p>
-          <a:p>
-            <a:pPr marL="342900" indent="-342900">
-              <a:buFont typeface="Arial" panose="020B0604020202020204" pitchFamily="34" charset="0"/>
-              <a:buChar char="•"/>
-            </a:pPr>
-            <a:endParaRPr lang="en-US" b="0" dirty="0" smtClean="0">
-              <a:latin typeface="+mn-lt"/>
-            </a:endParaRPr>
-          </a:p>
-          <a:p>
-            <a:pPr marL="342900" indent="-342900">
-              <a:buFont typeface="Arial" panose="020B0604020202020204" pitchFamily="34" charset="0"/>
-              <a:buChar char="•"/>
-            </a:pPr>
-            <a:r>
-              <a:rPr lang="en-US" b="0" dirty="0" smtClean="0">
-                <a:latin typeface="+mn-lt"/>
-              </a:rPr>
-              <a:t>Such types are sums with two cases</a:t>
-            </a:r>
-            <a:br>
-              <a:rPr lang="en-US" b="0" dirty="0" smtClean="0">
-                <a:latin typeface="+mn-lt"/>
-              </a:rPr>
-            </a:br>
-            <a:r>
-              <a:rPr lang="en-US" b="0" dirty="0" smtClean="0">
-                <a:latin typeface="+mn-lt"/>
-              </a:rPr>
-              <a:t/>
-            </a:r>
-            <a:br>
-              <a:rPr lang="en-US" b="0" dirty="0" smtClean="0">
-                <a:latin typeface="+mn-lt"/>
-              </a:rPr>
-            </a:br>
-            <a:r>
-              <a:rPr lang="en-US" b="0" dirty="0" smtClean="0">
-                <a:latin typeface="Source Code Pro" panose="020B0509030403020204" pitchFamily="49" charset="0"/>
-              </a:rPr>
-              <a:t>type ‘a option = Some of ‘a | None</a:t>
-            </a:r>
-            <a:br>
-              <a:rPr lang="en-US" b="0" dirty="0" smtClean="0">
-                <a:latin typeface="Source Code Pro" panose="020B0509030403020204" pitchFamily="49" charset="0"/>
-              </a:rPr>
-            </a:br>
-            <a:endParaRPr lang="en-US" b="0" dirty="0" smtClean="0">
-              <a:latin typeface="Source Code Pro" panose="020B0509030403020204" pitchFamily="49" charset="0"/>
-            </a:endParaRPr>
-          </a:p>
-        </p:txBody>
-      </p:sp>
-      <p:sp>
-        <p:nvSpPr>
           <p:cNvPr id="4" name="Slide Number Placeholder 3"/>
           <p:cNvSpPr>
             <a:spLocks noGrp="1"/>
@@ -21314,12 +21378,12 @@
       </p:sp>
       <p:sp>
         <p:nvSpPr>
-          <p:cNvPr id="5" name="Footer Placeholder 4"/>
+          <p:cNvPr id="6" name="Title 5"/>
           <p:cNvSpPr>
             <a:spLocks noGrp="1"/>
           </p:cNvSpPr>
           <p:nvPr>
-            <p:ph type="ftr" sz="quarter" idx="13"/>
+            <p:ph type="title"/>
           </p:nvPr>
         </p:nvSpPr>
         <p:spPr/>
@@ -21327,6 +21391,10 @@
           <a:bodyPr/>
           <a:lstStyle/>
           <a:p>
+            <a:r>
+              <a:rPr lang="en-US" dirty="0" smtClean="0"/>
+              <a:t>examples</a:t>
+            </a:r>
             <a:endParaRPr lang="en-US" dirty="0"/>
           </a:p>
         </p:txBody>
@@ -21334,7 +21402,7 @@
     </p:spTree>
     <p:extLst>
       <p:ext uri="{BB962C8B-B14F-4D97-AF65-F5344CB8AC3E}">
-        <p14:creationId xmlns:p14="http://schemas.microsoft.com/office/powerpoint/2010/main" val="884096557"/>
+        <p14:creationId xmlns:p14="http://schemas.microsoft.com/office/powerpoint/2010/main" val="3283235431"/>
       </p:ext>
     </p:extLst>
   </p:cSld>
@@ -21500,7 +21568,12 @@
             <p:ph type="title"/>
           </p:nvPr>
         </p:nvSpPr>
-        <p:spPr/>
+        <p:spPr>
+          <a:xfrm>
+            <a:off x="609600" y="762000"/>
+            <a:ext cx="8223250" cy="965200"/>
+          </a:xfrm>
+        </p:spPr>
         <p:txBody>
           <a:bodyPr/>
           <a:lstStyle/>
@@ -21528,217 +21601,151 @@
           <a:bodyPr/>
           <a:lstStyle/>
           <a:p>
+            <a:pPr marL="342900" indent="-342900">
+              <a:buFont typeface="Arial" panose="020B0604020202020204" pitchFamily="34" charset="0"/>
+              <a:buChar char="•"/>
+            </a:pPr>
             <a:r>
               <a:rPr lang="en-US" b="0" dirty="0" smtClean="0"/>
-              <a:t>In C++ using pretty good sums we can implement </a:t>
-            </a:r>
-            <a:r>
-              <a:rPr lang="el-GR" b="0" dirty="0" smtClean="0"/>
-              <a:t>α</a:t>
+              <a:t>Consider a pointer : either it is </a:t>
+            </a:r>
+            <a:r>
+              <a:rPr lang="en-US" b="0" dirty="0" err="1" smtClean="0">
+                <a:latin typeface="Source Code Pro" panose="020B0509030403020204" pitchFamily="49" charset="0"/>
+              </a:rPr>
+              <a:t>nullptr</a:t>
             </a:r>
             <a:r>
               <a:rPr lang="en-US" b="0" dirty="0" smtClean="0">
                 <a:latin typeface="Source Code Pro" panose="020B0509030403020204" pitchFamily="49" charset="0"/>
               </a:rPr>
-              <a:t> option </a:t>
+              <a:t> </a:t>
             </a:r>
             <a:r>
               <a:rPr lang="en-US" b="0" dirty="0" smtClean="0">
                 <a:latin typeface="+mn-lt"/>
               </a:rPr>
-              <a:t>like this</a:t>
-            </a:r>
-            <a:r>
-              <a:rPr lang="en-US" b="0" dirty="0" smtClean="0"/>
-              <a:t/>
-            </a:r>
-            <a:br>
-              <a:rPr lang="en-US" b="0" dirty="0" smtClean="0"/>
-            </a:br>
-            <a:r>
-              <a:rPr lang="en-US" b="0" dirty="0" smtClean="0"/>
-              <a:t/>
-            </a:r>
-            <a:br>
-              <a:rPr lang="en-US" b="0" dirty="0" smtClean="0"/>
-            </a:br>
-            <a:r>
-              <a:rPr lang="en-US" b="0" dirty="0" smtClean="0">
-                <a:latin typeface="Source Code Pro" panose="020B0509030403020204" pitchFamily="49" charset="0"/>
-              </a:rPr>
-              <a:t>template </a:t>
-            </a:r>
-            <a:r>
-              <a:rPr lang="en-US" b="0" dirty="0">
-                <a:latin typeface="Source Code Pro" panose="020B0509030403020204" pitchFamily="49" charset="0"/>
-              </a:rPr>
-              <a:t>&lt;class T&gt;</a:t>
-            </a:r>
-          </a:p>
-          <a:p>
-            <a:r>
-              <a:rPr lang="en-US" b="0" dirty="0" err="1">
-                <a:latin typeface="Source Code Pro" panose="020B0509030403020204" pitchFamily="49" charset="0"/>
-              </a:rPr>
-              <a:t>struct</a:t>
-            </a:r>
-            <a:r>
-              <a:rPr lang="en-US" b="0" dirty="0">
-                <a:latin typeface="Source Code Pro" panose="020B0509030403020204" pitchFamily="49" charset="0"/>
-              </a:rPr>
-              <a:t> </a:t>
-            </a:r>
-            <a:r>
-              <a:rPr lang="en-US" b="0" dirty="0" smtClean="0">
-                <a:latin typeface="Source Code Pro" panose="020B0509030403020204" pitchFamily="49" charset="0"/>
-              </a:rPr>
-              <a:t>Some {</a:t>
+              <a:t>or, it can be dereferenced</a:t>
             </a:r>
             <a:br>
               <a:rPr lang="en-US" b="0" dirty="0" smtClean="0">
-                <a:latin typeface="Source Code Pro" panose="020B0509030403020204" pitchFamily="49" charset="0"/>
+                <a:latin typeface="+mn-lt"/>
               </a:rPr>
             </a:br>
+            <a:endParaRPr lang="en-US" b="0" dirty="0" smtClean="0">
+              <a:latin typeface="+mn-lt"/>
+            </a:endParaRPr>
+          </a:p>
+          <a:p>
+            <a:pPr marL="342900" indent="-342900">
+              <a:buFont typeface="Arial" panose="020B0604020202020204" pitchFamily="34" charset="0"/>
+              <a:buChar char="•"/>
+            </a:pPr>
             <a:r>
               <a:rPr lang="en-US" b="0" dirty="0" smtClean="0">
-                <a:latin typeface="Source Code Pro" panose="020B0509030403020204" pitchFamily="49" charset="0"/>
-              </a:rPr>
-              <a:t>  T </a:t>
-            </a:r>
-            <a:r>
-              <a:rPr lang="en-US" b="0" dirty="0">
-                <a:latin typeface="Source Code Pro" panose="020B0509030403020204" pitchFamily="49" charset="0"/>
-              </a:rPr>
-              <a:t>data; </a:t>
+                <a:latin typeface="+mn-lt"/>
+              </a:rPr>
+              <a:t>Types </a:t>
             </a:r>
             <a:r>
               <a:rPr lang="en-US" b="0" dirty="0" smtClean="0">
                 <a:latin typeface="Source Code Pro" panose="020B0509030403020204" pitchFamily="49" charset="0"/>
               </a:rPr>
-              <a:t/>
+              <a:t>boost::optional&lt;T&gt;</a:t>
+            </a:r>
+            <a:r>
+              <a:rPr lang="en-US" b="0" dirty="0" smtClean="0">
+                <a:latin typeface="+mn-lt"/>
+              </a:rPr>
+              <a:t> and </a:t>
+            </a:r>
+            <a:r>
+              <a:rPr lang="en-US" b="0" dirty="0" err="1" smtClean="0">
+                <a:latin typeface="Source Code Pro" panose="020B0509030403020204" pitchFamily="49" charset="0"/>
+              </a:rPr>
+              <a:t>bdet_NullableValue</a:t>
+            </a:r>
+            <a:r>
+              <a:rPr lang="en-US" b="0" dirty="0" smtClean="0">
+                <a:latin typeface="Source Code Pro" panose="020B0509030403020204" pitchFamily="49" charset="0"/>
+              </a:rPr>
+              <a:t>&lt;T&gt; ha</a:t>
+            </a:r>
+            <a:r>
+              <a:rPr lang="en-US" b="0" dirty="0" smtClean="0">
+                <a:latin typeface="+mn-lt"/>
+              </a:rPr>
+              <a:t>ve similar semantics : either a given instance is a valid </a:t>
+            </a:r>
+            <a:r>
+              <a:rPr lang="en-US" b="0" dirty="0" smtClean="0">
+                <a:latin typeface="Source Code Pro" panose="020B0509030403020204" pitchFamily="49" charset="0"/>
+              </a:rPr>
+              <a:t>T </a:t>
+            </a:r>
+            <a:r>
+              <a:rPr lang="en-US" b="0" dirty="0" smtClean="0">
+                <a:latin typeface="+mn-lt"/>
+              </a:rPr>
+              <a:t>or is </a:t>
+            </a:r>
+            <a:r>
+              <a:rPr lang="en-US" b="0" dirty="0" smtClean="0">
+                <a:latin typeface="Source Code Pro" panose="020B0509030403020204" pitchFamily="49" charset="0"/>
+              </a:rPr>
+              <a:t>“missing”</a:t>
+            </a:r>
+          </a:p>
+          <a:p>
+            <a:pPr marL="342900" indent="-342900">
+              <a:buFont typeface="Arial" panose="020B0604020202020204" pitchFamily="34" charset="0"/>
+              <a:buChar char="•"/>
+            </a:pPr>
+            <a:endParaRPr lang="en-US" b="0" dirty="0" smtClean="0">
+              <a:latin typeface="+mn-lt"/>
+            </a:endParaRPr>
+          </a:p>
+          <a:p>
+            <a:pPr marL="342900" indent="-342900">
+              <a:buFont typeface="Arial" panose="020B0604020202020204" pitchFamily="34" charset="0"/>
+              <a:buChar char="•"/>
+            </a:pPr>
+            <a:r>
+              <a:rPr lang="en-US" b="0" dirty="0" smtClean="0">
+                <a:latin typeface="+mn-lt"/>
+              </a:rPr>
+              <a:t>Such types are sums with two cases</a:t>
             </a:r>
             <a:br>
               <a:rPr lang="en-US" b="0" dirty="0" smtClean="0">
-                <a:latin typeface="Source Code Pro" panose="020B0509030403020204" pitchFamily="49" charset="0"/>
+                <a:latin typeface="+mn-lt"/>
               </a:rPr>
             </a:br>
             <a:r>
               <a:rPr lang="en-US" b="0" dirty="0" smtClean="0">
-                <a:latin typeface="Source Code Pro" panose="020B0509030403020204" pitchFamily="49" charset="0"/>
-              </a:rPr>
-              <a:t>  //</a:t>
-            </a:r>
-            <a:r>
-              <a:rPr lang="en-US" b="0" dirty="0" err="1" smtClean="0">
-                <a:latin typeface="Source Code Pro" panose="020B0509030403020204" pitchFamily="49" charset="0"/>
-              </a:rPr>
-              <a:t>ctor</a:t>
-            </a:r>
-            <a:r>
-              <a:rPr lang="en-US" b="0" dirty="0" smtClean="0">
-                <a:latin typeface="Source Code Pro" panose="020B0509030403020204" pitchFamily="49" charset="0"/>
+                <a:latin typeface="+mn-lt"/>
               </a:rPr>
               <a:t/>
             </a:r>
             <a:br>
               <a:rPr lang="en-US" b="0" dirty="0" smtClean="0">
-                <a:latin typeface="Source Code Pro" panose="020B0509030403020204" pitchFamily="49" charset="0"/>
+                <a:latin typeface="+mn-lt"/>
               </a:rPr>
             </a:br>
             <a:r>
               <a:rPr lang="en-US" b="0" dirty="0" smtClean="0">
                 <a:latin typeface="Source Code Pro" panose="020B0509030403020204" pitchFamily="49" charset="0"/>
               </a:rPr>
-              <a:t>};</a:t>
-            </a:r>
-            <a:endParaRPr lang="en-US" b="0" dirty="0">
+              <a:t>type ‘a option = Some of ‘a | None</a:t>
+            </a:r>
+            <a:br>
+              <a:rPr lang="en-US" b="0" dirty="0" smtClean="0">
+                <a:latin typeface="Source Code Pro" panose="020B0509030403020204" pitchFamily="49" charset="0"/>
+              </a:rPr>
+            </a:br>
+            <a:endParaRPr lang="en-US" b="0" dirty="0" smtClean="0">
               <a:latin typeface="Source Code Pro" panose="020B0509030403020204" pitchFamily="49" charset="0"/>
             </a:endParaRPr>
-          </a:p>
-          <a:p>
-            <a:endParaRPr lang="en-US" b="0" dirty="0">
-              <a:latin typeface="Source Code Pro" panose="020B0509030403020204" pitchFamily="49" charset="0"/>
-            </a:endParaRPr>
-          </a:p>
-          <a:p>
-            <a:r>
-              <a:rPr lang="en-US" b="0" dirty="0" err="1">
-                <a:latin typeface="Source Code Pro" panose="020B0509030403020204" pitchFamily="49" charset="0"/>
-              </a:rPr>
-              <a:t>struct</a:t>
-            </a:r>
-            <a:r>
-              <a:rPr lang="en-US" b="0" dirty="0">
-                <a:latin typeface="Source Code Pro" panose="020B0509030403020204" pitchFamily="49" charset="0"/>
-              </a:rPr>
-              <a:t> </a:t>
-            </a:r>
-            <a:r>
-              <a:rPr lang="en-US" b="0" dirty="0" smtClean="0">
-                <a:latin typeface="Source Code Pro" panose="020B0509030403020204" pitchFamily="49" charset="0"/>
-              </a:rPr>
-              <a:t>None {};</a:t>
-            </a:r>
-            <a:endParaRPr lang="en-US" b="0" dirty="0">
-              <a:latin typeface="Source Code Pro" panose="020B0509030403020204" pitchFamily="49" charset="0"/>
-            </a:endParaRPr>
-          </a:p>
-          <a:p>
-            <a:endParaRPr lang="en-US" b="0" dirty="0">
-              <a:latin typeface="Source Code Pro" panose="020B0509030403020204" pitchFamily="49" charset="0"/>
-            </a:endParaRPr>
-          </a:p>
-          <a:p>
-            <a:r>
-              <a:rPr lang="en-US" b="0" dirty="0" smtClean="0">
-                <a:latin typeface="Source Code Pro" panose="020B0509030403020204" pitchFamily="49" charset="0"/>
-              </a:rPr>
-              <a:t>template&lt;class </a:t>
-            </a:r>
-            <a:r>
-              <a:rPr lang="en-US" b="0" dirty="0">
-                <a:latin typeface="Source Code Pro" panose="020B0509030403020204" pitchFamily="49" charset="0"/>
-              </a:rPr>
-              <a:t>T&gt;</a:t>
-            </a:r>
-          </a:p>
-          <a:p>
-            <a:r>
-              <a:rPr lang="en-US" b="0" dirty="0">
-                <a:latin typeface="Source Code Pro" panose="020B0509030403020204" pitchFamily="49" charset="0"/>
-              </a:rPr>
-              <a:t>using option = </a:t>
-            </a:r>
-            <a:r>
-              <a:rPr lang="en-US" b="0" dirty="0" err="1" smtClean="0">
-                <a:latin typeface="Source Code Pro" panose="020B0509030403020204" pitchFamily="49" charset="0"/>
-              </a:rPr>
-              <a:t>sum_type</a:t>
-            </a:r>
-            <a:r>
-              <a:rPr lang="en-US" b="0" dirty="0" smtClean="0">
-                <a:latin typeface="Source Code Pro" panose="020B0509030403020204" pitchFamily="49" charset="0"/>
-              </a:rPr>
-              <a:t>&lt;Some&lt;T</a:t>
-            </a:r>
-            <a:r>
-              <a:rPr lang="en-US" b="0" dirty="0">
-                <a:latin typeface="Source Code Pro" panose="020B0509030403020204" pitchFamily="49" charset="0"/>
-              </a:rPr>
-              <a:t>&gt;, N</a:t>
-            </a:r>
-            <a:r>
-              <a:rPr lang="en-US" b="0" dirty="0" smtClean="0">
-                <a:latin typeface="Source Code Pro" panose="020B0509030403020204" pitchFamily="49" charset="0"/>
-              </a:rPr>
-              <a:t>one&gt;;</a:t>
-            </a:r>
-            <a:endParaRPr lang="en-US" b="0" dirty="0">
-              <a:latin typeface="Source Code Pro" panose="020B0509030403020204" pitchFamily="49" charset="0"/>
-            </a:endParaRPr>
-          </a:p>
-          <a:p>
-            <a:endParaRPr lang="en-US" dirty="0"/>
           </a:p>
         </p:txBody>
       </p:sp>
@@ -21768,7 +21775,7 @@
               <a:pPr/>
               <a:t>20</a:t>
             </a:fld>
-            <a:endParaRPr lang="en-US" dirty="0">
+            <a:endParaRPr lang="en-US">
               <a:solidFill>
                 <a:prstClr val="white">
                   <a:lumMod val="75000"/>
@@ -21800,7 +21807,7 @@
     </p:spTree>
     <p:extLst>
       <p:ext uri="{BB962C8B-B14F-4D97-AF65-F5344CB8AC3E}">
-        <p14:creationId xmlns:p14="http://schemas.microsoft.com/office/powerpoint/2010/main" val="3363025706"/>
+        <p14:creationId xmlns:p14="http://schemas.microsoft.com/office/powerpoint/2010/main" val="884096557"/>
       </p:ext>
     </p:extLst>
   </p:cSld>
@@ -21851,7 +21858,7 @@
           <a:p>
             <a:r>
               <a:rPr lang="en-US" dirty="0" smtClean="0"/>
-              <a:t>Example : functional lists</a:t>
+              <a:t>Example : optional</a:t>
             </a:r>
             <a:endParaRPr lang="en-US" dirty="0"/>
           </a:p>
@@ -21874,27 +21881,7 @@
           <a:p>
             <a:r>
               <a:rPr lang="en-US" b="0" dirty="0" smtClean="0"/>
-              <a:t>Lists are empty or non empty sequences of elements</a:t>
-            </a:r>
-            <a:r>
-              <a:rPr lang="en-US" dirty="0" smtClean="0"/>
-              <a:t> </a:t>
-            </a:r>
-            <a:br>
-              <a:rPr lang="en-US" dirty="0" smtClean="0"/>
-            </a:br>
-            <a:r>
-              <a:rPr lang="en-US" dirty="0" smtClean="0"/>
-              <a:t/>
-            </a:r>
-            <a:br>
-              <a:rPr lang="en-US" dirty="0" smtClean="0"/>
-            </a:br>
-            <a:r>
-              <a:rPr lang="en-US" b="0" dirty="0" smtClean="0">
-                <a:latin typeface="Source Code Pro" panose="020B0509030403020204" pitchFamily="49" charset="0"/>
-              </a:rPr>
-              <a:t>type </a:t>
+              <a:t>In C++ using pretty good sums we can implement </a:t>
             </a:r>
             <a:r>
               <a:rPr lang="el-GR" b="0" dirty="0" smtClean="0"/>
@@ -21904,36 +21891,205 @@
               <a:rPr lang="en-US" b="0" dirty="0" smtClean="0">
                 <a:latin typeface="Source Code Pro" panose="020B0509030403020204" pitchFamily="49" charset="0"/>
               </a:rPr>
-              <a:t> list = Nil | Cons of </a:t>
-            </a:r>
-            <a:r>
-              <a:rPr lang="el-GR" b="0" dirty="0"/>
-              <a:t>α</a:t>
+              <a:t> option </a:t>
             </a:r>
             <a:r>
               <a:rPr lang="en-US" b="0" dirty="0" smtClean="0">
-                <a:latin typeface="Source Code Pro" panose="020B0509030403020204" pitchFamily="49" charset="0"/>
-              </a:rPr>
-              <a:t> * </a:t>
-            </a:r>
-            <a:r>
-              <a:rPr lang="el-GR" b="0" dirty="0"/>
-              <a:t>α</a:t>
-            </a:r>
+                <a:latin typeface="+mn-lt"/>
+              </a:rPr>
+              <a:t>like this</a:t>
+            </a:r>
+            <a:r>
+              <a:rPr lang="en-US" b="0" dirty="0" smtClean="0"/>
+              <a:t/>
+            </a:r>
+            <a:br>
+              <a:rPr lang="en-US" b="0" dirty="0" smtClean="0"/>
+            </a:br>
+            <a:r>
+              <a:rPr lang="en-US" b="0" dirty="0" smtClean="0"/>
+              <a:t/>
+            </a:r>
+            <a:br>
+              <a:rPr lang="en-US" b="0" dirty="0" smtClean="0"/>
+            </a:br>
             <a:r>
               <a:rPr lang="en-US" b="0" dirty="0" smtClean="0">
                 <a:latin typeface="Source Code Pro" panose="020B0509030403020204" pitchFamily="49" charset="0"/>
               </a:rPr>
-              <a:t> list</a:t>
+              <a:t>template </a:t>
+            </a:r>
+            <a:r>
+              <a:rPr lang="en-US" b="0" dirty="0">
+                <a:latin typeface="Source Code Pro" panose="020B0509030403020204" pitchFamily="49" charset="0"/>
+              </a:rPr>
+              <a:t>&lt;class T&gt;</a:t>
+            </a:r>
+          </a:p>
+          <a:p>
+            <a:r>
+              <a:rPr lang="en-US" b="0" dirty="0" err="1">
+                <a:latin typeface="Source Code Pro" panose="020B0509030403020204" pitchFamily="49" charset="0"/>
+              </a:rPr>
+              <a:t>struct</a:t>
+            </a:r>
+            <a:r>
+              <a:rPr lang="en-US" b="0" dirty="0">
+                <a:latin typeface="Source Code Pro" panose="020B0509030403020204" pitchFamily="49" charset="0"/>
+              </a:rPr>
+              <a:t> </a:t>
+            </a:r>
+            <a:r>
+              <a:rPr lang="en-US" b="0" dirty="0" smtClean="0">
+                <a:latin typeface="Source Code Pro" panose="020B0509030403020204" pitchFamily="49" charset="0"/>
+              </a:rPr>
+              <a:t>Some {</a:t>
             </a:r>
             <a:br>
               <a:rPr lang="en-US" b="0" dirty="0" smtClean="0">
                 <a:latin typeface="Source Code Pro" panose="020B0509030403020204" pitchFamily="49" charset="0"/>
               </a:rPr>
             </a:br>
+            <a:r>
+              <a:rPr lang="en-US" b="0" dirty="0" smtClean="0">
+                <a:latin typeface="Source Code Pro" panose="020B0509030403020204" pitchFamily="49" charset="0"/>
+              </a:rPr>
+              <a:t>  T </a:t>
+            </a:r>
+            <a:r>
+              <a:rPr lang="en-US" b="0" dirty="0">
+                <a:latin typeface="Source Code Pro" panose="020B0509030403020204" pitchFamily="49" charset="0"/>
+              </a:rPr>
+              <a:t>data; </a:t>
+            </a:r>
+            <a:r>
+              <a:rPr lang="en-US" b="0" dirty="0" smtClean="0">
+                <a:latin typeface="Source Code Pro" panose="020B0509030403020204" pitchFamily="49" charset="0"/>
+              </a:rPr>
+              <a:t/>
+            </a:r>
+            <a:br>
+              <a:rPr lang="en-US" b="0" dirty="0" smtClean="0">
+                <a:latin typeface="Source Code Pro" panose="020B0509030403020204" pitchFamily="49" charset="0"/>
+              </a:rPr>
+            </a:br>
+            <a:r>
+              <a:rPr lang="en-US" b="0" dirty="0" smtClean="0">
+                <a:latin typeface="Source Code Pro" panose="020B0509030403020204" pitchFamily="49" charset="0"/>
+              </a:rPr>
+              <a:t>  //</a:t>
+            </a:r>
+            <a:r>
+              <a:rPr lang="en-US" b="0" dirty="0" err="1" smtClean="0">
+                <a:latin typeface="Source Code Pro" panose="020B0509030403020204" pitchFamily="49" charset="0"/>
+              </a:rPr>
+              <a:t>ctor</a:t>
+            </a:r>
+            <a:r>
+              <a:rPr lang="en-US" b="0" dirty="0" smtClean="0">
+                <a:latin typeface="Source Code Pro" panose="020B0509030403020204" pitchFamily="49" charset="0"/>
+              </a:rPr>
+              <a:t/>
+            </a:r>
+            <a:br>
+              <a:rPr lang="en-US" b="0" dirty="0" smtClean="0">
+                <a:latin typeface="Source Code Pro" panose="020B0509030403020204" pitchFamily="49" charset="0"/>
+              </a:rPr>
+            </a:br>
+            <a:r>
+              <a:rPr lang="en-US" b="0" dirty="0" smtClean="0">
+                <a:latin typeface="Source Code Pro" panose="020B0509030403020204" pitchFamily="49" charset="0"/>
+              </a:rPr>
+              <a:t>};</a:t>
+            </a:r>
             <a:endParaRPr lang="en-US" b="0" dirty="0">
               <a:latin typeface="Source Code Pro" panose="020B0509030403020204" pitchFamily="49" charset="0"/>
             </a:endParaRPr>
+          </a:p>
+          <a:p>
+            <a:endParaRPr lang="en-US" b="0" dirty="0">
+              <a:latin typeface="Source Code Pro" panose="020B0509030403020204" pitchFamily="49" charset="0"/>
+            </a:endParaRPr>
+          </a:p>
+          <a:p>
+            <a:r>
+              <a:rPr lang="en-US" b="0" dirty="0" err="1">
+                <a:latin typeface="Source Code Pro" panose="020B0509030403020204" pitchFamily="49" charset="0"/>
+              </a:rPr>
+              <a:t>struct</a:t>
+            </a:r>
+            <a:r>
+              <a:rPr lang="en-US" b="0" dirty="0">
+                <a:latin typeface="Source Code Pro" panose="020B0509030403020204" pitchFamily="49" charset="0"/>
+              </a:rPr>
+              <a:t> </a:t>
+            </a:r>
+            <a:r>
+              <a:rPr lang="en-US" b="0" dirty="0" smtClean="0">
+                <a:latin typeface="Source Code Pro" panose="020B0509030403020204" pitchFamily="49" charset="0"/>
+              </a:rPr>
+              <a:t>None {};</a:t>
+            </a:r>
+            <a:endParaRPr lang="en-US" b="0" dirty="0">
+              <a:latin typeface="Source Code Pro" panose="020B0509030403020204" pitchFamily="49" charset="0"/>
+            </a:endParaRPr>
+          </a:p>
+          <a:p>
+            <a:endParaRPr lang="en-US" b="0" dirty="0">
+              <a:latin typeface="Source Code Pro" panose="020B0509030403020204" pitchFamily="49" charset="0"/>
+            </a:endParaRPr>
+          </a:p>
+          <a:p>
+            <a:r>
+              <a:rPr lang="en-US" b="0" dirty="0" smtClean="0">
+                <a:latin typeface="Source Code Pro" panose="020B0509030403020204" pitchFamily="49" charset="0"/>
+              </a:rPr>
+              <a:t>template&lt;class </a:t>
+            </a:r>
+            <a:r>
+              <a:rPr lang="en-US" b="0" dirty="0">
+                <a:latin typeface="Source Code Pro" panose="020B0509030403020204" pitchFamily="49" charset="0"/>
+              </a:rPr>
+              <a:t>T&gt;</a:t>
+            </a:r>
+          </a:p>
+          <a:p>
+            <a:r>
+              <a:rPr lang="en-US" b="0" dirty="0">
+                <a:latin typeface="Source Code Pro" panose="020B0509030403020204" pitchFamily="49" charset="0"/>
+              </a:rPr>
+              <a:t>using option = </a:t>
+            </a:r>
+            <a:r>
+              <a:rPr lang="en-US" b="0" dirty="0" err="1" smtClean="0">
+                <a:latin typeface="Source Code Pro" panose="020B0509030403020204" pitchFamily="49" charset="0"/>
+              </a:rPr>
+              <a:t>sum_type</a:t>
+            </a:r>
+            <a:r>
+              <a:rPr lang="en-US" b="0" dirty="0" smtClean="0">
+                <a:latin typeface="Source Code Pro" panose="020B0509030403020204" pitchFamily="49" charset="0"/>
+              </a:rPr>
+              <a:t>&lt;Some&lt;T</a:t>
+            </a:r>
+            <a:r>
+              <a:rPr lang="en-US" b="0" dirty="0">
+                <a:latin typeface="Source Code Pro" panose="020B0509030403020204" pitchFamily="49" charset="0"/>
+              </a:rPr>
+              <a:t>&gt;, N</a:t>
+            </a:r>
+            <a:r>
+              <a:rPr lang="en-US" b="0" dirty="0" smtClean="0">
+                <a:latin typeface="Source Code Pro" panose="020B0509030403020204" pitchFamily="49" charset="0"/>
+              </a:rPr>
+              <a:t>one&gt;;</a:t>
+            </a:r>
+            <a:endParaRPr lang="en-US" b="0" dirty="0">
+              <a:latin typeface="Source Code Pro" panose="020B0509030403020204" pitchFamily="49" charset="0"/>
+            </a:endParaRPr>
+          </a:p>
+          <a:p>
+            <a:endParaRPr lang="en-US" dirty="0"/>
           </a:p>
         </p:txBody>
       </p:sp>
@@ -21963,7 +22119,7 @@
               <a:pPr/>
               <a:t>21</a:t>
             </a:fld>
-            <a:endParaRPr lang="en-US">
+            <a:endParaRPr lang="en-US" dirty="0">
               <a:solidFill>
                 <a:prstClr val="white">
                   <a:lumMod val="75000"/>
@@ -21995,7 +22151,7 @@
     </p:spTree>
     <p:extLst>
       <p:ext uri="{BB962C8B-B14F-4D97-AF65-F5344CB8AC3E}">
-        <p14:creationId xmlns:p14="http://schemas.microsoft.com/office/powerpoint/2010/main" val="2800118867"/>
+        <p14:creationId xmlns:p14="http://schemas.microsoft.com/office/powerpoint/2010/main" val="3363025706"/>
       </p:ext>
     </p:extLst>
   </p:cSld>
@@ -22068,324 +22224,67 @@
           <a:lstStyle/>
           <a:p>
             <a:r>
-              <a:rPr lang="en-US" dirty="0"/>
+              <a:rPr lang="en-US" b="0" dirty="0" smtClean="0"/>
+              <a:t>Lists are empty or non empty sequences of elements</a:t>
+            </a:r>
+            <a:r>
+              <a:rPr lang="en-US" dirty="0" smtClean="0"/>
               <a:t> </a:t>
             </a:r>
-            <a:r>
-              <a:rPr lang="en-US" b="0" dirty="0"/>
-              <a:t>In C++</a:t>
-            </a:r>
             <a:br>
-              <a:rPr lang="en-US" b="0" dirty="0"/>
+              <a:rPr lang="en-US" dirty="0" smtClean="0"/>
             </a:br>
             <a:r>
-              <a:rPr lang="en-US" b="0" dirty="0"/>
+              <a:rPr lang="en-US" dirty="0" smtClean="0"/>
               <a:t/>
             </a:r>
             <a:br>
-              <a:rPr lang="en-US" b="0" dirty="0"/>
+              <a:rPr lang="en-US" dirty="0" smtClean="0"/>
             </a:br>
             <a:r>
-              <a:rPr lang="en-US" b="0" dirty="0">
-                <a:latin typeface="Source Code Pro" panose="020B0509030403020204" pitchFamily="49" charset="0"/>
-              </a:rPr>
-              <a:t> template &lt;class T&gt; </a:t>
-            </a:r>
-            <a:r>
-              <a:rPr lang="en-US" b="0" dirty="0" err="1">
-                <a:latin typeface="Source Code Pro" panose="020B0509030403020204" pitchFamily="49" charset="0"/>
-              </a:rPr>
-              <a:t>struct</a:t>
-            </a:r>
-            <a:r>
-              <a:rPr lang="en-US" b="0" dirty="0">
-                <a:latin typeface="Source Code Pro" panose="020B0509030403020204" pitchFamily="49" charset="0"/>
-              </a:rPr>
-              <a:t> </a:t>
-            </a:r>
-            <a:r>
-              <a:rPr lang="en-US" b="0" dirty="0" err="1">
-                <a:latin typeface="Source Code Pro" panose="020B0509030403020204" pitchFamily="49" charset="0"/>
-              </a:rPr>
-              <a:t>cons_t</a:t>
-            </a:r>
-            <a:r>
-              <a:rPr lang="en-US" b="0" dirty="0">
-                <a:latin typeface="Source Code Pro" panose="020B0509030403020204" pitchFamily="49" charset="0"/>
-              </a:rPr>
-              <a:t>; // Case 1</a:t>
-            </a:r>
-          </a:p>
-          <a:p>
-            <a:r>
               <a:rPr lang="en-US" b="0" dirty="0" smtClean="0">
                 <a:latin typeface="Source Code Pro" panose="020B0509030403020204" pitchFamily="49" charset="0"/>
               </a:rPr>
-              <a:t> </a:t>
-            </a:r>
-            <a:r>
-              <a:rPr lang="en-US" b="0" dirty="0" err="1" smtClean="0">
-                <a:latin typeface="Source Code Pro" panose="020B0509030403020204" pitchFamily="49" charset="0"/>
-              </a:rPr>
-              <a:t>struct</a:t>
+              <a:t>type </a:t>
+            </a:r>
+            <a:r>
+              <a:rPr lang="el-GR" b="0" dirty="0" smtClean="0"/>
+              <a:t>α</a:t>
             </a:r>
             <a:r>
               <a:rPr lang="en-US" b="0" dirty="0" smtClean="0">
                 <a:latin typeface="Source Code Pro" panose="020B0509030403020204" pitchFamily="49" charset="0"/>
               </a:rPr>
-              <a:t> </a:t>
-            </a:r>
-            <a:r>
-              <a:rPr lang="en-US" b="0" dirty="0" err="1">
-                <a:latin typeface="Source Code Pro" panose="020B0509030403020204" pitchFamily="49" charset="0"/>
-              </a:rPr>
-              <a:t>nil_t</a:t>
-            </a:r>
-            <a:r>
-              <a:rPr lang="en-US" b="0" dirty="0">
-                <a:latin typeface="Source Code Pro" panose="020B0509030403020204" pitchFamily="49" charset="0"/>
-              </a:rPr>
-              <a:t> </a:t>
+              <a:t> list = Nil | Cons of </a:t>
+            </a:r>
+            <a:r>
+              <a:rPr lang="el-GR" b="0" dirty="0"/>
+              <a:t>α</a:t>
             </a:r>
             <a:r>
               <a:rPr lang="en-US" b="0" dirty="0" smtClean="0">
                 <a:latin typeface="Source Code Pro" panose="020B0509030403020204" pitchFamily="49" charset="0"/>
               </a:rPr>
-              <a:t>{};  // Case 2</a:t>
-            </a:r>
-          </a:p>
-          <a:p>
-            <a:endParaRPr lang="en-US" b="0" dirty="0" smtClean="0">
+              <a:t> * </a:t>
+            </a:r>
+            <a:r>
+              <a:rPr lang="el-GR" b="0" dirty="0"/>
+              <a:t>α</a:t>
+            </a:r>
+            <a:r>
+              <a:rPr lang="en-US" b="0" dirty="0" smtClean="0">
+                <a:latin typeface="Source Code Pro" panose="020B0509030403020204" pitchFamily="49" charset="0"/>
+              </a:rPr>
+              <a:t> list</a:t>
+            </a:r>
+            <a:br>
+              <a:rPr lang="en-US" b="0" dirty="0" smtClean="0">
+                <a:latin typeface="Source Code Pro" panose="020B0509030403020204" pitchFamily="49" charset="0"/>
+              </a:rPr>
+            </a:br>
+            <a:endParaRPr lang="en-US" b="0" dirty="0">
               <a:latin typeface="Source Code Pro" panose="020B0509030403020204" pitchFamily="49" charset="0"/>
             </a:endParaRPr>
-          </a:p>
-          <a:p>
-            <a:r>
-              <a:rPr lang="en-US" b="0" dirty="0" smtClean="0">
-                <a:latin typeface="Source Code Pro" panose="020B0509030403020204" pitchFamily="49" charset="0"/>
-              </a:rPr>
-              <a:t>template </a:t>
-            </a:r>
-            <a:r>
-              <a:rPr lang="en-US" b="0" dirty="0">
-                <a:latin typeface="Source Code Pro" panose="020B0509030403020204" pitchFamily="49" charset="0"/>
-              </a:rPr>
-              <a:t>&lt;class </a:t>
-            </a:r>
-            <a:r>
-              <a:rPr lang="en-US" b="0" dirty="0" smtClean="0">
-                <a:latin typeface="Source Code Pro" panose="020B0509030403020204" pitchFamily="49" charset="0"/>
-              </a:rPr>
-              <a:t>T&gt; using </a:t>
-            </a:r>
-            <a:r>
-              <a:rPr lang="en-US" b="0" dirty="0">
-                <a:latin typeface="Source Code Pro" panose="020B0509030403020204" pitchFamily="49" charset="0"/>
-              </a:rPr>
-              <a:t>list = </a:t>
-            </a:r>
-            <a:endParaRPr lang="en-US" b="0" dirty="0" smtClean="0">
-              <a:latin typeface="Source Code Pro" panose="020B0509030403020204" pitchFamily="49" charset="0"/>
-            </a:endParaRPr>
-          </a:p>
-          <a:p>
-            <a:r>
-              <a:rPr lang="en-US" b="0" dirty="0" smtClean="0">
-                <a:latin typeface="Source Code Pro" panose="020B0509030403020204" pitchFamily="49" charset="0"/>
-              </a:rPr>
-              <a:t>  </a:t>
-            </a:r>
-            <a:r>
-              <a:rPr lang="en-US" b="0" dirty="0" err="1" smtClean="0">
-                <a:latin typeface="Source Code Pro" panose="020B0509030403020204" pitchFamily="49" charset="0"/>
-              </a:rPr>
-              <a:t>sum_type</a:t>
-            </a:r>
-            <a:r>
-              <a:rPr lang="en-US" b="0" dirty="0" smtClean="0">
-                <a:latin typeface="Source Code Pro" panose="020B0509030403020204" pitchFamily="49" charset="0"/>
-              </a:rPr>
-              <a:t> &lt;</a:t>
-            </a:r>
-            <a:r>
-              <a:rPr lang="en-US" b="0" dirty="0" err="1" smtClean="0">
-                <a:latin typeface="Source Code Pro" panose="020B0509030403020204" pitchFamily="49" charset="0"/>
-              </a:rPr>
-              <a:t>recursive_wrapper</a:t>
-            </a:r>
-            <a:r>
-              <a:rPr lang="en-US" b="0" dirty="0" smtClean="0">
-                <a:latin typeface="Source Code Pro" panose="020B0509030403020204" pitchFamily="49" charset="0"/>
-              </a:rPr>
-              <a:t>&lt;</a:t>
-            </a:r>
-            <a:r>
-              <a:rPr lang="en-US" b="0" dirty="0" err="1" smtClean="0">
-                <a:latin typeface="Source Code Pro" panose="020B0509030403020204" pitchFamily="49" charset="0"/>
-              </a:rPr>
-              <a:t>cons_t</a:t>
-            </a:r>
-            <a:r>
-              <a:rPr lang="en-US" b="0" dirty="0" smtClean="0">
-                <a:latin typeface="Source Code Pro" panose="020B0509030403020204" pitchFamily="49" charset="0"/>
-              </a:rPr>
-              <a:t>&lt;T</a:t>
-            </a:r>
-            <a:r>
-              <a:rPr lang="en-US" b="0" dirty="0">
-                <a:latin typeface="Source Code Pro" panose="020B0509030403020204" pitchFamily="49" charset="0"/>
-              </a:rPr>
-              <a:t>&gt;&gt;, </a:t>
-            </a:r>
-            <a:r>
-              <a:rPr lang="en-US" b="0" dirty="0" err="1">
-                <a:latin typeface="Source Code Pro" panose="020B0509030403020204" pitchFamily="49" charset="0"/>
-              </a:rPr>
-              <a:t>nil_t</a:t>
-            </a:r>
-            <a:r>
-              <a:rPr lang="en-US" b="0" dirty="0">
-                <a:latin typeface="Source Code Pro" panose="020B0509030403020204" pitchFamily="49" charset="0"/>
-              </a:rPr>
-              <a:t>&gt;;</a:t>
-            </a:r>
-            <a:br>
-              <a:rPr lang="en-US" b="0" dirty="0">
-                <a:latin typeface="Source Code Pro" panose="020B0509030403020204" pitchFamily="49" charset="0"/>
-              </a:rPr>
-            </a:br>
-            <a:r>
-              <a:rPr lang="en-US" b="0" dirty="0">
-                <a:latin typeface="Source Code Pro" panose="020B0509030403020204" pitchFamily="49" charset="0"/>
-              </a:rPr>
-              <a:t/>
-            </a:r>
-            <a:br>
-              <a:rPr lang="en-US" b="0" dirty="0">
-                <a:latin typeface="Source Code Pro" panose="020B0509030403020204" pitchFamily="49" charset="0"/>
-              </a:rPr>
-            </a:br>
-            <a:r>
-              <a:rPr lang="en-US" b="0" dirty="0" smtClean="0">
-                <a:latin typeface="Source Code Pro" panose="020B0509030403020204" pitchFamily="49" charset="0"/>
-              </a:rPr>
-              <a:t>template </a:t>
-            </a:r>
-            <a:r>
-              <a:rPr lang="en-US" b="0" dirty="0">
-                <a:latin typeface="Source Code Pro" panose="020B0509030403020204" pitchFamily="49" charset="0"/>
-              </a:rPr>
-              <a:t>&lt;class T&gt; </a:t>
-            </a:r>
-          </a:p>
-          <a:p>
-            <a:r>
-              <a:rPr lang="en-US" b="0" dirty="0" err="1" smtClean="0">
-                <a:latin typeface="Source Code Pro" panose="020B0509030403020204" pitchFamily="49" charset="0"/>
-              </a:rPr>
-              <a:t>struct</a:t>
-            </a:r>
-            <a:r>
-              <a:rPr lang="en-US" b="0" dirty="0" smtClean="0">
-                <a:latin typeface="Source Code Pro" panose="020B0509030403020204" pitchFamily="49" charset="0"/>
-              </a:rPr>
-              <a:t> </a:t>
-            </a:r>
-            <a:r>
-              <a:rPr lang="en-US" b="0" dirty="0" err="1">
-                <a:latin typeface="Source Code Pro" panose="020B0509030403020204" pitchFamily="49" charset="0"/>
-              </a:rPr>
-              <a:t>cons_t</a:t>
-            </a:r>
-            <a:r>
-              <a:rPr lang="en-US" b="0" dirty="0">
-                <a:latin typeface="Source Code Pro" panose="020B0509030403020204" pitchFamily="49" charset="0"/>
-              </a:rPr>
-              <a:t> {</a:t>
-            </a:r>
-          </a:p>
-          <a:p>
-            <a:r>
-              <a:rPr lang="en-US" b="0" dirty="0" smtClean="0">
-                <a:latin typeface="Source Code Pro" panose="020B0509030403020204" pitchFamily="49" charset="0"/>
-              </a:rPr>
-              <a:t>  </a:t>
-            </a:r>
-            <a:r>
-              <a:rPr lang="en-US" b="0" dirty="0">
-                <a:latin typeface="Source Code Pro" panose="020B0509030403020204" pitchFamily="49" charset="0"/>
-              </a:rPr>
-              <a:t>T </a:t>
-            </a:r>
-            <a:r>
-              <a:rPr lang="en-US" b="0" dirty="0" err="1">
-                <a:latin typeface="Source Code Pro" panose="020B0509030403020204" pitchFamily="49" charset="0"/>
-              </a:rPr>
-              <a:t>hd</a:t>
-            </a:r>
-            <a:r>
-              <a:rPr lang="en-US" b="0" dirty="0">
-                <a:latin typeface="Source Code Pro" panose="020B0509030403020204" pitchFamily="49" charset="0"/>
-              </a:rPr>
-              <a:t>;</a:t>
-            </a:r>
-          </a:p>
-          <a:p>
-            <a:r>
-              <a:rPr lang="en-US" b="0" dirty="0" smtClean="0">
-                <a:latin typeface="Source Code Pro" panose="020B0509030403020204" pitchFamily="49" charset="0"/>
-              </a:rPr>
-              <a:t>  </a:t>
-            </a:r>
-            <a:r>
-              <a:rPr lang="en-US" b="0" dirty="0">
-                <a:latin typeface="Source Code Pro" panose="020B0509030403020204" pitchFamily="49" charset="0"/>
-              </a:rPr>
-              <a:t>list&lt;T&gt; </a:t>
-            </a:r>
-            <a:r>
-              <a:rPr lang="en-US" b="0" dirty="0" err="1">
-                <a:latin typeface="Source Code Pro" panose="020B0509030403020204" pitchFamily="49" charset="0"/>
-              </a:rPr>
-              <a:t>tl</a:t>
-            </a:r>
-            <a:r>
-              <a:rPr lang="en-US" b="0" dirty="0">
-                <a:latin typeface="Source Code Pro" panose="020B0509030403020204" pitchFamily="49" charset="0"/>
-              </a:rPr>
-              <a:t>;</a:t>
-            </a:r>
-          </a:p>
-          <a:p>
-            <a:r>
-              <a:rPr lang="en-US" b="0" dirty="0" smtClean="0">
-                <a:latin typeface="Source Code Pro" panose="020B0509030403020204" pitchFamily="49" charset="0"/>
-              </a:rPr>
-              <a:t>  // </a:t>
-            </a:r>
-            <a:r>
-              <a:rPr lang="en-US" b="0" dirty="0" err="1" smtClean="0">
-                <a:latin typeface="Source Code Pro" panose="020B0509030403020204" pitchFamily="49" charset="0"/>
-              </a:rPr>
-              <a:t>ctors</a:t>
-            </a:r>
-            <a:r>
-              <a:rPr lang="en-US" b="0" dirty="0" smtClean="0">
-                <a:latin typeface="Source Code Pro" panose="020B0509030403020204" pitchFamily="49" charset="0"/>
-              </a:rPr>
-              <a:t>…</a:t>
-            </a:r>
-            <a:br>
-              <a:rPr lang="en-US" b="0" dirty="0" smtClean="0">
-                <a:latin typeface="Source Code Pro" panose="020B0509030403020204" pitchFamily="49" charset="0"/>
-              </a:rPr>
-            </a:br>
-            <a:r>
-              <a:rPr lang="en-US" b="0" dirty="0" smtClean="0">
-                <a:latin typeface="Source Code Pro" panose="020B0509030403020204" pitchFamily="49" charset="0"/>
-              </a:rPr>
-              <a:t>};</a:t>
-            </a:r>
           </a:p>
         </p:txBody>
       </p:sp>
@@ -22447,7 +22346,7 @@
     </p:spTree>
     <p:extLst>
       <p:ext uri="{BB962C8B-B14F-4D97-AF65-F5344CB8AC3E}">
-        <p14:creationId xmlns:p14="http://schemas.microsoft.com/office/powerpoint/2010/main" val="1691094416"/>
+        <p14:creationId xmlns:p14="http://schemas.microsoft.com/office/powerpoint/2010/main" val="2800118867"/>
       </p:ext>
     </p:extLst>
   </p:cSld>
@@ -22498,7 +22397,7 @@
           <a:p>
             <a:r>
               <a:rPr lang="en-US" dirty="0" smtClean="0"/>
-              <a:t>Example : Binary search trees</a:t>
+              <a:t>Example : functional lists</a:t>
             </a:r>
             <a:endParaRPr lang="en-US" dirty="0"/>
           </a:p>
@@ -22520,261 +22419,90 @@
           <a:lstStyle/>
           <a:p>
             <a:r>
-              <a:rPr lang="en-US" b="0" dirty="0" smtClean="0"/>
-              <a:t>In </a:t>
-            </a:r>
-            <a:r>
-              <a:rPr lang="en-US" b="0" dirty="0" err="1" smtClean="0"/>
-              <a:t>OCaml</a:t>
-            </a:r>
-            <a:r>
-              <a:rPr lang="en-US" b="0" dirty="0" smtClean="0"/>
-              <a:t>,</a:t>
+              <a:rPr lang="en-US" dirty="0"/>
+              <a:t> </a:t>
+            </a:r>
+            <a:r>
+              <a:rPr lang="en-US" b="0" dirty="0"/>
+              <a:t>In C++</a:t>
             </a:r>
             <a:br>
-              <a:rPr lang="en-US" b="0" dirty="0" smtClean="0"/>
+              <a:rPr lang="en-US" b="0" dirty="0"/>
             </a:br>
             <a:r>
-              <a:rPr lang="en-US" b="0" dirty="0" smtClean="0"/>
+              <a:rPr lang="en-US" b="0" dirty="0"/>
               <a:t/>
             </a:r>
             <a:br>
-              <a:rPr lang="en-US" b="0" dirty="0" smtClean="0"/>
+              <a:rPr lang="en-US" b="0" dirty="0"/>
             </a:br>
             <a:r>
+              <a:rPr lang="en-US" b="0" dirty="0">
+                <a:latin typeface="Source Code Pro" panose="020B0509030403020204" pitchFamily="49" charset="0"/>
+              </a:rPr>
+              <a:t> template &lt;class T&gt; </a:t>
+            </a:r>
+            <a:r>
+              <a:rPr lang="en-US" b="0" dirty="0" err="1">
+                <a:latin typeface="Source Code Pro" panose="020B0509030403020204" pitchFamily="49" charset="0"/>
+              </a:rPr>
+              <a:t>struct</a:t>
+            </a:r>
+            <a:r>
+              <a:rPr lang="en-US" b="0" dirty="0">
+                <a:latin typeface="Source Code Pro" panose="020B0509030403020204" pitchFamily="49" charset="0"/>
+              </a:rPr>
+              <a:t> </a:t>
+            </a:r>
+            <a:r>
+              <a:rPr lang="en-US" b="0" dirty="0" err="1">
+                <a:latin typeface="Source Code Pro" panose="020B0509030403020204" pitchFamily="49" charset="0"/>
+              </a:rPr>
+              <a:t>cons_t</a:t>
+            </a:r>
+            <a:r>
+              <a:rPr lang="en-US" b="0" dirty="0">
+                <a:latin typeface="Source Code Pro" panose="020B0509030403020204" pitchFamily="49" charset="0"/>
+              </a:rPr>
+              <a:t>; // Case 1</a:t>
+            </a:r>
+          </a:p>
+          <a:p>
+            <a:r>
               <a:rPr lang="en-US" b="0" dirty="0" smtClean="0">
                 <a:latin typeface="Source Code Pro" panose="020B0509030403020204" pitchFamily="49" charset="0"/>
               </a:rPr>
-              <a:t>type (</a:t>
-            </a:r>
-            <a:r>
-              <a:rPr lang="el-GR" b="0" dirty="0" smtClean="0"/>
-              <a:t>α</a:t>
+              <a:t> </a:t>
+            </a:r>
+            <a:r>
+              <a:rPr lang="en-US" b="0" dirty="0" err="1" smtClean="0">
+                <a:latin typeface="Source Code Pro" panose="020B0509030403020204" pitchFamily="49" charset="0"/>
+              </a:rPr>
+              <a:t>struct</a:t>
             </a:r>
             <a:r>
               <a:rPr lang="en-US" b="0" dirty="0" smtClean="0">
                 <a:latin typeface="Source Code Pro" panose="020B0509030403020204" pitchFamily="49" charset="0"/>
               </a:rPr>
-              <a:t>, </a:t>
-            </a:r>
-            <a:r>
-              <a:rPr lang="el-GR" b="0" dirty="0" smtClean="0">
-                <a:latin typeface="Times New Roman"/>
-                <a:cs typeface="Times New Roman"/>
-              </a:rPr>
-              <a:t>β</a:t>
+              <a:t> </a:t>
+            </a:r>
+            <a:r>
+              <a:rPr lang="en-US" b="0" dirty="0" err="1">
+                <a:latin typeface="Source Code Pro" panose="020B0509030403020204" pitchFamily="49" charset="0"/>
+              </a:rPr>
+              <a:t>nil_t</a:t>
+            </a:r>
+            <a:r>
+              <a:rPr lang="en-US" b="0" dirty="0">
+                <a:latin typeface="Source Code Pro" panose="020B0509030403020204" pitchFamily="49" charset="0"/>
+              </a:rPr>
+              <a:t> </a:t>
             </a:r>
             <a:r>
               <a:rPr lang="en-US" b="0" dirty="0" smtClean="0">
                 <a:latin typeface="Source Code Pro" panose="020B0509030403020204" pitchFamily="49" charset="0"/>
               </a:rPr>
-              <a:t>) tree = </a:t>
-            </a:r>
-          </a:p>
-          <a:p>
-            <a:r>
-              <a:rPr lang="en-US" b="0" dirty="0" smtClean="0">
-                <a:latin typeface="Source Code Pro" panose="020B0509030403020204" pitchFamily="49" charset="0"/>
-              </a:rPr>
-              <a:t>    Empty </a:t>
-            </a:r>
-          </a:p>
-          <a:p>
-            <a:r>
-              <a:rPr lang="en-US" b="0" dirty="0" smtClean="0">
-                <a:latin typeface="Source Code Pro" panose="020B0509030403020204" pitchFamily="49" charset="0"/>
-              </a:rPr>
-              <a:t>  | Node of (</a:t>
-            </a:r>
-            <a:r>
-              <a:rPr lang="el-GR" b="0" dirty="0" smtClean="0"/>
-              <a:t>α</a:t>
-            </a:r>
-            <a:r>
-              <a:rPr lang="en-US" b="0" dirty="0" smtClean="0">
-                <a:latin typeface="Source Code Pro" panose="020B0509030403020204" pitchFamily="49" charset="0"/>
-              </a:rPr>
-              <a:t> * </a:t>
-            </a:r>
-            <a:r>
-              <a:rPr lang="el-GR" b="0" dirty="0">
-                <a:latin typeface="Times New Roman"/>
-                <a:cs typeface="Times New Roman"/>
-              </a:rPr>
-              <a:t>β</a:t>
-            </a:r>
-            <a:r>
-              <a:rPr lang="en-US" b="0" dirty="0" smtClean="0">
-                <a:latin typeface="Source Code Pro" panose="020B0509030403020204" pitchFamily="49" charset="0"/>
-              </a:rPr>
-              <a:t>) * </a:t>
-            </a:r>
-            <a:r>
-              <a:rPr lang="en-US" b="0" dirty="0">
-                <a:latin typeface="Source Code Pro" panose="020B0509030403020204" pitchFamily="49" charset="0"/>
-              </a:rPr>
-              <a:t>(</a:t>
-            </a:r>
-            <a:r>
-              <a:rPr lang="el-GR" b="0" dirty="0"/>
-              <a:t>α</a:t>
-            </a:r>
-            <a:r>
-              <a:rPr lang="en-US" b="0" dirty="0">
-                <a:latin typeface="Source Code Pro" panose="020B0509030403020204" pitchFamily="49" charset="0"/>
-              </a:rPr>
-              <a:t> * </a:t>
-            </a:r>
-            <a:r>
-              <a:rPr lang="el-GR" b="0" dirty="0">
-                <a:latin typeface="Times New Roman"/>
-                <a:cs typeface="Times New Roman"/>
-              </a:rPr>
-              <a:t>β</a:t>
-            </a:r>
-            <a:r>
-              <a:rPr lang="en-US" b="0" dirty="0">
-                <a:latin typeface="Source Code Pro" panose="020B0509030403020204" pitchFamily="49" charset="0"/>
-              </a:rPr>
-              <a:t>) </a:t>
-            </a:r>
-            <a:r>
-              <a:rPr lang="en-US" b="0" dirty="0" smtClean="0">
-                <a:latin typeface="Source Code Pro" panose="020B0509030403020204" pitchFamily="49" charset="0"/>
-              </a:rPr>
-              <a:t>tree * </a:t>
-            </a:r>
-            <a:r>
-              <a:rPr lang="en-US" b="0" dirty="0">
-                <a:latin typeface="Source Code Pro" panose="020B0509030403020204" pitchFamily="49" charset="0"/>
-              </a:rPr>
-              <a:t>(</a:t>
-            </a:r>
-            <a:r>
-              <a:rPr lang="el-GR" b="0" dirty="0"/>
-              <a:t>α</a:t>
-            </a:r>
-            <a:r>
-              <a:rPr lang="en-US" b="0" dirty="0">
-                <a:latin typeface="Source Code Pro" panose="020B0509030403020204" pitchFamily="49" charset="0"/>
-              </a:rPr>
-              <a:t> * </a:t>
-            </a:r>
-            <a:r>
-              <a:rPr lang="el-GR" b="0" dirty="0">
-                <a:latin typeface="Times New Roman"/>
-                <a:cs typeface="Times New Roman"/>
-              </a:rPr>
-              <a:t>β</a:t>
-            </a:r>
-            <a:r>
-              <a:rPr lang="en-US" b="0" dirty="0">
-                <a:latin typeface="Source Code Pro" panose="020B0509030403020204" pitchFamily="49" charset="0"/>
-              </a:rPr>
-              <a:t>) </a:t>
-            </a:r>
-            <a:r>
-              <a:rPr lang="en-US" b="0" dirty="0" smtClean="0">
-                <a:latin typeface="Source Code Pro" panose="020B0509030403020204" pitchFamily="49" charset="0"/>
-              </a:rPr>
-              <a:t>tree</a:t>
-            </a:r>
-          </a:p>
-          <a:p>
-            <a:r>
-              <a:rPr lang="en-US" b="0" dirty="0" smtClean="0">
-                <a:latin typeface="Source Code Pro" panose="020B0509030403020204" pitchFamily="49" charset="0"/>
-              </a:rPr>
-              <a:t/>
-            </a:r>
-            <a:br>
-              <a:rPr lang="en-US" b="0" dirty="0" smtClean="0">
-                <a:latin typeface="Source Code Pro" panose="020B0509030403020204" pitchFamily="49" charset="0"/>
-              </a:rPr>
-            </a:br>
-            <a:r>
-              <a:rPr lang="en-US" b="0" dirty="0" smtClean="0">
-                <a:latin typeface="+mn-lt"/>
-              </a:rPr>
-              <a:t>In C++,</a:t>
-            </a:r>
-          </a:p>
-          <a:p>
-            <a:endParaRPr lang="en-US" b="0" dirty="0">
-              <a:latin typeface="+mn-lt"/>
-            </a:endParaRPr>
-          </a:p>
-          <a:p>
-            <a:r>
-              <a:rPr lang="en-US" b="0" dirty="0" err="1">
-                <a:latin typeface="Source Code Pro" panose="020B0509030403020204" pitchFamily="49" charset="0"/>
-              </a:rPr>
-              <a:t>struct</a:t>
-            </a:r>
-            <a:r>
-              <a:rPr lang="en-US" b="0" dirty="0">
-                <a:latin typeface="Source Code Pro" panose="020B0509030403020204" pitchFamily="49" charset="0"/>
-              </a:rPr>
-              <a:t> </a:t>
-            </a:r>
-            <a:r>
-              <a:rPr lang="en-US" b="0" dirty="0" err="1">
-                <a:latin typeface="Source Code Pro" panose="020B0509030403020204" pitchFamily="49" charset="0"/>
-              </a:rPr>
-              <a:t>empty_t</a:t>
-            </a:r>
-            <a:r>
-              <a:rPr lang="en-US" b="0" dirty="0">
-                <a:latin typeface="Source Code Pro" panose="020B0509030403020204" pitchFamily="49" charset="0"/>
-              </a:rPr>
-              <a:t> </a:t>
-            </a:r>
-            <a:r>
-              <a:rPr lang="en-US" b="0" dirty="0" smtClean="0">
-                <a:latin typeface="Source Code Pro" panose="020B0509030403020204" pitchFamily="49" charset="0"/>
-              </a:rPr>
-              <a:t>{};</a:t>
-            </a:r>
-            <a:br>
-              <a:rPr lang="en-US" b="0" dirty="0" smtClean="0">
-                <a:latin typeface="Source Code Pro" panose="020B0509030403020204" pitchFamily="49" charset="0"/>
-              </a:rPr>
-            </a:br>
-            <a:r>
-              <a:rPr lang="en-US" b="0" dirty="0" smtClean="0">
-                <a:latin typeface="Source Code Pro" panose="020B0509030403020204" pitchFamily="49" charset="0"/>
-              </a:rPr>
-              <a:t>template </a:t>
-            </a:r>
-            <a:r>
-              <a:rPr lang="en-US" b="0" dirty="0">
-                <a:latin typeface="Source Code Pro" panose="020B0509030403020204" pitchFamily="49" charset="0"/>
-              </a:rPr>
-              <a:t>&lt;class T, class V&gt; </a:t>
-            </a:r>
-            <a:r>
-              <a:rPr lang="en-US" b="0" dirty="0" err="1">
-                <a:latin typeface="Source Code Pro" panose="020B0509030403020204" pitchFamily="49" charset="0"/>
-              </a:rPr>
-              <a:t>struct</a:t>
-            </a:r>
-            <a:r>
-              <a:rPr lang="en-US" b="0" dirty="0">
-                <a:latin typeface="Source Code Pro" panose="020B0509030403020204" pitchFamily="49" charset="0"/>
-              </a:rPr>
-              <a:t> </a:t>
-            </a:r>
-            <a:r>
-              <a:rPr lang="en-US" b="0" dirty="0" err="1" smtClean="0">
-                <a:latin typeface="Source Code Pro" panose="020B0509030403020204" pitchFamily="49" charset="0"/>
-              </a:rPr>
-              <a:t>node_t</a:t>
-            </a:r>
-            <a:r>
-              <a:rPr lang="en-US" b="0" dirty="0" smtClean="0">
-                <a:latin typeface="Source Code Pro" panose="020B0509030403020204" pitchFamily="49" charset="0"/>
-              </a:rPr>
-              <a:t>;</a:t>
+              <a:t>{};  // Case 2</a:t>
             </a:r>
           </a:p>
           <a:p>
@@ -22793,63 +22521,221 @@
               <a:rPr lang="en-US" b="0" dirty="0">
                 <a:latin typeface="Source Code Pro" panose="020B0509030403020204" pitchFamily="49" charset="0"/>
               </a:rPr>
-              <a:t>&lt;class K, class V&gt;</a:t>
-            </a:r>
-          </a:p>
-          <a:p>
+              <a:t>&lt;class </a:t>
+            </a:r>
+            <a:r>
+              <a:rPr lang="en-US" b="0" dirty="0" smtClean="0">
+                <a:latin typeface="Source Code Pro" panose="020B0509030403020204" pitchFamily="49" charset="0"/>
+              </a:rPr>
+              <a:t>T&gt; using </a:t>
+            </a:r>
             <a:r>
               <a:rPr lang="en-US" b="0" dirty="0">
                 <a:latin typeface="Source Code Pro" panose="020B0509030403020204" pitchFamily="49" charset="0"/>
               </a:rPr>
-              <a:t>    using tree = </a:t>
+              <a:t>list = </a:t>
+            </a:r>
+            <a:endParaRPr lang="en-US" b="0" dirty="0" smtClean="0">
+              <a:latin typeface="Source Code Pro" panose="020B0509030403020204" pitchFamily="49" charset="0"/>
+            </a:endParaRPr>
+          </a:p>
+          <a:p>
+            <a:r>
+              <a:rPr lang="en-US" b="0" dirty="0" smtClean="0">
+                <a:latin typeface="Source Code Pro" panose="020B0509030403020204" pitchFamily="49" charset="0"/>
+              </a:rPr>
+              <a:t>  </a:t>
+            </a:r>
+            <a:r>
+              <a:rPr lang="en-US" b="0" dirty="0" err="1" smtClean="0">
+                <a:latin typeface="Source Code Pro" panose="020B0509030403020204" pitchFamily="49" charset="0"/>
+              </a:rPr>
+              <a:t>sum_type</a:t>
+            </a:r>
+            <a:r>
+              <a:rPr lang="en-US" b="0" dirty="0" smtClean="0">
+                <a:latin typeface="Source Code Pro" panose="020B0509030403020204" pitchFamily="49" charset="0"/>
+              </a:rPr>
+              <a:t> &lt;</a:t>
+            </a:r>
+            <a:r>
+              <a:rPr lang="en-US" b="0" dirty="0" err="1" smtClean="0">
+                <a:latin typeface="Source Code Pro" panose="020B0509030403020204" pitchFamily="49" charset="0"/>
+              </a:rPr>
+              <a:t>recursive_wrapper</a:t>
+            </a:r>
+            <a:r>
+              <a:rPr lang="en-US" b="0" dirty="0" smtClean="0">
+                <a:latin typeface="Source Code Pro" panose="020B0509030403020204" pitchFamily="49" charset="0"/>
+              </a:rPr>
+              <a:t>&lt;</a:t>
+            </a:r>
+            <a:r>
+              <a:rPr lang="en-US" b="0" dirty="0" err="1" smtClean="0">
+                <a:latin typeface="Source Code Pro" panose="020B0509030403020204" pitchFamily="49" charset="0"/>
+              </a:rPr>
+              <a:t>cons_t</a:t>
+            </a:r>
+            <a:r>
+              <a:rPr lang="en-US" b="0" dirty="0" smtClean="0">
+                <a:latin typeface="Source Code Pro" panose="020B0509030403020204" pitchFamily="49" charset="0"/>
+              </a:rPr>
+              <a:t>&lt;T</a:t>
+            </a:r>
+            <a:r>
+              <a:rPr lang="en-US" b="0" dirty="0">
+                <a:latin typeface="Source Code Pro" panose="020B0509030403020204" pitchFamily="49" charset="0"/>
+              </a:rPr>
+              <a:t>&gt;&gt;, </a:t>
             </a:r>
             <a:r>
               <a:rPr lang="en-US" b="0" dirty="0" err="1">
                 <a:latin typeface="Source Code Pro" panose="020B0509030403020204" pitchFamily="49" charset="0"/>
               </a:rPr>
-              <a:t>sum_type</a:t>
+              <a:t>nil_t</a:t>
             </a:r>
             <a:r>
               <a:rPr lang="en-US" b="0" dirty="0">
                 <a:latin typeface="Source Code Pro" panose="020B0509030403020204" pitchFamily="49" charset="0"/>
               </a:rPr>
-              <a:t> &lt;</a:t>
+              <a:t>&gt;;</a:t>
+            </a:r>
+            <a:br>
+              <a:rPr lang="en-US" b="0" dirty="0">
+                <a:latin typeface="Source Code Pro" panose="020B0509030403020204" pitchFamily="49" charset="0"/>
+              </a:rPr>
+            </a:br>
+            <a:r>
+              <a:rPr lang="en-US" b="0" dirty="0">
+                <a:latin typeface="Source Code Pro" panose="020B0509030403020204" pitchFamily="49" charset="0"/>
+              </a:rPr>
+              <a:t/>
+            </a:r>
+            <a:br>
+              <a:rPr lang="en-US" b="0" dirty="0">
+                <a:latin typeface="Source Code Pro" panose="020B0509030403020204" pitchFamily="49" charset="0"/>
+              </a:rPr>
+            </a:br>
+            <a:r>
+              <a:rPr lang="en-US" b="0" dirty="0" smtClean="0">
+                <a:latin typeface="Source Code Pro" panose="020B0509030403020204" pitchFamily="49" charset="0"/>
+              </a:rPr>
+              <a:t>template </a:t>
+            </a:r>
+            <a:r>
+              <a:rPr lang="en-US" b="0" dirty="0">
+                <a:latin typeface="Source Code Pro" panose="020B0509030403020204" pitchFamily="49" charset="0"/>
+              </a:rPr>
+              <a:t>&lt;class T&gt; </a:t>
+            </a:r>
+          </a:p>
+          <a:p>
+            <a:r>
+              <a:rPr lang="en-US" b="0" dirty="0" err="1" smtClean="0">
+                <a:latin typeface="Source Code Pro" panose="020B0509030403020204" pitchFamily="49" charset="0"/>
+              </a:rPr>
+              <a:t>struct</a:t>
+            </a:r>
+            <a:r>
+              <a:rPr lang="en-US" b="0" dirty="0" smtClean="0">
+                <a:latin typeface="Source Code Pro" panose="020B0509030403020204" pitchFamily="49" charset="0"/>
+              </a:rPr>
+              <a:t> </a:t>
             </a:r>
             <a:r>
               <a:rPr lang="en-US" b="0" dirty="0" err="1">
                 <a:latin typeface="Source Code Pro" panose="020B0509030403020204" pitchFamily="49" charset="0"/>
               </a:rPr>
-              <a:t>empty_t</a:t>
+              <a:t>cons_t</a:t>
             </a:r>
             <a:r>
               <a:rPr lang="en-US" b="0" dirty="0">
                 <a:latin typeface="Source Code Pro" panose="020B0509030403020204" pitchFamily="49" charset="0"/>
               </a:rPr>
-              <a:t>, </a:t>
+              <a:t> {</a:t>
+            </a:r>
+          </a:p>
+          <a:p>
+            <a:r>
+              <a:rPr lang="en-US" b="0" dirty="0" smtClean="0">
+                <a:latin typeface="Source Code Pro" panose="020B0509030403020204" pitchFamily="49" charset="0"/>
+              </a:rPr>
+              <a:t>  </a:t>
+            </a:r>
+            <a:r>
+              <a:rPr lang="en-US" b="0" dirty="0">
+                <a:latin typeface="Source Code Pro" panose="020B0509030403020204" pitchFamily="49" charset="0"/>
+              </a:rPr>
+              <a:t>T </a:t>
             </a:r>
             <a:r>
               <a:rPr lang="en-US" b="0" dirty="0" err="1">
                 <a:latin typeface="Source Code Pro" panose="020B0509030403020204" pitchFamily="49" charset="0"/>
               </a:rPr>
-              <a:t>recursive_wrapper</a:t>
+              <a:t>hd</a:t>
             </a:r>
             <a:r>
               <a:rPr lang="en-US" b="0" dirty="0">
                 <a:latin typeface="Source Code Pro" panose="020B0509030403020204" pitchFamily="49" charset="0"/>
               </a:rPr>
-              <a:t>&lt;</a:t>
+              <a:t>;</a:t>
+            </a:r>
+          </a:p>
+          <a:p>
+            <a:r>
+              <a:rPr lang="en-US" b="0" dirty="0" smtClean="0">
+                <a:latin typeface="Source Code Pro" panose="020B0509030403020204" pitchFamily="49" charset="0"/>
+              </a:rPr>
+              <a:t>  </a:t>
+            </a:r>
+            <a:r>
+              <a:rPr lang="en-US" b="0" dirty="0">
+                <a:latin typeface="Source Code Pro" panose="020B0509030403020204" pitchFamily="49" charset="0"/>
+              </a:rPr>
+              <a:t>list&lt;T&gt; </a:t>
             </a:r>
             <a:r>
               <a:rPr lang="en-US" b="0" dirty="0" err="1">
                 <a:latin typeface="Source Code Pro" panose="020B0509030403020204" pitchFamily="49" charset="0"/>
               </a:rPr>
-              <a:t>node_t</a:t>
+              <a:t>tl</a:t>
             </a:r>
             <a:r>
               <a:rPr lang="en-US" b="0" dirty="0">
                 <a:latin typeface="Source Code Pro" panose="020B0509030403020204" pitchFamily="49" charset="0"/>
               </a:rPr>
-              <a:t>&lt;K, V&gt;&gt;&gt;;</a:t>
+              <a:t>;</a:t>
+            </a:r>
+          </a:p>
+          <a:p>
+            <a:r>
+              <a:rPr lang="en-US" b="0" dirty="0" smtClean="0">
+                <a:latin typeface="Source Code Pro" panose="020B0509030403020204" pitchFamily="49" charset="0"/>
+              </a:rPr>
+              <a:t>  // </a:t>
+            </a:r>
+            <a:r>
+              <a:rPr lang="en-US" b="0" dirty="0" err="1" smtClean="0">
+                <a:latin typeface="Source Code Pro" panose="020B0509030403020204" pitchFamily="49" charset="0"/>
+              </a:rPr>
+              <a:t>ctors</a:t>
+            </a:r>
+            <a:r>
+              <a:rPr lang="en-US" b="0" dirty="0" smtClean="0">
+                <a:latin typeface="Source Code Pro" panose="020B0509030403020204" pitchFamily="49" charset="0"/>
+              </a:rPr>
+              <a:t>…</a:t>
+            </a:r>
+            <a:br>
+              <a:rPr lang="en-US" b="0" dirty="0" smtClean="0">
+                <a:latin typeface="Source Code Pro" panose="020B0509030403020204" pitchFamily="49" charset="0"/>
+              </a:rPr>
+            </a:br>
+            <a:r>
+              <a:rPr lang="en-US" b="0" dirty="0" smtClean="0">
+                <a:latin typeface="Source Code Pro" panose="020B0509030403020204" pitchFamily="49" charset="0"/>
+              </a:rPr>
+              <a:t>};</a:t>
             </a:r>
           </a:p>
         </p:txBody>
@@ -22912,7 +22798,7 @@
     </p:spTree>
     <p:extLst>
       <p:ext uri="{BB962C8B-B14F-4D97-AF65-F5344CB8AC3E}">
-        <p14:creationId xmlns:p14="http://schemas.microsoft.com/office/powerpoint/2010/main" val="1066784931"/>
+        <p14:creationId xmlns:p14="http://schemas.microsoft.com/office/powerpoint/2010/main" val="1691094416"/>
       </p:ext>
     </p:extLst>
   </p:cSld>
@@ -22985,92 +22871,265 @@
           <a:lstStyle/>
           <a:p>
             <a:r>
+              <a:rPr lang="en-US" b="0" dirty="0" smtClean="0"/>
+              <a:t>In </a:t>
+            </a:r>
+            <a:r>
+              <a:rPr lang="en-US" b="0" dirty="0" err="1" smtClean="0"/>
+              <a:t>OCaml</a:t>
+            </a:r>
+            <a:r>
+              <a:rPr lang="en-US" b="0" dirty="0" smtClean="0"/>
+              <a:t>,</a:t>
+            </a:r>
+            <a:br>
+              <a:rPr lang="en-US" b="0" dirty="0" smtClean="0"/>
+            </a:br>
+            <a:r>
+              <a:rPr lang="en-US" b="0" dirty="0" smtClean="0"/>
+              <a:t/>
+            </a:r>
+            <a:br>
+              <a:rPr lang="en-US" b="0" dirty="0" smtClean="0"/>
+            </a:br>
+            <a:r>
+              <a:rPr lang="en-US" b="0" dirty="0" smtClean="0">
+                <a:latin typeface="Source Code Pro" panose="020B0509030403020204" pitchFamily="49" charset="0"/>
+              </a:rPr>
+              <a:t>type (</a:t>
+            </a:r>
+            <a:r>
+              <a:rPr lang="el-GR" b="0" dirty="0" smtClean="0"/>
+              <a:t>α</a:t>
+            </a:r>
+            <a:r>
+              <a:rPr lang="en-US" b="0" dirty="0" smtClean="0">
+                <a:latin typeface="Source Code Pro" panose="020B0509030403020204" pitchFamily="49" charset="0"/>
+              </a:rPr>
+              <a:t>, </a:t>
+            </a:r>
+            <a:r>
+              <a:rPr lang="el-GR" b="0" dirty="0" smtClean="0">
+                <a:latin typeface="Times New Roman"/>
+                <a:cs typeface="Times New Roman"/>
+              </a:rPr>
+              <a:t>β</a:t>
+            </a:r>
+            <a:r>
+              <a:rPr lang="en-US" b="0" dirty="0" smtClean="0">
+                <a:latin typeface="Source Code Pro" panose="020B0509030403020204" pitchFamily="49" charset="0"/>
+              </a:rPr>
+              <a:t>) tree = </a:t>
+            </a:r>
+          </a:p>
+          <a:p>
+            <a:r>
+              <a:rPr lang="en-US" b="0" dirty="0" smtClean="0">
+                <a:latin typeface="Source Code Pro" panose="020B0509030403020204" pitchFamily="49" charset="0"/>
+              </a:rPr>
+              <a:t>    Empty </a:t>
+            </a:r>
+          </a:p>
+          <a:p>
+            <a:r>
+              <a:rPr lang="en-US" b="0" dirty="0" smtClean="0">
+                <a:latin typeface="Source Code Pro" panose="020B0509030403020204" pitchFamily="49" charset="0"/>
+              </a:rPr>
+              <a:t>  | Node of (</a:t>
+            </a:r>
+            <a:r>
+              <a:rPr lang="el-GR" b="0" dirty="0" smtClean="0"/>
+              <a:t>α</a:t>
+            </a:r>
+            <a:r>
+              <a:rPr lang="en-US" b="0" dirty="0" smtClean="0">
+                <a:latin typeface="Source Code Pro" panose="020B0509030403020204" pitchFamily="49" charset="0"/>
+              </a:rPr>
+              <a:t> * </a:t>
+            </a:r>
+            <a:r>
+              <a:rPr lang="el-GR" b="0" dirty="0">
+                <a:latin typeface="Times New Roman"/>
+                <a:cs typeface="Times New Roman"/>
+              </a:rPr>
+              <a:t>β</a:t>
+            </a:r>
+            <a:r>
+              <a:rPr lang="en-US" b="0" dirty="0" smtClean="0">
+                <a:latin typeface="Source Code Pro" panose="020B0509030403020204" pitchFamily="49" charset="0"/>
+              </a:rPr>
+              <a:t>) * </a:t>
+            </a:r>
+            <a:r>
               <a:rPr lang="en-US" b="0" dirty="0">
                 <a:latin typeface="Source Code Pro" panose="020B0509030403020204" pitchFamily="49" charset="0"/>
               </a:rPr>
-              <a:t>template &lt;class K, class V&gt;</a:t>
-            </a:r>
-          </a:p>
-          <a:p>
+              <a:t>(</a:t>
+            </a:r>
+            <a:r>
+              <a:rPr lang="el-GR" b="0" dirty="0"/>
+              <a:t>α</a:t>
+            </a:r>
+            <a:r>
+              <a:rPr lang="en-US" b="0" dirty="0">
+                <a:latin typeface="Source Code Pro" panose="020B0509030403020204" pitchFamily="49" charset="0"/>
+              </a:rPr>
+              <a:t> * </a:t>
+            </a:r>
+            <a:r>
+              <a:rPr lang="el-GR" b="0" dirty="0">
+                <a:latin typeface="Times New Roman"/>
+                <a:cs typeface="Times New Roman"/>
+              </a:rPr>
+              <a:t>β</a:t>
+            </a:r>
+            <a:r>
+              <a:rPr lang="en-US" b="0" dirty="0">
+                <a:latin typeface="Source Code Pro" panose="020B0509030403020204" pitchFamily="49" charset="0"/>
+              </a:rPr>
+              <a:t>) </a:t>
+            </a:r>
+            <a:r>
+              <a:rPr lang="en-US" b="0" dirty="0" smtClean="0">
+                <a:latin typeface="Source Code Pro" panose="020B0509030403020204" pitchFamily="49" charset="0"/>
+              </a:rPr>
+              <a:t>tree * </a:t>
+            </a:r>
+            <a:r>
+              <a:rPr lang="en-US" b="0" dirty="0">
+                <a:latin typeface="Source Code Pro" panose="020B0509030403020204" pitchFamily="49" charset="0"/>
+              </a:rPr>
+              <a:t>(</a:t>
+            </a:r>
+            <a:r>
+              <a:rPr lang="el-GR" b="0" dirty="0"/>
+              <a:t>α</a:t>
+            </a:r>
+            <a:r>
+              <a:rPr lang="en-US" b="0" dirty="0">
+                <a:latin typeface="Source Code Pro" panose="020B0509030403020204" pitchFamily="49" charset="0"/>
+              </a:rPr>
+              <a:t> * </a:t>
+            </a:r>
+            <a:r>
+              <a:rPr lang="el-GR" b="0" dirty="0">
+                <a:latin typeface="Times New Roman"/>
+                <a:cs typeface="Times New Roman"/>
+              </a:rPr>
+              <a:t>β</a:t>
+            </a:r>
+            <a:r>
+              <a:rPr lang="en-US" b="0" dirty="0">
+                <a:latin typeface="Source Code Pro" panose="020B0509030403020204" pitchFamily="49" charset="0"/>
+              </a:rPr>
+              <a:t>) </a:t>
+            </a:r>
+            <a:r>
+              <a:rPr lang="en-US" b="0" dirty="0" smtClean="0">
+                <a:latin typeface="Source Code Pro" panose="020B0509030403020204" pitchFamily="49" charset="0"/>
+              </a:rPr>
+              <a:t>tree</a:t>
+            </a:r>
+          </a:p>
+          <a:p>
+            <a:r>
+              <a:rPr lang="en-US" b="0" dirty="0" smtClean="0">
+                <a:latin typeface="Source Code Pro" panose="020B0509030403020204" pitchFamily="49" charset="0"/>
+              </a:rPr>
+              <a:t/>
+            </a:r>
+            <a:br>
+              <a:rPr lang="en-US" b="0" dirty="0" smtClean="0">
+                <a:latin typeface="Source Code Pro" panose="020B0509030403020204" pitchFamily="49" charset="0"/>
+              </a:rPr>
+            </a:br>
+            <a:r>
+              <a:rPr lang="en-US" b="0" dirty="0" smtClean="0">
+                <a:latin typeface="+mn-lt"/>
+              </a:rPr>
+              <a:t>In C++,</a:t>
+            </a:r>
+          </a:p>
+          <a:p>
+            <a:endParaRPr lang="en-US" b="0" dirty="0">
+              <a:latin typeface="+mn-lt"/>
+            </a:endParaRPr>
+          </a:p>
+          <a:p>
+            <a:r>
+              <a:rPr lang="en-US" b="0" dirty="0" err="1">
+                <a:latin typeface="Source Code Pro" panose="020B0509030403020204" pitchFamily="49" charset="0"/>
+              </a:rPr>
+              <a:t>struct</a:t>
+            </a:r>
+            <a:r>
+              <a:rPr lang="en-US" b="0" dirty="0">
+                <a:latin typeface="Source Code Pro" panose="020B0509030403020204" pitchFamily="49" charset="0"/>
+              </a:rPr>
+              <a:t> </a:t>
+            </a:r>
+            <a:r>
+              <a:rPr lang="en-US" b="0" dirty="0" err="1">
+                <a:latin typeface="Source Code Pro" panose="020B0509030403020204" pitchFamily="49" charset="0"/>
+              </a:rPr>
+              <a:t>empty_t</a:t>
+            </a:r>
+            <a:r>
+              <a:rPr lang="en-US" b="0" dirty="0">
+                <a:latin typeface="Source Code Pro" panose="020B0509030403020204" pitchFamily="49" charset="0"/>
+              </a:rPr>
+              <a:t> </a:t>
+            </a:r>
+            <a:r>
+              <a:rPr lang="en-US" b="0" dirty="0" smtClean="0">
+                <a:latin typeface="Source Code Pro" panose="020B0509030403020204" pitchFamily="49" charset="0"/>
+              </a:rPr>
+              <a:t>{};</a:t>
+            </a:r>
+            <a:br>
+              <a:rPr lang="en-US" b="0" dirty="0" smtClean="0">
+                <a:latin typeface="Source Code Pro" panose="020B0509030403020204" pitchFamily="49" charset="0"/>
+              </a:rPr>
+            </a:br>
+            <a:r>
+              <a:rPr lang="en-US" b="0" dirty="0" smtClean="0">
+                <a:latin typeface="Source Code Pro" panose="020B0509030403020204" pitchFamily="49" charset="0"/>
+              </a:rPr>
+              <a:t>template </a:t>
+            </a:r>
+            <a:r>
+              <a:rPr lang="en-US" b="0" dirty="0">
+                <a:latin typeface="Source Code Pro" panose="020B0509030403020204" pitchFamily="49" charset="0"/>
+              </a:rPr>
+              <a:t>&lt;class T, class V&gt; </a:t>
+            </a:r>
+            <a:r>
+              <a:rPr lang="en-US" b="0" dirty="0" err="1">
+                <a:latin typeface="Source Code Pro" panose="020B0509030403020204" pitchFamily="49" charset="0"/>
+              </a:rPr>
+              <a:t>struct</a:t>
+            </a:r>
+            <a:r>
+              <a:rPr lang="en-US" b="0" dirty="0">
+                <a:latin typeface="Source Code Pro" panose="020B0509030403020204" pitchFamily="49" charset="0"/>
+              </a:rPr>
+              <a:t> </a:t>
+            </a:r>
             <a:r>
               <a:rPr lang="en-US" b="0" dirty="0" err="1" smtClean="0">
                 <a:latin typeface="Source Code Pro" panose="020B0509030403020204" pitchFamily="49" charset="0"/>
               </a:rPr>
-              <a:t>struct</a:t>
+              <a:t>node_t</a:t>
             </a:r>
             <a:r>
               <a:rPr lang="en-US" b="0" dirty="0" smtClean="0">
                 <a:latin typeface="Source Code Pro" panose="020B0509030403020204" pitchFamily="49" charset="0"/>
               </a:rPr>
-              <a:t> </a:t>
-            </a:r>
-            <a:r>
-              <a:rPr lang="en-US" b="0" dirty="0" err="1">
-                <a:latin typeface="Source Code Pro" panose="020B0509030403020204" pitchFamily="49" charset="0"/>
-              </a:rPr>
-              <a:t>node_t</a:t>
-            </a:r>
-            <a:r>
-              <a:rPr lang="en-US" b="0" dirty="0">
-                <a:latin typeface="Source Code Pro" panose="020B0509030403020204" pitchFamily="49" charset="0"/>
-              </a:rPr>
-              <a:t> {</a:t>
-            </a:r>
-          </a:p>
-          <a:p>
-            <a:r>
-              <a:rPr lang="en-US" b="0" dirty="0" smtClean="0">
-                <a:latin typeface="Source Code Pro" panose="020B0509030403020204" pitchFamily="49" charset="0"/>
-              </a:rPr>
-              <a:t>  using </a:t>
-            </a:r>
-            <a:r>
-              <a:rPr lang="en-US" b="0" dirty="0" err="1">
-                <a:latin typeface="Source Code Pro" panose="020B0509030403020204" pitchFamily="49" charset="0"/>
-              </a:rPr>
-              <a:t>tree_type</a:t>
-            </a:r>
-            <a:r>
-              <a:rPr lang="en-US" b="0" dirty="0">
-                <a:latin typeface="Source Code Pro" panose="020B0509030403020204" pitchFamily="49" charset="0"/>
-              </a:rPr>
-              <a:t> = tree&lt;K, V&gt;;</a:t>
-            </a:r>
-          </a:p>
-          <a:p>
-            <a:r>
-              <a:rPr lang="en-US" b="0" dirty="0" smtClean="0">
-                <a:latin typeface="Source Code Pro" panose="020B0509030403020204" pitchFamily="49" charset="0"/>
-              </a:rPr>
-              <a:t>  using </a:t>
-            </a:r>
-            <a:r>
-              <a:rPr lang="en-US" b="0" dirty="0" err="1">
-                <a:latin typeface="Source Code Pro" panose="020B0509030403020204" pitchFamily="49" charset="0"/>
-              </a:rPr>
-              <a:t>value_type</a:t>
-            </a:r>
-            <a:r>
-              <a:rPr lang="en-US" b="0" dirty="0">
-                <a:latin typeface="Source Code Pro" panose="020B0509030403020204" pitchFamily="49" charset="0"/>
-              </a:rPr>
-              <a:t> = </a:t>
-            </a:r>
-            <a:r>
-              <a:rPr lang="en-US" b="0" dirty="0" err="1">
-                <a:latin typeface="Source Code Pro" panose="020B0509030403020204" pitchFamily="49" charset="0"/>
-              </a:rPr>
-              <a:t>std</a:t>
-            </a:r>
-            <a:r>
-              <a:rPr lang="en-US" b="0" dirty="0">
-                <a:latin typeface="Source Code Pro" panose="020B0509030403020204" pitchFamily="49" charset="0"/>
-              </a:rPr>
-              <a:t>::pair&lt;K, V&gt;; </a:t>
-            </a:r>
-          </a:p>
-          <a:p>
-            <a:endParaRPr lang="en-US" b="0" dirty="0">
+              <a:t>;</a:t>
+            </a:r>
+          </a:p>
+          <a:p>
+            <a:endParaRPr lang="en-US" b="0" dirty="0" smtClean="0">
               <a:latin typeface="Source Code Pro" panose="020B0509030403020204" pitchFamily="49" charset="0"/>
             </a:endParaRPr>
           </a:p>
@@ -23079,31 +23138,13 @@
               <a:rPr lang="en-US" b="0" dirty="0" smtClean="0">
                 <a:latin typeface="Source Code Pro" panose="020B0509030403020204" pitchFamily="49" charset="0"/>
               </a:rPr>
-              <a:t>  </a:t>
-            </a:r>
-            <a:r>
-              <a:rPr lang="en-US" b="0" dirty="0" err="1" smtClean="0">
-                <a:latin typeface="Source Code Pro" panose="020B0509030403020204" pitchFamily="49" charset="0"/>
-              </a:rPr>
-              <a:t>value_type</a:t>
-            </a:r>
-            <a:r>
-              <a:rPr lang="en-US" b="0" dirty="0" smtClean="0">
-                <a:latin typeface="Source Code Pro" panose="020B0509030403020204" pitchFamily="49" charset="0"/>
-              </a:rPr>
-              <a:t> </a:t>
+              <a:t>template </a:t>
             </a:r>
             <a:r>
               <a:rPr lang="en-US" b="0" dirty="0">
                 <a:latin typeface="Source Code Pro" panose="020B0509030403020204" pitchFamily="49" charset="0"/>
               </a:rPr>
-              <a:t>data</a:t>
-            </a:r>
-            <a:r>
-              <a:rPr lang="en-US" b="0" dirty="0" smtClean="0">
-                <a:latin typeface="Source Code Pro" panose="020B0509030403020204" pitchFamily="49" charset="0"/>
-              </a:rPr>
-              <a:t>;</a:t>
+              <a:t>&lt;class K, class V&gt;</a:t>
             </a:r>
           </a:p>
           <a:p>
@@ -23111,121 +23152,56 @@
               <a:rPr lang="en-US" b="0" dirty="0">
                 <a:latin typeface="Source Code Pro" panose="020B0509030403020204" pitchFamily="49" charset="0"/>
               </a:rPr>
-              <a:t> </a:t>
-            </a:r>
-            <a:r>
-              <a:rPr lang="en-US" b="0" dirty="0" smtClean="0">
-                <a:latin typeface="Source Code Pro" panose="020B0509030403020204" pitchFamily="49" charset="0"/>
-              </a:rPr>
-              <a:t> </a:t>
-            </a:r>
-            <a:r>
-              <a:rPr lang="en-US" b="0" dirty="0" err="1" smtClean="0">
-                <a:latin typeface="Source Code Pro" panose="020B0509030403020204" pitchFamily="49" charset="0"/>
-              </a:rPr>
-              <a:t>tree_type</a:t>
-            </a:r>
-            <a:r>
-              <a:rPr lang="en-US" b="0" dirty="0" smtClean="0">
-                <a:latin typeface="Source Code Pro" panose="020B0509030403020204" pitchFamily="49" charset="0"/>
-              </a:rPr>
-              <a:t> </a:t>
+              <a:t>    using tree = </a:t>
             </a:r>
             <a:r>
               <a:rPr lang="en-US" b="0" dirty="0" err="1">
                 <a:latin typeface="Source Code Pro" panose="020B0509030403020204" pitchFamily="49" charset="0"/>
               </a:rPr>
-              <a:t>left_child</a:t>
-            </a:r>
-            <a:r>
-              <a:rPr lang="en-US" b="0" dirty="0" smtClean="0">
-                <a:latin typeface="Source Code Pro" panose="020B0509030403020204" pitchFamily="49" charset="0"/>
-              </a:rPr>
-              <a:t>;</a:t>
-            </a:r>
-            <a:br>
-              <a:rPr lang="en-US" b="0" dirty="0" smtClean="0">
-                <a:latin typeface="Source Code Pro" panose="020B0509030403020204" pitchFamily="49" charset="0"/>
-              </a:rPr>
-            </a:br>
-            <a:r>
-              <a:rPr lang="en-US" b="0" dirty="0" smtClean="0">
-                <a:latin typeface="Source Code Pro" panose="020B0509030403020204" pitchFamily="49" charset="0"/>
-              </a:rPr>
-              <a:t>  </a:t>
-            </a:r>
-            <a:r>
-              <a:rPr lang="en-US" b="0" dirty="0" err="1" smtClean="0">
-                <a:latin typeface="Source Code Pro" panose="020B0509030403020204" pitchFamily="49" charset="0"/>
-              </a:rPr>
-              <a:t>tree_type</a:t>
-            </a:r>
-            <a:r>
-              <a:rPr lang="en-US" b="0" dirty="0" smtClean="0">
-                <a:latin typeface="Source Code Pro" panose="020B0509030403020204" pitchFamily="49" charset="0"/>
-              </a:rPr>
-              <a:t> </a:t>
-            </a:r>
-            <a:r>
-              <a:rPr lang="en-US" b="0" dirty="0" err="1" smtClean="0">
-                <a:latin typeface="Source Code Pro" panose="020B0509030403020204" pitchFamily="49" charset="0"/>
-              </a:rPr>
-              <a:t>right_child</a:t>
-            </a:r>
-            <a:r>
-              <a:rPr lang="en-US" b="0" dirty="0" smtClean="0">
-                <a:latin typeface="Source Code Pro" panose="020B0509030403020204" pitchFamily="49" charset="0"/>
-              </a:rPr>
-              <a:t>;</a:t>
-            </a:r>
-            <a:endParaRPr lang="en-US" b="0" dirty="0">
-              <a:latin typeface="Source Code Pro" panose="020B0509030403020204" pitchFamily="49" charset="0"/>
-            </a:endParaRPr>
-          </a:p>
-          <a:p>
-            <a:r>
-              <a:rPr lang="en-US" b="0" dirty="0" smtClean="0">
-                <a:latin typeface="Source Code Pro" panose="020B0509030403020204" pitchFamily="49" charset="0"/>
-              </a:rPr>
-              <a:t/>
-            </a:r>
-            <a:br>
-              <a:rPr lang="en-US" b="0" dirty="0" smtClean="0">
-                <a:latin typeface="Source Code Pro" panose="020B0509030403020204" pitchFamily="49" charset="0"/>
-              </a:rPr>
-            </a:br>
-            <a:r>
-              <a:rPr lang="en-US" b="0" dirty="0" smtClean="0">
-                <a:latin typeface="Source Code Pro" panose="020B0509030403020204" pitchFamily="49" charset="0"/>
-              </a:rPr>
-              <a:t>  //</a:t>
-            </a:r>
-            <a:r>
-              <a:rPr lang="en-US" b="0" dirty="0" err="1" smtClean="0">
-                <a:latin typeface="Source Code Pro" panose="020B0509030403020204" pitchFamily="49" charset="0"/>
-              </a:rPr>
-              <a:t>ctors</a:t>
-            </a:r>
-            <a:r>
-              <a:rPr lang="en-US" b="0" dirty="0" smtClean="0">
-                <a:latin typeface="Source Code Pro" panose="020B0509030403020204" pitchFamily="49" charset="0"/>
-              </a:rPr>
-              <a:t>...</a:t>
-            </a:r>
-            <a:br>
-              <a:rPr lang="en-US" b="0" dirty="0" smtClean="0">
-                <a:latin typeface="Source Code Pro" panose="020B0509030403020204" pitchFamily="49" charset="0"/>
-              </a:rPr>
-            </a:br>
-            <a:r>
-              <a:rPr lang="en-US" b="0" dirty="0" smtClean="0">
-                <a:latin typeface="Source Code Pro" panose="020B0509030403020204" pitchFamily="49" charset="0"/>
-              </a:rPr>
-              <a:t>};</a:t>
-            </a:r>
-            <a:endParaRPr lang="en-US" b="0" dirty="0">
-              <a:latin typeface="Source Code Pro" panose="020B0509030403020204" pitchFamily="49" charset="0"/>
-            </a:endParaRPr>
+              <a:t>sum_type</a:t>
+            </a:r>
+            <a:r>
+              <a:rPr lang="en-US" b="0" dirty="0">
+                <a:latin typeface="Source Code Pro" panose="020B0509030403020204" pitchFamily="49" charset="0"/>
+              </a:rPr>
+              <a:t> &lt;</a:t>
+            </a:r>
+            <a:r>
+              <a:rPr lang="en-US" b="0" dirty="0" err="1">
+                <a:latin typeface="Source Code Pro" panose="020B0509030403020204" pitchFamily="49" charset="0"/>
+              </a:rPr>
+              <a:t>empty_t</a:t>
+            </a:r>
+            <a:r>
+              <a:rPr lang="en-US" b="0" dirty="0">
+                <a:latin typeface="Source Code Pro" panose="020B0509030403020204" pitchFamily="49" charset="0"/>
+              </a:rPr>
+              <a:t>, </a:t>
+            </a:r>
+            <a:r>
+              <a:rPr lang="en-US" b="0" dirty="0" err="1">
+                <a:latin typeface="Source Code Pro" panose="020B0509030403020204" pitchFamily="49" charset="0"/>
+              </a:rPr>
+              <a:t>recursive_wrapper</a:t>
+            </a:r>
+            <a:r>
+              <a:rPr lang="en-US" b="0" dirty="0">
+                <a:latin typeface="Source Code Pro" panose="020B0509030403020204" pitchFamily="49" charset="0"/>
+              </a:rPr>
+              <a:t>&lt;</a:t>
+            </a:r>
+            <a:r>
+              <a:rPr lang="en-US" b="0" dirty="0" err="1">
+                <a:latin typeface="Source Code Pro" panose="020B0509030403020204" pitchFamily="49" charset="0"/>
+              </a:rPr>
+              <a:t>node_t</a:t>
+            </a:r>
+            <a:r>
+              <a:rPr lang="en-US" b="0" dirty="0">
+                <a:latin typeface="Source Code Pro" panose="020B0509030403020204" pitchFamily="49" charset="0"/>
+              </a:rPr>
+              <a:t>&lt;K, V&gt;&gt;&gt;;</a:t>
+            </a:r>
           </a:p>
         </p:txBody>
       </p:sp>
@@ -23287,7 +23263,7 @@
     </p:spTree>
     <p:extLst>
       <p:ext uri="{BB962C8B-B14F-4D97-AF65-F5344CB8AC3E}">
-        <p14:creationId xmlns:p14="http://schemas.microsoft.com/office/powerpoint/2010/main" val="1331087406"/>
+        <p14:creationId xmlns:p14="http://schemas.microsoft.com/office/powerpoint/2010/main" val="1066784931"/>
       </p:ext>
     </p:extLst>
   </p:cSld>
@@ -23323,7 +23299,7 @@
       </p:grpSpPr>
       <p:sp>
         <p:nvSpPr>
-          <p:cNvPr id="6" name="Title 5"/>
+          <p:cNvPr id="2" name="Title 1"/>
           <p:cNvSpPr>
             <a:spLocks noGrp="1"/>
           </p:cNvSpPr>
@@ -23336,7 +23312,271 @@
           <a:bodyPr/>
           <a:lstStyle/>
           <a:p>
+            <a:r>
+              <a:rPr lang="en-US" dirty="0" smtClean="0"/>
+              <a:t>Example : Binary search trees</a:t>
+            </a:r>
             <a:endParaRPr lang="en-US" dirty="0"/>
+          </a:p>
+        </p:txBody>
+      </p:sp>
+      <p:sp>
+        <p:nvSpPr>
+          <p:cNvPr id="3" name="Content Placeholder 2"/>
+          <p:cNvSpPr>
+            <a:spLocks noGrp="1"/>
+          </p:cNvSpPr>
+          <p:nvPr>
+            <p:ph idx="1"/>
+          </p:nvPr>
+        </p:nvSpPr>
+        <p:spPr/>
+        <p:txBody>
+          <a:bodyPr/>
+          <a:lstStyle/>
+          <a:p>
+            <a:r>
+              <a:rPr lang="en-US" b="0" dirty="0">
+                <a:latin typeface="Source Code Pro" panose="020B0509030403020204" pitchFamily="49" charset="0"/>
+              </a:rPr>
+              <a:t>template &lt;class K, class V&gt;</a:t>
+            </a:r>
+          </a:p>
+          <a:p>
+            <a:r>
+              <a:rPr lang="en-US" b="0" dirty="0" err="1" smtClean="0">
+                <a:latin typeface="Source Code Pro" panose="020B0509030403020204" pitchFamily="49" charset="0"/>
+              </a:rPr>
+              <a:t>struct</a:t>
+            </a:r>
+            <a:r>
+              <a:rPr lang="en-US" b="0" dirty="0" smtClean="0">
+                <a:latin typeface="Source Code Pro" panose="020B0509030403020204" pitchFamily="49" charset="0"/>
+              </a:rPr>
+              <a:t> </a:t>
+            </a:r>
+            <a:r>
+              <a:rPr lang="en-US" b="0" dirty="0" err="1">
+                <a:latin typeface="Source Code Pro" panose="020B0509030403020204" pitchFamily="49" charset="0"/>
+              </a:rPr>
+              <a:t>node_t</a:t>
+            </a:r>
+            <a:r>
+              <a:rPr lang="en-US" b="0" dirty="0">
+                <a:latin typeface="Source Code Pro" panose="020B0509030403020204" pitchFamily="49" charset="0"/>
+              </a:rPr>
+              <a:t> {</a:t>
+            </a:r>
+          </a:p>
+          <a:p>
+            <a:r>
+              <a:rPr lang="en-US" b="0" dirty="0" smtClean="0">
+                <a:latin typeface="Source Code Pro" panose="020B0509030403020204" pitchFamily="49" charset="0"/>
+              </a:rPr>
+              <a:t>  using </a:t>
+            </a:r>
+            <a:r>
+              <a:rPr lang="en-US" b="0" dirty="0" err="1">
+                <a:latin typeface="Source Code Pro" panose="020B0509030403020204" pitchFamily="49" charset="0"/>
+              </a:rPr>
+              <a:t>tree_type</a:t>
+            </a:r>
+            <a:r>
+              <a:rPr lang="en-US" b="0" dirty="0">
+                <a:latin typeface="Source Code Pro" panose="020B0509030403020204" pitchFamily="49" charset="0"/>
+              </a:rPr>
+              <a:t> = tree&lt;K, V&gt;;</a:t>
+            </a:r>
+          </a:p>
+          <a:p>
+            <a:r>
+              <a:rPr lang="en-US" b="0" dirty="0" smtClean="0">
+                <a:latin typeface="Source Code Pro" panose="020B0509030403020204" pitchFamily="49" charset="0"/>
+              </a:rPr>
+              <a:t>  using </a:t>
+            </a:r>
+            <a:r>
+              <a:rPr lang="en-US" b="0" dirty="0" err="1">
+                <a:latin typeface="Source Code Pro" panose="020B0509030403020204" pitchFamily="49" charset="0"/>
+              </a:rPr>
+              <a:t>value_type</a:t>
+            </a:r>
+            <a:r>
+              <a:rPr lang="en-US" b="0" dirty="0">
+                <a:latin typeface="Source Code Pro" panose="020B0509030403020204" pitchFamily="49" charset="0"/>
+              </a:rPr>
+              <a:t> = </a:t>
+            </a:r>
+            <a:r>
+              <a:rPr lang="en-US" b="0" dirty="0" err="1">
+                <a:latin typeface="Source Code Pro" panose="020B0509030403020204" pitchFamily="49" charset="0"/>
+              </a:rPr>
+              <a:t>std</a:t>
+            </a:r>
+            <a:r>
+              <a:rPr lang="en-US" b="0" dirty="0">
+                <a:latin typeface="Source Code Pro" panose="020B0509030403020204" pitchFamily="49" charset="0"/>
+              </a:rPr>
+              <a:t>::pair&lt;K, V&gt;; </a:t>
+            </a:r>
+          </a:p>
+          <a:p>
+            <a:endParaRPr lang="en-US" b="0" dirty="0">
+              <a:latin typeface="Source Code Pro" panose="020B0509030403020204" pitchFamily="49" charset="0"/>
+            </a:endParaRPr>
+          </a:p>
+          <a:p>
+            <a:r>
+              <a:rPr lang="en-US" b="0" dirty="0" smtClean="0">
+                <a:latin typeface="Source Code Pro" panose="020B0509030403020204" pitchFamily="49" charset="0"/>
+              </a:rPr>
+              <a:t>  </a:t>
+            </a:r>
+            <a:r>
+              <a:rPr lang="en-US" b="0" dirty="0" err="1" smtClean="0">
+                <a:latin typeface="Source Code Pro" panose="020B0509030403020204" pitchFamily="49" charset="0"/>
+              </a:rPr>
+              <a:t>value_type</a:t>
+            </a:r>
+            <a:r>
+              <a:rPr lang="en-US" b="0" dirty="0" smtClean="0">
+                <a:latin typeface="Source Code Pro" panose="020B0509030403020204" pitchFamily="49" charset="0"/>
+              </a:rPr>
+              <a:t> </a:t>
+            </a:r>
+            <a:r>
+              <a:rPr lang="en-US" b="0" dirty="0">
+                <a:latin typeface="Source Code Pro" panose="020B0509030403020204" pitchFamily="49" charset="0"/>
+              </a:rPr>
+              <a:t>data</a:t>
+            </a:r>
+            <a:r>
+              <a:rPr lang="en-US" b="0" dirty="0" smtClean="0">
+                <a:latin typeface="Source Code Pro" panose="020B0509030403020204" pitchFamily="49" charset="0"/>
+              </a:rPr>
+              <a:t>;</a:t>
+            </a:r>
+          </a:p>
+          <a:p>
+            <a:r>
+              <a:rPr lang="en-US" b="0" dirty="0">
+                <a:latin typeface="Source Code Pro" panose="020B0509030403020204" pitchFamily="49" charset="0"/>
+              </a:rPr>
+              <a:t> </a:t>
+            </a:r>
+            <a:r>
+              <a:rPr lang="en-US" b="0" dirty="0" smtClean="0">
+                <a:latin typeface="Source Code Pro" panose="020B0509030403020204" pitchFamily="49" charset="0"/>
+              </a:rPr>
+              <a:t> </a:t>
+            </a:r>
+            <a:r>
+              <a:rPr lang="en-US" b="0" dirty="0" err="1" smtClean="0">
+                <a:latin typeface="Source Code Pro" panose="020B0509030403020204" pitchFamily="49" charset="0"/>
+              </a:rPr>
+              <a:t>tree_type</a:t>
+            </a:r>
+            <a:r>
+              <a:rPr lang="en-US" b="0" dirty="0" smtClean="0">
+                <a:latin typeface="Source Code Pro" panose="020B0509030403020204" pitchFamily="49" charset="0"/>
+              </a:rPr>
+              <a:t> </a:t>
+            </a:r>
+            <a:r>
+              <a:rPr lang="en-US" b="0" dirty="0" err="1">
+                <a:latin typeface="Source Code Pro" panose="020B0509030403020204" pitchFamily="49" charset="0"/>
+              </a:rPr>
+              <a:t>left_child</a:t>
+            </a:r>
+            <a:r>
+              <a:rPr lang="en-US" b="0" dirty="0" smtClean="0">
+                <a:latin typeface="Source Code Pro" panose="020B0509030403020204" pitchFamily="49" charset="0"/>
+              </a:rPr>
+              <a:t>;</a:t>
+            </a:r>
+            <a:br>
+              <a:rPr lang="en-US" b="0" dirty="0" smtClean="0">
+                <a:latin typeface="Source Code Pro" panose="020B0509030403020204" pitchFamily="49" charset="0"/>
+              </a:rPr>
+            </a:br>
+            <a:r>
+              <a:rPr lang="en-US" b="0" dirty="0" smtClean="0">
+                <a:latin typeface="Source Code Pro" panose="020B0509030403020204" pitchFamily="49" charset="0"/>
+              </a:rPr>
+              <a:t>  </a:t>
+            </a:r>
+            <a:r>
+              <a:rPr lang="en-US" b="0" dirty="0" err="1" smtClean="0">
+                <a:latin typeface="Source Code Pro" panose="020B0509030403020204" pitchFamily="49" charset="0"/>
+              </a:rPr>
+              <a:t>tree_type</a:t>
+            </a:r>
+            <a:r>
+              <a:rPr lang="en-US" b="0" dirty="0" smtClean="0">
+                <a:latin typeface="Source Code Pro" panose="020B0509030403020204" pitchFamily="49" charset="0"/>
+              </a:rPr>
+              <a:t> </a:t>
+            </a:r>
+            <a:r>
+              <a:rPr lang="en-US" b="0" dirty="0" err="1" smtClean="0">
+                <a:latin typeface="Source Code Pro" panose="020B0509030403020204" pitchFamily="49" charset="0"/>
+              </a:rPr>
+              <a:t>right_child</a:t>
+            </a:r>
+            <a:r>
+              <a:rPr lang="en-US" b="0" dirty="0" smtClean="0">
+                <a:latin typeface="Source Code Pro" panose="020B0509030403020204" pitchFamily="49" charset="0"/>
+              </a:rPr>
+              <a:t>;</a:t>
+            </a:r>
+            <a:endParaRPr lang="en-US" b="0" dirty="0">
+              <a:latin typeface="Source Code Pro" panose="020B0509030403020204" pitchFamily="49" charset="0"/>
+            </a:endParaRPr>
+          </a:p>
+          <a:p>
+            <a:r>
+              <a:rPr lang="en-US" b="0" dirty="0" smtClean="0">
+                <a:latin typeface="Source Code Pro" panose="020B0509030403020204" pitchFamily="49" charset="0"/>
+              </a:rPr>
+              <a:t/>
+            </a:r>
+            <a:br>
+              <a:rPr lang="en-US" b="0" dirty="0" smtClean="0">
+                <a:latin typeface="Source Code Pro" panose="020B0509030403020204" pitchFamily="49" charset="0"/>
+              </a:rPr>
+            </a:br>
+            <a:r>
+              <a:rPr lang="en-US" b="0" dirty="0" smtClean="0">
+                <a:latin typeface="Source Code Pro" panose="020B0509030403020204" pitchFamily="49" charset="0"/>
+              </a:rPr>
+              <a:t>  //</a:t>
+            </a:r>
+            <a:r>
+              <a:rPr lang="en-US" b="0" dirty="0" err="1" smtClean="0">
+                <a:latin typeface="Source Code Pro" panose="020B0509030403020204" pitchFamily="49" charset="0"/>
+              </a:rPr>
+              <a:t>ctors</a:t>
+            </a:r>
+            <a:r>
+              <a:rPr lang="en-US" b="0" dirty="0" smtClean="0">
+                <a:latin typeface="Source Code Pro" panose="020B0509030403020204" pitchFamily="49" charset="0"/>
+              </a:rPr>
+              <a:t>...</a:t>
+            </a:r>
+            <a:br>
+              <a:rPr lang="en-US" b="0" dirty="0" smtClean="0">
+                <a:latin typeface="Source Code Pro" panose="020B0509030403020204" pitchFamily="49" charset="0"/>
+              </a:rPr>
+            </a:br>
+            <a:r>
+              <a:rPr lang="en-US" b="0" dirty="0" smtClean="0">
+                <a:latin typeface="Source Code Pro" panose="020B0509030403020204" pitchFamily="49" charset="0"/>
+              </a:rPr>
+              <a:t>};</a:t>
+            </a:r>
+            <a:endParaRPr lang="en-US" b="0" dirty="0">
+              <a:latin typeface="Source Code Pro" panose="020B0509030403020204" pitchFamily="49" charset="0"/>
+            </a:endParaRPr>
           </a:p>
         </p:txBody>
       </p:sp>
@@ -23383,7 +23623,7 @@
             <a:spLocks noGrp="1"/>
           </p:cNvSpPr>
           <p:nvPr>
-            <p:ph type="ftr" sz="quarter" idx="15"/>
+            <p:ph type="ftr" sz="quarter" idx="13"/>
           </p:nvPr>
         </p:nvSpPr>
         <p:spPr/>
@@ -23395,40 +23635,935 @@
           </a:p>
         </p:txBody>
       </p:sp>
-      <p:pic>
-        <p:nvPicPr>
-          <p:cNvPr id="7" name="Picture 6"/>
-          <p:cNvPicPr>
-            <a:picLocks noChangeAspect="1"/>
-          </p:cNvPicPr>
-          <p:nvPr/>
-        </p:nvPicPr>
-        <p:blipFill>
-          <a:blip r:embed="rId3">
-            <a:extLst>
-              <a:ext uri="{28A0092B-C50C-407E-A947-70E740481C1C}">
-                <a14:useLocalDpi xmlns:a14="http://schemas.microsoft.com/office/drawing/2010/main" val="0"/>
-              </a:ext>
-            </a:extLst>
-          </a:blip>
-          <a:stretch>
-            <a:fillRect/>
-          </a:stretch>
-        </p:blipFill>
-        <p:spPr>
-          <a:xfrm>
-            <a:off x="1714500" y="571500"/>
-            <a:ext cx="5715000" cy="5715000"/>
-          </a:xfrm>
-          <a:prstGeom prst="rect">
-            <a:avLst/>
-          </a:prstGeom>
-        </p:spPr>
-      </p:pic>
     </p:spTree>
     <p:extLst>
       <p:ext uri="{BB962C8B-B14F-4D97-AF65-F5344CB8AC3E}">
-        <p14:creationId xmlns:p14="http://schemas.microsoft.com/office/powerpoint/2010/main" val="3046816275"/>
+        <p14:creationId xmlns:p14="http://schemas.microsoft.com/office/powerpoint/2010/main" val="1331087406"/>
+      </p:ext>
+    </p:extLst>
+  </p:cSld>
+  <p:clrMapOvr>
+    <a:masterClrMapping/>
+  </p:clrMapOvr>
+  <p:timing>
+    <p:tnLst>
+      <p:par>
+        <p:cTn id="1" dur="indefinite" restart="never" nodeType="tmRoot"/>
+      </p:par>
+    </p:tnLst>
+  </p:timing>
+</p:sld>
+</file>
+
+<file path=ppt/slides/slide26.xml><?xml version="1.0" encoding="utf-8"?>
+<p:sld xmlns:a="http://schemas.openxmlformats.org/drawingml/2006/main" xmlns:r="http://schemas.openxmlformats.org/officeDocument/2006/relationships" xmlns:p="http://schemas.openxmlformats.org/presentationml/2006/main">
+  <p:cSld>
+    <p:spTree>
+      <p:nvGrpSpPr>
+        <p:cNvPr id="1" name=""/>
+        <p:cNvGrpSpPr/>
+        <p:nvPr/>
+      </p:nvGrpSpPr>
+      <p:grpSpPr>
+        <a:xfrm>
+          <a:off x="0" y="0"/>
+          <a:ext cx="0" cy="0"/>
+          <a:chOff x="0" y="0"/>
+          <a:chExt cx="0" cy="0"/>
+        </a:xfrm>
+      </p:grpSpPr>
+      <p:sp>
+        <p:nvSpPr>
+          <p:cNvPr id="4" name="Slide Number Placeholder 3"/>
+          <p:cNvSpPr>
+            <a:spLocks noGrp="1"/>
+          </p:cNvSpPr>
+          <p:nvPr>
+            <p:ph type="sldNum" sz="quarter" idx="12"/>
+          </p:nvPr>
+        </p:nvSpPr>
+        <p:spPr/>
+        <p:txBody>
+          <a:bodyPr/>
+          <a:lstStyle/>
+          <a:p>
+            <a:fld id="{B383C57C-80DA-45D5-BFE5-7583B8192761}" type="slidenum">
+              <a:rPr lang="en-US" smtClean="0">
+                <a:solidFill>
+                  <a:prstClr val="white">
+                    <a:lumMod val="75000"/>
+                  </a:prstClr>
+                </a:solidFill>
+              </a:rPr>
+              <a:pPr/>
+              <a:t>26</a:t>
+            </a:fld>
+            <a:endParaRPr lang="en-US">
+              <a:solidFill>
+                <a:prstClr val="white">
+                  <a:lumMod val="75000"/>
+                </a:prstClr>
+              </a:solidFill>
+            </a:endParaRPr>
+          </a:p>
+        </p:txBody>
+      </p:sp>
+      <p:sp>
+        <p:nvSpPr>
+          <p:cNvPr id="6" name="Title 5"/>
+          <p:cNvSpPr>
+            <a:spLocks noGrp="1"/>
+          </p:cNvSpPr>
+          <p:nvPr>
+            <p:ph type="title"/>
+          </p:nvPr>
+        </p:nvSpPr>
+        <p:spPr/>
+        <p:txBody>
+          <a:bodyPr/>
+          <a:lstStyle/>
+          <a:p>
+            <a:r>
+              <a:rPr lang="en-US" dirty="0" smtClean="0"/>
+              <a:t>Gotchas</a:t>
+            </a:r>
+            <a:endParaRPr lang="en-US" dirty="0"/>
+          </a:p>
+        </p:txBody>
+      </p:sp>
+    </p:spTree>
+    <p:extLst>
+      <p:ext uri="{BB962C8B-B14F-4D97-AF65-F5344CB8AC3E}">
+        <p14:creationId xmlns:p14="http://schemas.microsoft.com/office/powerpoint/2010/main" val="2513323169"/>
+      </p:ext>
+    </p:extLst>
+  </p:cSld>
+  <p:clrMapOvr>
+    <a:masterClrMapping/>
+  </p:clrMapOvr>
+</p:sld>
+</file>
+
+<file path=ppt/slides/slide27.xml><?xml version="1.0" encoding="utf-8"?>
+<p:sld xmlns:a="http://schemas.openxmlformats.org/drawingml/2006/main" xmlns:r="http://schemas.openxmlformats.org/officeDocument/2006/relationships" xmlns:p="http://schemas.openxmlformats.org/presentationml/2006/main">
+  <p:cSld>
+    <p:spTree>
+      <p:nvGrpSpPr>
+        <p:cNvPr id="1" name=""/>
+        <p:cNvGrpSpPr/>
+        <p:nvPr/>
+      </p:nvGrpSpPr>
+      <p:grpSpPr>
+        <a:xfrm>
+          <a:off x="0" y="0"/>
+          <a:ext cx="0" cy="0"/>
+          <a:chOff x="0" y="0"/>
+          <a:chExt cx="0" cy="0"/>
+        </a:xfrm>
+      </p:grpSpPr>
+      <p:sp>
+        <p:nvSpPr>
+          <p:cNvPr id="2" name="Title 1"/>
+          <p:cNvSpPr>
+            <a:spLocks noGrp="1"/>
+          </p:cNvSpPr>
+          <p:nvPr>
+            <p:ph type="title"/>
+          </p:nvPr>
+        </p:nvSpPr>
+        <p:spPr/>
+        <p:txBody>
+          <a:bodyPr/>
+          <a:lstStyle/>
+          <a:p>
+            <a:r>
+              <a:rPr lang="en-US" dirty="0" smtClean="0"/>
+              <a:t>common </a:t>
+            </a:r>
+            <a:r>
+              <a:rPr lang="en-US" dirty="0"/>
+              <a:t>“gotchas</a:t>
+            </a:r>
+            <a:r>
+              <a:rPr lang="en-US" dirty="0" smtClean="0"/>
+              <a:t>”</a:t>
+            </a:r>
+            <a:endParaRPr lang="en-US" dirty="0"/>
+          </a:p>
+        </p:txBody>
+      </p:sp>
+      <p:sp>
+        <p:nvSpPr>
+          <p:cNvPr id="3" name="Content Placeholder 2"/>
+          <p:cNvSpPr>
+            <a:spLocks noGrp="1"/>
+          </p:cNvSpPr>
+          <p:nvPr>
+            <p:ph idx="1"/>
+          </p:nvPr>
+        </p:nvSpPr>
+        <p:spPr/>
+        <p:txBody>
+          <a:bodyPr/>
+          <a:lstStyle/>
+          <a:p>
+            <a:pPr marL="342900" indent="-342900">
+              <a:buFont typeface="Arial" panose="020B0604020202020204" pitchFamily="34" charset="0"/>
+              <a:buChar char="•"/>
+            </a:pPr>
+            <a:endParaRPr lang="en-US" dirty="0" smtClean="0"/>
+          </a:p>
+          <a:p>
+            <a:pPr marL="342900" indent="-342900">
+              <a:buFont typeface="Arial" panose="020B0604020202020204" pitchFamily="34" charset="0"/>
+              <a:buChar char="•"/>
+            </a:pPr>
+            <a:endParaRPr lang="en-US" dirty="0"/>
+          </a:p>
+          <a:p>
+            <a:pPr marL="342900" indent="-342900">
+              <a:buFont typeface="Arial" panose="020B0604020202020204" pitchFamily="34" charset="0"/>
+              <a:buChar char="•"/>
+            </a:pPr>
+            <a:r>
+              <a:rPr lang="en-US" b="0" dirty="0" smtClean="0"/>
+              <a:t>There are a common mistakes made in client code that lead to highly inscrutable error messages</a:t>
+            </a:r>
+          </a:p>
+          <a:p>
+            <a:pPr marL="342900" indent="-342900">
+              <a:buFont typeface="Arial" panose="020B0604020202020204" pitchFamily="34" charset="0"/>
+              <a:buChar char="•"/>
+            </a:pPr>
+            <a:endParaRPr lang="en-US" b="0" dirty="0"/>
+          </a:p>
+          <a:p>
+            <a:pPr marL="342900" indent="-342900">
+              <a:buFont typeface="Arial" panose="020B0604020202020204" pitchFamily="34" charset="0"/>
+              <a:buChar char="•"/>
+            </a:pPr>
+            <a:endParaRPr lang="en-US" b="0" dirty="0" smtClean="0"/>
+          </a:p>
+          <a:p>
+            <a:pPr marL="342900" indent="-342900">
+              <a:buFont typeface="Arial" panose="020B0604020202020204" pitchFamily="34" charset="0"/>
+              <a:buChar char="•"/>
+            </a:pPr>
+            <a:r>
+              <a:rPr lang="en-US" b="0" dirty="0" smtClean="0"/>
+              <a:t>Before you issue a bug report, check for these (and remember </a:t>
+            </a:r>
+            <a:r>
+              <a:rPr lang="en-US" b="0" i="1" dirty="0" smtClean="0"/>
+              <a:t>“Always assume it’s your fault” – Jonathan </a:t>
+            </a:r>
+            <a:r>
+              <a:rPr lang="en-US" b="0" i="1" dirty="0" err="1" smtClean="0"/>
+              <a:t>Wakely</a:t>
+            </a:r>
+            <a:r>
+              <a:rPr lang="en-US" b="0" dirty="0" smtClean="0"/>
+              <a:t>)</a:t>
+            </a:r>
+            <a:endParaRPr lang="en-US" b="0" dirty="0"/>
+          </a:p>
+        </p:txBody>
+      </p:sp>
+      <p:sp>
+        <p:nvSpPr>
+          <p:cNvPr id="4" name="Slide Number Placeholder 3"/>
+          <p:cNvSpPr>
+            <a:spLocks noGrp="1"/>
+          </p:cNvSpPr>
+          <p:nvPr>
+            <p:ph type="sldNum" sz="quarter" idx="12"/>
+          </p:nvPr>
+        </p:nvSpPr>
+        <p:spPr/>
+        <p:txBody>
+          <a:bodyPr/>
+          <a:lstStyle/>
+          <a:p>
+            <a:fld id="{B383C57C-80DA-45D5-BFE5-7583B8192761}" type="slidenum">
+              <a:rPr lang="en-US" smtClean="0">
+                <a:solidFill>
+                  <a:prstClr val="white">
+                    <a:lumMod val="75000"/>
+                  </a:prstClr>
+                </a:solidFill>
+              </a:rPr>
+              <a:pPr/>
+              <a:t>27</a:t>
+            </a:fld>
+            <a:endParaRPr lang="en-US">
+              <a:solidFill>
+                <a:prstClr val="white">
+                  <a:lumMod val="75000"/>
+                </a:prstClr>
+              </a:solidFill>
+            </a:endParaRPr>
+          </a:p>
+        </p:txBody>
+      </p:sp>
+      <p:sp>
+        <p:nvSpPr>
+          <p:cNvPr id="5" name="Footer Placeholder 4"/>
+          <p:cNvSpPr>
+            <a:spLocks noGrp="1"/>
+          </p:cNvSpPr>
+          <p:nvPr>
+            <p:ph type="ftr" sz="quarter" idx="13"/>
+          </p:nvPr>
+        </p:nvSpPr>
+        <p:spPr/>
+        <p:txBody>
+          <a:bodyPr/>
+          <a:lstStyle/>
+          <a:p>
+            <a:endParaRPr lang="en-US" dirty="0"/>
+          </a:p>
+        </p:txBody>
+      </p:sp>
+    </p:spTree>
+    <p:extLst>
+      <p:ext uri="{BB962C8B-B14F-4D97-AF65-F5344CB8AC3E}">
+        <p14:creationId xmlns:p14="http://schemas.microsoft.com/office/powerpoint/2010/main" val="2471674655"/>
+      </p:ext>
+    </p:extLst>
+  </p:cSld>
+  <p:clrMapOvr>
+    <a:masterClrMapping/>
+  </p:clrMapOvr>
+  <p:timing>
+    <p:tnLst>
+      <p:par>
+        <p:cTn id="1" dur="indefinite" restart="never" nodeType="tmRoot"/>
+      </p:par>
+    </p:tnLst>
+  </p:timing>
+</p:sld>
+</file>
+
+<file path=ppt/slides/slide28.xml><?xml version="1.0" encoding="utf-8"?>
+<p:sld xmlns:a="http://schemas.openxmlformats.org/drawingml/2006/main" xmlns:r="http://schemas.openxmlformats.org/officeDocument/2006/relationships" xmlns:p="http://schemas.openxmlformats.org/presentationml/2006/main">
+  <p:cSld>
+    <p:spTree>
+      <p:nvGrpSpPr>
+        <p:cNvPr id="1" name=""/>
+        <p:cNvGrpSpPr/>
+        <p:nvPr/>
+      </p:nvGrpSpPr>
+      <p:grpSpPr>
+        <a:xfrm>
+          <a:off x="0" y="0"/>
+          <a:ext cx="0" cy="0"/>
+          <a:chOff x="0" y="0"/>
+          <a:chExt cx="0" cy="0"/>
+        </a:xfrm>
+      </p:grpSpPr>
+      <p:sp>
+        <p:nvSpPr>
+          <p:cNvPr id="2" name="Title 1"/>
+          <p:cNvSpPr>
+            <a:spLocks noGrp="1"/>
+          </p:cNvSpPr>
+          <p:nvPr>
+            <p:ph type="title"/>
+          </p:nvPr>
+        </p:nvSpPr>
+        <p:spPr/>
+        <p:txBody>
+          <a:bodyPr/>
+          <a:lstStyle/>
+          <a:p>
+            <a:r>
+              <a:rPr lang="en-US" dirty="0" smtClean="0"/>
+              <a:t>common “gotchas”</a:t>
+            </a:r>
+            <a:endParaRPr lang="en-US" dirty="0"/>
+          </a:p>
+        </p:txBody>
+      </p:sp>
+      <p:sp>
+        <p:nvSpPr>
+          <p:cNvPr id="3" name="Content Placeholder 2"/>
+          <p:cNvSpPr>
+            <a:spLocks noGrp="1"/>
+          </p:cNvSpPr>
+          <p:nvPr>
+            <p:ph idx="1"/>
+          </p:nvPr>
+        </p:nvSpPr>
+        <p:spPr/>
+        <p:txBody>
+          <a:bodyPr/>
+          <a:lstStyle/>
+          <a:p>
+            <a:endParaRPr lang="en-US" dirty="0" smtClean="0"/>
+          </a:p>
+          <a:p>
+            <a:pPr marL="342900" indent="-342900">
+              <a:buFont typeface="Arial" panose="020B0604020202020204" pitchFamily="34" charset="0"/>
+              <a:buChar char="•"/>
+            </a:pPr>
+            <a:r>
+              <a:rPr lang="en-US" b="0" dirty="0" smtClean="0">
+                <a:latin typeface="+mn-lt"/>
+              </a:rPr>
+              <a:t>Failure to mark single argument constructors explicit in the context of perfect forwarding</a:t>
+            </a:r>
+          </a:p>
+          <a:p>
+            <a:endParaRPr lang="en-US" b="0" dirty="0" smtClean="0">
+              <a:latin typeface="Source Code Pro" panose="020B0509030403020204" pitchFamily="49" charset="0"/>
+            </a:endParaRPr>
+          </a:p>
+          <a:p>
+            <a:r>
+              <a:rPr lang="en-US" b="0" dirty="0" smtClean="0">
+                <a:latin typeface="Source Code Pro" panose="020B0509030403020204" pitchFamily="49" charset="0"/>
+              </a:rPr>
+              <a:t>template </a:t>
+            </a:r>
+            <a:r>
+              <a:rPr lang="en-US" b="0" dirty="0">
+                <a:latin typeface="Source Code Pro" panose="020B0509030403020204" pitchFamily="49" charset="0"/>
+              </a:rPr>
+              <a:t>&lt;class T&gt;</a:t>
+            </a:r>
+          </a:p>
+          <a:p>
+            <a:r>
+              <a:rPr lang="en-US" b="0" dirty="0" err="1">
+                <a:latin typeface="Source Code Pro" panose="020B0509030403020204" pitchFamily="49" charset="0"/>
+              </a:rPr>
+              <a:t>struct</a:t>
+            </a:r>
+            <a:r>
+              <a:rPr lang="en-US" b="0" dirty="0">
+                <a:latin typeface="Source Code Pro" panose="020B0509030403020204" pitchFamily="49" charset="0"/>
+              </a:rPr>
+              <a:t> </a:t>
+            </a:r>
+            <a:r>
+              <a:rPr lang="en-US" b="0" dirty="0" err="1">
+                <a:latin typeface="Source Code Pro" panose="020B0509030403020204" pitchFamily="49" charset="0"/>
+              </a:rPr>
+              <a:t>some_t</a:t>
+            </a:r>
+            <a:r>
+              <a:rPr lang="en-US" b="0" dirty="0">
+                <a:latin typeface="Source Code Pro" panose="020B0509030403020204" pitchFamily="49" charset="0"/>
+              </a:rPr>
+              <a:t> {</a:t>
+            </a:r>
+          </a:p>
+          <a:p>
+            <a:r>
+              <a:rPr lang="en-US" b="0" dirty="0">
+                <a:latin typeface="Source Code Pro" panose="020B0509030403020204" pitchFamily="49" charset="0"/>
+              </a:rPr>
+              <a:t>  T data;  </a:t>
+            </a:r>
+          </a:p>
+          <a:p>
+            <a:r>
+              <a:rPr lang="en-US" b="0" dirty="0">
+                <a:latin typeface="Source Code Pro" panose="020B0509030403020204" pitchFamily="49" charset="0"/>
+              </a:rPr>
+              <a:t>  template &lt;class U&gt;</a:t>
+            </a:r>
+          </a:p>
+          <a:p>
+            <a:r>
+              <a:rPr lang="en-US" b="0" dirty="0">
+                <a:latin typeface="Source Code Pro" panose="020B0509030403020204" pitchFamily="49" charset="0"/>
+              </a:rPr>
+              <a:t>  </a:t>
+            </a:r>
+            <a:r>
+              <a:rPr lang="en-US" dirty="0">
+                <a:latin typeface="Source Code Pro" panose="020B0509030403020204" pitchFamily="49" charset="0"/>
+              </a:rPr>
+              <a:t>explicit</a:t>
+            </a:r>
+            <a:r>
+              <a:rPr lang="en-US" b="0" dirty="0">
+                <a:latin typeface="Source Code Pro" panose="020B0509030403020204" pitchFamily="49" charset="0"/>
+              </a:rPr>
+              <a:t> </a:t>
+            </a:r>
+            <a:r>
+              <a:rPr lang="en-US" b="0" dirty="0" err="1">
+                <a:latin typeface="Source Code Pro" panose="020B0509030403020204" pitchFamily="49" charset="0"/>
+              </a:rPr>
+              <a:t>some_t</a:t>
+            </a:r>
+            <a:r>
+              <a:rPr lang="en-US" b="0" dirty="0">
+                <a:latin typeface="Source Code Pro" panose="020B0509030403020204" pitchFamily="49" charset="0"/>
+              </a:rPr>
+              <a:t> (U&amp;&amp; data) : </a:t>
+            </a:r>
+            <a:endParaRPr lang="en-US" b="0" dirty="0" smtClean="0">
+              <a:latin typeface="Source Code Pro" panose="020B0509030403020204" pitchFamily="49" charset="0"/>
+            </a:endParaRPr>
+          </a:p>
+          <a:p>
+            <a:r>
+              <a:rPr lang="en-US" b="0" dirty="0">
+                <a:latin typeface="Source Code Pro" panose="020B0509030403020204" pitchFamily="49" charset="0"/>
+              </a:rPr>
+              <a:t> </a:t>
+            </a:r>
+            <a:r>
+              <a:rPr lang="en-US" b="0" dirty="0" smtClean="0">
+                <a:latin typeface="Source Code Pro" panose="020B0509030403020204" pitchFamily="49" charset="0"/>
+              </a:rPr>
+              <a:t>   data </a:t>
+            </a:r>
+            <a:r>
+              <a:rPr lang="en-US" b="0" dirty="0">
+                <a:latin typeface="Source Code Pro" panose="020B0509030403020204" pitchFamily="49" charset="0"/>
+              </a:rPr>
+              <a:t>{ </a:t>
+            </a:r>
+            <a:r>
+              <a:rPr lang="en-US" b="0" dirty="0" err="1">
+                <a:latin typeface="Source Code Pro" panose="020B0509030403020204" pitchFamily="49" charset="0"/>
+              </a:rPr>
+              <a:t>std</a:t>
+            </a:r>
+            <a:r>
+              <a:rPr lang="en-US" b="0" dirty="0">
+                <a:latin typeface="Source Code Pro" panose="020B0509030403020204" pitchFamily="49" charset="0"/>
+              </a:rPr>
+              <a:t>::forward&lt;U&gt; (data) }</a:t>
+            </a:r>
+          </a:p>
+          <a:p>
+            <a:r>
+              <a:rPr lang="en-US" b="0" dirty="0">
+                <a:latin typeface="Source Code Pro" panose="020B0509030403020204" pitchFamily="49" charset="0"/>
+              </a:rPr>
+              <a:t>  {}</a:t>
+            </a:r>
+          </a:p>
+          <a:p>
+            <a:r>
+              <a:rPr lang="en-US" b="0" dirty="0">
+                <a:latin typeface="Source Code Pro" panose="020B0509030403020204" pitchFamily="49" charset="0"/>
+              </a:rPr>
+              <a:t>};</a:t>
+            </a:r>
+          </a:p>
+          <a:p>
+            <a:endParaRPr lang="en-US" b="0" dirty="0" smtClean="0">
+              <a:latin typeface="+mn-lt"/>
+            </a:endParaRPr>
+          </a:p>
+          <a:p>
+            <a:pPr marL="342900" indent="-342900">
+              <a:buFont typeface="Arial" panose="020B0604020202020204" pitchFamily="34" charset="0"/>
+              <a:buChar char="•"/>
+            </a:pPr>
+            <a:r>
+              <a:rPr lang="en-US" b="0" dirty="0" smtClean="0">
+                <a:latin typeface="+mn-lt"/>
+              </a:rPr>
+              <a:t>Of course, unless you actually want to encourage implicit behavior (bad), always mark your single argument constructors </a:t>
+            </a:r>
+            <a:r>
+              <a:rPr lang="en-US" b="0" dirty="0" smtClean="0">
+                <a:latin typeface="Source Code Pro" panose="020B0509030403020204" pitchFamily="49" charset="0"/>
+              </a:rPr>
+              <a:t>explicit</a:t>
+            </a:r>
+            <a:r>
+              <a:rPr lang="en-US" b="0" dirty="0" smtClean="0">
+                <a:latin typeface="+mn-lt"/>
+              </a:rPr>
+              <a:t>!</a:t>
+            </a:r>
+            <a:endParaRPr lang="en-US" b="0" dirty="0">
+              <a:latin typeface="+mn-lt"/>
+            </a:endParaRPr>
+          </a:p>
+        </p:txBody>
+      </p:sp>
+      <p:sp>
+        <p:nvSpPr>
+          <p:cNvPr id="4" name="Slide Number Placeholder 3"/>
+          <p:cNvSpPr>
+            <a:spLocks noGrp="1"/>
+          </p:cNvSpPr>
+          <p:nvPr>
+            <p:ph type="sldNum" sz="quarter" idx="12"/>
+          </p:nvPr>
+        </p:nvSpPr>
+        <p:spPr/>
+        <p:txBody>
+          <a:bodyPr/>
+          <a:lstStyle/>
+          <a:p>
+            <a:fld id="{B383C57C-80DA-45D5-BFE5-7583B8192761}" type="slidenum">
+              <a:rPr lang="en-US" smtClean="0">
+                <a:solidFill>
+                  <a:prstClr val="white">
+                    <a:lumMod val="75000"/>
+                  </a:prstClr>
+                </a:solidFill>
+              </a:rPr>
+              <a:pPr/>
+              <a:t>28</a:t>
+            </a:fld>
+            <a:endParaRPr lang="en-US">
+              <a:solidFill>
+                <a:prstClr val="white">
+                  <a:lumMod val="75000"/>
+                </a:prstClr>
+              </a:solidFill>
+            </a:endParaRPr>
+          </a:p>
+        </p:txBody>
+      </p:sp>
+      <p:sp>
+        <p:nvSpPr>
+          <p:cNvPr id="5" name="Footer Placeholder 4"/>
+          <p:cNvSpPr>
+            <a:spLocks noGrp="1"/>
+          </p:cNvSpPr>
+          <p:nvPr>
+            <p:ph type="ftr" sz="quarter" idx="13"/>
+          </p:nvPr>
+        </p:nvSpPr>
+        <p:spPr/>
+        <p:txBody>
+          <a:bodyPr/>
+          <a:lstStyle/>
+          <a:p>
+            <a:endParaRPr lang="en-US" dirty="0"/>
+          </a:p>
+        </p:txBody>
+      </p:sp>
+    </p:spTree>
+    <p:extLst>
+      <p:ext uri="{BB962C8B-B14F-4D97-AF65-F5344CB8AC3E}">
+        <p14:creationId xmlns:p14="http://schemas.microsoft.com/office/powerpoint/2010/main" val="1571135395"/>
+      </p:ext>
+    </p:extLst>
+  </p:cSld>
+  <p:clrMapOvr>
+    <a:masterClrMapping/>
+  </p:clrMapOvr>
+  <p:timing>
+    <p:tnLst>
+      <p:par>
+        <p:cTn id="1" dur="indefinite" restart="never" nodeType="tmRoot"/>
+      </p:par>
+    </p:tnLst>
+  </p:timing>
+</p:sld>
+</file>
+
+<file path=ppt/slides/slide29.xml><?xml version="1.0" encoding="utf-8"?>
+<p:sld xmlns:a="http://schemas.openxmlformats.org/drawingml/2006/main" xmlns:r="http://schemas.openxmlformats.org/officeDocument/2006/relationships" xmlns:p="http://schemas.openxmlformats.org/presentationml/2006/main">
+  <p:cSld>
+    <p:spTree>
+      <p:nvGrpSpPr>
+        <p:cNvPr id="1" name=""/>
+        <p:cNvGrpSpPr/>
+        <p:nvPr/>
+      </p:nvGrpSpPr>
+      <p:grpSpPr>
+        <a:xfrm>
+          <a:off x="0" y="0"/>
+          <a:ext cx="0" cy="0"/>
+          <a:chOff x="0" y="0"/>
+          <a:chExt cx="0" cy="0"/>
+        </a:xfrm>
+      </p:grpSpPr>
+      <p:sp>
+        <p:nvSpPr>
+          <p:cNvPr id="2" name="Title 1"/>
+          <p:cNvSpPr>
+            <a:spLocks noGrp="1"/>
+          </p:cNvSpPr>
+          <p:nvPr>
+            <p:ph type="title"/>
+          </p:nvPr>
+        </p:nvSpPr>
+        <p:spPr/>
+        <p:txBody>
+          <a:bodyPr/>
+          <a:lstStyle/>
+          <a:p>
+            <a:r>
+              <a:rPr lang="en-US" dirty="0" smtClean="0"/>
+              <a:t>common </a:t>
+            </a:r>
+            <a:r>
+              <a:rPr lang="en-US" dirty="0"/>
+              <a:t>“</a:t>
+            </a:r>
+            <a:r>
+              <a:rPr lang="en-US" dirty="0" smtClean="0"/>
+              <a:t>gotchas”</a:t>
+            </a:r>
+            <a:endParaRPr lang="en-US" dirty="0"/>
+          </a:p>
+        </p:txBody>
+      </p:sp>
+      <p:sp>
+        <p:nvSpPr>
+          <p:cNvPr id="3" name="Content Placeholder 2"/>
+          <p:cNvSpPr>
+            <a:spLocks noGrp="1"/>
+          </p:cNvSpPr>
+          <p:nvPr>
+            <p:ph idx="1"/>
+          </p:nvPr>
+        </p:nvSpPr>
+        <p:spPr/>
+        <p:txBody>
+          <a:bodyPr/>
+          <a:lstStyle/>
+          <a:p>
+            <a:pPr marL="342900" indent="-342900">
+              <a:buFont typeface="Arial" panose="020B0604020202020204" pitchFamily="34" charset="0"/>
+              <a:buChar char="•"/>
+            </a:pPr>
+            <a:r>
+              <a:rPr lang="en-US" b="0" dirty="0" smtClean="0">
+                <a:latin typeface="+mn-lt"/>
+              </a:rPr>
+              <a:t>Getting your type-math wrong in the presence of perfect forwarding</a:t>
+            </a:r>
+          </a:p>
+          <a:p>
+            <a:r>
+              <a:rPr lang="en-US" dirty="0" smtClean="0">
+                <a:latin typeface="+mn-lt"/>
+              </a:rPr>
+              <a:t/>
+            </a:r>
+            <a:br>
+              <a:rPr lang="en-US" dirty="0" smtClean="0">
+                <a:latin typeface="+mn-lt"/>
+              </a:rPr>
+            </a:br>
+            <a:r>
+              <a:rPr lang="en-US" b="0" dirty="0" smtClean="0">
+                <a:latin typeface="Source Code Pro" panose="020B0509030403020204" pitchFamily="49" charset="0"/>
+              </a:rPr>
+              <a:t>//Wrong!</a:t>
+            </a:r>
+          </a:p>
+          <a:p>
+            <a:r>
+              <a:rPr lang="en-US" b="0" dirty="0">
+                <a:latin typeface="Source Code Pro" panose="020B0509030403020204" pitchFamily="49" charset="0"/>
+              </a:rPr>
+              <a:t>template &lt;class T&gt;</a:t>
+            </a:r>
+          </a:p>
+          <a:p>
+            <a:r>
+              <a:rPr lang="en-US" b="0" dirty="0" smtClean="0">
+                <a:latin typeface="Source Code Pro" panose="020B0509030403020204" pitchFamily="49" charset="0"/>
+              </a:rPr>
+              <a:t>option&lt;T&gt; </a:t>
+            </a:r>
+            <a:r>
+              <a:rPr lang="en-US" b="0" dirty="0">
+                <a:latin typeface="Source Code Pro" panose="020B0509030403020204" pitchFamily="49" charset="0"/>
+              </a:rPr>
+              <a:t>some (T&amp;&amp; </a:t>
+            </a:r>
+            <a:r>
+              <a:rPr lang="en-US" b="0" dirty="0" err="1">
+                <a:latin typeface="Source Code Pro" panose="020B0509030403020204" pitchFamily="49" charset="0"/>
+              </a:rPr>
+              <a:t>val</a:t>
+            </a:r>
+            <a:r>
+              <a:rPr lang="en-US" b="0" dirty="0">
+                <a:latin typeface="Source Code Pro" panose="020B0509030403020204" pitchFamily="49" charset="0"/>
+              </a:rPr>
+              <a:t>) {</a:t>
+            </a:r>
+          </a:p>
+          <a:p>
+            <a:r>
+              <a:rPr lang="en-US" b="0" dirty="0" smtClean="0">
+                <a:latin typeface="Source Code Pro" panose="020B0509030403020204" pitchFamily="49" charset="0"/>
+              </a:rPr>
+              <a:t>  return option&lt;T&gt;{</a:t>
+            </a:r>
+          </a:p>
+          <a:p>
+            <a:r>
+              <a:rPr lang="en-US" b="0" dirty="0">
+                <a:latin typeface="Source Code Pro" panose="020B0509030403020204" pitchFamily="49" charset="0"/>
+              </a:rPr>
+              <a:t> </a:t>
+            </a:r>
+            <a:r>
+              <a:rPr lang="en-US" b="0" dirty="0" smtClean="0">
+                <a:latin typeface="Source Code Pro" panose="020B0509030403020204" pitchFamily="49" charset="0"/>
+              </a:rPr>
+              <a:t>  constructor&lt;</a:t>
+            </a:r>
+            <a:r>
+              <a:rPr lang="en-US" b="0" dirty="0" err="1" smtClean="0">
+                <a:latin typeface="Source Code Pro" panose="020B0509030403020204" pitchFamily="49" charset="0"/>
+              </a:rPr>
+              <a:t>some_t</a:t>
+            </a:r>
+            <a:r>
+              <a:rPr lang="en-US" b="0" dirty="0" smtClean="0">
+                <a:latin typeface="Source Code Pro" panose="020B0509030403020204" pitchFamily="49" charset="0"/>
+              </a:rPr>
+              <a:t>&lt;T&gt;&gt;{}, </a:t>
+            </a:r>
+          </a:p>
+          <a:p>
+            <a:r>
+              <a:rPr lang="en-US" b="0" dirty="0">
+                <a:latin typeface="Source Code Pro" panose="020B0509030403020204" pitchFamily="49" charset="0"/>
+              </a:rPr>
+              <a:t> </a:t>
+            </a:r>
+            <a:r>
+              <a:rPr lang="en-US" b="0" dirty="0" smtClean="0">
+                <a:latin typeface="Source Code Pro" panose="020B0509030403020204" pitchFamily="49" charset="0"/>
+              </a:rPr>
+              <a:t>  </a:t>
+            </a:r>
+            <a:r>
+              <a:rPr lang="en-US" b="0" dirty="0" err="1" smtClean="0">
+                <a:latin typeface="Source Code Pro" panose="020B0509030403020204" pitchFamily="49" charset="0"/>
+              </a:rPr>
+              <a:t>std</a:t>
+            </a:r>
+            <a:r>
+              <a:rPr lang="en-US" b="0" dirty="0">
+                <a:latin typeface="Source Code Pro" panose="020B0509030403020204" pitchFamily="49" charset="0"/>
+              </a:rPr>
+              <a:t>::</a:t>
+            </a:r>
+            <a:r>
+              <a:rPr lang="en-US" b="0" dirty="0" smtClean="0">
+                <a:latin typeface="Source Code Pro" panose="020B0509030403020204" pitchFamily="49" charset="0"/>
+              </a:rPr>
+              <a:t>forward&lt;T&gt; (</a:t>
+            </a:r>
+            <a:r>
+              <a:rPr lang="en-US" b="0" dirty="0" err="1" smtClean="0">
+                <a:latin typeface="Source Code Pro" panose="020B0509030403020204" pitchFamily="49" charset="0"/>
+              </a:rPr>
+              <a:t>val</a:t>
+            </a:r>
+            <a:r>
+              <a:rPr lang="en-US" b="0" dirty="0">
+                <a:latin typeface="Source Code Pro" panose="020B0509030403020204" pitchFamily="49" charset="0"/>
+              </a:rPr>
+              <a:t>)};</a:t>
+            </a:r>
+          </a:p>
+          <a:p>
+            <a:r>
+              <a:rPr lang="en-US" b="0" dirty="0">
+                <a:latin typeface="Source Code Pro" panose="020B0509030403020204" pitchFamily="49" charset="0"/>
+              </a:rPr>
+              <a:t>}</a:t>
+            </a:r>
+          </a:p>
+          <a:p>
+            <a:pPr marL="342900" indent="-342900">
+              <a:buFont typeface="Arial" panose="020B0604020202020204" pitchFamily="34" charset="0"/>
+              <a:buChar char="•"/>
+            </a:pPr>
+            <a:endParaRPr lang="en-US" b="0" dirty="0" smtClean="0">
+              <a:latin typeface="Source Code Pro" panose="020B0509030403020204" pitchFamily="49" charset="0"/>
+            </a:endParaRPr>
+          </a:p>
+          <a:p>
+            <a:pPr marL="342900" indent="-342900">
+              <a:buFont typeface="Arial" panose="020B0604020202020204" pitchFamily="34" charset="0"/>
+              <a:buChar char="•"/>
+            </a:pPr>
+            <a:r>
+              <a:rPr lang="en-US" b="0" dirty="0" smtClean="0">
+                <a:latin typeface="+mn-lt"/>
+              </a:rPr>
+              <a:t>Why is this wrong?</a:t>
+            </a:r>
+            <a:endParaRPr lang="en-US" b="0" dirty="0">
+              <a:latin typeface="+mn-lt"/>
+            </a:endParaRPr>
+          </a:p>
+        </p:txBody>
+      </p:sp>
+      <p:sp>
+        <p:nvSpPr>
+          <p:cNvPr id="4" name="Slide Number Placeholder 3"/>
+          <p:cNvSpPr>
+            <a:spLocks noGrp="1"/>
+          </p:cNvSpPr>
+          <p:nvPr>
+            <p:ph type="sldNum" sz="quarter" idx="12"/>
+          </p:nvPr>
+        </p:nvSpPr>
+        <p:spPr/>
+        <p:txBody>
+          <a:bodyPr/>
+          <a:lstStyle/>
+          <a:p>
+            <a:fld id="{B383C57C-80DA-45D5-BFE5-7583B8192761}" type="slidenum">
+              <a:rPr lang="en-US" smtClean="0">
+                <a:solidFill>
+                  <a:prstClr val="white">
+                    <a:lumMod val="75000"/>
+                  </a:prstClr>
+                </a:solidFill>
+              </a:rPr>
+              <a:pPr/>
+              <a:t>29</a:t>
+            </a:fld>
+            <a:endParaRPr lang="en-US">
+              <a:solidFill>
+                <a:prstClr val="white">
+                  <a:lumMod val="75000"/>
+                </a:prstClr>
+              </a:solidFill>
+            </a:endParaRPr>
+          </a:p>
+        </p:txBody>
+      </p:sp>
+      <p:sp>
+        <p:nvSpPr>
+          <p:cNvPr id="5" name="Footer Placeholder 4"/>
+          <p:cNvSpPr>
+            <a:spLocks noGrp="1"/>
+          </p:cNvSpPr>
+          <p:nvPr>
+            <p:ph type="ftr" sz="quarter" idx="13"/>
+          </p:nvPr>
+        </p:nvSpPr>
+        <p:spPr/>
+        <p:txBody>
+          <a:bodyPr/>
+          <a:lstStyle/>
+          <a:p>
+            <a:endParaRPr lang="en-US" dirty="0"/>
+          </a:p>
+        </p:txBody>
+      </p:sp>
+    </p:spTree>
+    <p:extLst>
+      <p:ext uri="{BB962C8B-B14F-4D97-AF65-F5344CB8AC3E}">
+        <p14:creationId xmlns:p14="http://schemas.microsoft.com/office/powerpoint/2010/main" val="2681529151"/>
       </p:ext>
     </p:extLst>
   </p:cSld>
@@ -23529,6 +24664,1705 @@
     <p:extLst>
       <p:ext uri="{BB962C8B-B14F-4D97-AF65-F5344CB8AC3E}">
         <p14:creationId xmlns:p14="http://schemas.microsoft.com/office/powerpoint/2010/main" val="733336443"/>
+      </p:ext>
+    </p:extLst>
+  </p:cSld>
+  <p:clrMapOvr>
+    <a:masterClrMapping/>
+  </p:clrMapOvr>
+  <p:timing>
+    <p:tnLst>
+      <p:par>
+        <p:cTn id="1" dur="indefinite" restart="never" nodeType="tmRoot"/>
+      </p:par>
+    </p:tnLst>
+  </p:timing>
+</p:sld>
+</file>
+
+<file path=ppt/slides/slide30.xml><?xml version="1.0" encoding="utf-8"?>
+<p:sld xmlns:a="http://schemas.openxmlformats.org/drawingml/2006/main" xmlns:r="http://schemas.openxmlformats.org/officeDocument/2006/relationships" xmlns:p="http://schemas.openxmlformats.org/presentationml/2006/main">
+  <p:cSld>
+    <p:spTree>
+      <p:nvGrpSpPr>
+        <p:cNvPr id="1" name=""/>
+        <p:cNvGrpSpPr/>
+        <p:nvPr/>
+      </p:nvGrpSpPr>
+      <p:grpSpPr>
+        <a:xfrm>
+          <a:off x="0" y="0"/>
+          <a:ext cx="0" cy="0"/>
+          <a:chOff x="0" y="0"/>
+          <a:chExt cx="0" cy="0"/>
+        </a:xfrm>
+      </p:grpSpPr>
+      <p:sp>
+        <p:nvSpPr>
+          <p:cNvPr id="2" name="Title 1"/>
+          <p:cNvSpPr>
+            <a:spLocks noGrp="1"/>
+          </p:cNvSpPr>
+          <p:nvPr>
+            <p:ph type="title"/>
+          </p:nvPr>
+        </p:nvSpPr>
+        <p:spPr/>
+        <p:txBody>
+          <a:bodyPr/>
+          <a:lstStyle/>
+          <a:p>
+            <a:r>
+              <a:rPr lang="en-US" dirty="0" smtClean="0"/>
+              <a:t>common </a:t>
+            </a:r>
+            <a:r>
+              <a:rPr lang="en-US" dirty="0"/>
+              <a:t>“</a:t>
+            </a:r>
+            <a:r>
+              <a:rPr lang="en-US" dirty="0" smtClean="0"/>
+              <a:t>gotchas”</a:t>
+            </a:r>
+            <a:endParaRPr lang="en-US" dirty="0"/>
+          </a:p>
+        </p:txBody>
+      </p:sp>
+      <p:sp>
+        <p:nvSpPr>
+          <p:cNvPr id="3" name="Content Placeholder 2"/>
+          <p:cNvSpPr>
+            <a:spLocks noGrp="1"/>
+          </p:cNvSpPr>
+          <p:nvPr>
+            <p:ph idx="1"/>
+          </p:nvPr>
+        </p:nvSpPr>
+        <p:spPr/>
+        <p:txBody>
+          <a:bodyPr/>
+          <a:lstStyle/>
+          <a:p>
+            <a:endParaRPr lang="en-US" b="0" dirty="0" smtClean="0">
+              <a:latin typeface="Source Code Pro" panose="020B0509030403020204" pitchFamily="49" charset="0"/>
+            </a:endParaRPr>
+          </a:p>
+          <a:p>
+            <a:endParaRPr lang="en-US" b="0" dirty="0">
+              <a:latin typeface="Source Code Pro" panose="020B0509030403020204" pitchFamily="49" charset="0"/>
+            </a:endParaRPr>
+          </a:p>
+          <a:p>
+            <a:r>
+              <a:rPr lang="en-US" b="0" dirty="0" smtClean="0">
+                <a:latin typeface="Source Code Pro" panose="020B0509030403020204" pitchFamily="49" charset="0"/>
+              </a:rPr>
+              <a:t>//Correct</a:t>
+            </a:r>
+            <a:br>
+              <a:rPr lang="en-US" b="0" dirty="0" smtClean="0">
+                <a:latin typeface="Source Code Pro" panose="020B0509030403020204" pitchFamily="49" charset="0"/>
+              </a:rPr>
+            </a:br>
+            <a:r>
+              <a:rPr lang="en-US" b="0" dirty="0" smtClean="0">
+                <a:latin typeface="Source Code Pro" panose="020B0509030403020204" pitchFamily="49" charset="0"/>
+              </a:rPr>
+              <a:t>template </a:t>
+            </a:r>
+            <a:r>
+              <a:rPr lang="en-US" b="0" dirty="0">
+                <a:latin typeface="Source Code Pro" panose="020B0509030403020204" pitchFamily="49" charset="0"/>
+              </a:rPr>
+              <a:t>&lt;class T&gt;</a:t>
+            </a:r>
+          </a:p>
+          <a:p>
+            <a:r>
+              <a:rPr lang="en-US" b="0" dirty="0" smtClean="0">
+                <a:latin typeface="Source Code Pro" panose="020B0509030403020204" pitchFamily="49" charset="0"/>
+              </a:rPr>
+              <a:t>option&lt;</a:t>
+            </a:r>
+            <a:r>
+              <a:rPr lang="en-US" b="0" dirty="0" err="1" smtClean="0">
+                <a:latin typeface="Source Code Pro" panose="020B0509030403020204" pitchFamily="49" charset="0"/>
+              </a:rPr>
+              <a:t>typename</a:t>
+            </a:r>
+            <a:r>
+              <a:rPr lang="en-US" b="0" dirty="0" smtClean="0">
+                <a:latin typeface="Source Code Pro" panose="020B0509030403020204" pitchFamily="49" charset="0"/>
+              </a:rPr>
+              <a:t> </a:t>
+            </a:r>
+            <a:r>
+              <a:rPr lang="en-US" b="0" dirty="0" err="1" smtClean="0">
+                <a:latin typeface="Source Code Pro" panose="020B0509030403020204" pitchFamily="49" charset="0"/>
+              </a:rPr>
+              <a:t>std</a:t>
+            </a:r>
+            <a:r>
+              <a:rPr lang="en-US" b="0" dirty="0" smtClean="0">
+                <a:latin typeface="Source Code Pro" panose="020B0509030403020204" pitchFamily="49" charset="0"/>
+              </a:rPr>
+              <a:t>::decay&lt;T&gt;::type&gt; </a:t>
+            </a:r>
+          </a:p>
+          <a:p>
+            <a:r>
+              <a:rPr lang="en-US" b="0" dirty="0" smtClean="0">
+                <a:latin typeface="Source Code Pro" panose="020B0509030403020204" pitchFamily="49" charset="0"/>
+              </a:rPr>
+              <a:t>some </a:t>
+            </a:r>
+            <a:r>
+              <a:rPr lang="en-US" b="0" dirty="0">
+                <a:latin typeface="Source Code Pro" panose="020B0509030403020204" pitchFamily="49" charset="0"/>
+              </a:rPr>
+              <a:t>(T&amp;&amp; </a:t>
+            </a:r>
+            <a:r>
+              <a:rPr lang="en-US" b="0" dirty="0" err="1">
+                <a:latin typeface="Source Code Pro" panose="020B0509030403020204" pitchFamily="49" charset="0"/>
+              </a:rPr>
+              <a:t>val</a:t>
+            </a:r>
+            <a:r>
+              <a:rPr lang="en-US" b="0" dirty="0">
+                <a:latin typeface="Source Code Pro" panose="020B0509030403020204" pitchFamily="49" charset="0"/>
+              </a:rPr>
+              <a:t>) {</a:t>
+            </a:r>
+          </a:p>
+          <a:p>
+            <a:r>
+              <a:rPr lang="en-US" b="0" dirty="0">
+                <a:latin typeface="Source Code Pro" panose="020B0509030403020204" pitchFamily="49" charset="0"/>
+              </a:rPr>
+              <a:t>  using t = </a:t>
+            </a:r>
+            <a:r>
+              <a:rPr lang="en-US" b="0" dirty="0" err="1" smtClean="0">
+                <a:latin typeface="Source Code Pro" panose="020B0509030403020204" pitchFamily="49" charset="0"/>
+              </a:rPr>
+              <a:t>typename</a:t>
+            </a:r>
+            <a:r>
+              <a:rPr lang="en-US" b="0" dirty="0" smtClean="0">
+                <a:latin typeface="Source Code Pro" panose="020B0509030403020204" pitchFamily="49" charset="0"/>
+              </a:rPr>
+              <a:t> </a:t>
+            </a:r>
+            <a:r>
+              <a:rPr lang="en-US" b="0" dirty="0" err="1" smtClean="0">
+                <a:latin typeface="Source Code Pro" panose="020B0509030403020204" pitchFamily="49" charset="0"/>
+              </a:rPr>
+              <a:t>std</a:t>
+            </a:r>
+            <a:r>
+              <a:rPr lang="en-US" b="0" dirty="0" smtClean="0">
+                <a:latin typeface="Source Code Pro" panose="020B0509030403020204" pitchFamily="49" charset="0"/>
+              </a:rPr>
+              <a:t>::decay&lt;T&gt;::type;</a:t>
+            </a:r>
+            <a:endParaRPr lang="en-US" b="0" dirty="0">
+              <a:latin typeface="Source Code Pro" panose="020B0509030403020204" pitchFamily="49" charset="0"/>
+            </a:endParaRPr>
+          </a:p>
+          <a:p>
+            <a:r>
+              <a:rPr lang="en-US" b="0" dirty="0">
+                <a:latin typeface="Source Code Pro" panose="020B0509030403020204" pitchFamily="49" charset="0"/>
+              </a:rPr>
+              <a:t>  return option&lt;t</a:t>
+            </a:r>
+            <a:r>
+              <a:rPr lang="en-US" b="0" dirty="0" smtClean="0">
+                <a:latin typeface="Source Code Pro" panose="020B0509030403020204" pitchFamily="49" charset="0"/>
+              </a:rPr>
+              <a:t>&gt;{</a:t>
+            </a:r>
+          </a:p>
+          <a:p>
+            <a:r>
+              <a:rPr lang="en-US" b="0" dirty="0">
+                <a:latin typeface="Source Code Pro" panose="020B0509030403020204" pitchFamily="49" charset="0"/>
+              </a:rPr>
+              <a:t> </a:t>
+            </a:r>
+            <a:r>
+              <a:rPr lang="en-US" b="0" dirty="0" smtClean="0">
+                <a:latin typeface="Source Code Pro" panose="020B0509030403020204" pitchFamily="49" charset="0"/>
+              </a:rPr>
+              <a:t>   constructor&lt;</a:t>
+            </a:r>
+            <a:r>
+              <a:rPr lang="en-US" b="0" dirty="0" err="1" smtClean="0">
+                <a:latin typeface="Source Code Pro" panose="020B0509030403020204" pitchFamily="49" charset="0"/>
+              </a:rPr>
+              <a:t>some_t</a:t>
+            </a:r>
+            <a:r>
+              <a:rPr lang="en-US" b="0" dirty="0" smtClean="0">
+                <a:latin typeface="Source Code Pro" panose="020B0509030403020204" pitchFamily="49" charset="0"/>
+              </a:rPr>
+              <a:t>&lt;t&gt;&gt;{},</a:t>
+            </a:r>
+          </a:p>
+          <a:p>
+            <a:r>
+              <a:rPr lang="en-US" b="0" dirty="0">
+                <a:latin typeface="Source Code Pro" panose="020B0509030403020204" pitchFamily="49" charset="0"/>
+              </a:rPr>
+              <a:t> </a:t>
+            </a:r>
+            <a:r>
+              <a:rPr lang="en-US" b="0" dirty="0" smtClean="0">
+                <a:latin typeface="Source Code Pro" panose="020B0509030403020204" pitchFamily="49" charset="0"/>
+              </a:rPr>
+              <a:t>   </a:t>
+            </a:r>
+            <a:r>
+              <a:rPr lang="en-US" b="0" dirty="0" err="1" smtClean="0">
+                <a:latin typeface="Source Code Pro" panose="020B0509030403020204" pitchFamily="49" charset="0"/>
+              </a:rPr>
+              <a:t>std</a:t>
+            </a:r>
+            <a:r>
+              <a:rPr lang="en-US" b="0" dirty="0">
+                <a:latin typeface="Source Code Pro" panose="020B0509030403020204" pitchFamily="49" charset="0"/>
+              </a:rPr>
+              <a:t>::forward&lt;T&gt; (</a:t>
+            </a:r>
+            <a:r>
+              <a:rPr lang="en-US" b="0" dirty="0" err="1">
+                <a:latin typeface="Source Code Pro" panose="020B0509030403020204" pitchFamily="49" charset="0"/>
+              </a:rPr>
+              <a:t>val</a:t>
+            </a:r>
+            <a:r>
+              <a:rPr lang="en-US" b="0" dirty="0">
+                <a:latin typeface="Source Code Pro" panose="020B0509030403020204" pitchFamily="49" charset="0"/>
+              </a:rPr>
+              <a:t>)};</a:t>
+            </a:r>
+          </a:p>
+          <a:p>
+            <a:r>
+              <a:rPr lang="en-US" b="0" dirty="0">
+                <a:latin typeface="Source Code Pro" panose="020B0509030403020204" pitchFamily="49" charset="0"/>
+              </a:rPr>
+              <a:t>}</a:t>
+            </a:r>
+          </a:p>
+          <a:p>
+            <a:endParaRPr lang="en-US" dirty="0"/>
+          </a:p>
+        </p:txBody>
+      </p:sp>
+      <p:sp>
+        <p:nvSpPr>
+          <p:cNvPr id="4" name="Slide Number Placeholder 3"/>
+          <p:cNvSpPr>
+            <a:spLocks noGrp="1"/>
+          </p:cNvSpPr>
+          <p:nvPr>
+            <p:ph type="sldNum" sz="quarter" idx="12"/>
+          </p:nvPr>
+        </p:nvSpPr>
+        <p:spPr/>
+        <p:txBody>
+          <a:bodyPr/>
+          <a:lstStyle/>
+          <a:p>
+            <a:fld id="{B383C57C-80DA-45D5-BFE5-7583B8192761}" type="slidenum">
+              <a:rPr lang="en-US" smtClean="0">
+                <a:solidFill>
+                  <a:prstClr val="white">
+                    <a:lumMod val="75000"/>
+                  </a:prstClr>
+                </a:solidFill>
+              </a:rPr>
+              <a:pPr/>
+              <a:t>30</a:t>
+            </a:fld>
+            <a:endParaRPr lang="en-US">
+              <a:solidFill>
+                <a:prstClr val="white">
+                  <a:lumMod val="75000"/>
+                </a:prstClr>
+              </a:solidFill>
+            </a:endParaRPr>
+          </a:p>
+        </p:txBody>
+      </p:sp>
+      <p:sp>
+        <p:nvSpPr>
+          <p:cNvPr id="5" name="Footer Placeholder 4"/>
+          <p:cNvSpPr>
+            <a:spLocks noGrp="1"/>
+          </p:cNvSpPr>
+          <p:nvPr>
+            <p:ph type="ftr" sz="quarter" idx="13"/>
+          </p:nvPr>
+        </p:nvSpPr>
+        <p:spPr/>
+        <p:txBody>
+          <a:bodyPr/>
+          <a:lstStyle/>
+          <a:p>
+            <a:endParaRPr lang="en-US" dirty="0"/>
+          </a:p>
+        </p:txBody>
+      </p:sp>
+    </p:spTree>
+    <p:extLst>
+      <p:ext uri="{BB962C8B-B14F-4D97-AF65-F5344CB8AC3E}">
+        <p14:creationId xmlns:p14="http://schemas.microsoft.com/office/powerpoint/2010/main" val="4193931627"/>
+      </p:ext>
+    </p:extLst>
+  </p:cSld>
+  <p:clrMapOvr>
+    <a:masterClrMapping/>
+  </p:clrMapOvr>
+  <p:timing>
+    <p:tnLst>
+      <p:par>
+        <p:cTn id="1" dur="indefinite" restart="never" nodeType="tmRoot"/>
+      </p:par>
+    </p:tnLst>
+  </p:timing>
+</p:sld>
+</file>
+
+<file path=ppt/slides/slide31.xml><?xml version="1.0" encoding="utf-8"?>
+<p:sld xmlns:a="http://schemas.openxmlformats.org/drawingml/2006/main" xmlns:r="http://schemas.openxmlformats.org/officeDocument/2006/relationships" xmlns:p="http://schemas.openxmlformats.org/presentationml/2006/main">
+  <p:cSld>
+    <p:spTree>
+      <p:nvGrpSpPr>
+        <p:cNvPr id="1" name=""/>
+        <p:cNvGrpSpPr/>
+        <p:nvPr/>
+      </p:nvGrpSpPr>
+      <p:grpSpPr>
+        <a:xfrm>
+          <a:off x="0" y="0"/>
+          <a:ext cx="0" cy="0"/>
+          <a:chOff x="0" y="0"/>
+          <a:chExt cx="0" cy="0"/>
+        </a:xfrm>
+      </p:grpSpPr>
+      <p:sp>
+        <p:nvSpPr>
+          <p:cNvPr id="2" name="Title 1"/>
+          <p:cNvSpPr>
+            <a:spLocks noGrp="1"/>
+          </p:cNvSpPr>
+          <p:nvPr>
+            <p:ph type="title"/>
+          </p:nvPr>
+        </p:nvSpPr>
+        <p:spPr/>
+        <p:txBody>
+          <a:bodyPr/>
+          <a:lstStyle/>
+          <a:p>
+            <a:r>
+              <a:rPr lang="en-US" dirty="0" smtClean="0"/>
+              <a:t>common “GOTCHAS”</a:t>
+            </a:r>
+            <a:endParaRPr lang="en-US" dirty="0"/>
+          </a:p>
+        </p:txBody>
+      </p:sp>
+      <p:sp>
+        <p:nvSpPr>
+          <p:cNvPr id="3" name="Content Placeholder 2"/>
+          <p:cNvSpPr>
+            <a:spLocks noGrp="1"/>
+          </p:cNvSpPr>
+          <p:nvPr>
+            <p:ph idx="1"/>
+          </p:nvPr>
+        </p:nvSpPr>
+        <p:spPr/>
+        <p:txBody>
+          <a:bodyPr/>
+          <a:lstStyle/>
+          <a:p>
+            <a:pPr marL="342900" indent="-342900">
+              <a:buFont typeface="Arial" panose="020B0604020202020204" pitchFamily="34" charset="0"/>
+              <a:buChar char="•"/>
+            </a:pPr>
+            <a:r>
+              <a:rPr lang="en-US" b="0" dirty="0" smtClean="0"/>
+              <a:t>Who can tell me what’s wrong with this?</a:t>
+            </a:r>
+          </a:p>
+          <a:p>
+            <a:endParaRPr lang="en-US" dirty="0" smtClean="0"/>
+          </a:p>
+          <a:p>
+            <a:r>
+              <a:rPr lang="en-US" b="0" dirty="0" smtClean="0">
+                <a:latin typeface="Source Code Pro" panose="020B0509030403020204" pitchFamily="49" charset="0"/>
+              </a:rPr>
+              <a:t>//Wrong!</a:t>
+            </a:r>
+            <a:r>
+              <a:rPr lang="en-US" dirty="0"/>
+              <a:t/>
+            </a:r>
+            <a:br>
+              <a:rPr lang="en-US" dirty="0"/>
+            </a:br>
+            <a:r>
+              <a:rPr lang="en-US" b="0" dirty="0">
+                <a:latin typeface="Source Code Pro" panose="020B0509030403020204" pitchFamily="49" charset="0"/>
+              </a:rPr>
+              <a:t>template &lt;class T&gt;</a:t>
+            </a:r>
+          </a:p>
+          <a:p>
+            <a:r>
+              <a:rPr lang="en-US" b="0" dirty="0">
+                <a:latin typeface="Source Code Pro" panose="020B0509030403020204" pitchFamily="49" charset="0"/>
+              </a:rPr>
+              <a:t>T </a:t>
+            </a:r>
+            <a:r>
+              <a:rPr lang="en-US" b="0" dirty="0" err="1">
+                <a:latin typeface="Source Code Pro" panose="020B0509030403020204" pitchFamily="49" charset="0"/>
+              </a:rPr>
+              <a:t>const</a:t>
+            </a:r>
+            <a:r>
+              <a:rPr lang="en-US" b="0" dirty="0">
+                <a:latin typeface="Source Code Pro" panose="020B0509030403020204" pitchFamily="49" charset="0"/>
+              </a:rPr>
+              <a:t>&amp; get (option&lt;T&gt; </a:t>
+            </a:r>
+            <a:r>
+              <a:rPr lang="en-US" b="0" dirty="0" err="1">
+                <a:latin typeface="Source Code Pro" panose="020B0509030403020204" pitchFamily="49" charset="0"/>
+              </a:rPr>
+              <a:t>const</a:t>
+            </a:r>
+            <a:r>
+              <a:rPr lang="en-US" b="0" dirty="0">
+                <a:latin typeface="Source Code Pro" panose="020B0509030403020204" pitchFamily="49" charset="0"/>
+              </a:rPr>
+              <a:t> &amp; u) {</a:t>
+            </a:r>
+          </a:p>
+          <a:p>
+            <a:r>
+              <a:rPr lang="en-US" b="0" dirty="0">
+                <a:latin typeface="Source Code Pro" panose="020B0509030403020204" pitchFamily="49" charset="0"/>
+              </a:rPr>
+              <a:t>  return </a:t>
+            </a:r>
+            <a:r>
+              <a:rPr lang="en-US" b="0" dirty="0" err="1" smtClean="0">
+                <a:latin typeface="Source Code Pro" panose="020B0509030403020204" pitchFamily="49" charset="0"/>
+              </a:rPr>
+              <a:t>u.match</a:t>
+            </a:r>
+            <a:r>
+              <a:rPr lang="en-US" b="0" dirty="0" smtClean="0">
+                <a:latin typeface="Source Code Pro" panose="020B0509030403020204" pitchFamily="49" charset="0"/>
+              </a:rPr>
+              <a:t>&lt;T </a:t>
+            </a:r>
+            <a:r>
+              <a:rPr lang="en-US" b="0" dirty="0" err="1">
+                <a:latin typeface="Source Code Pro" panose="020B0509030403020204" pitchFamily="49" charset="0"/>
+              </a:rPr>
+              <a:t>const</a:t>
+            </a:r>
+            <a:r>
+              <a:rPr lang="en-US" b="0" dirty="0">
+                <a:latin typeface="Source Code Pro" panose="020B0509030403020204" pitchFamily="49" charset="0"/>
+              </a:rPr>
+              <a:t>&amp;&gt; (</a:t>
+            </a:r>
+          </a:p>
+          <a:p>
+            <a:r>
+              <a:rPr lang="en-US" b="0" dirty="0">
+                <a:latin typeface="Source Code Pro" panose="020B0509030403020204" pitchFamily="49" charset="0"/>
+              </a:rPr>
+              <a:t>   [](</a:t>
+            </a:r>
+            <a:r>
+              <a:rPr lang="en-US" b="0" dirty="0" err="1">
+                <a:latin typeface="Source Code Pro" panose="020B0509030403020204" pitchFamily="49" charset="0"/>
+              </a:rPr>
+              <a:t>some_t</a:t>
+            </a:r>
+            <a:r>
+              <a:rPr lang="en-US" b="0" dirty="0">
+                <a:latin typeface="Source Code Pro" panose="020B0509030403020204" pitchFamily="49" charset="0"/>
+              </a:rPr>
+              <a:t>&lt;T&gt; </a:t>
+            </a:r>
+            <a:r>
+              <a:rPr lang="en-US" b="0" dirty="0" err="1">
+                <a:latin typeface="Source Code Pro" panose="020B0509030403020204" pitchFamily="49" charset="0"/>
+              </a:rPr>
+              <a:t>const</a:t>
+            </a:r>
+            <a:r>
+              <a:rPr lang="en-US" b="0" dirty="0">
+                <a:latin typeface="Source Code Pro" panose="020B0509030403020204" pitchFamily="49" charset="0"/>
+              </a:rPr>
+              <a:t>&amp; o) -&gt; T </a:t>
+            </a:r>
+            <a:r>
+              <a:rPr lang="en-US" b="0" dirty="0" err="1">
+                <a:latin typeface="Source Code Pro" panose="020B0509030403020204" pitchFamily="49" charset="0"/>
+              </a:rPr>
+              <a:t>const</a:t>
+            </a:r>
+            <a:r>
+              <a:rPr lang="en-US" b="0" dirty="0">
+                <a:latin typeface="Source Code Pro" panose="020B0509030403020204" pitchFamily="49" charset="0"/>
+              </a:rPr>
+              <a:t>&amp; </a:t>
+            </a:r>
+            <a:r>
+              <a:rPr lang="en-US" b="0" dirty="0" smtClean="0">
+                <a:latin typeface="Source Code Pro" panose="020B0509030403020204" pitchFamily="49" charset="0"/>
+              </a:rPr>
+              <a:t>{</a:t>
+            </a:r>
+          </a:p>
+          <a:p>
+            <a:r>
+              <a:rPr lang="en-US" b="0" dirty="0">
+                <a:latin typeface="Source Code Pro" panose="020B0509030403020204" pitchFamily="49" charset="0"/>
+              </a:rPr>
+              <a:t> </a:t>
+            </a:r>
+            <a:r>
+              <a:rPr lang="en-US" b="0" dirty="0" smtClean="0">
+                <a:latin typeface="Source Code Pro" panose="020B0509030403020204" pitchFamily="49" charset="0"/>
+              </a:rPr>
+              <a:t>   return </a:t>
+            </a:r>
+            <a:r>
+              <a:rPr lang="en-US" b="0" dirty="0" err="1">
+                <a:latin typeface="Source Code Pro" panose="020B0509030403020204" pitchFamily="49" charset="0"/>
+              </a:rPr>
+              <a:t>o.data</a:t>
+            </a:r>
+            <a:r>
+              <a:rPr lang="en-US" b="0" dirty="0">
+                <a:latin typeface="Source Code Pro" panose="020B0509030403020204" pitchFamily="49" charset="0"/>
+              </a:rPr>
+              <a:t>; </a:t>
+            </a:r>
+            <a:endParaRPr lang="en-US" b="0" dirty="0" smtClean="0">
+              <a:latin typeface="Source Code Pro" panose="020B0509030403020204" pitchFamily="49" charset="0"/>
+            </a:endParaRPr>
+          </a:p>
+          <a:p>
+            <a:r>
+              <a:rPr lang="en-US" b="0" dirty="0">
+                <a:latin typeface="Source Code Pro" panose="020B0509030403020204" pitchFamily="49" charset="0"/>
+              </a:rPr>
+              <a:t> </a:t>
+            </a:r>
+            <a:r>
+              <a:rPr lang="en-US" b="0" dirty="0" smtClean="0">
+                <a:latin typeface="Source Code Pro" panose="020B0509030403020204" pitchFamily="49" charset="0"/>
+              </a:rPr>
+              <a:t>  },</a:t>
+            </a:r>
+            <a:endParaRPr lang="en-US" b="0" dirty="0">
+              <a:latin typeface="Source Code Pro" panose="020B0509030403020204" pitchFamily="49" charset="0"/>
+            </a:endParaRPr>
+          </a:p>
+          <a:p>
+            <a:r>
+              <a:rPr lang="en-US" b="0" dirty="0">
+                <a:latin typeface="Source Code Pro" panose="020B0509030403020204" pitchFamily="49" charset="0"/>
+              </a:rPr>
+              <a:t>   [](</a:t>
+            </a:r>
+            <a:r>
+              <a:rPr lang="en-US" b="0" dirty="0" err="1">
+                <a:latin typeface="Source Code Pro" panose="020B0509030403020204" pitchFamily="49" charset="0"/>
+              </a:rPr>
+              <a:t>none_t</a:t>
+            </a:r>
+            <a:r>
+              <a:rPr lang="en-US" b="0" dirty="0">
+                <a:latin typeface="Source Code Pro" panose="020B0509030403020204" pitchFamily="49" charset="0"/>
+              </a:rPr>
+              <a:t> </a:t>
+            </a:r>
+            <a:r>
+              <a:rPr lang="en-US" b="0" dirty="0" err="1">
+                <a:latin typeface="Source Code Pro" panose="020B0509030403020204" pitchFamily="49" charset="0"/>
+              </a:rPr>
+              <a:t>const</a:t>
+            </a:r>
+            <a:r>
+              <a:rPr lang="en-US" b="0" dirty="0">
+                <a:latin typeface="Source Code Pro" panose="020B0509030403020204" pitchFamily="49" charset="0"/>
+              </a:rPr>
+              <a:t>&amp;) -&gt; T </a:t>
+            </a:r>
+            <a:r>
+              <a:rPr lang="en-US" b="0" dirty="0" err="1">
+                <a:latin typeface="Source Code Pro" panose="020B0509030403020204" pitchFamily="49" charset="0"/>
+              </a:rPr>
+              <a:t>const</a:t>
+            </a:r>
+            <a:r>
+              <a:rPr lang="en-US" b="0" dirty="0">
+                <a:latin typeface="Source Code Pro" panose="020B0509030403020204" pitchFamily="49" charset="0"/>
+              </a:rPr>
+              <a:t>&amp; </a:t>
+            </a:r>
+            <a:r>
+              <a:rPr lang="en-US" b="0" dirty="0" smtClean="0">
+                <a:latin typeface="Source Code Pro" panose="020B0509030403020204" pitchFamily="49" charset="0"/>
+              </a:rPr>
+              <a:t>{</a:t>
+            </a:r>
+          </a:p>
+          <a:p>
+            <a:r>
+              <a:rPr lang="en-US" b="0" dirty="0">
+                <a:latin typeface="Source Code Pro" panose="020B0509030403020204" pitchFamily="49" charset="0"/>
+              </a:rPr>
+              <a:t> </a:t>
+            </a:r>
+            <a:r>
+              <a:rPr lang="en-US" b="0" dirty="0" smtClean="0">
+                <a:latin typeface="Source Code Pro" panose="020B0509030403020204" pitchFamily="49" charset="0"/>
+              </a:rPr>
+              <a:t>    throw </a:t>
+            </a:r>
+            <a:r>
+              <a:rPr lang="en-US" b="0" dirty="0" err="1">
+                <a:latin typeface="Source Code Pro" panose="020B0509030403020204" pitchFamily="49" charset="0"/>
+              </a:rPr>
+              <a:t>std</a:t>
+            </a:r>
+            <a:r>
+              <a:rPr lang="en-US" b="0" dirty="0">
+                <a:latin typeface="Source Code Pro" panose="020B0509030403020204" pitchFamily="49" charset="0"/>
+              </a:rPr>
+              <a:t>::</a:t>
+            </a:r>
+            <a:r>
+              <a:rPr lang="en-US" b="0" dirty="0" err="1">
+                <a:latin typeface="Source Code Pro" panose="020B0509030403020204" pitchFamily="49" charset="0"/>
+              </a:rPr>
+              <a:t>runtime_error</a:t>
+            </a:r>
+            <a:r>
+              <a:rPr lang="en-US" b="0" dirty="0">
+                <a:latin typeface="Source Code Pro" panose="020B0509030403020204" pitchFamily="49" charset="0"/>
+              </a:rPr>
+              <a:t> {"get"}; </a:t>
+            </a:r>
+            <a:endParaRPr lang="en-US" b="0" dirty="0" smtClean="0">
+              <a:latin typeface="Source Code Pro" panose="020B0509030403020204" pitchFamily="49" charset="0"/>
+            </a:endParaRPr>
+          </a:p>
+          <a:p>
+            <a:r>
+              <a:rPr lang="en-US" b="0" dirty="0">
+                <a:latin typeface="Source Code Pro" panose="020B0509030403020204" pitchFamily="49" charset="0"/>
+              </a:rPr>
+              <a:t> </a:t>
+            </a:r>
+            <a:r>
+              <a:rPr lang="en-US" b="0" dirty="0" smtClean="0">
+                <a:latin typeface="Source Code Pro" panose="020B0509030403020204" pitchFamily="49" charset="0"/>
+              </a:rPr>
+              <a:t>   }</a:t>
+            </a:r>
+            <a:endParaRPr lang="en-US" b="0" dirty="0">
+              <a:latin typeface="Source Code Pro" panose="020B0509030403020204" pitchFamily="49" charset="0"/>
+            </a:endParaRPr>
+          </a:p>
+          <a:p>
+            <a:r>
+              <a:rPr lang="en-US" b="0" dirty="0">
+                <a:latin typeface="Source Code Pro" panose="020B0509030403020204" pitchFamily="49" charset="0"/>
+              </a:rPr>
+              <a:t>  );</a:t>
+            </a:r>
+          </a:p>
+          <a:p>
+            <a:r>
+              <a:rPr lang="en-US" b="0" dirty="0">
+                <a:latin typeface="Source Code Pro" panose="020B0509030403020204" pitchFamily="49" charset="0"/>
+              </a:rPr>
+              <a:t>}</a:t>
+            </a:r>
+          </a:p>
+          <a:p>
+            <a:endParaRPr lang="en-US" dirty="0"/>
+          </a:p>
+        </p:txBody>
+      </p:sp>
+      <p:sp>
+        <p:nvSpPr>
+          <p:cNvPr id="4" name="Slide Number Placeholder 3"/>
+          <p:cNvSpPr>
+            <a:spLocks noGrp="1"/>
+          </p:cNvSpPr>
+          <p:nvPr>
+            <p:ph type="sldNum" sz="quarter" idx="12"/>
+          </p:nvPr>
+        </p:nvSpPr>
+        <p:spPr/>
+        <p:txBody>
+          <a:bodyPr/>
+          <a:lstStyle/>
+          <a:p>
+            <a:fld id="{B383C57C-80DA-45D5-BFE5-7583B8192761}" type="slidenum">
+              <a:rPr lang="en-US" smtClean="0">
+                <a:solidFill>
+                  <a:prstClr val="white">
+                    <a:lumMod val="75000"/>
+                  </a:prstClr>
+                </a:solidFill>
+              </a:rPr>
+              <a:pPr/>
+              <a:t>31</a:t>
+            </a:fld>
+            <a:endParaRPr lang="en-US">
+              <a:solidFill>
+                <a:prstClr val="white">
+                  <a:lumMod val="75000"/>
+                </a:prstClr>
+              </a:solidFill>
+            </a:endParaRPr>
+          </a:p>
+        </p:txBody>
+      </p:sp>
+      <p:sp>
+        <p:nvSpPr>
+          <p:cNvPr id="5" name="Footer Placeholder 4"/>
+          <p:cNvSpPr>
+            <a:spLocks noGrp="1"/>
+          </p:cNvSpPr>
+          <p:nvPr>
+            <p:ph type="ftr" sz="quarter" idx="13"/>
+          </p:nvPr>
+        </p:nvSpPr>
+        <p:spPr/>
+        <p:txBody>
+          <a:bodyPr/>
+          <a:lstStyle/>
+          <a:p>
+            <a:endParaRPr lang="en-US" dirty="0"/>
+          </a:p>
+        </p:txBody>
+      </p:sp>
+    </p:spTree>
+    <p:extLst>
+      <p:ext uri="{BB962C8B-B14F-4D97-AF65-F5344CB8AC3E}">
+        <p14:creationId xmlns:p14="http://schemas.microsoft.com/office/powerpoint/2010/main" val="610463891"/>
+      </p:ext>
+    </p:extLst>
+  </p:cSld>
+  <p:clrMapOvr>
+    <a:masterClrMapping/>
+  </p:clrMapOvr>
+  <p:timing>
+    <p:tnLst>
+      <p:par>
+        <p:cTn id="1" dur="indefinite" restart="never" nodeType="tmRoot"/>
+      </p:par>
+    </p:tnLst>
+  </p:timing>
+</p:sld>
+</file>
+
+<file path=ppt/slides/slide32.xml><?xml version="1.0" encoding="utf-8"?>
+<p:sld xmlns:a="http://schemas.openxmlformats.org/drawingml/2006/main" xmlns:r="http://schemas.openxmlformats.org/officeDocument/2006/relationships" xmlns:p="http://schemas.openxmlformats.org/presentationml/2006/main">
+  <p:cSld>
+    <p:spTree>
+      <p:nvGrpSpPr>
+        <p:cNvPr id="1" name=""/>
+        <p:cNvGrpSpPr/>
+        <p:nvPr/>
+      </p:nvGrpSpPr>
+      <p:grpSpPr>
+        <a:xfrm>
+          <a:off x="0" y="0"/>
+          <a:ext cx="0" cy="0"/>
+          <a:chOff x="0" y="0"/>
+          <a:chExt cx="0" cy="0"/>
+        </a:xfrm>
+      </p:grpSpPr>
+      <p:sp>
+        <p:nvSpPr>
+          <p:cNvPr id="2" name="Title 1"/>
+          <p:cNvSpPr>
+            <a:spLocks noGrp="1"/>
+          </p:cNvSpPr>
+          <p:nvPr>
+            <p:ph type="title"/>
+          </p:nvPr>
+        </p:nvSpPr>
+        <p:spPr/>
+        <p:txBody>
+          <a:bodyPr/>
+          <a:lstStyle/>
+          <a:p>
+            <a:r>
+              <a:rPr lang="en-US" dirty="0" smtClean="0"/>
+              <a:t>common “GOTCHAS”</a:t>
+            </a:r>
+            <a:endParaRPr lang="en-US" dirty="0"/>
+          </a:p>
+        </p:txBody>
+      </p:sp>
+      <p:sp>
+        <p:nvSpPr>
+          <p:cNvPr id="3" name="Content Placeholder 2"/>
+          <p:cNvSpPr>
+            <a:spLocks noGrp="1"/>
+          </p:cNvSpPr>
+          <p:nvPr>
+            <p:ph idx="1"/>
+          </p:nvPr>
+        </p:nvSpPr>
+        <p:spPr/>
+        <p:txBody>
+          <a:bodyPr/>
+          <a:lstStyle/>
+          <a:p>
+            <a:endParaRPr lang="en-US" dirty="0" smtClean="0"/>
+          </a:p>
+          <a:p>
+            <a:r>
+              <a:rPr lang="en-US" b="0" dirty="0" smtClean="0">
+                <a:latin typeface="Source Code Pro" panose="020B0509030403020204" pitchFamily="49" charset="0"/>
+              </a:rPr>
+              <a:t>//Correct</a:t>
+            </a:r>
+            <a:r>
+              <a:rPr lang="en-US" dirty="0"/>
+              <a:t/>
+            </a:r>
+            <a:br>
+              <a:rPr lang="en-US" dirty="0"/>
+            </a:br>
+            <a:r>
+              <a:rPr lang="en-US" b="0" dirty="0">
+                <a:latin typeface="Source Code Pro" panose="020B0509030403020204" pitchFamily="49" charset="0"/>
+              </a:rPr>
+              <a:t>template &lt;class T&gt;</a:t>
+            </a:r>
+          </a:p>
+          <a:p>
+            <a:r>
+              <a:rPr lang="en-US" b="0" dirty="0">
+                <a:latin typeface="Source Code Pro" panose="020B0509030403020204" pitchFamily="49" charset="0"/>
+              </a:rPr>
+              <a:t>T </a:t>
+            </a:r>
+            <a:r>
+              <a:rPr lang="en-US" b="0" dirty="0" err="1">
+                <a:latin typeface="Source Code Pro" panose="020B0509030403020204" pitchFamily="49" charset="0"/>
+              </a:rPr>
+              <a:t>const</a:t>
+            </a:r>
+            <a:r>
+              <a:rPr lang="en-US" b="0" dirty="0">
+                <a:latin typeface="Source Code Pro" panose="020B0509030403020204" pitchFamily="49" charset="0"/>
+              </a:rPr>
+              <a:t>&amp; get (option&lt;T&gt; </a:t>
+            </a:r>
+            <a:r>
+              <a:rPr lang="en-US" b="0" dirty="0" err="1">
+                <a:latin typeface="Source Code Pro" panose="020B0509030403020204" pitchFamily="49" charset="0"/>
+              </a:rPr>
+              <a:t>const</a:t>
+            </a:r>
+            <a:r>
+              <a:rPr lang="en-US" b="0" dirty="0">
+                <a:latin typeface="Source Code Pro" panose="020B0509030403020204" pitchFamily="49" charset="0"/>
+              </a:rPr>
+              <a:t> &amp; u) {</a:t>
+            </a:r>
+          </a:p>
+          <a:p>
+            <a:r>
+              <a:rPr lang="en-US" b="0" dirty="0">
+                <a:latin typeface="Source Code Pro" panose="020B0509030403020204" pitchFamily="49" charset="0"/>
+              </a:rPr>
+              <a:t>  return </a:t>
+            </a:r>
+            <a:r>
+              <a:rPr lang="en-US" b="0" dirty="0" err="1" smtClean="0">
+                <a:latin typeface="Source Code Pro" panose="020B0509030403020204" pitchFamily="49" charset="0"/>
+              </a:rPr>
+              <a:t>u.</a:t>
+            </a:r>
+            <a:r>
+              <a:rPr lang="en-US" dirty="0" err="1" smtClean="0">
+                <a:latin typeface="Source Code Pro" panose="020B0509030403020204" pitchFamily="49" charset="0"/>
+              </a:rPr>
+              <a:t>template</a:t>
+            </a:r>
+            <a:r>
+              <a:rPr lang="en-US" b="0" dirty="0" smtClean="0">
+                <a:latin typeface="Source Code Pro" panose="020B0509030403020204" pitchFamily="49" charset="0"/>
+              </a:rPr>
+              <a:t> match&lt;T </a:t>
+            </a:r>
+            <a:r>
+              <a:rPr lang="en-US" b="0" dirty="0" err="1">
+                <a:latin typeface="Source Code Pro" panose="020B0509030403020204" pitchFamily="49" charset="0"/>
+              </a:rPr>
+              <a:t>const</a:t>
+            </a:r>
+            <a:r>
+              <a:rPr lang="en-US" b="0" dirty="0">
+                <a:latin typeface="Source Code Pro" panose="020B0509030403020204" pitchFamily="49" charset="0"/>
+              </a:rPr>
+              <a:t>&amp;&gt; (</a:t>
+            </a:r>
+          </a:p>
+          <a:p>
+            <a:r>
+              <a:rPr lang="en-US" b="0" dirty="0">
+                <a:latin typeface="Source Code Pro" panose="020B0509030403020204" pitchFamily="49" charset="0"/>
+              </a:rPr>
+              <a:t>   [](</a:t>
+            </a:r>
+            <a:r>
+              <a:rPr lang="en-US" b="0" dirty="0" err="1">
+                <a:latin typeface="Source Code Pro" panose="020B0509030403020204" pitchFamily="49" charset="0"/>
+              </a:rPr>
+              <a:t>some_t</a:t>
+            </a:r>
+            <a:r>
+              <a:rPr lang="en-US" b="0" dirty="0">
+                <a:latin typeface="Source Code Pro" panose="020B0509030403020204" pitchFamily="49" charset="0"/>
+              </a:rPr>
+              <a:t>&lt;T&gt; </a:t>
+            </a:r>
+            <a:r>
+              <a:rPr lang="en-US" b="0" dirty="0" err="1">
+                <a:latin typeface="Source Code Pro" panose="020B0509030403020204" pitchFamily="49" charset="0"/>
+              </a:rPr>
+              <a:t>const</a:t>
+            </a:r>
+            <a:r>
+              <a:rPr lang="en-US" b="0" dirty="0">
+                <a:latin typeface="Source Code Pro" panose="020B0509030403020204" pitchFamily="49" charset="0"/>
+              </a:rPr>
+              <a:t>&amp; o) -&gt; T </a:t>
+            </a:r>
+            <a:r>
+              <a:rPr lang="en-US" b="0" dirty="0" err="1">
+                <a:latin typeface="Source Code Pro" panose="020B0509030403020204" pitchFamily="49" charset="0"/>
+              </a:rPr>
+              <a:t>const</a:t>
+            </a:r>
+            <a:r>
+              <a:rPr lang="en-US" b="0" dirty="0">
+                <a:latin typeface="Source Code Pro" panose="020B0509030403020204" pitchFamily="49" charset="0"/>
+              </a:rPr>
+              <a:t>&amp; </a:t>
+            </a:r>
+            <a:r>
+              <a:rPr lang="en-US" b="0" dirty="0" smtClean="0">
+                <a:latin typeface="Source Code Pro" panose="020B0509030403020204" pitchFamily="49" charset="0"/>
+              </a:rPr>
+              <a:t>{</a:t>
+            </a:r>
+          </a:p>
+          <a:p>
+            <a:r>
+              <a:rPr lang="en-US" b="0" dirty="0">
+                <a:latin typeface="Source Code Pro" panose="020B0509030403020204" pitchFamily="49" charset="0"/>
+              </a:rPr>
+              <a:t> </a:t>
+            </a:r>
+            <a:r>
+              <a:rPr lang="en-US" b="0" dirty="0" smtClean="0">
+                <a:latin typeface="Source Code Pro" panose="020B0509030403020204" pitchFamily="49" charset="0"/>
+              </a:rPr>
+              <a:t>   return </a:t>
+            </a:r>
+            <a:r>
+              <a:rPr lang="en-US" b="0" dirty="0" err="1">
+                <a:latin typeface="Source Code Pro" panose="020B0509030403020204" pitchFamily="49" charset="0"/>
+              </a:rPr>
+              <a:t>o.data</a:t>
+            </a:r>
+            <a:r>
+              <a:rPr lang="en-US" b="0" dirty="0">
+                <a:latin typeface="Source Code Pro" panose="020B0509030403020204" pitchFamily="49" charset="0"/>
+              </a:rPr>
+              <a:t>; </a:t>
+            </a:r>
+            <a:endParaRPr lang="en-US" b="0" dirty="0" smtClean="0">
+              <a:latin typeface="Source Code Pro" panose="020B0509030403020204" pitchFamily="49" charset="0"/>
+            </a:endParaRPr>
+          </a:p>
+          <a:p>
+            <a:r>
+              <a:rPr lang="en-US" b="0" dirty="0">
+                <a:latin typeface="Source Code Pro" panose="020B0509030403020204" pitchFamily="49" charset="0"/>
+              </a:rPr>
+              <a:t> </a:t>
+            </a:r>
+            <a:r>
+              <a:rPr lang="en-US" b="0" dirty="0" smtClean="0">
+                <a:latin typeface="Source Code Pro" panose="020B0509030403020204" pitchFamily="49" charset="0"/>
+              </a:rPr>
+              <a:t>  },</a:t>
+            </a:r>
+            <a:endParaRPr lang="en-US" b="0" dirty="0">
+              <a:latin typeface="Source Code Pro" panose="020B0509030403020204" pitchFamily="49" charset="0"/>
+            </a:endParaRPr>
+          </a:p>
+          <a:p>
+            <a:r>
+              <a:rPr lang="en-US" b="0" dirty="0">
+                <a:latin typeface="Source Code Pro" panose="020B0509030403020204" pitchFamily="49" charset="0"/>
+              </a:rPr>
+              <a:t>   [](</a:t>
+            </a:r>
+            <a:r>
+              <a:rPr lang="en-US" b="0" dirty="0" err="1">
+                <a:latin typeface="Source Code Pro" panose="020B0509030403020204" pitchFamily="49" charset="0"/>
+              </a:rPr>
+              <a:t>none_t</a:t>
+            </a:r>
+            <a:r>
+              <a:rPr lang="en-US" b="0" dirty="0">
+                <a:latin typeface="Source Code Pro" panose="020B0509030403020204" pitchFamily="49" charset="0"/>
+              </a:rPr>
+              <a:t> </a:t>
+            </a:r>
+            <a:r>
+              <a:rPr lang="en-US" b="0" dirty="0" err="1">
+                <a:latin typeface="Source Code Pro" panose="020B0509030403020204" pitchFamily="49" charset="0"/>
+              </a:rPr>
+              <a:t>const</a:t>
+            </a:r>
+            <a:r>
+              <a:rPr lang="en-US" b="0" dirty="0">
+                <a:latin typeface="Source Code Pro" panose="020B0509030403020204" pitchFamily="49" charset="0"/>
+              </a:rPr>
+              <a:t>&amp;) -&gt; T </a:t>
+            </a:r>
+            <a:r>
+              <a:rPr lang="en-US" b="0" dirty="0" err="1">
+                <a:latin typeface="Source Code Pro" panose="020B0509030403020204" pitchFamily="49" charset="0"/>
+              </a:rPr>
+              <a:t>const</a:t>
+            </a:r>
+            <a:r>
+              <a:rPr lang="en-US" b="0" dirty="0">
+                <a:latin typeface="Source Code Pro" panose="020B0509030403020204" pitchFamily="49" charset="0"/>
+              </a:rPr>
+              <a:t>&amp; </a:t>
+            </a:r>
+            <a:r>
+              <a:rPr lang="en-US" b="0" dirty="0" smtClean="0">
+                <a:latin typeface="Source Code Pro" panose="020B0509030403020204" pitchFamily="49" charset="0"/>
+              </a:rPr>
+              <a:t>{</a:t>
+            </a:r>
+          </a:p>
+          <a:p>
+            <a:r>
+              <a:rPr lang="en-US" b="0" dirty="0">
+                <a:latin typeface="Source Code Pro" panose="020B0509030403020204" pitchFamily="49" charset="0"/>
+              </a:rPr>
+              <a:t> </a:t>
+            </a:r>
+            <a:r>
+              <a:rPr lang="en-US" b="0" dirty="0" smtClean="0">
+                <a:latin typeface="Source Code Pro" panose="020B0509030403020204" pitchFamily="49" charset="0"/>
+              </a:rPr>
+              <a:t>    throw </a:t>
+            </a:r>
+            <a:r>
+              <a:rPr lang="en-US" b="0" dirty="0" err="1">
+                <a:latin typeface="Source Code Pro" panose="020B0509030403020204" pitchFamily="49" charset="0"/>
+              </a:rPr>
+              <a:t>std</a:t>
+            </a:r>
+            <a:r>
+              <a:rPr lang="en-US" b="0" dirty="0">
+                <a:latin typeface="Source Code Pro" panose="020B0509030403020204" pitchFamily="49" charset="0"/>
+              </a:rPr>
+              <a:t>::</a:t>
+            </a:r>
+            <a:r>
+              <a:rPr lang="en-US" b="0" dirty="0" err="1">
+                <a:latin typeface="Source Code Pro" panose="020B0509030403020204" pitchFamily="49" charset="0"/>
+              </a:rPr>
+              <a:t>runtime_error</a:t>
+            </a:r>
+            <a:r>
+              <a:rPr lang="en-US" b="0" dirty="0">
+                <a:latin typeface="Source Code Pro" panose="020B0509030403020204" pitchFamily="49" charset="0"/>
+              </a:rPr>
+              <a:t> {"get</a:t>
+            </a:r>
+            <a:r>
+              <a:rPr lang="en-US" b="0" dirty="0" smtClean="0">
+                <a:latin typeface="Source Code Pro" panose="020B0509030403020204" pitchFamily="49" charset="0"/>
+              </a:rPr>
+              <a:t>"};</a:t>
+            </a:r>
+          </a:p>
+          <a:p>
+            <a:r>
+              <a:rPr lang="en-US" b="0" dirty="0">
+                <a:latin typeface="Source Code Pro" panose="020B0509030403020204" pitchFamily="49" charset="0"/>
+              </a:rPr>
+              <a:t> </a:t>
+            </a:r>
+            <a:r>
+              <a:rPr lang="en-US" b="0" dirty="0" smtClean="0">
+                <a:latin typeface="Source Code Pro" panose="020B0509030403020204" pitchFamily="49" charset="0"/>
+              </a:rPr>
+              <a:t>  }</a:t>
+            </a:r>
+            <a:endParaRPr lang="en-US" b="0" dirty="0">
+              <a:latin typeface="Source Code Pro" panose="020B0509030403020204" pitchFamily="49" charset="0"/>
+            </a:endParaRPr>
+          </a:p>
+          <a:p>
+            <a:r>
+              <a:rPr lang="en-US" b="0" dirty="0">
+                <a:latin typeface="Source Code Pro" panose="020B0509030403020204" pitchFamily="49" charset="0"/>
+              </a:rPr>
+              <a:t>  );</a:t>
+            </a:r>
+          </a:p>
+          <a:p>
+            <a:r>
+              <a:rPr lang="en-US" b="0" dirty="0">
+                <a:latin typeface="Source Code Pro" panose="020B0509030403020204" pitchFamily="49" charset="0"/>
+              </a:rPr>
+              <a:t>}</a:t>
+            </a:r>
+          </a:p>
+          <a:p>
+            <a:endParaRPr lang="en-US" dirty="0"/>
+          </a:p>
+        </p:txBody>
+      </p:sp>
+      <p:sp>
+        <p:nvSpPr>
+          <p:cNvPr id="4" name="Slide Number Placeholder 3"/>
+          <p:cNvSpPr>
+            <a:spLocks noGrp="1"/>
+          </p:cNvSpPr>
+          <p:nvPr>
+            <p:ph type="sldNum" sz="quarter" idx="12"/>
+          </p:nvPr>
+        </p:nvSpPr>
+        <p:spPr/>
+        <p:txBody>
+          <a:bodyPr/>
+          <a:lstStyle/>
+          <a:p>
+            <a:fld id="{B383C57C-80DA-45D5-BFE5-7583B8192761}" type="slidenum">
+              <a:rPr lang="en-US" smtClean="0">
+                <a:solidFill>
+                  <a:prstClr val="white">
+                    <a:lumMod val="75000"/>
+                  </a:prstClr>
+                </a:solidFill>
+              </a:rPr>
+              <a:pPr/>
+              <a:t>32</a:t>
+            </a:fld>
+            <a:endParaRPr lang="en-US">
+              <a:solidFill>
+                <a:prstClr val="white">
+                  <a:lumMod val="75000"/>
+                </a:prstClr>
+              </a:solidFill>
+            </a:endParaRPr>
+          </a:p>
+        </p:txBody>
+      </p:sp>
+      <p:sp>
+        <p:nvSpPr>
+          <p:cNvPr id="5" name="Footer Placeholder 4"/>
+          <p:cNvSpPr>
+            <a:spLocks noGrp="1"/>
+          </p:cNvSpPr>
+          <p:nvPr>
+            <p:ph type="ftr" sz="quarter" idx="13"/>
+          </p:nvPr>
+        </p:nvSpPr>
+        <p:spPr/>
+        <p:txBody>
+          <a:bodyPr/>
+          <a:lstStyle/>
+          <a:p>
+            <a:endParaRPr lang="en-US" dirty="0"/>
+          </a:p>
+        </p:txBody>
+      </p:sp>
+    </p:spTree>
+    <p:extLst>
+      <p:ext uri="{BB962C8B-B14F-4D97-AF65-F5344CB8AC3E}">
+        <p14:creationId xmlns:p14="http://schemas.microsoft.com/office/powerpoint/2010/main" val="1407817528"/>
+      </p:ext>
+    </p:extLst>
+  </p:cSld>
+  <p:clrMapOvr>
+    <a:masterClrMapping/>
+  </p:clrMapOvr>
+  <p:timing>
+    <p:tnLst>
+      <p:par>
+        <p:cTn id="1" dur="indefinite" restart="never" nodeType="tmRoot"/>
+      </p:par>
+    </p:tnLst>
+  </p:timing>
+</p:sld>
+</file>
+
+<file path=ppt/slides/slide33.xml><?xml version="1.0" encoding="utf-8"?>
+<p:sld xmlns:a="http://schemas.openxmlformats.org/drawingml/2006/main" xmlns:r="http://schemas.openxmlformats.org/officeDocument/2006/relationships" xmlns:p="http://schemas.openxmlformats.org/presentationml/2006/main">
+  <p:cSld>
+    <p:spTree>
+      <p:nvGrpSpPr>
+        <p:cNvPr id="1" name=""/>
+        <p:cNvGrpSpPr/>
+        <p:nvPr/>
+      </p:nvGrpSpPr>
+      <p:grpSpPr>
+        <a:xfrm>
+          <a:off x="0" y="0"/>
+          <a:ext cx="0" cy="0"/>
+          <a:chOff x="0" y="0"/>
+          <a:chExt cx="0" cy="0"/>
+        </a:xfrm>
+      </p:grpSpPr>
+      <p:sp>
+        <p:nvSpPr>
+          <p:cNvPr id="4" name="Slide Number Placeholder 3"/>
+          <p:cNvSpPr>
+            <a:spLocks noGrp="1"/>
+          </p:cNvSpPr>
+          <p:nvPr>
+            <p:ph type="sldNum" sz="quarter" idx="12"/>
+          </p:nvPr>
+        </p:nvSpPr>
+        <p:spPr/>
+        <p:txBody>
+          <a:bodyPr/>
+          <a:lstStyle/>
+          <a:p>
+            <a:fld id="{B383C57C-80DA-45D5-BFE5-7583B8192761}" type="slidenum">
+              <a:rPr lang="en-US" smtClean="0">
+                <a:solidFill>
+                  <a:prstClr val="white">
+                    <a:lumMod val="75000"/>
+                  </a:prstClr>
+                </a:solidFill>
+              </a:rPr>
+              <a:pPr/>
+              <a:t>33</a:t>
+            </a:fld>
+            <a:endParaRPr lang="en-US">
+              <a:solidFill>
+                <a:prstClr val="white">
+                  <a:lumMod val="75000"/>
+                </a:prstClr>
+              </a:solidFill>
+            </a:endParaRPr>
+          </a:p>
+        </p:txBody>
+      </p:sp>
+      <p:sp>
+        <p:nvSpPr>
+          <p:cNvPr id="6" name="Title 5"/>
+          <p:cNvSpPr>
+            <a:spLocks noGrp="1"/>
+          </p:cNvSpPr>
+          <p:nvPr>
+            <p:ph type="title"/>
+          </p:nvPr>
+        </p:nvSpPr>
+        <p:spPr/>
+        <p:txBody>
+          <a:bodyPr/>
+          <a:lstStyle/>
+          <a:p>
+            <a:r>
+              <a:rPr lang="en-US" smtClean="0"/>
+              <a:t>postcript</a:t>
+            </a:r>
+            <a:endParaRPr lang="en-US" dirty="0"/>
+          </a:p>
+        </p:txBody>
+      </p:sp>
+    </p:spTree>
+    <p:extLst>
+      <p:ext uri="{BB962C8B-B14F-4D97-AF65-F5344CB8AC3E}">
+        <p14:creationId xmlns:p14="http://schemas.microsoft.com/office/powerpoint/2010/main" val="163080634"/>
+      </p:ext>
+    </p:extLst>
+  </p:cSld>
+  <p:clrMapOvr>
+    <a:masterClrMapping/>
+  </p:clrMapOvr>
+</p:sld>
+</file>
+
+<file path=ppt/slides/slide34.xml><?xml version="1.0" encoding="utf-8"?>
+<p:sld xmlns:a="http://schemas.openxmlformats.org/drawingml/2006/main" xmlns:r="http://schemas.openxmlformats.org/officeDocument/2006/relationships" xmlns:p="http://schemas.openxmlformats.org/presentationml/2006/main">
+  <p:cSld>
+    <p:spTree>
+      <p:nvGrpSpPr>
+        <p:cNvPr id="1" name=""/>
+        <p:cNvGrpSpPr/>
+        <p:nvPr/>
+      </p:nvGrpSpPr>
+      <p:grpSpPr>
+        <a:xfrm>
+          <a:off x="0" y="0"/>
+          <a:ext cx="0" cy="0"/>
+          <a:chOff x="0" y="0"/>
+          <a:chExt cx="0" cy="0"/>
+        </a:xfrm>
+      </p:grpSpPr>
+      <p:sp>
+        <p:nvSpPr>
+          <p:cNvPr id="2" name="Title 1"/>
+          <p:cNvSpPr>
+            <a:spLocks noGrp="1"/>
+          </p:cNvSpPr>
+          <p:nvPr>
+            <p:ph type="title"/>
+          </p:nvPr>
+        </p:nvSpPr>
+        <p:spPr/>
+        <p:txBody>
+          <a:bodyPr/>
+          <a:lstStyle/>
+          <a:p>
+            <a:r>
+              <a:rPr lang="en-US" dirty="0" smtClean="0"/>
+              <a:t>Resources</a:t>
+            </a:r>
+            <a:endParaRPr lang="en-US" dirty="0"/>
+          </a:p>
+        </p:txBody>
+      </p:sp>
+      <p:sp>
+        <p:nvSpPr>
+          <p:cNvPr id="3" name="Content Placeholder 2"/>
+          <p:cNvSpPr>
+            <a:spLocks noGrp="1"/>
+          </p:cNvSpPr>
+          <p:nvPr>
+            <p:ph idx="1"/>
+          </p:nvPr>
+        </p:nvSpPr>
+        <p:spPr/>
+        <p:txBody>
+          <a:bodyPr/>
+          <a:lstStyle/>
+          <a:p>
+            <a:pPr marL="342900" indent="-342900">
+              <a:buFont typeface="Arial" panose="020B0604020202020204" pitchFamily="34" charset="0"/>
+              <a:buChar char="•"/>
+            </a:pPr>
+            <a:r>
+              <a:rPr lang="en-US" dirty="0" smtClean="0"/>
+              <a:t>Code</a:t>
+            </a:r>
+          </a:p>
+          <a:p>
+            <a:pPr marL="1085850" lvl="1" indent="-342900">
+              <a:buFont typeface="Arial" panose="020B0604020202020204" pitchFamily="34" charset="0"/>
+              <a:buChar char="•"/>
+            </a:pPr>
+            <a:r>
+              <a:rPr lang="en-US" dirty="0">
+                <a:hlinkClick r:id="rId2"/>
+              </a:rPr>
+              <a:t>https://</a:t>
+            </a:r>
+            <a:r>
+              <a:rPr lang="en-US" dirty="0" smtClean="0">
+                <a:hlinkClick r:id="rId2"/>
+              </a:rPr>
+              <a:t>bbgithub.dev.bloomberg.com/QDLA-infrastructure/pretty-good-sum</a:t>
+            </a:r>
+            <a:endParaRPr lang="en-US" dirty="0" smtClean="0"/>
+          </a:p>
+          <a:p>
+            <a:pPr marL="1085850" lvl="1" indent="-342900">
+              <a:buFont typeface="Arial" panose="020B0604020202020204" pitchFamily="34" charset="0"/>
+              <a:buChar char="•"/>
+            </a:pPr>
+            <a:r>
+              <a:rPr lang="en-US" i="1" dirty="0" smtClean="0"/>
+              <a:t>Will soon be present in our Windows installer and DPKG</a:t>
+            </a:r>
+            <a:br>
+              <a:rPr lang="en-US" i="1" dirty="0" smtClean="0"/>
+            </a:br>
+            <a:endParaRPr lang="en-US" i="1" dirty="0" smtClean="0"/>
+          </a:p>
+          <a:p>
+            <a:pPr marL="342900" indent="-342900">
+              <a:buFont typeface="Arial" panose="020B0604020202020204" pitchFamily="34" charset="0"/>
+              <a:buChar char="•"/>
+            </a:pPr>
+            <a:r>
+              <a:rPr lang="en-US" dirty="0" smtClean="0"/>
+              <a:t>Online documentation</a:t>
+            </a:r>
+          </a:p>
+          <a:p>
+            <a:pPr marL="1085850" lvl="1" indent="-342900">
+              <a:buFont typeface="Arial" panose="020B0604020202020204" pitchFamily="34" charset="0"/>
+              <a:buChar char="•"/>
+            </a:pPr>
+            <a:r>
+              <a:rPr lang="en-US" dirty="0">
+                <a:hlinkClick r:id="rId3"/>
+              </a:rPr>
+              <a:t>http://</a:t>
+            </a:r>
+            <a:r>
+              <a:rPr lang="en-US" dirty="0" smtClean="0">
+                <a:hlinkClick r:id="rId3"/>
+              </a:rPr>
+              <a:t>nydeviisquant01/pretty-good-sum/index.html</a:t>
+            </a:r>
+            <a:endParaRPr lang="en-US" dirty="0" smtClean="0"/>
+          </a:p>
+          <a:p>
+            <a:pPr marL="1085850" lvl="1" indent="-342900">
+              <a:buFont typeface="Arial" panose="020B0604020202020204" pitchFamily="34" charset="0"/>
+              <a:buChar char="•"/>
+            </a:pPr>
+            <a:endParaRPr lang="en-US" dirty="0"/>
+          </a:p>
+        </p:txBody>
+      </p:sp>
+      <p:sp>
+        <p:nvSpPr>
+          <p:cNvPr id="4" name="Slide Number Placeholder 3"/>
+          <p:cNvSpPr>
+            <a:spLocks noGrp="1"/>
+          </p:cNvSpPr>
+          <p:nvPr>
+            <p:ph type="sldNum" sz="quarter" idx="12"/>
+          </p:nvPr>
+        </p:nvSpPr>
+        <p:spPr/>
+        <p:txBody>
+          <a:bodyPr/>
+          <a:lstStyle/>
+          <a:p>
+            <a:fld id="{B383C57C-80DA-45D5-BFE5-7583B8192761}" type="slidenum">
+              <a:rPr lang="en-US" smtClean="0">
+                <a:solidFill>
+                  <a:prstClr val="white">
+                    <a:lumMod val="75000"/>
+                  </a:prstClr>
+                </a:solidFill>
+              </a:rPr>
+              <a:pPr/>
+              <a:t>34</a:t>
+            </a:fld>
+            <a:endParaRPr lang="en-US">
+              <a:solidFill>
+                <a:prstClr val="white">
+                  <a:lumMod val="75000"/>
+                </a:prstClr>
+              </a:solidFill>
+            </a:endParaRPr>
+          </a:p>
+        </p:txBody>
+      </p:sp>
+      <p:sp>
+        <p:nvSpPr>
+          <p:cNvPr id="5" name="Footer Placeholder 4"/>
+          <p:cNvSpPr>
+            <a:spLocks noGrp="1"/>
+          </p:cNvSpPr>
+          <p:nvPr>
+            <p:ph type="ftr" sz="quarter" idx="13"/>
+          </p:nvPr>
+        </p:nvSpPr>
+        <p:spPr/>
+        <p:txBody>
+          <a:bodyPr/>
+          <a:lstStyle/>
+          <a:p>
+            <a:endParaRPr lang="en-US" dirty="0"/>
+          </a:p>
+        </p:txBody>
+      </p:sp>
+    </p:spTree>
+    <p:extLst>
+      <p:ext uri="{BB962C8B-B14F-4D97-AF65-F5344CB8AC3E}">
+        <p14:creationId xmlns:p14="http://schemas.microsoft.com/office/powerpoint/2010/main" val="932800072"/>
+      </p:ext>
+    </p:extLst>
+  </p:cSld>
+  <p:clrMapOvr>
+    <a:masterClrMapping/>
+  </p:clrMapOvr>
+  <p:timing>
+    <p:tnLst>
+      <p:par>
+        <p:cTn id="1" dur="indefinite" restart="never" nodeType="tmRoot"/>
+      </p:par>
+    </p:tnLst>
+  </p:timing>
+</p:sld>
+</file>
+
+<file path=ppt/slides/slide35.xml><?xml version="1.0" encoding="utf-8"?>
+<p:sld xmlns:a="http://schemas.openxmlformats.org/drawingml/2006/main" xmlns:r="http://schemas.openxmlformats.org/officeDocument/2006/relationships" xmlns:p="http://schemas.openxmlformats.org/presentationml/2006/main">
+  <p:cSld>
+    <p:spTree>
+      <p:nvGrpSpPr>
+        <p:cNvPr id="1" name=""/>
+        <p:cNvGrpSpPr/>
+        <p:nvPr/>
+      </p:nvGrpSpPr>
+      <p:grpSpPr>
+        <a:xfrm>
+          <a:off x="0" y="0"/>
+          <a:ext cx="0" cy="0"/>
+          <a:chOff x="0" y="0"/>
+          <a:chExt cx="0" cy="0"/>
+        </a:xfrm>
+      </p:grpSpPr>
+      <p:sp>
+        <p:nvSpPr>
+          <p:cNvPr id="6" name="Title 5"/>
+          <p:cNvSpPr>
+            <a:spLocks noGrp="1"/>
+          </p:cNvSpPr>
+          <p:nvPr>
+            <p:ph type="title"/>
+          </p:nvPr>
+        </p:nvSpPr>
+        <p:spPr/>
+        <p:txBody>
+          <a:bodyPr/>
+          <a:lstStyle/>
+          <a:p>
+            <a:endParaRPr lang="en-US" dirty="0"/>
+          </a:p>
+        </p:txBody>
+      </p:sp>
+      <p:sp>
+        <p:nvSpPr>
+          <p:cNvPr id="4" name="Slide Number Placeholder 3"/>
+          <p:cNvSpPr>
+            <a:spLocks noGrp="1"/>
+          </p:cNvSpPr>
+          <p:nvPr>
+            <p:ph type="sldNum" sz="quarter" idx="12"/>
+          </p:nvPr>
+        </p:nvSpPr>
+        <p:spPr/>
+        <p:txBody>
+          <a:bodyPr/>
+          <a:lstStyle/>
+          <a:p>
+            <a:fld id="{B383C57C-80DA-45D5-BFE5-7583B8192761}" type="slidenum">
+              <a:rPr lang="en-US" smtClean="0">
+                <a:solidFill>
+                  <a:prstClr val="white">
+                    <a:lumMod val="75000"/>
+                  </a:prstClr>
+                </a:solidFill>
+              </a:rPr>
+              <a:pPr/>
+              <a:t>35</a:t>
+            </a:fld>
+            <a:endParaRPr lang="en-US">
+              <a:solidFill>
+                <a:prstClr val="white">
+                  <a:lumMod val="75000"/>
+                </a:prstClr>
+              </a:solidFill>
+            </a:endParaRPr>
+          </a:p>
+        </p:txBody>
+      </p:sp>
+      <p:sp>
+        <p:nvSpPr>
+          <p:cNvPr id="5" name="Footer Placeholder 4"/>
+          <p:cNvSpPr>
+            <a:spLocks noGrp="1"/>
+          </p:cNvSpPr>
+          <p:nvPr>
+            <p:ph type="ftr" sz="quarter" idx="15"/>
+          </p:nvPr>
+        </p:nvSpPr>
+        <p:spPr/>
+        <p:txBody>
+          <a:bodyPr/>
+          <a:lstStyle/>
+          <a:p>
+            <a:endParaRPr lang="en-US" dirty="0"/>
+          </a:p>
+        </p:txBody>
+      </p:sp>
+      <p:pic>
+        <p:nvPicPr>
+          <p:cNvPr id="7" name="Picture 6"/>
+          <p:cNvPicPr>
+            <a:picLocks noChangeAspect="1"/>
+          </p:cNvPicPr>
+          <p:nvPr/>
+        </p:nvPicPr>
+        <p:blipFill>
+          <a:blip r:embed="rId3">
+            <a:extLst>
+              <a:ext uri="{28A0092B-C50C-407E-A947-70E740481C1C}">
+                <a14:useLocalDpi xmlns:a14="http://schemas.microsoft.com/office/drawing/2010/main" val="0"/>
+              </a:ext>
+            </a:extLst>
+          </a:blip>
+          <a:stretch>
+            <a:fillRect/>
+          </a:stretch>
+        </p:blipFill>
+        <p:spPr>
+          <a:xfrm>
+            <a:off x="1714500" y="571500"/>
+            <a:ext cx="5715000" cy="5715000"/>
+          </a:xfrm>
+          <a:prstGeom prst="rect">
+            <a:avLst/>
+          </a:prstGeom>
+        </p:spPr>
+      </p:pic>
+    </p:spTree>
+    <p:extLst>
+      <p:ext uri="{BB962C8B-B14F-4D97-AF65-F5344CB8AC3E}">
+        <p14:creationId xmlns:p14="http://schemas.microsoft.com/office/powerpoint/2010/main" val="3046816275"/>
       </p:ext>
     </p:extLst>
   </p:cSld>

--- a/misc/docs/2016-03-18-pgs-intro/intro.pptx
+++ b/misc/docs/2016-03-18-pgs-intro/intro.pptx
@@ -5,7 +5,7 @@
     <p:sldMasterId id="2147483660" r:id="rId1"/>
   </p:sldMasterIdLst>
   <p:notesMasterIdLst>
-    <p:notesMasterId r:id="rId37"/>
+    <p:notesMasterId r:id="rId39"/>
   </p:notesMasterIdLst>
   <p:sldIdLst>
     <p:sldId id="256" r:id="rId2"/>
@@ -33,16 +33,18 @@
     <p:sldId id="278" r:id="rId24"/>
     <p:sldId id="279" r:id="rId25"/>
     <p:sldId id="280" r:id="rId26"/>
-    <p:sldId id="291" r:id="rId27"/>
-    <p:sldId id="285" r:id="rId28"/>
-    <p:sldId id="284" r:id="rId29"/>
-    <p:sldId id="286" r:id="rId30"/>
-    <p:sldId id="287" r:id="rId31"/>
-    <p:sldId id="288" r:id="rId32"/>
-    <p:sldId id="289" r:id="rId33"/>
-    <p:sldId id="292" r:id="rId34"/>
-    <p:sldId id="283" r:id="rId35"/>
-    <p:sldId id="282" r:id="rId36"/>
+    <p:sldId id="293" r:id="rId27"/>
+    <p:sldId id="294" r:id="rId28"/>
+    <p:sldId id="291" r:id="rId29"/>
+    <p:sldId id="285" r:id="rId30"/>
+    <p:sldId id="284" r:id="rId31"/>
+    <p:sldId id="286" r:id="rId32"/>
+    <p:sldId id="287" r:id="rId33"/>
+    <p:sldId id="288" r:id="rId34"/>
+    <p:sldId id="289" r:id="rId35"/>
+    <p:sldId id="292" r:id="rId36"/>
+    <p:sldId id="283" r:id="rId37"/>
+    <p:sldId id="282" r:id="rId38"/>
   </p:sldIdLst>
   <p:sldSz cx="9144000" cy="6858000" type="screen4x3"/>
   <p:notesSz cx="6858000" cy="9144000"/>
@@ -171,6 +173,8 @@
             <p14:sldId id="278"/>
             <p14:sldId id="279"/>
             <p14:sldId id="280"/>
+            <p14:sldId id="293"/>
+            <p14:sldId id="294"/>
             <p14:sldId id="291"/>
             <p14:sldId id="285"/>
             <p14:sldId id="284"/>
@@ -1037,7 +1041,7 @@
           <a:p>
             <a:fld id="{A5F18374-6A0D-4D89-A82F-547DD0C77902}" type="slidenum">
               <a:rPr lang="en-US" smtClean="0"/>
-              <a:t>35</a:t>
+              <a:t>37</a:t>
             </a:fld>
             <a:endParaRPr lang="en-US"/>
           </a:p>
@@ -19014,7 +19018,19 @@
               <a:rPr lang="en-US" b="0" dirty="0" smtClean="0">
                 <a:latin typeface="Source Code Pro" panose="020B0509030403020204" pitchFamily="49" charset="0"/>
               </a:rPr>
-              <a:t>let evaluate (</a:t>
+              <a:t>let </a:t>
+            </a:r>
+            <a:r>
+              <a:rPr lang="en-US" b="0" dirty="0" smtClean="0">
+                <a:latin typeface="Source Code Pro" panose="020B0509030403020204" pitchFamily="49" charset="0"/>
+              </a:rPr>
+              <a:t>rec evaluate </a:t>
+            </a:r>
+            <a:r>
+              <a:rPr lang="en-US" b="0" dirty="0" smtClean="0">
+                <a:latin typeface="Source Code Pro" panose="020B0509030403020204" pitchFamily="49" charset="0"/>
+              </a:rPr>
+              <a:t>(</a:t>
             </a:r>
             <a:r>
               <a:rPr lang="en-US" b="0" dirty="0" smtClean="0">
@@ -20638,7 +20654,13 @@
               <a:rPr lang="en-US" b="0" dirty="0" smtClean="0">
                 <a:latin typeface="+mn-lt"/>
               </a:rPr>
-              <a:t>in order to get the benefit of move semantics where they apply</a:t>
+              <a:t>in order to get the benefit of move semantics </a:t>
+            </a:r>
+            <a:r>
+              <a:rPr lang="en-US" b="0" smtClean="0">
+                <a:latin typeface="+mn-lt"/>
+              </a:rPr>
+              <a:t>where you can</a:t>
             </a:r>
             <a:endParaRPr lang="en-US" b="0" dirty="0">
               <a:latin typeface="+mn-lt"/>
@@ -23725,7 +23747,7 @@
           <a:p>
             <a:r>
               <a:rPr lang="en-US" dirty="0" smtClean="0"/>
-              <a:t>Gotchas</a:t>
+              <a:t>implementation</a:t>
             </a:r>
             <a:endParaRPr lang="en-US" dirty="0"/>
           </a:p>
@@ -23734,13 +23756,20 @@
     </p:spTree>
     <p:extLst>
       <p:ext uri="{BB962C8B-B14F-4D97-AF65-F5344CB8AC3E}">
-        <p14:creationId xmlns:p14="http://schemas.microsoft.com/office/powerpoint/2010/main" val="2513323169"/>
+        <p14:creationId xmlns:p14="http://schemas.microsoft.com/office/powerpoint/2010/main" val="247132730"/>
       </p:ext>
     </p:extLst>
   </p:cSld>
   <p:clrMapOvr>
     <a:masterClrMapping/>
   </p:clrMapOvr>
+  <p:timing>
+    <p:tnLst>
+      <p:par>
+        <p:cTn id="1" dur="indefinite" restart="never" nodeType="tmRoot"/>
+      </p:par>
+    </p:tnLst>
+  </p:timing>
 </p:sld>
 </file>
 
@@ -23763,7 +23792,7 @@
       </p:grpSpPr>
       <p:sp>
         <p:nvSpPr>
-          <p:cNvPr id="2" name="Title 1"/>
+          <p:cNvPr id="4" name="Title 3"/>
           <p:cNvSpPr>
             <a:spLocks noGrp="1"/>
           </p:cNvSpPr>
@@ -23778,15 +23807,7 @@
           <a:p>
             <a:r>
               <a:rPr lang="en-US" dirty="0" smtClean="0"/>
-              <a:t>common </a:t>
-            </a:r>
-            <a:r>
-              <a:rPr lang="en-US" dirty="0"/>
-              <a:t>“gotchas</a:t>
-            </a:r>
-            <a:r>
-              <a:rPr lang="en-US" dirty="0" smtClean="0"/>
-              <a:t>”</a:t>
+              <a:t>implementation</a:t>
             </a:r>
             <a:endParaRPr lang="en-US" dirty="0"/>
           </a:p>
@@ -23794,7 +23815,7 @@
       </p:sp>
       <p:sp>
         <p:nvSpPr>
-          <p:cNvPr id="3" name="Content Placeholder 2"/>
+          <p:cNvPr id="5" name="Content Placeholder 4"/>
           <p:cNvSpPr>
             <a:spLocks noGrp="1"/>
           </p:cNvSpPr>
@@ -23807,71 +23828,254 @@
           <a:bodyPr/>
           <a:lstStyle/>
           <a:p>
-            <a:pPr marL="342900" indent="-342900">
-              <a:buFont typeface="Arial" panose="020B0604020202020204" pitchFamily="34" charset="0"/>
-              <a:buChar char="•"/>
-            </a:pPr>
-            <a:endParaRPr lang="en-US" dirty="0" smtClean="0"/>
-          </a:p>
-          <a:p>
-            <a:pPr marL="342900" indent="-342900">
-              <a:buFont typeface="Arial" panose="020B0604020202020204" pitchFamily="34" charset="0"/>
-              <a:buChar char="•"/>
-            </a:pPr>
+            <a:r>
+              <a:rPr lang="en-US" b="0" dirty="0" smtClean="0">
+                <a:latin typeface="Source Code Pro" panose="020B0509030403020204" pitchFamily="49" charset="0"/>
+              </a:rPr>
+              <a:t>template </a:t>
+            </a:r>
+            <a:r>
+              <a:rPr lang="en-US" b="0" dirty="0">
+                <a:latin typeface="Source Code Pro" panose="020B0509030403020204" pitchFamily="49" charset="0"/>
+              </a:rPr>
+              <a:t>&lt;class...&gt; </a:t>
+            </a:r>
+          </a:p>
+          <a:p>
+            <a:r>
+              <a:rPr lang="en-US" b="0" dirty="0" err="1">
+                <a:latin typeface="Source Code Pro" panose="020B0509030403020204" pitchFamily="49" charset="0"/>
+              </a:rPr>
+              <a:t>struct</a:t>
+            </a:r>
+            <a:r>
+              <a:rPr lang="en-US" b="0" dirty="0">
+                <a:latin typeface="Source Code Pro" panose="020B0509030403020204" pitchFamily="49" charset="0"/>
+              </a:rPr>
+              <a:t> </a:t>
+            </a:r>
+            <a:r>
+              <a:rPr lang="en-US" b="0" dirty="0" err="1">
+                <a:latin typeface="Source Code Pro" panose="020B0509030403020204" pitchFamily="49" charset="0"/>
+              </a:rPr>
+              <a:t>recursive_union</a:t>
+            </a:r>
+            <a:r>
+              <a:rPr lang="en-US" b="0" dirty="0">
+                <a:latin typeface="Source Code Pro" panose="020B0509030403020204" pitchFamily="49" charset="0"/>
+              </a:rPr>
+              <a:t> {};</a:t>
+            </a:r>
+          </a:p>
+          <a:p>
+            <a:endParaRPr lang="en-US" b="0" dirty="0">
+              <a:latin typeface="Source Code Pro" panose="020B0509030403020204" pitchFamily="49" charset="0"/>
+            </a:endParaRPr>
+          </a:p>
+          <a:p>
+            <a:r>
+              <a:rPr lang="en-US" b="0" dirty="0">
+                <a:latin typeface="Source Code Pro" panose="020B0509030403020204" pitchFamily="49" charset="0"/>
+              </a:rPr>
+              <a:t>template &lt;class T, class </a:t>
+            </a:r>
+            <a:r>
+              <a:rPr lang="en-US" b="0" dirty="0" err="1">
+                <a:latin typeface="Source Code Pro" panose="020B0509030403020204" pitchFamily="49" charset="0"/>
+              </a:rPr>
+              <a:t>Ts</a:t>
+            </a:r>
+            <a:r>
+              <a:rPr lang="en-US" b="0" dirty="0">
+                <a:latin typeface="Source Code Pro" panose="020B0509030403020204" pitchFamily="49" charset="0"/>
+              </a:rPr>
+              <a:t>...&gt;</a:t>
+            </a:r>
+          </a:p>
+          <a:p>
+            <a:r>
+              <a:rPr lang="en-US" b="0" dirty="0" err="1">
+                <a:latin typeface="Source Code Pro" panose="020B0509030403020204" pitchFamily="49" charset="0"/>
+              </a:rPr>
+              <a:t>struct</a:t>
+            </a:r>
+            <a:r>
+              <a:rPr lang="en-US" b="0" dirty="0">
+                <a:latin typeface="Source Code Pro" panose="020B0509030403020204" pitchFamily="49" charset="0"/>
+              </a:rPr>
+              <a:t> </a:t>
+            </a:r>
+            <a:r>
+              <a:rPr lang="en-US" b="0" dirty="0" err="1">
+                <a:latin typeface="Source Code Pro" panose="020B0509030403020204" pitchFamily="49" charset="0"/>
+              </a:rPr>
+              <a:t>recursive_union</a:t>
+            </a:r>
+            <a:r>
+              <a:rPr lang="en-US" b="0" dirty="0">
+                <a:latin typeface="Source Code Pro" panose="020B0509030403020204" pitchFamily="49" charset="0"/>
+              </a:rPr>
+              <a:t>&lt;T, </a:t>
+            </a:r>
+            <a:r>
+              <a:rPr lang="en-US" b="0" dirty="0" err="1">
+                <a:latin typeface="Source Code Pro" panose="020B0509030403020204" pitchFamily="49" charset="0"/>
+              </a:rPr>
+              <a:t>Ts</a:t>
+            </a:r>
+            <a:r>
+              <a:rPr lang="en-US" b="0" dirty="0">
+                <a:latin typeface="Source Code Pro" panose="020B0509030403020204" pitchFamily="49" charset="0"/>
+              </a:rPr>
+              <a:t>...&gt; {</a:t>
+            </a:r>
+          </a:p>
+          <a:p>
+            <a:endParaRPr lang="en-US" b="0" dirty="0">
+              <a:latin typeface="Source Code Pro" panose="020B0509030403020204" pitchFamily="49" charset="0"/>
+            </a:endParaRPr>
+          </a:p>
+          <a:p>
+            <a:r>
+              <a:rPr lang="en-US" b="0" dirty="0">
+                <a:latin typeface="Source Code Pro" panose="020B0509030403020204" pitchFamily="49" charset="0"/>
+              </a:rPr>
+              <a:t>  union {</a:t>
+            </a:r>
+          </a:p>
+          <a:p>
+            <a:r>
+              <a:rPr lang="en-US" b="0" dirty="0">
+                <a:latin typeface="Source Code Pro" panose="020B0509030403020204" pitchFamily="49" charset="0"/>
+              </a:rPr>
+              <a:t>    T v</a:t>
+            </a:r>
+            <a:r>
+              <a:rPr lang="en-US" b="0" dirty="0" smtClean="0">
+                <a:latin typeface="Source Code Pro" panose="020B0509030403020204" pitchFamily="49" charset="0"/>
+              </a:rPr>
+              <a:t>;</a:t>
+            </a:r>
+          </a:p>
+          <a:p>
+            <a:r>
+              <a:rPr lang="en-US" b="0" dirty="0">
+                <a:latin typeface="Source Code Pro" panose="020B0509030403020204" pitchFamily="49" charset="0"/>
+              </a:rPr>
+              <a:t> </a:t>
+            </a:r>
+            <a:r>
+              <a:rPr lang="en-US" b="0" dirty="0" smtClean="0">
+                <a:latin typeface="Source Code Pro" panose="020B0509030403020204" pitchFamily="49" charset="0"/>
+              </a:rPr>
+              <a:t>   </a:t>
+            </a:r>
+            <a:r>
+              <a:rPr lang="en-US" b="0" dirty="0" err="1">
+                <a:latin typeface="Source Code Pro" panose="020B0509030403020204" pitchFamily="49" charset="0"/>
+              </a:rPr>
+              <a:t>recursive_union</a:t>
+            </a:r>
+            <a:r>
+              <a:rPr lang="en-US" b="0" dirty="0">
+                <a:latin typeface="Source Code Pro" panose="020B0509030403020204" pitchFamily="49" charset="0"/>
+              </a:rPr>
+              <a:t>&lt;</a:t>
+            </a:r>
+            <a:r>
+              <a:rPr lang="en-US" b="0" dirty="0" err="1">
+                <a:latin typeface="Source Code Pro" panose="020B0509030403020204" pitchFamily="49" charset="0"/>
+              </a:rPr>
+              <a:t>Ts</a:t>
+            </a:r>
+            <a:r>
+              <a:rPr lang="en-US" b="0" dirty="0">
+                <a:latin typeface="Source Code Pro" panose="020B0509030403020204" pitchFamily="49" charset="0"/>
+              </a:rPr>
+              <a:t>...&gt; r</a:t>
+            </a:r>
+            <a:r>
+              <a:rPr lang="en-US" b="0" dirty="0" smtClean="0">
+                <a:latin typeface="Source Code Pro" panose="020B0509030403020204" pitchFamily="49" charset="0"/>
+              </a:rPr>
+              <a:t>;</a:t>
+            </a:r>
+            <a:br>
+              <a:rPr lang="en-US" b="0" dirty="0" smtClean="0">
+                <a:latin typeface="Source Code Pro" panose="020B0509030403020204" pitchFamily="49" charset="0"/>
+              </a:rPr>
+            </a:br>
+            <a:r>
+              <a:rPr lang="en-US" b="0" dirty="0" smtClean="0">
+                <a:latin typeface="Source Code Pro" panose="020B0509030403020204" pitchFamily="49" charset="0"/>
+              </a:rPr>
+              <a:t>  </a:t>
+            </a:r>
+            <a:r>
+              <a:rPr lang="en-US" b="0" dirty="0">
+                <a:latin typeface="Source Code Pro" panose="020B0509030403020204" pitchFamily="49" charset="0"/>
+              </a:rPr>
+              <a:t>};</a:t>
+            </a:r>
+          </a:p>
+          <a:p>
+            <a:endParaRPr lang="en-US" b="0" dirty="0">
+              <a:latin typeface="Source Code Pro" panose="020B0509030403020204" pitchFamily="49" charset="0"/>
+            </a:endParaRPr>
+          </a:p>
+          <a:p>
+            <a:r>
+              <a:rPr lang="en-US" b="0" dirty="0">
+                <a:latin typeface="Source Code Pro" panose="020B0509030403020204" pitchFamily="49" charset="0"/>
+              </a:rPr>
+              <a:t>};</a:t>
+            </a:r>
+          </a:p>
+          <a:p>
+            <a:endParaRPr lang="en-US" b="0" dirty="0">
+              <a:latin typeface="Source Code Pro" panose="020B0509030403020204" pitchFamily="49" charset="0"/>
+            </a:endParaRPr>
+          </a:p>
+          <a:p>
+            <a:r>
+              <a:rPr lang="en-US" b="0" dirty="0">
+                <a:latin typeface="Source Code Pro" panose="020B0509030403020204" pitchFamily="49" charset="0"/>
+              </a:rPr>
+              <a:t>template&lt;&gt; </a:t>
+            </a:r>
+            <a:r>
+              <a:rPr lang="en-US" b="0" dirty="0" err="1">
+                <a:latin typeface="Source Code Pro" panose="020B0509030403020204" pitchFamily="49" charset="0"/>
+              </a:rPr>
+              <a:t>struct</a:t>
+            </a:r>
+            <a:r>
+              <a:rPr lang="en-US" b="0" dirty="0">
+                <a:latin typeface="Source Code Pro" panose="020B0509030403020204" pitchFamily="49" charset="0"/>
+              </a:rPr>
+              <a:t> </a:t>
+            </a:r>
+            <a:r>
+              <a:rPr lang="en-US" b="0" dirty="0" err="1">
+                <a:latin typeface="Source Code Pro" panose="020B0509030403020204" pitchFamily="49" charset="0"/>
+              </a:rPr>
+              <a:t>recursive_union</a:t>
+            </a:r>
+            <a:r>
+              <a:rPr lang="en-US" b="0" dirty="0">
+                <a:latin typeface="Source Code Pro" panose="020B0509030403020204" pitchFamily="49" charset="0"/>
+              </a:rPr>
+              <a:t>&lt;&gt; {};</a:t>
+            </a:r>
+          </a:p>
+          <a:p>
             <a:endParaRPr lang="en-US" dirty="0"/>
-          </a:p>
-          <a:p>
-            <a:pPr marL="342900" indent="-342900">
-              <a:buFont typeface="Arial" panose="020B0604020202020204" pitchFamily="34" charset="0"/>
-              <a:buChar char="•"/>
-            </a:pPr>
-            <a:r>
-              <a:rPr lang="en-US" b="0" dirty="0" smtClean="0"/>
-              <a:t>There are a common mistakes made in client code that lead to highly inscrutable error messages</a:t>
-            </a:r>
-          </a:p>
-          <a:p>
-            <a:pPr marL="342900" indent="-342900">
-              <a:buFont typeface="Arial" panose="020B0604020202020204" pitchFamily="34" charset="0"/>
-              <a:buChar char="•"/>
-            </a:pPr>
-            <a:endParaRPr lang="en-US" b="0" dirty="0"/>
-          </a:p>
-          <a:p>
-            <a:pPr marL="342900" indent="-342900">
-              <a:buFont typeface="Arial" panose="020B0604020202020204" pitchFamily="34" charset="0"/>
-              <a:buChar char="•"/>
-            </a:pPr>
-            <a:endParaRPr lang="en-US" b="0" dirty="0" smtClean="0"/>
-          </a:p>
-          <a:p>
-            <a:pPr marL="342900" indent="-342900">
-              <a:buFont typeface="Arial" panose="020B0604020202020204" pitchFamily="34" charset="0"/>
-              <a:buChar char="•"/>
-            </a:pPr>
-            <a:r>
-              <a:rPr lang="en-US" b="0" dirty="0" smtClean="0"/>
-              <a:t>Before you issue a bug report, check for these (and remember </a:t>
-            </a:r>
-            <a:r>
-              <a:rPr lang="en-US" b="0" i="1" dirty="0" smtClean="0"/>
-              <a:t>“Always assume it’s your fault” – Jonathan </a:t>
-            </a:r>
-            <a:r>
-              <a:rPr lang="en-US" b="0" i="1" dirty="0" err="1" smtClean="0"/>
-              <a:t>Wakely</a:t>
-            </a:r>
-            <a:r>
-              <a:rPr lang="en-US" b="0" dirty="0" smtClean="0"/>
-              <a:t>)</a:t>
-            </a:r>
-            <a:endParaRPr lang="en-US" b="0" dirty="0"/>
           </a:p>
         </p:txBody>
       </p:sp>
       <p:sp>
         <p:nvSpPr>
-          <p:cNvPr id="4" name="Slide Number Placeholder 3"/>
+          <p:cNvPr id="2" name="Slide Number Placeholder 1"/>
           <p:cNvSpPr>
             <a:spLocks noGrp="1"/>
           </p:cNvSpPr>
@@ -23887,47 +24091,24 @@
             <a:fld id="{B383C57C-80DA-45D5-BFE5-7583B8192761}" type="slidenum">
               <a:rPr lang="en-US" smtClean="0">
                 <a:solidFill>
-                  <a:prstClr val="white">
-                    <a:lumMod val="75000"/>
-                  </a:prstClr>
+                  <a:prstClr val="white"/>
                 </a:solidFill>
               </a:rPr>
               <a:pPr/>
               <a:t>27</a:t>
             </a:fld>
-            <a:endParaRPr lang="en-US">
+            <a:endParaRPr lang="en-US" dirty="0">
               <a:solidFill>
-                <a:prstClr val="white">
-                  <a:lumMod val="75000"/>
-                </a:prstClr>
+                <a:prstClr val="white"/>
               </a:solidFill>
             </a:endParaRPr>
-          </a:p>
-        </p:txBody>
-      </p:sp>
-      <p:sp>
-        <p:nvSpPr>
-          <p:cNvPr id="5" name="Footer Placeholder 4"/>
-          <p:cNvSpPr>
-            <a:spLocks noGrp="1"/>
-          </p:cNvSpPr>
-          <p:nvPr>
-            <p:ph type="ftr" sz="quarter" idx="13"/>
-          </p:nvPr>
-        </p:nvSpPr>
-        <p:spPr/>
-        <p:txBody>
-          <a:bodyPr/>
-          <a:lstStyle/>
-          <a:p>
-            <a:endParaRPr lang="en-US" dirty="0"/>
           </a:p>
         </p:txBody>
       </p:sp>
     </p:spTree>
     <p:extLst>
       <p:ext uri="{BB962C8B-B14F-4D97-AF65-F5344CB8AC3E}">
-        <p14:creationId xmlns:p14="http://schemas.microsoft.com/office/powerpoint/2010/main" val="2471674655"/>
+        <p14:creationId xmlns:p14="http://schemas.microsoft.com/office/powerpoint/2010/main" val="1366126472"/>
       </p:ext>
     </p:extLst>
   </p:cSld>
@@ -23963,236 +24144,6 @@
       </p:grpSpPr>
       <p:sp>
         <p:nvSpPr>
-          <p:cNvPr id="2" name="Title 1"/>
-          <p:cNvSpPr>
-            <a:spLocks noGrp="1"/>
-          </p:cNvSpPr>
-          <p:nvPr>
-            <p:ph type="title"/>
-          </p:nvPr>
-        </p:nvSpPr>
-        <p:spPr/>
-        <p:txBody>
-          <a:bodyPr/>
-          <a:lstStyle/>
-          <a:p>
-            <a:r>
-              <a:rPr lang="en-US" dirty="0" smtClean="0"/>
-              <a:t>common “gotchas”</a:t>
-            </a:r>
-            <a:endParaRPr lang="en-US" dirty="0"/>
-          </a:p>
-        </p:txBody>
-      </p:sp>
-      <p:sp>
-        <p:nvSpPr>
-          <p:cNvPr id="3" name="Content Placeholder 2"/>
-          <p:cNvSpPr>
-            <a:spLocks noGrp="1"/>
-          </p:cNvSpPr>
-          <p:nvPr>
-            <p:ph idx="1"/>
-          </p:nvPr>
-        </p:nvSpPr>
-        <p:spPr/>
-        <p:txBody>
-          <a:bodyPr/>
-          <a:lstStyle/>
-          <a:p>
-            <a:endParaRPr lang="en-US" dirty="0" smtClean="0"/>
-          </a:p>
-          <a:p>
-            <a:pPr marL="342900" indent="-342900">
-              <a:buFont typeface="Arial" panose="020B0604020202020204" pitchFamily="34" charset="0"/>
-              <a:buChar char="•"/>
-            </a:pPr>
-            <a:r>
-              <a:rPr lang="en-US" b="0" dirty="0" smtClean="0">
-                <a:latin typeface="+mn-lt"/>
-              </a:rPr>
-              <a:t>Failure to mark single argument constructors explicit in the context of perfect forwarding</a:t>
-            </a:r>
-          </a:p>
-          <a:p>
-            <a:endParaRPr lang="en-US" b="0" dirty="0" smtClean="0">
-              <a:latin typeface="Source Code Pro" panose="020B0509030403020204" pitchFamily="49" charset="0"/>
-            </a:endParaRPr>
-          </a:p>
-          <a:p>
-            <a:r>
-              <a:rPr lang="en-US" b="0" dirty="0" smtClean="0">
-                <a:latin typeface="Source Code Pro" panose="020B0509030403020204" pitchFamily="49" charset="0"/>
-              </a:rPr>
-              <a:t>template </a:t>
-            </a:r>
-            <a:r>
-              <a:rPr lang="en-US" b="0" dirty="0">
-                <a:latin typeface="Source Code Pro" panose="020B0509030403020204" pitchFamily="49" charset="0"/>
-              </a:rPr>
-              <a:t>&lt;class T&gt;</a:t>
-            </a:r>
-          </a:p>
-          <a:p>
-            <a:r>
-              <a:rPr lang="en-US" b="0" dirty="0" err="1">
-                <a:latin typeface="Source Code Pro" panose="020B0509030403020204" pitchFamily="49" charset="0"/>
-              </a:rPr>
-              <a:t>struct</a:t>
-            </a:r>
-            <a:r>
-              <a:rPr lang="en-US" b="0" dirty="0">
-                <a:latin typeface="Source Code Pro" panose="020B0509030403020204" pitchFamily="49" charset="0"/>
-              </a:rPr>
-              <a:t> </a:t>
-            </a:r>
-            <a:r>
-              <a:rPr lang="en-US" b="0" dirty="0" err="1">
-                <a:latin typeface="Source Code Pro" panose="020B0509030403020204" pitchFamily="49" charset="0"/>
-              </a:rPr>
-              <a:t>some_t</a:t>
-            </a:r>
-            <a:r>
-              <a:rPr lang="en-US" b="0" dirty="0">
-                <a:latin typeface="Source Code Pro" panose="020B0509030403020204" pitchFamily="49" charset="0"/>
-              </a:rPr>
-              <a:t> {</a:t>
-            </a:r>
-          </a:p>
-          <a:p>
-            <a:r>
-              <a:rPr lang="en-US" b="0" dirty="0">
-                <a:latin typeface="Source Code Pro" panose="020B0509030403020204" pitchFamily="49" charset="0"/>
-              </a:rPr>
-              <a:t>  T data;  </a:t>
-            </a:r>
-          </a:p>
-          <a:p>
-            <a:r>
-              <a:rPr lang="en-US" b="0" dirty="0">
-                <a:latin typeface="Source Code Pro" panose="020B0509030403020204" pitchFamily="49" charset="0"/>
-              </a:rPr>
-              <a:t>  template &lt;class U&gt;</a:t>
-            </a:r>
-          </a:p>
-          <a:p>
-            <a:r>
-              <a:rPr lang="en-US" b="0" dirty="0">
-                <a:latin typeface="Source Code Pro" panose="020B0509030403020204" pitchFamily="49" charset="0"/>
-              </a:rPr>
-              <a:t>  </a:t>
-            </a:r>
-            <a:r>
-              <a:rPr lang="en-US" dirty="0">
-                <a:latin typeface="Source Code Pro" panose="020B0509030403020204" pitchFamily="49" charset="0"/>
-              </a:rPr>
-              <a:t>explicit</a:t>
-            </a:r>
-            <a:r>
-              <a:rPr lang="en-US" b="0" dirty="0">
-                <a:latin typeface="Source Code Pro" panose="020B0509030403020204" pitchFamily="49" charset="0"/>
-              </a:rPr>
-              <a:t> </a:t>
-            </a:r>
-            <a:r>
-              <a:rPr lang="en-US" b="0" dirty="0" err="1">
-                <a:latin typeface="Source Code Pro" panose="020B0509030403020204" pitchFamily="49" charset="0"/>
-              </a:rPr>
-              <a:t>some_t</a:t>
-            </a:r>
-            <a:r>
-              <a:rPr lang="en-US" b="0" dirty="0">
-                <a:latin typeface="Source Code Pro" panose="020B0509030403020204" pitchFamily="49" charset="0"/>
-              </a:rPr>
-              <a:t> (U&amp;&amp; data) : </a:t>
-            </a:r>
-            <a:endParaRPr lang="en-US" b="0" dirty="0" smtClean="0">
-              <a:latin typeface="Source Code Pro" panose="020B0509030403020204" pitchFamily="49" charset="0"/>
-            </a:endParaRPr>
-          </a:p>
-          <a:p>
-            <a:r>
-              <a:rPr lang="en-US" b="0" dirty="0">
-                <a:latin typeface="Source Code Pro" panose="020B0509030403020204" pitchFamily="49" charset="0"/>
-              </a:rPr>
-              <a:t> </a:t>
-            </a:r>
-            <a:r>
-              <a:rPr lang="en-US" b="0" dirty="0" smtClean="0">
-                <a:latin typeface="Source Code Pro" panose="020B0509030403020204" pitchFamily="49" charset="0"/>
-              </a:rPr>
-              <a:t>   data </a:t>
-            </a:r>
-            <a:r>
-              <a:rPr lang="en-US" b="0" dirty="0">
-                <a:latin typeface="Source Code Pro" panose="020B0509030403020204" pitchFamily="49" charset="0"/>
-              </a:rPr>
-              <a:t>{ </a:t>
-            </a:r>
-            <a:r>
-              <a:rPr lang="en-US" b="0" dirty="0" err="1">
-                <a:latin typeface="Source Code Pro" panose="020B0509030403020204" pitchFamily="49" charset="0"/>
-              </a:rPr>
-              <a:t>std</a:t>
-            </a:r>
-            <a:r>
-              <a:rPr lang="en-US" b="0" dirty="0">
-                <a:latin typeface="Source Code Pro" panose="020B0509030403020204" pitchFamily="49" charset="0"/>
-              </a:rPr>
-              <a:t>::forward&lt;U&gt; (data) }</a:t>
-            </a:r>
-          </a:p>
-          <a:p>
-            <a:r>
-              <a:rPr lang="en-US" b="0" dirty="0">
-                <a:latin typeface="Source Code Pro" panose="020B0509030403020204" pitchFamily="49" charset="0"/>
-              </a:rPr>
-              <a:t>  {}</a:t>
-            </a:r>
-          </a:p>
-          <a:p>
-            <a:r>
-              <a:rPr lang="en-US" b="0" dirty="0">
-                <a:latin typeface="Source Code Pro" panose="020B0509030403020204" pitchFamily="49" charset="0"/>
-              </a:rPr>
-              <a:t>};</a:t>
-            </a:r>
-          </a:p>
-          <a:p>
-            <a:endParaRPr lang="en-US" b="0" dirty="0" smtClean="0">
-              <a:latin typeface="+mn-lt"/>
-            </a:endParaRPr>
-          </a:p>
-          <a:p>
-            <a:pPr marL="342900" indent="-342900">
-              <a:buFont typeface="Arial" panose="020B0604020202020204" pitchFamily="34" charset="0"/>
-              <a:buChar char="•"/>
-            </a:pPr>
-            <a:r>
-              <a:rPr lang="en-US" b="0" dirty="0" smtClean="0">
-                <a:latin typeface="+mn-lt"/>
-              </a:rPr>
-              <a:t>Of course, unless you actually want to encourage implicit behavior (bad), always mark your single argument constructors </a:t>
-            </a:r>
-            <a:r>
-              <a:rPr lang="en-US" b="0" dirty="0" smtClean="0">
-                <a:latin typeface="Source Code Pro" panose="020B0509030403020204" pitchFamily="49" charset="0"/>
-              </a:rPr>
-              <a:t>explicit</a:t>
-            </a:r>
-            <a:r>
-              <a:rPr lang="en-US" b="0" dirty="0" smtClean="0">
-                <a:latin typeface="+mn-lt"/>
-              </a:rPr>
-              <a:t>!</a:t>
-            </a:r>
-            <a:endParaRPr lang="en-US" b="0" dirty="0">
-              <a:latin typeface="+mn-lt"/>
-            </a:endParaRPr>
-          </a:p>
-        </p:txBody>
-      </p:sp>
-      <p:sp>
-        <p:nvSpPr>
           <p:cNvPr id="4" name="Slide Number Placeholder 3"/>
           <p:cNvSpPr>
             <a:spLocks noGrp="1"/>
@@ -24229,12 +24180,12 @@
       </p:sp>
       <p:sp>
         <p:nvSpPr>
-          <p:cNvPr id="5" name="Footer Placeholder 4"/>
+          <p:cNvPr id="6" name="Title 5"/>
           <p:cNvSpPr>
             <a:spLocks noGrp="1"/>
           </p:cNvSpPr>
           <p:nvPr>
-            <p:ph type="ftr" sz="quarter" idx="13"/>
+            <p:ph type="title"/>
           </p:nvPr>
         </p:nvSpPr>
         <p:spPr/>
@@ -24242,6 +24193,10 @@
           <a:bodyPr/>
           <a:lstStyle/>
           <a:p>
+            <a:r>
+              <a:rPr lang="en-US" dirty="0" smtClean="0"/>
+              <a:t>Gotchas</a:t>
+            </a:r>
             <a:endParaRPr lang="en-US" dirty="0"/>
           </a:p>
         </p:txBody>
@@ -24249,7 +24204,7 @@
     </p:spTree>
     <p:extLst>
       <p:ext uri="{BB962C8B-B14F-4D97-AF65-F5344CB8AC3E}">
-        <p14:creationId xmlns:p14="http://schemas.microsoft.com/office/powerpoint/2010/main" val="1571135395"/>
+        <p14:creationId xmlns:p14="http://schemas.microsoft.com/office/powerpoint/2010/main" val="2513323169"/>
       </p:ext>
     </p:extLst>
   </p:cSld>
@@ -24304,11 +24259,11 @@
             </a:r>
             <a:r>
               <a:rPr lang="en-US" dirty="0"/>
-              <a:t>“</a:t>
+              <a:t>“gotchas</a:t>
             </a:r>
             <a:r>
               <a:rPr lang="en-US" dirty="0" smtClean="0"/>
-              <a:t>gotchas”</a:t>
+              <a:t>”</a:t>
             </a:r>
             <a:endParaRPr lang="en-US" dirty="0"/>
           </a:p>
@@ -24333,160 +24288,14 @@
               <a:buFont typeface="Arial" panose="020B0604020202020204" pitchFamily="34" charset="0"/>
               <a:buChar char="•"/>
             </a:pPr>
-            <a:r>
-              <a:rPr lang="en-US" b="0" dirty="0" smtClean="0">
-                <a:latin typeface="+mn-lt"/>
-              </a:rPr>
-              <a:t>Getting your type-math wrong in the presence of perfect forwarding</a:t>
-            </a:r>
-          </a:p>
-          <a:p>
-            <a:r>
-              <a:rPr lang="en-US" dirty="0" smtClean="0">
-                <a:latin typeface="+mn-lt"/>
-              </a:rPr>
-              <a:t/>
-            </a:r>
-            <a:br>
-              <a:rPr lang="en-US" dirty="0" smtClean="0">
-                <a:latin typeface="+mn-lt"/>
-              </a:rPr>
-            </a:br>
-            <a:r>
-              <a:rPr lang="en-US" b="0" dirty="0" smtClean="0">
-                <a:latin typeface="Source Code Pro" panose="020B0509030403020204" pitchFamily="49" charset="0"/>
-              </a:rPr>
-              <a:t>//Wrong!</a:t>
-            </a:r>
-          </a:p>
-          <a:p>
-            <a:r>
-              <a:rPr lang="en-US" b="0" dirty="0">
-                <a:latin typeface="Source Code Pro" panose="020B0509030403020204" pitchFamily="49" charset="0"/>
-              </a:rPr>
-              <a:t>template &lt;class T&gt;</a:t>
-            </a:r>
-          </a:p>
-          <a:p>
-            <a:r>
-              <a:rPr lang="en-US" b="0" dirty="0" smtClean="0">
-                <a:latin typeface="Source Code Pro" panose="020B0509030403020204" pitchFamily="49" charset="0"/>
-              </a:rPr>
-              <a:t>option&lt;T&gt; </a:t>
-            </a:r>
-            <a:r>
-              <a:rPr lang="en-US" b="0" dirty="0">
-                <a:latin typeface="Source Code Pro" panose="020B0509030403020204" pitchFamily="49" charset="0"/>
-              </a:rPr>
-              <a:t>some (T&amp;&amp; </a:t>
-            </a:r>
-            <a:r>
-              <a:rPr lang="en-US" b="0" dirty="0" err="1">
-                <a:latin typeface="Source Code Pro" panose="020B0509030403020204" pitchFamily="49" charset="0"/>
-              </a:rPr>
-              <a:t>val</a:t>
-            </a:r>
-            <a:r>
-              <a:rPr lang="en-US" b="0" dirty="0">
-                <a:latin typeface="Source Code Pro" panose="020B0509030403020204" pitchFamily="49" charset="0"/>
-              </a:rPr>
-              <a:t>) {</a:t>
-            </a:r>
-          </a:p>
-          <a:p>
-            <a:r>
-              <a:rPr lang="en-US" b="0" dirty="0" smtClean="0">
-                <a:latin typeface="Source Code Pro" panose="020B0509030403020204" pitchFamily="49" charset="0"/>
-              </a:rPr>
-              <a:t>  return option&lt;T&gt;{</a:t>
-            </a:r>
-          </a:p>
-          <a:p>
-            <a:r>
-              <a:rPr lang="en-US" b="0" dirty="0">
-                <a:latin typeface="Source Code Pro" panose="020B0509030403020204" pitchFamily="49" charset="0"/>
-              </a:rPr>
-              <a:t> </a:t>
-            </a:r>
-            <a:r>
-              <a:rPr lang="en-US" b="0" dirty="0" smtClean="0">
-                <a:latin typeface="Source Code Pro" panose="020B0509030403020204" pitchFamily="49" charset="0"/>
-              </a:rPr>
-              <a:t>  constructor&lt;</a:t>
-            </a:r>
-            <a:r>
-              <a:rPr lang="en-US" b="0" dirty="0" err="1" smtClean="0">
-                <a:latin typeface="Source Code Pro" panose="020B0509030403020204" pitchFamily="49" charset="0"/>
-              </a:rPr>
-              <a:t>some_t</a:t>
-            </a:r>
-            <a:r>
-              <a:rPr lang="en-US" b="0" dirty="0" smtClean="0">
-                <a:latin typeface="Source Code Pro" panose="020B0509030403020204" pitchFamily="49" charset="0"/>
-              </a:rPr>
-              <a:t>&lt;T&gt;&gt;{}, </a:t>
-            </a:r>
-          </a:p>
-          <a:p>
-            <a:r>
-              <a:rPr lang="en-US" b="0" dirty="0">
-                <a:latin typeface="Source Code Pro" panose="020B0509030403020204" pitchFamily="49" charset="0"/>
-              </a:rPr>
-              <a:t> </a:t>
-            </a:r>
-            <a:r>
-              <a:rPr lang="en-US" b="0" dirty="0" smtClean="0">
-                <a:latin typeface="Source Code Pro" panose="020B0509030403020204" pitchFamily="49" charset="0"/>
-              </a:rPr>
-              <a:t>  </a:t>
-            </a:r>
-            <a:r>
-              <a:rPr lang="en-US" b="0" dirty="0" err="1" smtClean="0">
-                <a:latin typeface="Source Code Pro" panose="020B0509030403020204" pitchFamily="49" charset="0"/>
-              </a:rPr>
-              <a:t>std</a:t>
-            </a:r>
-            <a:r>
-              <a:rPr lang="en-US" b="0" dirty="0">
-                <a:latin typeface="Source Code Pro" panose="020B0509030403020204" pitchFamily="49" charset="0"/>
-              </a:rPr>
-              <a:t>::</a:t>
-            </a:r>
-            <a:r>
-              <a:rPr lang="en-US" b="0" dirty="0" smtClean="0">
-                <a:latin typeface="Source Code Pro" panose="020B0509030403020204" pitchFamily="49" charset="0"/>
-              </a:rPr>
-              <a:t>forward&lt;T&gt; (</a:t>
-            </a:r>
-            <a:r>
-              <a:rPr lang="en-US" b="0" dirty="0" err="1" smtClean="0">
-                <a:latin typeface="Source Code Pro" panose="020B0509030403020204" pitchFamily="49" charset="0"/>
-              </a:rPr>
-              <a:t>val</a:t>
-            </a:r>
-            <a:r>
-              <a:rPr lang="en-US" b="0" dirty="0">
-                <a:latin typeface="Source Code Pro" panose="020B0509030403020204" pitchFamily="49" charset="0"/>
-              </a:rPr>
-              <a:t>)};</a:t>
-            </a:r>
-          </a:p>
-          <a:p>
-            <a:r>
-              <a:rPr lang="en-US" b="0" dirty="0">
-                <a:latin typeface="Source Code Pro" panose="020B0509030403020204" pitchFamily="49" charset="0"/>
-              </a:rPr>
-              <a:t>}</a:t>
-            </a:r>
+            <a:endParaRPr lang="en-US" dirty="0" smtClean="0"/>
           </a:p>
           <a:p>
             <a:pPr marL="342900" indent="-342900">
               <a:buFont typeface="Arial" panose="020B0604020202020204" pitchFamily="34" charset="0"/>
               <a:buChar char="•"/>
             </a:pPr>
-            <a:endParaRPr lang="en-US" b="0" dirty="0" smtClean="0">
-              <a:latin typeface="Source Code Pro" panose="020B0509030403020204" pitchFamily="49" charset="0"/>
-            </a:endParaRPr>
+            <a:endParaRPr lang="en-US" dirty="0"/>
           </a:p>
           <a:p>
             <a:pPr marL="342900" indent="-342900">
@@ -24494,14 +24303,46 @@
               <a:buChar char="•"/>
             </a:pPr>
             <a:r>
-              <a:rPr lang="en-US" b="0" dirty="0" smtClean="0">
-                <a:latin typeface="+mn-lt"/>
-              </a:rPr>
-              <a:t>Why is this wrong?</a:t>
-            </a:r>
-            <a:endParaRPr lang="en-US" b="0" dirty="0">
-              <a:latin typeface="+mn-lt"/>
-            </a:endParaRPr>
+              <a:rPr lang="en-US" b="0" dirty="0" smtClean="0"/>
+              <a:t>There are a common mistakes made in client code that lead to highly inscrutable error messages</a:t>
+            </a:r>
+          </a:p>
+          <a:p>
+            <a:pPr marL="342900" indent="-342900">
+              <a:buFont typeface="Arial" panose="020B0604020202020204" pitchFamily="34" charset="0"/>
+              <a:buChar char="•"/>
+            </a:pPr>
+            <a:endParaRPr lang="en-US" b="0" dirty="0"/>
+          </a:p>
+          <a:p>
+            <a:pPr marL="342900" indent="-342900">
+              <a:buFont typeface="Arial" panose="020B0604020202020204" pitchFamily="34" charset="0"/>
+              <a:buChar char="•"/>
+            </a:pPr>
+            <a:endParaRPr lang="en-US" b="0" dirty="0" smtClean="0"/>
+          </a:p>
+          <a:p>
+            <a:pPr marL="342900" indent="-342900">
+              <a:buFont typeface="Arial" panose="020B0604020202020204" pitchFamily="34" charset="0"/>
+              <a:buChar char="•"/>
+            </a:pPr>
+            <a:r>
+              <a:rPr lang="en-US" b="0" dirty="0" smtClean="0"/>
+              <a:t>Before you issue a bug report, check for these (and remember </a:t>
+            </a:r>
+            <a:r>
+              <a:rPr lang="en-US" b="0" i="1" dirty="0" smtClean="0"/>
+              <a:t>“Always assume it’s your fault” – Jonathan </a:t>
+            </a:r>
+            <a:r>
+              <a:rPr lang="en-US" b="0" i="1" dirty="0" err="1" smtClean="0"/>
+              <a:t>Wakely</a:t>
+            </a:r>
+            <a:r>
+              <a:rPr lang="en-US" b="0" dirty="0" smtClean="0"/>
+              <a:t>)</a:t>
+            </a:r>
+            <a:endParaRPr lang="en-US" b="0" dirty="0"/>
           </a:p>
         </p:txBody>
       </p:sp>
@@ -24563,7 +24404,7 @@
     </p:spTree>
     <p:extLst>
       <p:ext uri="{BB962C8B-B14F-4D97-AF65-F5344CB8AC3E}">
-        <p14:creationId xmlns:p14="http://schemas.microsoft.com/office/powerpoint/2010/main" val="2681529151"/>
+        <p14:creationId xmlns:p14="http://schemas.microsoft.com/office/powerpoint/2010/main" val="2471674655"/>
       </p:ext>
     </p:extLst>
   </p:cSld>
@@ -24714,15 +24555,7 @@
           <a:p>
             <a:r>
               <a:rPr lang="en-US" dirty="0" smtClean="0"/>
-              <a:t>common </a:t>
-            </a:r>
-            <a:r>
-              <a:rPr lang="en-US" dirty="0"/>
-              <a:t>“</a:t>
-            </a:r>
-            <a:r>
-              <a:rPr lang="en-US" dirty="0" smtClean="0"/>
-              <a:t>gotchas”</a:t>
+              <a:t>common “gotchas”</a:t>
             </a:r>
             <a:endParaRPr lang="en-US" dirty="0"/>
           </a:p>
@@ -24743,221 +24576,195 @@
           <a:bodyPr/>
           <a:lstStyle/>
           <a:p>
+            <a:endParaRPr lang="en-US" dirty="0" smtClean="0"/>
+          </a:p>
+          <a:p>
+            <a:pPr marL="342900" indent="-342900">
+              <a:buFont typeface="Arial" panose="020B0604020202020204" pitchFamily="34" charset="0"/>
+              <a:buChar char="•"/>
+            </a:pPr>
+            <a:r>
+              <a:rPr lang="en-US" b="0" dirty="0" smtClean="0">
+                <a:latin typeface="+mn-lt"/>
+              </a:rPr>
+              <a:t>Failure to mark single argument constructors explicit in the context of perfect forwarding</a:t>
+            </a:r>
+          </a:p>
+          <a:p>
             <a:endParaRPr lang="en-US" b="0" dirty="0" smtClean="0">
               <a:latin typeface="Source Code Pro" panose="020B0509030403020204" pitchFamily="49" charset="0"/>
             </a:endParaRPr>
           </a:p>
           <a:p>
-            <a:endParaRPr lang="en-US" b="0" dirty="0">
+            <a:r>
+              <a:rPr lang="en-US" b="0" dirty="0" smtClean="0">
+                <a:latin typeface="Source Code Pro" panose="020B0509030403020204" pitchFamily="49" charset="0"/>
+              </a:rPr>
+              <a:t>template </a:t>
+            </a:r>
+            <a:r>
+              <a:rPr lang="en-US" b="0" dirty="0">
+                <a:latin typeface="Source Code Pro" panose="020B0509030403020204" pitchFamily="49" charset="0"/>
+              </a:rPr>
+              <a:t>&lt;class T&gt;</a:t>
+            </a:r>
+          </a:p>
+          <a:p>
+            <a:r>
+              <a:rPr lang="en-US" b="0" dirty="0" err="1">
+                <a:latin typeface="Source Code Pro" panose="020B0509030403020204" pitchFamily="49" charset="0"/>
+              </a:rPr>
+              <a:t>struct</a:t>
+            </a:r>
+            <a:r>
+              <a:rPr lang="en-US" b="0" dirty="0">
+                <a:latin typeface="Source Code Pro" panose="020B0509030403020204" pitchFamily="49" charset="0"/>
+              </a:rPr>
+              <a:t> </a:t>
+            </a:r>
+            <a:r>
+              <a:rPr lang="en-US" b="0" dirty="0" err="1">
+                <a:latin typeface="Source Code Pro" panose="020B0509030403020204" pitchFamily="49" charset="0"/>
+              </a:rPr>
+              <a:t>some_t</a:t>
+            </a:r>
+            <a:r>
+              <a:rPr lang="en-US" b="0" dirty="0">
+                <a:latin typeface="Source Code Pro" panose="020B0509030403020204" pitchFamily="49" charset="0"/>
+              </a:rPr>
+              <a:t> {</a:t>
+            </a:r>
+          </a:p>
+          <a:p>
+            <a:r>
+              <a:rPr lang="en-US" b="0" dirty="0">
+                <a:latin typeface="Source Code Pro" panose="020B0509030403020204" pitchFamily="49" charset="0"/>
+              </a:rPr>
+              <a:t>  T data;  </a:t>
+            </a:r>
+          </a:p>
+          <a:p>
+            <a:r>
+              <a:rPr lang="en-US" b="0" dirty="0">
+                <a:latin typeface="Source Code Pro" panose="020B0509030403020204" pitchFamily="49" charset="0"/>
+              </a:rPr>
+              <a:t>  template &lt;class U&gt;</a:t>
+            </a:r>
+          </a:p>
+          <a:p>
+            <a:r>
+              <a:rPr lang="en-US" b="0" dirty="0">
+                <a:latin typeface="Source Code Pro" panose="020B0509030403020204" pitchFamily="49" charset="0"/>
+              </a:rPr>
+              <a:t>  </a:t>
+            </a:r>
+            <a:r>
+              <a:rPr lang="en-US" dirty="0">
+                <a:latin typeface="Source Code Pro" panose="020B0509030403020204" pitchFamily="49" charset="0"/>
+              </a:rPr>
+              <a:t>explicit</a:t>
+            </a:r>
+            <a:r>
+              <a:rPr lang="en-US" b="0" dirty="0">
+                <a:latin typeface="Source Code Pro" panose="020B0509030403020204" pitchFamily="49" charset="0"/>
+              </a:rPr>
+              <a:t> </a:t>
+            </a:r>
+            <a:r>
+              <a:rPr lang="en-US" b="0" dirty="0" err="1">
+                <a:latin typeface="Source Code Pro" panose="020B0509030403020204" pitchFamily="49" charset="0"/>
+              </a:rPr>
+              <a:t>some_t</a:t>
+            </a:r>
+            <a:r>
+              <a:rPr lang="en-US" b="0" dirty="0">
+                <a:latin typeface="Source Code Pro" panose="020B0509030403020204" pitchFamily="49" charset="0"/>
+              </a:rPr>
+              <a:t> (U&amp;&amp; data) : </a:t>
+            </a:r>
+            <a:endParaRPr lang="en-US" b="0" dirty="0" smtClean="0">
               <a:latin typeface="Source Code Pro" panose="020B0509030403020204" pitchFamily="49" charset="0"/>
             </a:endParaRPr>
           </a:p>
           <a:p>
             <a:r>
+              <a:rPr lang="en-US" b="0" dirty="0">
+                <a:latin typeface="Source Code Pro" panose="020B0509030403020204" pitchFamily="49" charset="0"/>
+              </a:rPr>
+              <a:t> </a:t>
+            </a:r>
+            <a:r>
               <a:rPr lang="en-US" b="0" dirty="0" smtClean="0">
                 <a:latin typeface="Source Code Pro" panose="020B0509030403020204" pitchFamily="49" charset="0"/>
               </a:rPr>
-              <a:t>//Correct</a:t>
-            </a:r>
-            <a:br>
+              <a:t>   data </a:t>
+            </a:r>
+            <a:r>
+              <a:rPr lang="en-US" b="0" dirty="0">
+                <a:latin typeface="Source Code Pro" panose="020B0509030403020204" pitchFamily="49" charset="0"/>
+              </a:rPr>
+              <a:t>{ </a:t>
+            </a:r>
+            <a:r>
+              <a:rPr lang="en-US" b="0" dirty="0" err="1">
+                <a:latin typeface="Source Code Pro" panose="020B0509030403020204" pitchFamily="49" charset="0"/>
+              </a:rPr>
+              <a:t>std</a:t>
+            </a:r>
+            <a:r>
+              <a:rPr lang="en-US" b="0" dirty="0">
+                <a:latin typeface="Source Code Pro" panose="020B0509030403020204" pitchFamily="49" charset="0"/>
+              </a:rPr>
+              <a:t>::forward&lt;U&gt; (data) }</a:t>
+            </a:r>
+          </a:p>
+          <a:p>
+            <a:r>
+              <a:rPr lang="en-US" b="0" dirty="0">
+                <a:latin typeface="Source Code Pro" panose="020B0509030403020204" pitchFamily="49" charset="0"/>
+              </a:rPr>
+              <a:t>  {}</a:t>
+            </a:r>
+          </a:p>
+          <a:p>
+            <a:r>
+              <a:rPr lang="en-US" b="0" dirty="0">
+                <a:latin typeface="Source Code Pro" panose="020B0509030403020204" pitchFamily="49" charset="0"/>
+              </a:rPr>
+              <a:t>};</a:t>
+            </a:r>
+          </a:p>
+          <a:p>
+            <a:endParaRPr lang="en-US" b="0" dirty="0" smtClean="0">
+              <a:latin typeface="+mn-lt"/>
+            </a:endParaRPr>
+          </a:p>
+          <a:p>
+            <a:pPr marL="342900" indent="-342900">
+              <a:buFont typeface="Arial" panose="020B0604020202020204" pitchFamily="34" charset="0"/>
+              <a:buChar char="•"/>
+            </a:pPr>
+            <a:r>
               <a:rPr lang="en-US" b="0" dirty="0" smtClean="0">
-                <a:latin typeface="Source Code Pro" panose="020B0509030403020204" pitchFamily="49" charset="0"/>
-              </a:rPr>
-            </a:br>
+                <a:latin typeface="+mn-lt"/>
+              </a:rPr>
+              <a:t>Of course, unless you actually want to encourage implicit behavior (bad), always mark your single argument constructors </a:t>
+            </a:r>
             <a:r>
               <a:rPr lang="en-US" b="0" dirty="0" smtClean="0">
                 <a:latin typeface="Source Code Pro" panose="020B0509030403020204" pitchFamily="49" charset="0"/>
               </a:rPr>
-              <a:t>template </a:t>
-            </a:r>
-            <a:r>
-              <a:rPr lang="en-US" b="0" dirty="0">
-                <a:latin typeface="Source Code Pro" panose="020B0509030403020204" pitchFamily="49" charset="0"/>
-              </a:rPr>
-              <a:t>&lt;class T&gt;</a:t>
-            </a:r>
-          </a:p>
-          <a:p>
+              <a:t>explicit</a:t>
+            </a:r>
             <a:r>
               <a:rPr lang="en-US" b="0" dirty="0" smtClean="0">
-                <a:latin typeface="Source Code Pro" panose="020B0509030403020204" pitchFamily="49" charset="0"/>
-              </a:rPr>
-              <a:t>option&lt;</a:t>
-            </a:r>
-            <a:r>
-              <a:rPr lang="en-US" b="0" dirty="0" err="1" smtClean="0">
-                <a:latin typeface="Source Code Pro" panose="020B0509030403020204" pitchFamily="49" charset="0"/>
-              </a:rPr>
-              <a:t>typename</a:t>
-            </a:r>
-            <a:r>
-              <a:rPr lang="en-US" b="0" dirty="0" smtClean="0">
-                <a:latin typeface="Source Code Pro" panose="020B0509030403020204" pitchFamily="49" charset="0"/>
-              </a:rPr>
-              <a:t> </a:t>
-            </a:r>
-            <a:r>
-              <a:rPr lang="en-US" b="0" dirty="0" err="1" smtClean="0">
-                <a:latin typeface="Source Code Pro" panose="020B0509030403020204" pitchFamily="49" charset="0"/>
-              </a:rPr>
-              <a:t>std</a:t>
-            </a:r>
-            <a:r>
-              <a:rPr lang="en-US" b="0" dirty="0" smtClean="0">
-                <a:latin typeface="Source Code Pro" panose="020B0509030403020204" pitchFamily="49" charset="0"/>
-              </a:rPr>
-              <a:t>::decay&lt;T&gt;::type&gt; </a:t>
-            </a:r>
-          </a:p>
-          <a:p>
-            <a:r>
-              <a:rPr lang="en-US" b="0" dirty="0" smtClean="0">
-                <a:latin typeface="Source Code Pro" panose="020B0509030403020204" pitchFamily="49" charset="0"/>
-              </a:rPr>
-              <a:t>some </a:t>
-            </a:r>
-            <a:r>
-              <a:rPr lang="en-US" b="0" dirty="0">
-                <a:latin typeface="Source Code Pro" panose="020B0509030403020204" pitchFamily="49" charset="0"/>
-              </a:rPr>
-              <a:t>(T&amp;&amp; </a:t>
-            </a:r>
-            <a:r>
-              <a:rPr lang="en-US" b="0" dirty="0" err="1">
-                <a:latin typeface="Source Code Pro" panose="020B0509030403020204" pitchFamily="49" charset="0"/>
-              </a:rPr>
-              <a:t>val</a:t>
-            </a:r>
-            <a:r>
-              <a:rPr lang="en-US" b="0" dirty="0">
-                <a:latin typeface="Source Code Pro" panose="020B0509030403020204" pitchFamily="49" charset="0"/>
-              </a:rPr>
-              <a:t>) {</a:t>
-            </a:r>
-          </a:p>
-          <a:p>
-            <a:r>
-              <a:rPr lang="en-US" b="0" dirty="0">
-                <a:latin typeface="Source Code Pro" panose="020B0509030403020204" pitchFamily="49" charset="0"/>
-              </a:rPr>
-              <a:t>  using t = </a:t>
-            </a:r>
-            <a:r>
-              <a:rPr lang="en-US" b="0" dirty="0" err="1" smtClean="0">
-                <a:latin typeface="Source Code Pro" panose="020B0509030403020204" pitchFamily="49" charset="0"/>
-              </a:rPr>
-              <a:t>typename</a:t>
-            </a:r>
-            <a:r>
-              <a:rPr lang="en-US" b="0" dirty="0" smtClean="0">
-                <a:latin typeface="Source Code Pro" panose="020B0509030403020204" pitchFamily="49" charset="0"/>
-              </a:rPr>
-              <a:t> </a:t>
-            </a:r>
-            <a:r>
-              <a:rPr lang="en-US" b="0" dirty="0" err="1" smtClean="0">
-                <a:latin typeface="Source Code Pro" panose="020B0509030403020204" pitchFamily="49" charset="0"/>
-              </a:rPr>
-              <a:t>std</a:t>
-            </a:r>
-            <a:r>
-              <a:rPr lang="en-US" b="0" dirty="0" smtClean="0">
-                <a:latin typeface="Source Code Pro" panose="020B0509030403020204" pitchFamily="49" charset="0"/>
-              </a:rPr>
-              <a:t>::decay&lt;T&gt;::type;</a:t>
+                <a:latin typeface="+mn-lt"/>
+              </a:rPr>
+              <a:t>!</a:t>
             </a:r>
             <a:endParaRPr lang="en-US" b="0" dirty="0">
-              <a:latin typeface="Source Code Pro" panose="020B0509030403020204" pitchFamily="49" charset="0"/>
+              <a:latin typeface="+mn-lt"/>
             </a:endParaRPr>
-          </a:p>
-          <a:p>
-            <a:r>
-              <a:rPr lang="en-US" b="0" dirty="0">
-                <a:latin typeface="Source Code Pro" panose="020B0509030403020204" pitchFamily="49" charset="0"/>
-              </a:rPr>
-              <a:t>  return option&lt;t</a:t>
-            </a:r>
-            <a:r>
-              <a:rPr lang="en-US" b="0" dirty="0" smtClean="0">
-                <a:latin typeface="Source Code Pro" panose="020B0509030403020204" pitchFamily="49" charset="0"/>
-              </a:rPr>
-              <a:t>&gt;{</a:t>
-            </a:r>
-          </a:p>
-          <a:p>
-            <a:r>
-              <a:rPr lang="en-US" b="0" dirty="0">
-                <a:latin typeface="Source Code Pro" panose="020B0509030403020204" pitchFamily="49" charset="0"/>
-              </a:rPr>
-              <a:t> </a:t>
-            </a:r>
-            <a:r>
-              <a:rPr lang="en-US" b="0" dirty="0" smtClean="0">
-                <a:latin typeface="Source Code Pro" panose="020B0509030403020204" pitchFamily="49" charset="0"/>
-              </a:rPr>
-              <a:t>   constructor&lt;</a:t>
-            </a:r>
-            <a:r>
-              <a:rPr lang="en-US" b="0" dirty="0" err="1" smtClean="0">
-                <a:latin typeface="Source Code Pro" panose="020B0509030403020204" pitchFamily="49" charset="0"/>
-              </a:rPr>
-              <a:t>some_t</a:t>
-            </a:r>
-            <a:r>
-              <a:rPr lang="en-US" b="0" dirty="0" smtClean="0">
-                <a:latin typeface="Source Code Pro" panose="020B0509030403020204" pitchFamily="49" charset="0"/>
-              </a:rPr>
-              <a:t>&lt;t&gt;&gt;{},</a:t>
-            </a:r>
-          </a:p>
-          <a:p>
-            <a:r>
-              <a:rPr lang="en-US" b="0" dirty="0">
-                <a:latin typeface="Source Code Pro" panose="020B0509030403020204" pitchFamily="49" charset="0"/>
-              </a:rPr>
-              <a:t> </a:t>
-            </a:r>
-            <a:r>
-              <a:rPr lang="en-US" b="0" dirty="0" smtClean="0">
-                <a:latin typeface="Source Code Pro" panose="020B0509030403020204" pitchFamily="49" charset="0"/>
-              </a:rPr>
-              <a:t>   </a:t>
-            </a:r>
-            <a:r>
-              <a:rPr lang="en-US" b="0" dirty="0" err="1" smtClean="0">
-                <a:latin typeface="Source Code Pro" panose="020B0509030403020204" pitchFamily="49" charset="0"/>
-              </a:rPr>
-              <a:t>std</a:t>
-            </a:r>
-            <a:r>
-              <a:rPr lang="en-US" b="0" dirty="0">
-                <a:latin typeface="Source Code Pro" panose="020B0509030403020204" pitchFamily="49" charset="0"/>
-              </a:rPr>
-              <a:t>::forward&lt;T&gt; (</a:t>
-            </a:r>
-            <a:r>
-              <a:rPr lang="en-US" b="0" dirty="0" err="1">
-                <a:latin typeface="Source Code Pro" panose="020B0509030403020204" pitchFamily="49" charset="0"/>
-              </a:rPr>
-              <a:t>val</a:t>
-            </a:r>
-            <a:r>
-              <a:rPr lang="en-US" b="0" dirty="0">
-                <a:latin typeface="Source Code Pro" panose="020B0509030403020204" pitchFamily="49" charset="0"/>
-              </a:rPr>
-              <a:t>)};</a:t>
-            </a:r>
-          </a:p>
-          <a:p>
-            <a:r>
-              <a:rPr lang="en-US" b="0" dirty="0">
-                <a:latin typeface="Source Code Pro" panose="020B0509030403020204" pitchFamily="49" charset="0"/>
-              </a:rPr>
-              <a:t>}</a:t>
-            </a:r>
-          </a:p>
-          <a:p>
-            <a:endParaRPr lang="en-US" dirty="0"/>
           </a:p>
         </p:txBody>
       </p:sp>
@@ -25019,7 +24826,7 @@
     </p:spTree>
     <p:extLst>
       <p:ext uri="{BB962C8B-B14F-4D97-AF65-F5344CB8AC3E}">
-        <p14:creationId xmlns:p14="http://schemas.microsoft.com/office/powerpoint/2010/main" val="4193931627"/>
+        <p14:creationId xmlns:p14="http://schemas.microsoft.com/office/powerpoint/2010/main" val="1571135395"/>
       </p:ext>
     </p:extLst>
   </p:cSld>
@@ -25070,7 +24877,15 @@
           <a:p>
             <a:r>
               <a:rPr lang="en-US" dirty="0" smtClean="0"/>
-              <a:t>common “GOTCHAS”</a:t>
+              <a:t>common </a:t>
+            </a:r>
+            <a:r>
+              <a:rPr lang="en-US" dirty="0"/>
+              <a:t>“</a:t>
+            </a:r>
+            <a:r>
+              <a:rPr lang="en-US" dirty="0" smtClean="0"/>
+              <a:t>gotchas”</a:t>
             </a:r>
             <a:endParaRPr lang="en-US" dirty="0"/>
           </a:p>
@@ -25096,27 +24911,32 @@
               <a:buChar char="•"/>
             </a:pPr>
             <a:r>
-              <a:rPr lang="en-US" b="0" dirty="0" smtClean="0"/>
-              <a:t>Who can tell me what’s wrong with this?</a:t>
-            </a:r>
-          </a:p>
-          <a:p>
-            <a:endParaRPr lang="en-US" dirty="0" smtClean="0"/>
-          </a:p>
-          <a:p>
-            <a:r>
               <a:rPr lang="en-US" b="0" dirty="0" smtClean="0">
+                <a:latin typeface="+mn-lt"/>
+              </a:rPr>
+              <a:t>Getting your type-math wrong in the presence of perfect forwarding</a:t>
+            </a:r>
+          </a:p>
+          <a:p>
+            <a:r>
+              <a:rPr lang="en-US" dirty="0" smtClean="0">
+                <a:latin typeface="+mn-lt"/>
+              </a:rPr>
+              <a:t/>
+            </a:r>
+            <a:br>
+              <a:rPr lang="en-US" dirty="0" smtClean="0">
+                <a:latin typeface="+mn-lt"/>
+              </a:rPr>
+            </a:br>
+            <a:r>
+              <a:rPr lang="en-US" b="0" dirty="0" smtClean="0">
                 <a:latin typeface="Source Code Pro" panose="020B0509030403020204" pitchFamily="49" charset="0"/>
               </a:rPr>
               <a:t>//Wrong!</a:t>
             </a:r>
-            <a:r>
-              <a:rPr lang="en-US" dirty="0"/>
-              <a:t/>
-            </a:r>
-            <a:br>
-              <a:rPr lang="en-US" dirty="0"/>
-            </a:br>
+          </a:p>
+          <a:p>
             <a:r>
               <a:rPr lang="en-US" b="0" dirty="0">
                 <a:latin typeface="Source Code Pro" panose="020B0509030403020204" pitchFamily="49" charset="0"/>
@@ -25126,34 +24946,62 @@
           </a:p>
           <a:p>
             <a:r>
+              <a:rPr lang="en-US" b="0" dirty="0" smtClean="0">
+                <a:latin typeface="Source Code Pro" panose="020B0509030403020204" pitchFamily="49" charset="0"/>
+              </a:rPr>
+              <a:t>option&lt;T&gt; </a:t>
+            </a:r>
+            <a:r>
               <a:rPr lang="en-US" b="0" dirty="0">
                 <a:latin typeface="Source Code Pro" panose="020B0509030403020204" pitchFamily="49" charset="0"/>
               </a:rPr>
-              <a:t>T </a:t>
+              <a:t>some (T&amp;&amp; </a:t>
             </a:r>
             <a:r>
               <a:rPr lang="en-US" b="0" dirty="0" err="1">
                 <a:latin typeface="Source Code Pro" panose="020B0509030403020204" pitchFamily="49" charset="0"/>
               </a:rPr>
-              <a:t>const</a:t>
+              <a:t>val</a:t>
             </a:r>
             <a:r>
               <a:rPr lang="en-US" b="0" dirty="0">
                 <a:latin typeface="Source Code Pro" panose="020B0509030403020204" pitchFamily="49" charset="0"/>
               </a:rPr>
-              <a:t>&amp; get (option&lt;T&gt; </a:t>
-            </a:r>
-            <a:r>
-              <a:rPr lang="en-US" b="0" dirty="0" err="1">
-                <a:latin typeface="Source Code Pro" panose="020B0509030403020204" pitchFamily="49" charset="0"/>
-              </a:rPr>
-              <a:t>const</a:t>
-            </a:r>
+              <a:t>) {</a:t>
+            </a:r>
+          </a:p>
+          <a:p>
+            <a:r>
+              <a:rPr lang="en-US" b="0" dirty="0" smtClean="0">
+                <a:latin typeface="Source Code Pro" panose="020B0509030403020204" pitchFamily="49" charset="0"/>
+              </a:rPr>
+              <a:t>  return option&lt;T&gt;{</a:t>
+            </a:r>
+          </a:p>
+          <a:p>
             <a:r>
               <a:rPr lang="en-US" b="0" dirty="0">
                 <a:latin typeface="Source Code Pro" panose="020B0509030403020204" pitchFamily="49" charset="0"/>
               </a:rPr>
-              <a:t> &amp; u) {</a:t>
+              <a:t> </a:t>
+            </a:r>
+            <a:r>
+              <a:rPr lang="en-US" b="0" dirty="0" smtClean="0">
+                <a:latin typeface="Source Code Pro" panose="020B0509030403020204" pitchFamily="49" charset="0"/>
+              </a:rPr>
+              <a:t>  constructor&lt;</a:t>
+            </a:r>
+            <a:r>
+              <a:rPr lang="en-US" b="0" dirty="0" err="1" smtClean="0">
+                <a:latin typeface="Source Code Pro" panose="020B0509030403020204" pitchFamily="49" charset="0"/>
+              </a:rPr>
+              <a:t>some_t</a:t>
+            </a:r>
+            <a:r>
+              <a:rPr lang="en-US" b="0" dirty="0" smtClean="0">
+                <a:latin typeface="Source Code Pro" panose="020B0509030403020204" pitchFamily="49" charset="0"/>
+              </a:rPr>
+              <a:t>&lt;T&gt;&gt;{}, </a:t>
             </a:r>
           </a:p>
           <a:p>
@@ -25161,31 +25009,43 @@
               <a:rPr lang="en-US" b="0" dirty="0">
                 <a:latin typeface="Source Code Pro" panose="020B0509030403020204" pitchFamily="49" charset="0"/>
               </a:rPr>
-              <a:t>  return </a:t>
+              <a:t> </a:t>
+            </a:r>
+            <a:r>
+              <a:rPr lang="en-US" b="0" dirty="0" smtClean="0">
+                <a:latin typeface="Source Code Pro" panose="020B0509030403020204" pitchFamily="49" charset="0"/>
+              </a:rPr>
+              <a:t>  </a:t>
             </a:r>
             <a:r>
               <a:rPr lang="en-US" b="0" dirty="0" err="1" smtClean="0">
                 <a:latin typeface="Source Code Pro" panose="020B0509030403020204" pitchFamily="49" charset="0"/>
               </a:rPr>
-              <a:t>u.match</a:t>
+              <a:t>std</a:t>
+            </a:r>
+            <a:r>
+              <a:rPr lang="en-US" b="0" dirty="0">
+                <a:latin typeface="Source Code Pro" panose="020B0509030403020204" pitchFamily="49" charset="0"/>
+              </a:rPr>
+              <a:t>::</a:t>
             </a:r>
             <a:r>
               <a:rPr lang="en-US" b="0" dirty="0" smtClean="0">
                 <a:latin typeface="Source Code Pro" panose="020B0509030403020204" pitchFamily="49" charset="0"/>
               </a:rPr>
-              <a:t>&lt;T </a:t>
-            </a:r>
-            <a:r>
-              <a:rPr lang="en-US" b="0" dirty="0" err="1">
-                <a:latin typeface="Source Code Pro" panose="020B0509030403020204" pitchFamily="49" charset="0"/>
-              </a:rPr>
-              <a:t>const</a:t>
+              <a:t>forward&lt;T&gt; (</a:t>
+            </a:r>
+            <a:r>
+              <a:rPr lang="en-US" b="0" dirty="0" err="1" smtClean="0">
+                <a:latin typeface="Source Code Pro" panose="020B0509030403020204" pitchFamily="49" charset="0"/>
+              </a:rPr>
+              <a:t>val</a:t>
             </a:r>
             <a:r>
               <a:rPr lang="en-US" b="0" dirty="0">
                 <a:latin typeface="Source Code Pro" panose="020B0509030403020204" pitchFamily="49" charset="0"/>
               </a:rPr>
-              <a:t>&amp;&gt; (</a:t>
+              <a:t>)};</a:t>
             </a:r>
           </a:p>
           <a:p>
@@ -25193,223 +25053,32 @@
               <a:rPr lang="en-US" b="0" dirty="0">
                 <a:latin typeface="Source Code Pro" panose="020B0509030403020204" pitchFamily="49" charset="0"/>
               </a:rPr>
-              <a:t>   [](</a:t>
-            </a:r>
-            <a:r>
-              <a:rPr lang="en-US" b="0" dirty="0" err="1">
-                <a:latin typeface="Source Code Pro" panose="020B0509030403020204" pitchFamily="49" charset="0"/>
-              </a:rPr>
-              <a:t>some_t</a:t>
-            </a:r>
-            <a:r>
-              <a:rPr lang="en-US" b="0" dirty="0">
-                <a:latin typeface="Source Code Pro" panose="020B0509030403020204" pitchFamily="49" charset="0"/>
-              </a:rPr>
-              <a:t>&lt;T&gt; </a:t>
-            </a:r>
-            <a:r>
-              <a:rPr lang="en-US" b="0" dirty="0" err="1">
-                <a:latin typeface="Source Code Pro" panose="020B0509030403020204" pitchFamily="49" charset="0"/>
-              </a:rPr>
-              <a:t>const</a:t>
-            </a:r>
-            <a:r>
-              <a:rPr lang="en-US" b="0" dirty="0">
-                <a:latin typeface="Source Code Pro" panose="020B0509030403020204" pitchFamily="49" charset="0"/>
-              </a:rPr>
-              <a:t>&amp; o) -&gt; T </a:t>
-            </a:r>
-            <a:r>
-              <a:rPr lang="en-US" b="0" dirty="0" err="1">
-                <a:latin typeface="Source Code Pro" panose="020B0509030403020204" pitchFamily="49" charset="0"/>
-              </a:rPr>
-              <a:t>const</a:t>
-            </a:r>
-            <a:r>
-              <a:rPr lang="en-US" b="0" dirty="0">
-                <a:latin typeface="Source Code Pro" panose="020B0509030403020204" pitchFamily="49" charset="0"/>
-              </a:rPr>
-              <a:t>&amp; </a:t>
-            </a:r>
-            <a:r>
-              <a:rPr lang="en-US" b="0" dirty="0" smtClean="0">
-                <a:latin typeface="Source Code Pro" panose="020B0509030403020204" pitchFamily="49" charset="0"/>
-              </a:rPr>
-              <a:t>{</a:t>
-            </a:r>
-          </a:p>
-          <a:p>
-            <a:r>
-              <a:rPr lang="en-US" b="0" dirty="0">
-                <a:latin typeface="Source Code Pro" panose="020B0509030403020204" pitchFamily="49" charset="0"/>
-              </a:rPr>
-              <a:t> </a:t>
-            </a:r>
-            <a:r>
-              <a:rPr lang="en-US" b="0" dirty="0" smtClean="0">
-                <a:latin typeface="Source Code Pro" panose="020B0509030403020204" pitchFamily="49" charset="0"/>
-              </a:rPr>
-              <a:t>   return </a:t>
-            </a:r>
-            <a:r>
-              <a:rPr lang="en-US" b="0" dirty="0" err="1">
-                <a:latin typeface="Source Code Pro" panose="020B0509030403020204" pitchFamily="49" charset="0"/>
-              </a:rPr>
-              <a:t>o.data</a:t>
-            </a:r>
-            <a:r>
-              <a:rPr lang="en-US" b="0" dirty="0">
-                <a:latin typeface="Source Code Pro" panose="020B0509030403020204" pitchFamily="49" charset="0"/>
-              </a:rPr>
-              <a:t>; </a:t>
-            </a:r>
+              <a:t>}</a:t>
+            </a:r>
+          </a:p>
+          <a:p>
+            <a:pPr marL="342900" indent="-342900">
+              <a:buFont typeface="Arial" panose="020B0604020202020204" pitchFamily="34" charset="0"/>
+              <a:buChar char="•"/>
+            </a:pPr>
             <a:endParaRPr lang="en-US" b="0" dirty="0" smtClean="0">
               <a:latin typeface="Source Code Pro" panose="020B0509030403020204" pitchFamily="49" charset="0"/>
             </a:endParaRPr>
           </a:p>
           <a:p>
-            <a:r>
-              <a:rPr lang="en-US" b="0" dirty="0">
-                <a:latin typeface="Source Code Pro" panose="020B0509030403020204" pitchFamily="49" charset="0"/>
-              </a:rPr>
-              <a:t> </a:t>
-            </a:r>
+            <a:pPr marL="342900" indent="-342900">
+              <a:buFont typeface="Arial" panose="020B0604020202020204" pitchFamily="34" charset="0"/>
+              <a:buChar char="•"/>
+            </a:pPr>
             <a:r>
               <a:rPr lang="en-US" b="0" dirty="0" smtClean="0">
-                <a:latin typeface="Source Code Pro" panose="020B0509030403020204" pitchFamily="49" charset="0"/>
-              </a:rPr>
-              <a:t>  },</a:t>
+                <a:latin typeface="+mn-lt"/>
+              </a:rPr>
+              <a:t>Why is this wrong?</a:t>
             </a:r>
             <a:endParaRPr lang="en-US" b="0" dirty="0">
-              <a:latin typeface="Source Code Pro" panose="020B0509030403020204" pitchFamily="49" charset="0"/>
+              <a:latin typeface="+mn-lt"/>
             </a:endParaRPr>
-          </a:p>
-          <a:p>
-            <a:r>
-              <a:rPr lang="en-US" b="0" dirty="0">
-                <a:latin typeface="Source Code Pro" panose="020B0509030403020204" pitchFamily="49" charset="0"/>
-              </a:rPr>
-              <a:t>   [](</a:t>
-            </a:r>
-            <a:r>
-              <a:rPr lang="en-US" b="0" dirty="0" err="1">
-                <a:latin typeface="Source Code Pro" panose="020B0509030403020204" pitchFamily="49" charset="0"/>
-              </a:rPr>
-              <a:t>none_t</a:t>
-            </a:r>
-            <a:r>
-              <a:rPr lang="en-US" b="0" dirty="0">
-                <a:latin typeface="Source Code Pro" panose="020B0509030403020204" pitchFamily="49" charset="0"/>
-              </a:rPr>
-              <a:t> </a:t>
-            </a:r>
-            <a:r>
-              <a:rPr lang="en-US" b="0" dirty="0" err="1">
-                <a:latin typeface="Source Code Pro" panose="020B0509030403020204" pitchFamily="49" charset="0"/>
-              </a:rPr>
-              <a:t>const</a:t>
-            </a:r>
-            <a:r>
-              <a:rPr lang="en-US" b="0" dirty="0">
-                <a:latin typeface="Source Code Pro" panose="020B0509030403020204" pitchFamily="49" charset="0"/>
-              </a:rPr>
-              <a:t>&amp;) -&gt; T </a:t>
-            </a:r>
-            <a:r>
-              <a:rPr lang="en-US" b="0" dirty="0" err="1">
-                <a:latin typeface="Source Code Pro" panose="020B0509030403020204" pitchFamily="49" charset="0"/>
-              </a:rPr>
-              <a:t>const</a:t>
-            </a:r>
-            <a:r>
-              <a:rPr lang="en-US" b="0" dirty="0">
-                <a:latin typeface="Source Code Pro" panose="020B0509030403020204" pitchFamily="49" charset="0"/>
-              </a:rPr>
-              <a:t>&amp; </a:t>
-            </a:r>
-            <a:r>
-              <a:rPr lang="en-US" b="0" dirty="0" smtClean="0">
-                <a:latin typeface="Source Code Pro" panose="020B0509030403020204" pitchFamily="49" charset="0"/>
-              </a:rPr>
-              <a:t>{</a:t>
-            </a:r>
-          </a:p>
-          <a:p>
-            <a:r>
-              <a:rPr lang="en-US" b="0" dirty="0">
-                <a:latin typeface="Source Code Pro" panose="020B0509030403020204" pitchFamily="49" charset="0"/>
-              </a:rPr>
-              <a:t> </a:t>
-            </a:r>
-            <a:r>
-              <a:rPr lang="en-US" b="0" dirty="0" smtClean="0">
-                <a:latin typeface="Source Code Pro" panose="020B0509030403020204" pitchFamily="49" charset="0"/>
-              </a:rPr>
-              <a:t>    throw </a:t>
-            </a:r>
-            <a:r>
-              <a:rPr lang="en-US" b="0" dirty="0" err="1">
-                <a:latin typeface="Source Code Pro" panose="020B0509030403020204" pitchFamily="49" charset="0"/>
-              </a:rPr>
-              <a:t>std</a:t>
-            </a:r>
-            <a:r>
-              <a:rPr lang="en-US" b="0" dirty="0">
-                <a:latin typeface="Source Code Pro" panose="020B0509030403020204" pitchFamily="49" charset="0"/>
-              </a:rPr>
-              <a:t>::</a:t>
-            </a:r>
-            <a:r>
-              <a:rPr lang="en-US" b="0" dirty="0" err="1">
-                <a:latin typeface="Source Code Pro" panose="020B0509030403020204" pitchFamily="49" charset="0"/>
-              </a:rPr>
-              <a:t>runtime_error</a:t>
-            </a:r>
-            <a:r>
-              <a:rPr lang="en-US" b="0" dirty="0">
-                <a:latin typeface="Source Code Pro" panose="020B0509030403020204" pitchFamily="49" charset="0"/>
-              </a:rPr>
-              <a:t> {"get"}; </a:t>
-            </a:r>
-            <a:endParaRPr lang="en-US" b="0" dirty="0" smtClean="0">
-              <a:latin typeface="Source Code Pro" panose="020B0509030403020204" pitchFamily="49" charset="0"/>
-            </a:endParaRPr>
-          </a:p>
-          <a:p>
-            <a:r>
-              <a:rPr lang="en-US" b="0" dirty="0">
-                <a:latin typeface="Source Code Pro" panose="020B0509030403020204" pitchFamily="49" charset="0"/>
-              </a:rPr>
-              <a:t> </a:t>
-            </a:r>
-            <a:r>
-              <a:rPr lang="en-US" b="0" dirty="0" smtClean="0">
-                <a:latin typeface="Source Code Pro" panose="020B0509030403020204" pitchFamily="49" charset="0"/>
-              </a:rPr>
-              <a:t>   }</a:t>
-            </a:r>
-            <a:endParaRPr lang="en-US" b="0" dirty="0">
-              <a:latin typeface="Source Code Pro" panose="020B0509030403020204" pitchFamily="49" charset="0"/>
-            </a:endParaRPr>
-          </a:p>
-          <a:p>
-            <a:r>
-              <a:rPr lang="en-US" b="0" dirty="0">
-                <a:latin typeface="Source Code Pro" panose="020B0509030403020204" pitchFamily="49" charset="0"/>
-              </a:rPr>
-              <a:t>  );</a:t>
-            </a:r>
-          </a:p>
-          <a:p>
-            <a:r>
-              <a:rPr lang="en-US" b="0" dirty="0">
-                <a:latin typeface="Source Code Pro" panose="020B0509030403020204" pitchFamily="49" charset="0"/>
-              </a:rPr>
-              <a:t>}</a:t>
-            </a:r>
-          </a:p>
-          <a:p>
-            <a:endParaRPr lang="en-US" dirty="0"/>
           </a:p>
         </p:txBody>
       </p:sp>
@@ -25471,7 +25140,7 @@
     </p:spTree>
     <p:extLst>
       <p:ext uri="{BB962C8B-B14F-4D97-AF65-F5344CB8AC3E}">
-        <p14:creationId xmlns:p14="http://schemas.microsoft.com/office/powerpoint/2010/main" val="610463891"/>
+        <p14:creationId xmlns:p14="http://schemas.microsoft.com/office/powerpoint/2010/main" val="2681529151"/>
       </p:ext>
     </p:extLst>
   </p:cSld>
@@ -25522,7 +25191,15 @@
           <a:p>
             <a:r>
               <a:rPr lang="en-US" dirty="0" smtClean="0"/>
-              <a:t>common “GOTCHAS”</a:t>
+              <a:t>common </a:t>
+            </a:r>
+            <a:r>
+              <a:rPr lang="en-US" dirty="0"/>
+              <a:t>“</a:t>
+            </a:r>
+            <a:r>
+              <a:rPr lang="en-US" dirty="0" smtClean="0"/>
+              <a:t>gotchas”</a:t>
             </a:r>
             <a:endParaRPr lang="en-US" dirty="0"/>
           </a:p>
@@ -25543,301 +25220,128 @@
           <a:bodyPr/>
           <a:lstStyle/>
           <a:p>
-            <a:endParaRPr lang="en-US" dirty="0" smtClean="0"/>
-          </a:p>
-          <a:p>
-            <a:r>
-              <a:rPr lang="en-US" b="0" dirty="0" smtClean="0">
-                <a:latin typeface="Source Code Pro" panose="020B0509030403020204" pitchFamily="49" charset="0"/>
-              </a:rPr>
-              <a:t>//Correct</a:t>
-            </a:r>
-            <a:r>
-              <a:rPr lang="en-US" dirty="0"/>
-              <a:t/>
-            </a:r>
-            <a:br>
-              <a:rPr lang="en-US" dirty="0"/>
-            </a:br>
-            <a:r>
-              <a:rPr lang="en-US" b="0" dirty="0">
-                <a:latin typeface="Source Code Pro" panose="020B0509030403020204" pitchFamily="49" charset="0"/>
-              </a:rPr>
-              <a:t>template &lt;class T&gt;</a:t>
-            </a:r>
-          </a:p>
-          <a:p>
-            <a:r>
-              <a:rPr lang="en-US" b="0" dirty="0">
-                <a:latin typeface="Source Code Pro" panose="020B0509030403020204" pitchFamily="49" charset="0"/>
-              </a:rPr>
-              <a:t>T </a:t>
-            </a:r>
-            <a:r>
-              <a:rPr lang="en-US" b="0" dirty="0" err="1">
-                <a:latin typeface="Source Code Pro" panose="020B0509030403020204" pitchFamily="49" charset="0"/>
-              </a:rPr>
-              <a:t>const</a:t>
-            </a:r>
-            <a:r>
-              <a:rPr lang="en-US" b="0" dirty="0">
-                <a:latin typeface="Source Code Pro" panose="020B0509030403020204" pitchFamily="49" charset="0"/>
-              </a:rPr>
-              <a:t>&amp; get (option&lt;T&gt; </a:t>
-            </a:r>
-            <a:r>
-              <a:rPr lang="en-US" b="0" dirty="0" err="1">
-                <a:latin typeface="Source Code Pro" panose="020B0509030403020204" pitchFamily="49" charset="0"/>
-              </a:rPr>
-              <a:t>const</a:t>
-            </a:r>
-            <a:r>
-              <a:rPr lang="en-US" b="0" dirty="0">
-                <a:latin typeface="Source Code Pro" panose="020B0509030403020204" pitchFamily="49" charset="0"/>
-              </a:rPr>
-              <a:t> &amp; u) {</a:t>
-            </a:r>
-          </a:p>
-          <a:p>
-            <a:r>
-              <a:rPr lang="en-US" b="0" dirty="0">
-                <a:latin typeface="Source Code Pro" panose="020B0509030403020204" pitchFamily="49" charset="0"/>
-              </a:rPr>
-              <a:t>  return </a:t>
-            </a:r>
-            <a:r>
-              <a:rPr lang="en-US" b="0" dirty="0" err="1" smtClean="0">
-                <a:latin typeface="Source Code Pro" panose="020B0509030403020204" pitchFamily="49" charset="0"/>
-              </a:rPr>
-              <a:t>u.</a:t>
-            </a:r>
-            <a:r>
-              <a:rPr lang="en-US" dirty="0" err="1" smtClean="0">
-                <a:latin typeface="Source Code Pro" panose="020B0509030403020204" pitchFamily="49" charset="0"/>
-              </a:rPr>
-              <a:t>template</a:t>
-            </a:r>
-            <a:r>
-              <a:rPr lang="en-US" b="0" dirty="0" smtClean="0">
-                <a:latin typeface="Source Code Pro" panose="020B0509030403020204" pitchFamily="49" charset="0"/>
-              </a:rPr>
-              <a:t> match&lt;T </a:t>
-            </a:r>
-            <a:r>
-              <a:rPr lang="en-US" b="0" dirty="0" err="1">
-                <a:latin typeface="Source Code Pro" panose="020B0509030403020204" pitchFamily="49" charset="0"/>
-              </a:rPr>
-              <a:t>const</a:t>
-            </a:r>
-            <a:r>
-              <a:rPr lang="en-US" b="0" dirty="0">
-                <a:latin typeface="Source Code Pro" panose="020B0509030403020204" pitchFamily="49" charset="0"/>
-              </a:rPr>
-              <a:t>&amp;&gt; (</a:t>
-            </a:r>
-          </a:p>
-          <a:p>
-            <a:r>
-              <a:rPr lang="en-US" b="0" dirty="0">
-                <a:latin typeface="Source Code Pro" panose="020B0509030403020204" pitchFamily="49" charset="0"/>
-              </a:rPr>
-              <a:t>   [](</a:t>
-            </a:r>
-            <a:r>
-              <a:rPr lang="en-US" b="0" dirty="0" err="1">
-                <a:latin typeface="Source Code Pro" panose="020B0509030403020204" pitchFamily="49" charset="0"/>
-              </a:rPr>
-              <a:t>some_t</a:t>
-            </a:r>
-            <a:r>
-              <a:rPr lang="en-US" b="0" dirty="0">
-                <a:latin typeface="Source Code Pro" panose="020B0509030403020204" pitchFamily="49" charset="0"/>
-              </a:rPr>
-              <a:t>&lt;T&gt; </a:t>
-            </a:r>
-            <a:r>
-              <a:rPr lang="en-US" b="0" dirty="0" err="1">
-                <a:latin typeface="Source Code Pro" panose="020B0509030403020204" pitchFamily="49" charset="0"/>
-              </a:rPr>
-              <a:t>const</a:t>
-            </a:r>
-            <a:r>
-              <a:rPr lang="en-US" b="0" dirty="0">
-                <a:latin typeface="Source Code Pro" panose="020B0509030403020204" pitchFamily="49" charset="0"/>
-              </a:rPr>
-              <a:t>&amp; o) -&gt; T </a:t>
-            </a:r>
-            <a:r>
-              <a:rPr lang="en-US" b="0" dirty="0" err="1">
-                <a:latin typeface="Source Code Pro" panose="020B0509030403020204" pitchFamily="49" charset="0"/>
-              </a:rPr>
-              <a:t>const</a:t>
-            </a:r>
-            <a:r>
-              <a:rPr lang="en-US" b="0" dirty="0">
-                <a:latin typeface="Source Code Pro" panose="020B0509030403020204" pitchFamily="49" charset="0"/>
-              </a:rPr>
-              <a:t>&amp; </a:t>
-            </a:r>
-            <a:r>
-              <a:rPr lang="en-US" b="0" dirty="0" smtClean="0">
-                <a:latin typeface="Source Code Pro" panose="020B0509030403020204" pitchFamily="49" charset="0"/>
-              </a:rPr>
-              <a:t>{</a:t>
-            </a:r>
-          </a:p>
-          <a:p>
-            <a:r>
-              <a:rPr lang="en-US" b="0" dirty="0">
-                <a:latin typeface="Source Code Pro" panose="020B0509030403020204" pitchFamily="49" charset="0"/>
-              </a:rPr>
-              <a:t> </a:t>
-            </a:r>
-            <a:r>
-              <a:rPr lang="en-US" b="0" dirty="0" smtClean="0">
-                <a:latin typeface="Source Code Pro" panose="020B0509030403020204" pitchFamily="49" charset="0"/>
-              </a:rPr>
-              <a:t>   return </a:t>
-            </a:r>
-            <a:r>
-              <a:rPr lang="en-US" b="0" dirty="0" err="1">
-                <a:latin typeface="Source Code Pro" panose="020B0509030403020204" pitchFamily="49" charset="0"/>
-              </a:rPr>
-              <a:t>o.data</a:t>
-            </a:r>
-            <a:r>
-              <a:rPr lang="en-US" b="0" dirty="0">
-                <a:latin typeface="Source Code Pro" panose="020B0509030403020204" pitchFamily="49" charset="0"/>
-              </a:rPr>
-              <a:t>; </a:t>
-            </a:r>
             <a:endParaRPr lang="en-US" b="0" dirty="0" smtClean="0">
               <a:latin typeface="Source Code Pro" panose="020B0509030403020204" pitchFamily="49" charset="0"/>
             </a:endParaRPr>
           </a:p>
           <a:p>
-            <a:r>
-              <a:rPr lang="en-US" b="0" dirty="0">
-                <a:latin typeface="Source Code Pro" panose="020B0509030403020204" pitchFamily="49" charset="0"/>
-              </a:rPr>
-              <a:t> </a:t>
-            </a:r>
-            <a:r>
-              <a:rPr lang="en-US" b="0" dirty="0" smtClean="0">
-                <a:latin typeface="Source Code Pro" panose="020B0509030403020204" pitchFamily="49" charset="0"/>
-              </a:rPr>
-              <a:t>  },</a:t>
-            </a:r>
             <a:endParaRPr lang="en-US" b="0" dirty="0">
               <a:latin typeface="Source Code Pro" panose="020B0509030403020204" pitchFamily="49" charset="0"/>
             </a:endParaRPr>
           </a:p>
           <a:p>
             <a:r>
+              <a:rPr lang="en-US" b="0" dirty="0" smtClean="0">
+                <a:latin typeface="Source Code Pro" panose="020B0509030403020204" pitchFamily="49" charset="0"/>
+              </a:rPr>
+              <a:t>//Correct</a:t>
+            </a:r>
+            <a:br>
+              <a:rPr lang="en-US" b="0" dirty="0" smtClean="0">
+                <a:latin typeface="Source Code Pro" panose="020B0509030403020204" pitchFamily="49" charset="0"/>
+              </a:rPr>
+            </a:br>
+            <a:r>
+              <a:rPr lang="en-US" b="0" dirty="0" smtClean="0">
+                <a:latin typeface="Source Code Pro" panose="020B0509030403020204" pitchFamily="49" charset="0"/>
+              </a:rPr>
+              <a:t>template </a:t>
+            </a:r>
+            <a:r>
               <a:rPr lang="en-US" b="0" dirty="0">
                 <a:latin typeface="Source Code Pro" panose="020B0509030403020204" pitchFamily="49" charset="0"/>
               </a:rPr>
-              <a:t>   [](</a:t>
+              <a:t>&lt;class T&gt;</a:t>
+            </a:r>
+          </a:p>
+          <a:p>
+            <a:r>
+              <a:rPr lang="en-US" b="0" dirty="0" smtClean="0">
+                <a:latin typeface="Source Code Pro" panose="020B0509030403020204" pitchFamily="49" charset="0"/>
+              </a:rPr>
+              <a:t>option&lt;</a:t>
+            </a:r>
+            <a:r>
+              <a:rPr lang="en-US" b="0" dirty="0" err="1" smtClean="0">
+                <a:latin typeface="Source Code Pro" panose="020B0509030403020204" pitchFamily="49" charset="0"/>
+              </a:rPr>
+              <a:t>typename</a:t>
+            </a:r>
+            <a:r>
+              <a:rPr lang="en-US" b="0" dirty="0" smtClean="0">
+                <a:latin typeface="Source Code Pro" panose="020B0509030403020204" pitchFamily="49" charset="0"/>
+              </a:rPr>
+              <a:t> </a:t>
+            </a:r>
+            <a:r>
+              <a:rPr lang="en-US" b="0" dirty="0" err="1" smtClean="0">
+                <a:latin typeface="Source Code Pro" panose="020B0509030403020204" pitchFamily="49" charset="0"/>
+              </a:rPr>
+              <a:t>std</a:t>
+            </a:r>
+            <a:r>
+              <a:rPr lang="en-US" b="0" dirty="0" smtClean="0">
+                <a:latin typeface="Source Code Pro" panose="020B0509030403020204" pitchFamily="49" charset="0"/>
+              </a:rPr>
+              <a:t>::decay&lt;T&gt;::type&gt; </a:t>
+            </a:r>
+          </a:p>
+          <a:p>
+            <a:r>
+              <a:rPr lang="en-US" b="0" dirty="0" smtClean="0">
+                <a:latin typeface="Source Code Pro" panose="020B0509030403020204" pitchFamily="49" charset="0"/>
+              </a:rPr>
+              <a:t>some </a:t>
+            </a:r>
+            <a:r>
+              <a:rPr lang="en-US" b="0" dirty="0">
+                <a:latin typeface="Source Code Pro" panose="020B0509030403020204" pitchFamily="49" charset="0"/>
+              </a:rPr>
+              <a:t>(T&amp;&amp; </a:t>
             </a:r>
             <a:r>
               <a:rPr lang="en-US" b="0" dirty="0" err="1">
                 <a:latin typeface="Source Code Pro" panose="020B0509030403020204" pitchFamily="49" charset="0"/>
               </a:rPr>
-              <a:t>none_t</a:t>
+              <a:t>val</a:t>
             </a:r>
             <a:r>
               <a:rPr lang="en-US" b="0" dirty="0">
                 <a:latin typeface="Source Code Pro" panose="020B0509030403020204" pitchFamily="49" charset="0"/>
               </a:rPr>
+              <a:t>) {</a:t>
+            </a:r>
+          </a:p>
+          <a:p>
+            <a:r>
+              <a:rPr lang="en-US" b="0" dirty="0">
+                <a:latin typeface="Source Code Pro" panose="020B0509030403020204" pitchFamily="49" charset="0"/>
+              </a:rPr>
+              <a:t>  using t = </a:t>
+            </a:r>
+            <a:r>
+              <a:rPr lang="en-US" b="0" dirty="0" err="1" smtClean="0">
+                <a:latin typeface="Source Code Pro" panose="020B0509030403020204" pitchFamily="49" charset="0"/>
+              </a:rPr>
+              <a:t>typename</a:t>
+            </a:r>
+            <a:r>
+              <a:rPr lang="en-US" b="0" dirty="0" smtClean="0">
+                <a:latin typeface="Source Code Pro" panose="020B0509030403020204" pitchFamily="49" charset="0"/>
+              </a:rPr>
               <a:t> </a:t>
             </a:r>
             <a:r>
-              <a:rPr lang="en-US" b="0" dirty="0" err="1">
-                <a:latin typeface="Source Code Pro" panose="020B0509030403020204" pitchFamily="49" charset="0"/>
-              </a:rPr>
-              <a:t>const</a:t>
-            </a:r>
-            <a:r>
-              <a:rPr lang="en-US" b="0" dirty="0">
-                <a:latin typeface="Source Code Pro" panose="020B0509030403020204" pitchFamily="49" charset="0"/>
-              </a:rPr>
-              <a:t>&amp;) -&gt; T </a:t>
-            </a:r>
-            <a:r>
-              <a:rPr lang="en-US" b="0" dirty="0" err="1">
-                <a:latin typeface="Source Code Pro" panose="020B0509030403020204" pitchFamily="49" charset="0"/>
-              </a:rPr>
-              <a:t>const</a:t>
-            </a:r>
-            <a:r>
-              <a:rPr lang="en-US" b="0" dirty="0">
-                <a:latin typeface="Source Code Pro" panose="020B0509030403020204" pitchFamily="49" charset="0"/>
-              </a:rPr>
-              <a:t>&amp; </a:t>
+              <a:rPr lang="en-US" b="0" dirty="0" err="1" smtClean="0">
+                <a:latin typeface="Source Code Pro" panose="020B0509030403020204" pitchFamily="49" charset="0"/>
+              </a:rPr>
+              <a:t>std</a:t>
             </a:r>
             <a:r>
               <a:rPr lang="en-US" b="0" dirty="0" smtClean="0">
                 <a:latin typeface="Source Code Pro" panose="020B0509030403020204" pitchFamily="49" charset="0"/>
               </a:rPr>
-              <a:t>{</a:t>
-            </a:r>
-          </a:p>
-          <a:p>
-            <a:r>
-              <a:rPr lang="en-US" b="0" dirty="0">
-                <a:latin typeface="Source Code Pro" panose="020B0509030403020204" pitchFamily="49" charset="0"/>
-              </a:rPr>
-              <a:t> </a:t>
-            </a:r>
-            <a:r>
-              <a:rPr lang="en-US" b="0" dirty="0" smtClean="0">
-                <a:latin typeface="Source Code Pro" panose="020B0509030403020204" pitchFamily="49" charset="0"/>
-              </a:rPr>
-              <a:t>    throw </a:t>
-            </a:r>
-            <a:r>
-              <a:rPr lang="en-US" b="0" dirty="0" err="1">
-                <a:latin typeface="Source Code Pro" panose="020B0509030403020204" pitchFamily="49" charset="0"/>
-              </a:rPr>
-              <a:t>std</a:t>
-            </a:r>
-            <a:r>
-              <a:rPr lang="en-US" b="0" dirty="0">
-                <a:latin typeface="Source Code Pro" panose="020B0509030403020204" pitchFamily="49" charset="0"/>
-              </a:rPr>
-              <a:t>::</a:t>
-            </a:r>
-            <a:r>
-              <a:rPr lang="en-US" b="0" dirty="0" err="1">
-                <a:latin typeface="Source Code Pro" panose="020B0509030403020204" pitchFamily="49" charset="0"/>
-              </a:rPr>
-              <a:t>runtime_error</a:t>
-            </a:r>
-            <a:r>
-              <a:rPr lang="en-US" b="0" dirty="0">
-                <a:latin typeface="Source Code Pro" panose="020B0509030403020204" pitchFamily="49" charset="0"/>
-              </a:rPr>
-              <a:t> {"get</a:t>
-            </a:r>
-            <a:r>
-              <a:rPr lang="en-US" b="0" dirty="0" smtClean="0">
-                <a:latin typeface="Source Code Pro" panose="020B0509030403020204" pitchFamily="49" charset="0"/>
-              </a:rPr>
-              <a:t>"};</a:t>
-            </a:r>
-          </a:p>
-          <a:p>
-            <a:r>
-              <a:rPr lang="en-US" b="0" dirty="0">
-                <a:latin typeface="Source Code Pro" panose="020B0509030403020204" pitchFamily="49" charset="0"/>
-              </a:rPr>
-              <a:t> </a:t>
-            </a:r>
-            <a:r>
-              <a:rPr lang="en-US" b="0" dirty="0" smtClean="0">
-                <a:latin typeface="Source Code Pro" panose="020B0509030403020204" pitchFamily="49" charset="0"/>
-              </a:rPr>
-              <a:t>  }</a:t>
+              <a:t>::decay&lt;T&gt;::type;</a:t>
             </a:r>
             <a:endParaRPr lang="en-US" b="0" dirty="0">
               <a:latin typeface="Source Code Pro" panose="020B0509030403020204" pitchFamily="49" charset="0"/>
@@ -25848,7 +25352,77 @@
               <a:rPr lang="en-US" b="0" dirty="0">
                 <a:latin typeface="Source Code Pro" panose="020B0509030403020204" pitchFamily="49" charset="0"/>
               </a:rPr>
-              <a:t>  );</a:t>
+              <a:t>  return option&lt;t</a:t>
+            </a:r>
+            <a:r>
+              <a:rPr lang="en-US" b="0" dirty="0" smtClean="0">
+                <a:latin typeface="Source Code Pro" panose="020B0509030403020204" pitchFamily="49" charset="0"/>
+              </a:rPr>
+              <a:t>&gt;{</a:t>
+            </a:r>
+          </a:p>
+          <a:p>
+            <a:r>
+              <a:rPr lang="en-US" b="0" dirty="0">
+                <a:latin typeface="Source Code Pro" panose="020B0509030403020204" pitchFamily="49" charset="0"/>
+              </a:rPr>
+              <a:t> </a:t>
+            </a:r>
+            <a:r>
+              <a:rPr lang="en-US" b="0" dirty="0" smtClean="0">
+                <a:latin typeface="Source Code Pro" panose="020B0509030403020204" pitchFamily="49" charset="0"/>
+              </a:rPr>
+              <a:t>   constructor&lt;</a:t>
+            </a:r>
+            <a:r>
+              <a:rPr lang="en-US" b="0" dirty="0" err="1" smtClean="0">
+                <a:latin typeface="Source Code Pro" panose="020B0509030403020204" pitchFamily="49" charset="0"/>
+              </a:rPr>
+              <a:t>some_t</a:t>
+            </a:r>
+            <a:r>
+              <a:rPr lang="en-US" b="0" dirty="0" smtClean="0">
+                <a:latin typeface="Source Code Pro" panose="020B0509030403020204" pitchFamily="49" charset="0"/>
+              </a:rPr>
+              <a:t>&lt;t&gt;&gt;{},</a:t>
+            </a:r>
+          </a:p>
+          <a:p>
+            <a:r>
+              <a:rPr lang="en-US" b="0" dirty="0">
+                <a:latin typeface="Source Code Pro" panose="020B0509030403020204" pitchFamily="49" charset="0"/>
+              </a:rPr>
+              <a:t> </a:t>
+            </a:r>
+            <a:r>
+              <a:rPr lang="en-US" b="0" dirty="0" smtClean="0">
+                <a:latin typeface="Source Code Pro" panose="020B0509030403020204" pitchFamily="49" charset="0"/>
+              </a:rPr>
+              <a:t>   </a:t>
+            </a:r>
+            <a:r>
+              <a:rPr lang="en-US" b="0" dirty="0" err="1" smtClean="0">
+                <a:latin typeface="Source Code Pro" panose="020B0509030403020204" pitchFamily="49" charset="0"/>
+              </a:rPr>
+              <a:t>std</a:t>
+            </a:r>
+            <a:r>
+              <a:rPr lang="en-US" b="0" dirty="0">
+                <a:latin typeface="Source Code Pro" panose="020B0509030403020204" pitchFamily="49" charset="0"/>
+              </a:rPr>
+              <a:t>::forward&lt;T&gt; (</a:t>
+            </a:r>
+            <a:r>
+              <a:rPr lang="en-US" b="0" dirty="0" err="1">
+                <a:latin typeface="Source Code Pro" panose="020B0509030403020204" pitchFamily="49" charset="0"/>
+              </a:rPr>
+              <a:t>val</a:t>
+            </a:r>
+            <a:r>
+              <a:rPr lang="en-US" b="0" dirty="0">
+                <a:latin typeface="Source Code Pro" panose="020B0509030403020204" pitchFamily="49" charset="0"/>
+              </a:rPr>
+              <a:t>)};</a:t>
             </a:r>
           </a:p>
           <a:p>
@@ -25922,7 +25496,7 @@
     </p:spTree>
     <p:extLst>
       <p:ext uri="{BB962C8B-B14F-4D97-AF65-F5344CB8AC3E}">
-        <p14:creationId xmlns:p14="http://schemas.microsoft.com/office/powerpoint/2010/main" val="1407817528"/>
+        <p14:creationId xmlns:p14="http://schemas.microsoft.com/office/powerpoint/2010/main" val="4193931627"/>
       </p:ext>
     </p:extLst>
   </p:cSld>
@@ -25958,6 +25532,366 @@
       </p:grpSpPr>
       <p:sp>
         <p:nvSpPr>
+          <p:cNvPr id="2" name="Title 1"/>
+          <p:cNvSpPr>
+            <a:spLocks noGrp="1"/>
+          </p:cNvSpPr>
+          <p:nvPr>
+            <p:ph type="title"/>
+          </p:nvPr>
+        </p:nvSpPr>
+        <p:spPr/>
+        <p:txBody>
+          <a:bodyPr/>
+          <a:lstStyle/>
+          <a:p>
+            <a:r>
+              <a:rPr lang="en-US" dirty="0" smtClean="0"/>
+              <a:t>common “GOTCHAS”</a:t>
+            </a:r>
+            <a:endParaRPr lang="en-US" dirty="0"/>
+          </a:p>
+        </p:txBody>
+      </p:sp>
+      <p:sp>
+        <p:nvSpPr>
+          <p:cNvPr id="3" name="Content Placeholder 2"/>
+          <p:cNvSpPr>
+            <a:spLocks noGrp="1"/>
+          </p:cNvSpPr>
+          <p:nvPr>
+            <p:ph idx="1"/>
+          </p:nvPr>
+        </p:nvSpPr>
+        <p:spPr/>
+        <p:txBody>
+          <a:bodyPr/>
+          <a:lstStyle/>
+          <a:p>
+            <a:pPr marL="342900" indent="-342900">
+              <a:buFont typeface="Arial" panose="020B0604020202020204" pitchFamily="34" charset="0"/>
+              <a:buChar char="•"/>
+            </a:pPr>
+            <a:r>
+              <a:rPr lang="en-US" b="0" dirty="0" smtClean="0"/>
+              <a:t>Who can tell me what’s wrong with this?</a:t>
+            </a:r>
+          </a:p>
+          <a:p>
+            <a:endParaRPr lang="en-US" dirty="0" smtClean="0"/>
+          </a:p>
+          <a:p>
+            <a:r>
+              <a:rPr lang="en-US" b="0" dirty="0" smtClean="0">
+                <a:latin typeface="Source Code Pro" panose="020B0509030403020204" pitchFamily="49" charset="0"/>
+              </a:rPr>
+              <a:t>//Wrong!</a:t>
+            </a:r>
+            <a:r>
+              <a:rPr lang="en-US" dirty="0"/>
+              <a:t/>
+            </a:r>
+            <a:br>
+              <a:rPr lang="en-US" dirty="0"/>
+            </a:br>
+            <a:r>
+              <a:rPr lang="en-US" b="0" dirty="0">
+                <a:latin typeface="Source Code Pro" panose="020B0509030403020204" pitchFamily="49" charset="0"/>
+              </a:rPr>
+              <a:t>template &lt;class T&gt;</a:t>
+            </a:r>
+          </a:p>
+          <a:p>
+            <a:r>
+              <a:rPr lang="en-US" b="0" dirty="0">
+                <a:latin typeface="Source Code Pro" panose="020B0509030403020204" pitchFamily="49" charset="0"/>
+              </a:rPr>
+              <a:t>T </a:t>
+            </a:r>
+            <a:r>
+              <a:rPr lang="en-US" b="0" dirty="0" err="1">
+                <a:latin typeface="Source Code Pro" panose="020B0509030403020204" pitchFamily="49" charset="0"/>
+              </a:rPr>
+              <a:t>const</a:t>
+            </a:r>
+            <a:r>
+              <a:rPr lang="en-US" b="0" dirty="0">
+                <a:latin typeface="Source Code Pro" panose="020B0509030403020204" pitchFamily="49" charset="0"/>
+              </a:rPr>
+              <a:t>&amp; get (option&lt;T&gt; </a:t>
+            </a:r>
+            <a:r>
+              <a:rPr lang="en-US" b="0" dirty="0" err="1">
+                <a:latin typeface="Source Code Pro" panose="020B0509030403020204" pitchFamily="49" charset="0"/>
+              </a:rPr>
+              <a:t>const</a:t>
+            </a:r>
+            <a:r>
+              <a:rPr lang="en-US" b="0" dirty="0">
+                <a:latin typeface="Source Code Pro" panose="020B0509030403020204" pitchFamily="49" charset="0"/>
+              </a:rPr>
+              <a:t> &amp; u) {</a:t>
+            </a:r>
+          </a:p>
+          <a:p>
+            <a:r>
+              <a:rPr lang="en-US" b="0" dirty="0">
+                <a:latin typeface="Source Code Pro" panose="020B0509030403020204" pitchFamily="49" charset="0"/>
+              </a:rPr>
+              <a:t>  return </a:t>
+            </a:r>
+            <a:r>
+              <a:rPr lang="en-US" b="0" dirty="0" err="1" smtClean="0">
+                <a:latin typeface="Source Code Pro" panose="020B0509030403020204" pitchFamily="49" charset="0"/>
+              </a:rPr>
+              <a:t>u.match</a:t>
+            </a:r>
+            <a:r>
+              <a:rPr lang="en-US" b="0" dirty="0" smtClean="0">
+                <a:latin typeface="Source Code Pro" panose="020B0509030403020204" pitchFamily="49" charset="0"/>
+              </a:rPr>
+              <a:t>&lt;T </a:t>
+            </a:r>
+            <a:r>
+              <a:rPr lang="en-US" b="0" dirty="0" err="1">
+                <a:latin typeface="Source Code Pro" panose="020B0509030403020204" pitchFamily="49" charset="0"/>
+              </a:rPr>
+              <a:t>const</a:t>
+            </a:r>
+            <a:r>
+              <a:rPr lang="en-US" b="0" dirty="0">
+                <a:latin typeface="Source Code Pro" panose="020B0509030403020204" pitchFamily="49" charset="0"/>
+              </a:rPr>
+              <a:t>&amp;&gt; (</a:t>
+            </a:r>
+          </a:p>
+          <a:p>
+            <a:r>
+              <a:rPr lang="en-US" b="0" dirty="0">
+                <a:latin typeface="Source Code Pro" panose="020B0509030403020204" pitchFamily="49" charset="0"/>
+              </a:rPr>
+              <a:t>   [](</a:t>
+            </a:r>
+            <a:r>
+              <a:rPr lang="en-US" b="0" dirty="0" err="1">
+                <a:latin typeface="Source Code Pro" panose="020B0509030403020204" pitchFamily="49" charset="0"/>
+              </a:rPr>
+              <a:t>some_t</a:t>
+            </a:r>
+            <a:r>
+              <a:rPr lang="en-US" b="0" dirty="0">
+                <a:latin typeface="Source Code Pro" panose="020B0509030403020204" pitchFamily="49" charset="0"/>
+              </a:rPr>
+              <a:t>&lt;T&gt; </a:t>
+            </a:r>
+            <a:r>
+              <a:rPr lang="en-US" b="0" dirty="0" err="1">
+                <a:latin typeface="Source Code Pro" panose="020B0509030403020204" pitchFamily="49" charset="0"/>
+              </a:rPr>
+              <a:t>const</a:t>
+            </a:r>
+            <a:r>
+              <a:rPr lang="en-US" b="0" dirty="0">
+                <a:latin typeface="Source Code Pro" panose="020B0509030403020204" pitchFamily="49" charset="0"/>
+              </a:rPr>
+              <a:t>&amp; o) -&gt; T </a:t>
+            </a:r>
+            <a:r>
+              <a:rPr lang="en-US" b="0" dirty="0" err="1">
+                <a:latin typeface="Source Code Pro" panose="020B0509030403020204" pitchFamily="49" charset="0"/>
+              </a:rPr>
+              <a:t>const</a:t>
+            </a:r>
+            <a:r>
+              <a:rPr lang="en-US" b="0" dirty="0">
+                <a:latin typeface="Source Code Pro" panose="020B0509030403020204" pitchFamily="49" charset="0"/>
+              </a:rPr>
+              <a:t>&amp; </a:t>
+            </a:r>
+            <a:r>
+              <a:rPr lang="en-US" b="0" dirty="0" smtClean="0">
+                <a:latin typeface="Source Code Pro" panose="020B0509030403020204" pitchFamily="49" charset="0"/>
+              </a:rPr>
+              <a:t>{</a:t>
+            </a:r>
+          </a:p>
+          <a:p>
+            <a:r>
+              <a:rPr lang="en-US" b="0" dirty="0">
+                <a:latin typeface="Source Code Pro" panose="020B0509030403020204" pitchFamily="49" charset="0"/>
+              </a:rPr>
+              <a:t> </a:t>
+            </a:r>
+            <a:r>
+              <a:rPr lang="en-US" b="0" dirty="0" smtClean="0">
+                <a:latin typeface="Source Code Pro" panose="020B0509030403020204" pitchFamily="49" charset="0"/>
+              </a:rPr>
+              <a:t>   return </a:t>
+            </a:r>
+            <a:r>
+              <a:rPr lang="en-US" b="0" dirty="0" err="1">
+                <a:latin typeface="Source Code Pro" panose="020B0509030403020204" pitchFamily="49" charset="0"/>
+              </a:rPr>
+              <a:t>o.data</a:t>
+            </a:r>
+            <a:r>
+              <a:rPr lang="en-US" b="0" dirty="0">
+                <a:latin typeface="Source Code Pro" panose="020B0509030403020204" pitchFamily="49" charset="0"/>
+              </a:rPr>
+              <a:t>; </a:t>
+            </a:r>
+            <a:endParaRPr lang="en-US" b="0" dirty="0" smtClean="0">
+              <a:latin typeface="Source Code Pro" panose="020B0509030403020204" pitchFamily="49" charset="0"/>
+            </a:endParaRPr>
+          </a:p>
+          <a:p>
+            <a:r>
+              <a:rPr lang="en-US" b="0" dirty="0">
+                <a:latin typeface="Source Code Pro" panose="020B0509030403020204" pitchFamily="49" charset="0"/>
+              </a:rPr>
+              <a:t> </a:t>
+            </a:r>
+            <a:r>
+              <a:rPr lang="en-US" b="0" dirty="0" smtClean="0">
+                <a:latin typeface="Source Code Pro" panose="020B0509030403020204" pitchFamily="49" charset="0"/>
+              </a:rPr>
+              <a:t>  },</a:t>
+            </a:r>
+            <a:endParaRPr lang="en-US" b="0" dirty="0">
+              <a:latin typeface="Source Code Pro" panose="020B0509030403020204" pitchFamily="49" charset="0"/>
+            </a:endParaRPr>
+          </a:p>
+          <a:p>
+            <a:r>
+              <a:rPr lang="en-US" b="0" dirty="0">
+                <a:latin typeface="Source Code Pro" panose="020B0509030403020204" pitchFamily="49" charset="0"/>
+              </a:rPr>
+              <a:t>   [](</a:t>
+            </a:r>
+            <a:r>
+              <a:rPr lang="en-US" b="0" dirty="0" err="1">
+                <a:latin typeface="Source Code Pro" panose="020B0509030403020204" pitchFamily="49" charset="0"/>
+              </a:rPr>
+              <a:t>none_t</a:t>
+            </a:r>
+            <a:r>
+              <a:rPr lang="en-US" b="0" dirty="0">
+                <a:latin typeface="Source Code Pro" panose="020B0509030403020204" pitchFamily="49" charset="0"/>
+              </a:rPr>
+              <a:t> </a:t>
+            </a:r>
+            <a:r>
+              <a:rPr lang="en-US" b="0" dirty="0" err="1">
+                <a:latin typeface="Source Code Pro" panose="020B0509030403020204" pitchFamily="49" charset="0"/>
+              </a:rPr>
+              <a:t>const</a:t>
+            </a:r>
+            <a:r>
+              <a:rPr lang="en-US" b="0" dirty="0">
+                <a:latin typeface="Source Code Pro" panose="020B0509030403020204" pitchFamily="49" charset="0"/>
+              </a:rPr>
+              <a:t>&amp;) -&gt; T </a:t>
+            </a:r>
+            <a:r>
+              <a:rPr lang="en-US" b="0" dirty="0" err="1">
+                <a:latin typeface="Source Code Pro" panose="020B0509030403020204" pitchFamily="49" charset="0"/>
+              </a:rPr>
+              <a:t>const</a:t>
+            </a:r>
+            <a:r>
+              <a:rPr lang="en-US" b="0" dirty="0">
+                <a:latin typeface="Source Code Pro" panose="020B0509030403020204" pitchFamily="49" charset="0"/>
+              </a:rPr>
+              <a:t>&amp; </a:t>
+            </a:r>
+            <a:r>
+              <a:rPr lang="en-US" b="0" dirty="0" smtClean="0">
+                <a:latin typeface="Source Code Pro" panose="020B0509030403020204" pitchFamily="49" charset="0"/>
+              </a:rPr>
+              <a:t>{</a:t>
+            </a:r>
+          </a:p>
+          <a:p>
+            <a:r>
+              <a:rPr lang="en-US" b="0" dirty="0">
+                <a:latin typeface="Source Code Pro" panose="020B0509030403020204" pitchFamily="49" charset="0"/>
+              </a:rPr>
+              <a:t> </a:t>
+            </a:r>
+            <a:r>
+              <a:rPr lang="en-US" b="0" dirty="0" smtClean="0">
+                <a:latin typeface="Source Code Pro" panose="020B0509030403020204" pitchFamily="49" charset="0"/>
+              </a:rPr>
+              <a:t>    throw </a:t>
+            </a:r>
+            <a:r>
+              <a:rPr lang="en-US" b="0" dirty="0" err="1">
+                <a:latin typeface="Source Code Pro" panose="020B0509030403020204" pitchFamily="49" charset="0"/>
+              </a:rPr>
+              <a:t>std</a:t>
+            </a:r>
+            <a:r>
+              <a:rPr lang="en-US" b="0" dirty="0">
+                <a:latin typeface="Source Code Pro" panose="020B0509030403020204" pitchFamily="49" charset="0"/>
+              </a:rPr>
+              <a:t>::</a:t>
+            </a:r>
+            <a:r>
+              <a:rPr lang="en-US" b="0" dirty="0" err="1">
+                <a:latin typeface="Source Code Pro" panose="020B0509030403020204" pitchFamily="49" charset="0"/>
+              </a:rPr>
+              <a:t>runtime_error</a:t>
+            </a:r>
+            <a:r>
+              <a:rPr lang="en-US" b="0" dirty="0">
+                <a:latin typeface="Source Code Pro" panose="020B0509030403020204" pitchFamily="49" charset="0"/>
+              </a:rPr>
+              <a:t> {"get"}; </a:t>
+            </a:r>
+            <a:endParaRPr lang="en-US" b="0" dirty="0" smtClean="0">
+              <a:latin typeface="Source Code Pro" panose="020B0509030403020204" pitchFamily="49" charset="0"/>
+            </a:endParaRPr>
+          </a:p>
+          <a:p>
+            <a:r>
+              <a:rPr lang="en-US" b="0" dirty="0">
+                <a:latin typeface="Source Code Pro" panose="020B0509030403020204" pitchFamily="49" charset="0"/>
+              </a:rPr>
+              <a:t> </a:t>
+            </a:r>
+            <a:r>
+              <a:rPr lang="en-US" b="0" dirty="0" smtClean="0">
+                <a:latin typeface="Source Code Pro" panose="020B0509030403020204" pitchFamily="49" charset="0"/>
+              </a:rPr>
+              <a:t>   }</a:t>
+            </a:r>
+            <a:endParaRPr lang="en-US" b="0" dirty="0">
+              <a:latin typeface="Source Code Pro" panose="020B0509030403020204" pitchFamily="49" charset="0"/>
+            </a:endParaRPr>
+          </a:p>
+          <a:p>
+            <a:r>
+              <a:rPr lang="en-US" b="0" dirty="0">
+                <a:latin typeface="Source Code Pro" panose="020B0509030403020204" pitchFamily="49" charset="0"/>
+              </a:rPr>
+              <a:t>  );</a:t>
+            </a:r>
+          </a:p>
+          <a:p>
+            <a:r>
+              <a:rPr lang="en-US" b="0" dirty="0">
+                <a:latin typeface="Source Code Pro" panose="020B0509030403020204" pitchFamily="49" charset="0"/>
+              </a:rPr>
+              <a:t>}</a:t>
+            </a:r>
+          </a:p>
+          <a:p>
+            <a:endParaRPr lang="en-US" dirty="0"/>
+          </a:p>
+        </p:txBody>
+      </p:sp>
+      <p:sp>
+        <p:nvSpPr>
           <p:cNvPr id="4" name="Slide Number Placeholder 3"/>
           <p:cNvSpPr>
             <a:spLocks noGrp="1"/>
@@ -25994,12 +25928,12 @@
       </p:sp>
       <p:sp>
         <p:nvSpPr>
-          <p:cNvPr id="6" name="Title 5"/>
+          <p:cNvPr id="5" name="Footer Placeholder 4"/>
           <p:cNvSpPr>
             <a:spLocks noGrp="1"/>
           </p:cNvSpPr>
           <p:nvPr>
-            <p:ph type="title"/>
+            <p:ph type="ftr" sz="quarter" idx="13"/>
           </p:nvPr>
         </p:nvSpPr>
         <p:spPr/>
@@ -26007,10 +25941,6 @@
           <a:bodyPr/>
           <a:lstStyle/>
           <a:p>
-            <a:r>
-              <a:rPr lang="en-US" smtClean="0"/>
-              <a:t>postcript</a:t>
-            </a:r>
             <a:endParaRPr lang="en-US" dirty="0"/>
           </a:p>
         </p:txBody>
@@ -26018,13 +25948,20 @@
     </p:spTree>
     <p:extLst>
       <p:ext uri="{BB962C8B-B14F-4D97-AF65-F5344CB8AC3E}">
-        <p14:creationId xmlns:p14="http://schemas.microsoft.com/office/powerpoint/2010/main" val="163080634"/>
+        <p14:creationId xmlns:p14="http://schemas.microsoft.com/office/powerpoint/2010/main" val="610463891"/>
       </p:ext>
     </p:extLst>
   </p:cSld>
   <p:clrMapOvr>
     <a:masterClrMapping/>
   </p:clrMapOvr>
+  <p:timing>
+    <p:tnLst>
+      <p:par>
+        <p:cTn id="1" dur="indefinite" restart="never" nodeType="tmRoot"/>
+      </p:par>
+    </p:tnLst>
+  </p:timing>
 </p:sld>
 </file>
 
@@ -26062,7 +25999,7 @@
           <a:p>
             <a:r>
               <a:rPr lang="en-US" dirty="0" smtClean="0"/>
-              <a:t>Resources</a:t>
+              <a:t>common “GOTCHAS”</a:t>
             </a:r>
             <a:endParaRPr lang="en-US" dirty="0"/>
           </a:p>
@@ -26083,82 +26020,323 @@
           <a:bodyPr/>
           <a:lstStyle/>
           <a:p>
-            <a:pPr marL="342900" indent="-342900">
-              <a:buFont typeface="Arial" panose="020B0604020202020204" pitchFamily="34" charset="0"/>
-              <a:buChar char="•"/>
-            </a:pPr>
-            <a:r>
-              <a:rPr lang="en-US" dirty="0" smtClean="0"/>
-              <a:t>Code</a:t>
-            </a:r>
-          </a:p>
-          <a:p>
-            <a:pPr marL="1085850" lvl="1" indent="-342900">
-              <a:buFont typeface="Arial" panose="020B0604020202020204" pitchFamily="34" charset="0"/>
-              <a:buChar char="•"/>
-            </a:pPr>
-            <a:r>
-              <a:rPr lang="en-US" dirty="0">
-                <a:hlinkClick r:id="rId2"/>
-              </a:rPr>
-              <a:t>https://</a:t>
-            </a:r>
-            <a:r>
-              <a:rPr lang="en-US" dirty="0" smtClean="0">
-                <a:hlinkClick r:id="rId2"/>
-              </a:rPr>
-              <a:t>bbgithub.dev.bloomberg.com/QDLA-infrastructure/pretty-good-sum</a:t>
-            </a:r>
             <a:endParaRPr lang="en-US" dirty="0" smtClean="0"/>
           </a:p>
           <a:p>
-            <a:pPr marL="1085850" lvl="1" indent="-342900">
-              <a:buFont typeface="Arial" panose="020B0604020202020204" pitchFamily="34" charset="0"/>
-              <a:buChar char="•"/>
-            </a:pPr>
-            <a:r>
-              <a:rPr lang="en-US" i="1" dirty="0" smtClean="0"/>
-              <a:t>Will soon be present in our Windows installer and DPKG</a:t>
+            <a:r>
+              <a:rPr lang="en-US" b="0" dirty="0" smtClean="0">
+                <a:latin typeface="Source Code Pro" panose="020B0509030403020204" pitchFamily="49" charset="0"/>
+              </a:rPr>
+              <a:t>//Correct</a:t>
+            </a:r>
+            <a:r>
+              <a:rPr lang="en-US" dirty="0"/>
+              <a:t/>
             </a:r>
             <a:br>
-              <a:rPr lang="en-US" i="1" dirty="0" smtClean="0"/>
+              <a:rPr lang="en-US" dirty="0"/>
             </a:br>
-            <a:endParaRPr lang="en-US" i="1" dirty="0" smtClean="0"/>
-          </a:p>
-          <a:p>
-            <a:pPr marL="342900" indent="-342900">
-              <a:buFont typeface="Arial" panose="020B0604020202020204" pitchFamily="34" charset="0"/>
-              <a:buChar char="•"/>
-            </a:pPr>
-            <a:r>
-              <a:rPr lang="en-US" dirty="0" smtClean="0"/>
-              <a:t>Online documentation</a:t>
-            </a:r>
-          </a:p>
-          <a:p>
-            <a:pPr marL="1085850" lvl="1" indent="-342900">
-              <a:buFont typeface="Arial" panose="020B0604020202020204" pitchFamily="34" charset="0"/>
-              <a:buChar char="•"/>
-            </a:pPr>
-            <a:r>
-              <a:rPr lang="en-US" dirty="0">
-                <a:hlinkClick r:id="rId3"/>
-              </a:rPr>
-              <a:t>http://</a:t>
-            </a:r>
-            <a:r>
-              <a:rPr lang="en-US" dirty="0" smtClean="0">
-                <a:hlinkClick r:id="rId3"/>
-              </a:rPr>
-              <a:t>nydeviisquant01/pretty-good-sum/index.html</a:t>
-            </a:r>
-            <a:endParaRPr lang="en-US" dirty="0" smtClean="0"/>
-          </a:p>
-          <a:p>
-            <a:pPr marL="1085850" lvl="1" indent="-342900">
-              <a:buFont typeface="Arial" panose="020B0604020202020204" pitchFamily="34" charset="0"/>
-              <a:buChar char="•"/>
-            </a:pPr>
+            <a:r>
+              <a:rPr lang="en-US" b="0" dirty="0">
+                <a:latin typeface="Source Code Pro" panose="020B0509030403020204" pitchFamily="49" charset="0"/>
+              </a:rPr>
+              <a:t>template &lt;class T&gt;</a:t>
+            </a:r>
+          </a:p>
+          <a:p>
+            <a:r>
+              <a:rPr lang="en-US" b="0" dirty="0">
+                <a:latin typeface="Source Code Pro" panose="020B0509030403020204" pitchFamily="49" charset="0"/>
+              </a:rPr>
+              <a:t>T </a:t>
+            </a:r>
+            <a:r>
+              <a:rPr lang="en-US" b="0" dirty="0" err="1">
+                <a:latin typeface="Source Code Pro" panose="020B0509030403020204" pitchFamily="49" charset="0"/>
+              </a:rPr>
+              <a:t>const</a:t>
+            </a:r>
+            <a:r>
+              <a:rPr lang="en-US" b="0" dirty="0">
+                <a:latin typeface="Source Code Pro" panose="020B0509030403020204" pitchFamily="49" charset="0"/>
+              </a:rPr>
+              <a:t>&amp; get (option&lt;T&gt; </a:t>
+            </a:r>
+            <a:r>
+              <a:rPr lang="en-US" b="0" dirty="0" err="1">
+                <a:latin typeface="Source Code Pro" panose="020B0509030403020204" pitchFamily="49" charset="0"/>
+              </a:rPr>
+              <a:t>const</a:t>
+            </a:r>
+            <a:r>
+              <a:rPr lang="en-US" b="0" dirty="0">
+                <a:latin typeface="Source Code Pro" panose="020B0509030403020204" pitchFamily="49" charset="0"/>
+              </a:rPr>
+              <a:t> &amp; u) {</a:t>
+            </a:r>
+          </a:p>
+          <a:p>
+            <a:r>
+              <a:rPr lang="en-US" b="0" dirty="0">
+                <a:latin typeface="Source Code Pro" panose="020B0509030403020204" pitchFamily="49" charset="0"/>
+              </a:rPr>
+              <a:t>  return </a:t>
+            </a:r>
+            <a:r>
+              <a:rPr lang="en-US" b="0" dirty="0" err="1" smtClean="0">
+                <a:latin typeface="Source Code Pro" panose="020B0509030403020204" pitchFamily="49" charset="0"/>
+              </a:rPr>
+              <a:t>u.</a:t>
+            </a:r>
+            <a:r>
+              <a:rPr lang="en-US" dirty="0" err="1" smtClean="0">
+                <a:latin typeface="Source Code Pro" panose="020B0509030403020204" pitchFamily="49" charset="0"/>
+              </a:rPr>
+              <a:t>template</a:t>
+            </a:r>
+            <a:r>
+              <a:rPr lang="en-US" b="0" dirty="0" smtClean="0">
+                <a:latin typeface="Source Code Pro" panose="020B0509030403020204" pitchFamily="49" charset="0"/>
+              </a:rPr>
+              <a:t> match&lt;T </a:t>
+            </a:r>
+            <a:r>
+              <a:rPr lang="en-US" b="0" dirty="0" err="1">
+                <a:latin typeface="Source Code Pro" panose="020B0509030403020204" pitchFamily="49" charset="0"/>
+              </a:rPr>
+              <a:t>const</a:t>
+            </a:r>
+            <a:r>
+              <a:rPr lang="en-US" b="0" dirty="0">
+                <a:latin typeface="Source Code Pro" panose="020B0509030403020204" pitchFamily="49" charset="0"/>
+              </a:rPr>
+              <a:t>&amp;&gt; (</a:t>
+            </a:r>
+          </a:p>
+          <a:p>
+            <a:r>
+              <a:rPr lang="en-US" b="0" dirty="0">
+                <a:latin typeface="Source Code Pro" panose="020B0509030403020204" pitchFamily="49" charset="0"/>
+              </a:rPr>
+              <a:t>   [](</a:t>
+            </a:r>
+            <a:r>
+              <a:rPr lang="en-US" b="0" dirty="0" err="1">
+                <a:latin typeface="Source Code Pro" panose="020B0509030403020204" pitchFamily="49" charset="0"/>
+              </a:rPr>
+              <a:t>some_t</a:t>
+            </a:r>
+            <a:r>
+              <a:rPr lang="en-US" b="0" dirty="0">
+                <a:latin typeface="Source Code Pro" panose="020B0509030403020204" pitchFamily="49" charset="0"/>
+              </a:rPr>
+              <a:t>&lt;T&gt; </a:t>
+            </a:r>
+            <a:r>
+              <a:rPr lang="en-US" b="0" dirty="0" err="1">
+                <a:latin typeface="Source Code Pro" panose="020B0509030403020204" pitchFamily="49" charset="0"/>
+              </a:rPr>
+              <a:t>const</a:t>
+            </a:r>
+            <a:r>
+              <a:rPr lang="en-US" b="0" dirty="0">
+                <a:latin typeface="Source Code Pro" panose="020B0509030403020204" pitchFamily="49" charset="0"/>
+              </a:rPr>
+              <a:t>&amp; o) -&gt; T </a:t>
+            </a:r>
+            <a:r>
+              <a:rPr lang="en-US" b="0" dirty="0" err="1">
+                <a:latin typeface="Source Code Pro" panose="020B0509030403020204" pitchFamily="49" charset="0"/>
+              </a:rPr>
+              <a:t>const</a:t>
+            </a:r>
+            <a:r>
+              <a:rPr lang="en-US" b="0" dirty="0">
+                <a:latin typeface="Source Code Pro" panose="020B0509030403020204" pitchFamily="49" charset="0"/>
+              </a:rPr>
+              <a:t>&amp; </a:t>
+            </a:r>
+            <a:r>
+              <a:rPr lang="en-US" b="0" dirty="0" smtClean="0">
+                <a:latin typeface="Source Code Pro" panose="020B0509030403020204" pitchFamily="49" charset="0"/>
+              </a:rPr>
+              <a:t>{</a:t>
+            </a:r>
+          </a:p>
+          <a:p>
+            <a:r>
+              <a:rPr lang="en-US" b="0" dirty="0">
+                <a:latin typeface="Source Code Pro" panose="020B0509030403020204" pitchFamily="49" charset="0"/>
+              </a:rPr>
+              <a:t> </a:t>
+            </a:r>
+            <a:r>
+              <a:rPr lang="en-US" b="0" dirty="0" smtClean="0">
+                <a:latin typeface="Source Code Pro" panose="020B0509030403020204" pitchFamily="49" charset="0"/>
+              </a:rPr>
+              <a:t>   return </a:t>
+            </a:r>
+            <a:r>
+              <a:rPr lang="en-US" b="0" dirty="0" err="1">
+                <a:latin typeface="Source Code Pro" panose="020B0509030403020204" pitchFamily="49" charset="0"/>
+              </a:rPr>
+              <a:t>o.data</a:t>
+            </a:r>
+            <a:r>
+              <a:rPr lang="en-US" b="0" dirty="0">
+                <a:latin typeface="Source Code Pro" panose="020B0509030403020204" pitchFamily="49" charset="0"/>
+              </a:rPr>
+              <a:t>; </a:t>
+            </a:r>
+            <a:endParaRPr lang="en-US" b="0" dirty="0" smtClean="0">
+              <a:latin typeface="Source Code Pro" panose="020B0509030403020204" pitchFamily="49" charset="0"/>
+            </a:endParaRPr>
+          </a:p>
+          <a:p>
+            <a:r>
+              <a:rPr lang="en-US" b="0" dirty="0">
+                <a:latin typeface="Source Code Pro" panose="020B0509030403020204" pitchFamily="49" charset="0"/>
+              </a:rPr>
+              <a:t> </a:t>
+            </a:r>
+            <a:r>
+              <a:rPr lang="en-US" b="0" dirty="0" smtClean="0">
+                <a:latin typeface="Source Code Pro" panose="020B0509030403020204" pitchFamily="49" charset="0"/>
+              </a:rPr>
+              <a:t>  },</a:t>
+            </a:r>
+            <a:endParaRPr lang="en-US" b="0" dirty="0">
+              <a:latin typeface="Source Code Pro" panose="020B0509030403020204" pitchFamily="49" charset="0"/>
+            </a:endParaRPr>
+          </a:p>
+          <a:p>
+            <a:r>
+              <a:rPr lang="en-US" b="0" dirty="0">
+                <a:latin typeface="Source Code Pro" panose="020B0509030403020204" pitchFamily="49" charset="0"/>
+              </a:rPr>
+              <a:t>   [](</a:t>
+            </a:r>
+            <a:r>
+              <a:rPr lang="en-US" b="0" dirty="0" err="1">
+                <a:latin typeface="Source Code Pro" panose="020B0509030403020204" pitchFamily="49" charset="0"/>
+              </a:rPr>
+              <a:t>none_t</a:t>
+            </a:r>
+            <a:r>
+              <a:rPr lang="en-US" b="0" dirty="0">
+                <a:latin typeface="Source Code Pro" panose="020B0509030403020204" pitchFamily="49" charset="0"/>
+              </a:rPr>
+              <a:t> </a:t>
+            </a:r>
+            <a:r>
+              <a:rPr lang="en-US" b="0" dirty="0" err="1">
+                <a:latin typeface="Source Code Pro" panose="020B0509030403020204" pitchFamily="49" charset="0"/>
+              </a:rPr>
+              <a:t>const</a:t>
+            </a:r>
+            <a:r>
+              <a:rPr lang="en-US" b="0" dirty="0">
+                <a:latin typeface="Source Code Pro" panose="020B0509030403020204" pitchFamily="49" charset="0"/>
+              </a:rPr>
+              <a:t>&amp;) -&gt; T </a:t>
+            </a:r>
+            <a:r>
+              <a:rPr lang="en-US" b="0" dirty="0" err="1">
+                <a:latin typeface="Source Code Pro" panose="020B0509030403020204" pitchFamily="49" charset="0"/>
+              </a:rPr>
+              <a:t>const</a:t>
+            </a:r>
+            <a:r>
+              <a:rPr lang="en-US" b="0" dirty="0">
+                <a:latin typeface="Source Code Pro" panose="020B0509030403020204" pitchFamily="49" charset="0"/>
+              </a:rPr>
+              <a:t>&amp; </a:t>
+            </a:r>
+            <a:r>
+              <a:rPr lang="en-US" b="0" dirty="0" smtClean="0">
+                <a:latin typeface="Source Code Pro" panose="020B0509030403020204" pitchFamily="49" charset="0"/>
+              </a:rPr>
+              <a:t>{</a:t>
+            </a:r>
+          </a:p>
+          <a:p>
+            <a:r>
+              <a:rPr lang="en-US" b="0" dirty="0">
+                <a:latin typeface="Source Code Pro" panose="020B0509030403020204" pitchFamily="49" charset="0"/>
+              </a:rPr>
+              <a:t> </a:t>
+            </a:r>
+            <a:r>
+              <a:rPr lang="en-US" b="0" dirty="0" smtClean="0">
+                <a:latin typeface="Source Code Pro" panose="020B0509030403020204" pitchFamily="49" charset="0"/>
+              </a:rPr>
+              <a:t>    throw </a:t>
+            </a:r>
+            <a:r>
+              <a:rPr lang="en-US" b="0" dirty="0" err="1">
+                <a:latin typeface="Source Code Pro" panose="020B0509030403020204" pitchFamily="49" charset="0"/>
+              </a:rPr>
+              <a:t>std</a:t>
+            </a:r>
+            <a:r>
+              <a:rPr lang="en-US" b="0" dirty="0">
+                <a:latin typeface="Source Code Pro" panose="020B0509030403020204" pitchFamily="49" charset="0"/>
+              </a:rPr>
+              <a:t>::</a:t>
+            </a:r>
+            <a:r>
+              <a:rPr lang="en-US" b="0" dirty="0" err="1">
+                <a:latin typeface="Source Code Pro" panose="020B0509030403020204" pitchFamily="49" charset="0"/>
+              </a:rPr>
+              <a:t>runtime_error</a:t>
+            </a:r>
+            <a:r>
+              <a:rPr lang="en-US" b="0" dirty="0">
+                <a:latin typeface="Source Code Pro" panose="020B0509030403020204" pitchFamily="49" charset="0"/>
+              </a:rPr>
+              <a:t> {"get</a:t>
+            </a:r>
+            <a:r>
+              <a:rPr lang="en-US" b="0" dirty="0" smtClean="0">
+                <a:latin typeface="Source Code Pro" panose="020B0509030403020204" pitchFamily="49" charset="0"/>
+              </a:rPr>
+              <a:t>"};</a:t>
+            </a:r>
+          </a:p>
+          <a:p>
+            <a:r>
+              <a:rPr lang="en-US" b="0" dirty="0">
+                <a:latin typeface="Source Code Pro" panose="020B0509030403020204" pitchFamily="49" charset="0"/>
+              </a:rPr>
+              <a:t> </a:t>
+            </a:r>
+            <a:r>
+              <a:rPr lang="en-US" b="0" dirty="0" smtClean="0">
+                <a:latin typeface="Source Code Pro" panose="020B0509030403020204" pitchFamily="49" charset="0"/>
+              </a:rPr>
+              <a:t>  }</a:t>
+            </a:r>
+            <a:endParaRPr lang="en-US" b="0" dirty="0">
+              <a:latin typeface="Source Code Pro" panose="020B0509030403020204" pitchFamily="49" charset="0"/>
+            </a:endParaRPr>
+          </a:p>
+          <a:p>
+            <a:r>
+              <a:rPr lang="en-US" b="0" dirty="0">
+                <a:latin typeface="Source Code Pro" panose="020B0509030403020204" pitchFamily="49" charset="0"/>
+              </a:rPr>
+              <a:t>  );</a:t>
+            </a:r>
+          </a:p>
+          <a:p>
+            <a:r>
+              <a:rPr lang="en-US" b="0" dirty="0">
+                <a:latin typeface="Source Code Pro" panose="020B0509030403020204" pitchFamily="49" charset="0"/>
+              </a:rPr>
+              <a:t>}</a:t>
+            </a:r>
+          </a:p>
+          <a:p>
             <a:endParaRPr lang="en-US" dirty="0"/>
           </a:p>
         </p:txBody>
@@ -26221,7 +26399,7 @@
     </p:spTree>
     <p:extLst>
       <p:ext uri="{BB962C8B-B14F-4D97-AF65-F5344CB8AC3E}">
-        <p14:creationId xmlns:p14="http://schemas.microsoft.com/office/powerpoint/2010/main" val="932800072"/>
+        <p14:creationId xmlns:p14="http://schemas.microsoft.com/office/powerpoint/2010/main" val="1407817528"/>
       </p:ext>
     </p:extLst>
   </p:cSld>
@@ -26257,6 +26435,42 @@
       </p:grpSpPr>
       <p:sp>
         <p:nvSpPr>
+          <p:cNvPr id="4" name="Slide Number Placeholder 3"/>
+          <p:cNvSpPr>
+            <a:spLocks noGrp="1"/>
+          </p:cNvSpPr>
+          <p:nvPr>
+            <p:ph type="sldNum" sz="quarter" idx="12"/>
+          </p:nvPr>
+        </p:nvSpPr>
+        <p:spPr/>
+        <p:txBody>
+          <a:bodyPr/>
+          <a:lstStyle/>
+          <a:p>
+            <a:fld id="{B383C57C-80DA-45D5-BFE5-7583B8192761}" type="slidenum">
+              <a:rPr lang="en-US" smtClean="0">
+                <a:solidFill>
+                  <a:prstClr val="white">
+                    <a:lumMod val="75000"/>
+                  </a:prstClr>
+                </a:solidFill>
+              </a:rPr>
+              <a:pPr/>
+              <a:t>35</a:t>
+            </a:fld>
+            <a:endParaRPr lang="en-US">
+              <a:solidFill>
+                <a:prstClr val="white">
+                  <a:lumMod val="75000"/>
+                </a:prstClr>
+              </a:solidFill>
+            </a:endParaRPr>
+          </a:p>
+        </p:txBody>
+      </p:sp>
+      <p:sp>
+        <p:nvSpPr>
           <p:cNvPr id="6" name="Title 5"/>
           <p:cNvSpPr>
             <a:spLocks noGrp="1"/>
@@ -26270,6 +26484,165 @@
           <a:bodyPr/>
           <a:lstStyle/>
           <a:p>
+            <a:r>
+              <a:rPr lang="en-US" dirty="0" err="1" smtClean="0"/>
+              <a:t>postcript</a:t>
+            </a:r>
+            <a:endParaRPr lang="en-US" dirty="0"/>
+          </a:p>
+        </p:txBody>
+      </p:sp>
+    </p:spTree>
+    <p:extLst>
+      <p:ext uri="{BB962C8B-B14F-4D97-AF65-F5344CB8AC3E}">
+        <p14:creationId xmlns:p14="http://schemas.microsoft.com/office/powerpoint/2010/main" val="163080634"/>
+      </p:ext>
+    </p:extLst>
+  </p:cSld>
+  <p:clrMapOvr>
+    <a:masterClrMapping/>
+  </p:clrMapOvr>
+  <p:timing>
+    <p:tnLst>
+      <p:par>
+        <p:cTn id="1" dur="indefinite" restart="never" nodeType="tmRoot"/>
+      </p:par>
+    </p:tnLst>
+  </p:timing>
+</p:sld>
+</file>
+
+<file path=ppt/slides/slide36.xml><?xml version="1.0" encoding="utf-8"?>
+<p:sld xmlns:a="http://schemas.openxmlformats.org/drawingml/2006/main" xmlns:r="http://schemas.openxmlformats.org/officeDocument/2006/relationships" xmlns:p="http://schemas.openxmlformats.org/presentationml/2006/main">
+  <p:cSld>
+    <p:spTree>
+      <p:nvGrpSpPr>
+        <p:cNvPr id="1" name=""/>
+        <p:cNvGrpSpPr/>
+        <p:nvPr/>
+      </p:nvGrpSpPr>
+      <p:grpSpPr>
+        <a:xfrm>
+          <a:off x="0" y="0"/>
+          <a:ext cx="0" cy="0"/>
+          <a:chOff x="0" y="0"/>
+          <a:chExt cx="0" cy="0"/>
+        </a:xfrm>
+      </p:grpSpPr>
+      <p:sp>
+        <p:nvSpPr>
+          <p:cNvPr id="2" name="Title 1"/>
+          <p:cNvSpPr>
+            <a:spLocks noGrp="1"/>
+          </p:cNvSpPr>
+          <p:nvPr>
+            <p:ph type="title"/>
+          </p:nvPr>
+        </p:nvSpPr>
+        <p:spPr/>
+        <p:txBody>
+          <a:bodyPr/>
+          <a:lstStyle/>
+          <a:p>
+            <a:r>
+              <a:rPr lang="en-US" dirty="0" smtClean="0"/>
+              <a:t>Resources</a:t>
+            </a:r>
+            <a:endParaRPr lang="en-US" dirty="0"/>
+          </a:p>
+        </p:txBody>
+      </p:sp>
+      <p:sp>
+        <p:nvSpPr>
+          <p:cNvPr id="3" name="Content Placeholder 2"/>
+          <p:cNvSpPr>
+            <a:spLocks noGrp="1"/>
+          </p:cNvSpPr>
+          <p:nvPr>
+            <p:ph idx="1"/>
+          </p:nvPr>
+        </p:nvSpPr>
+        <p:spPr/>
+        <p:txBody>
+          <a:bodyPr/>
+          <a:lstStyle/>
+          <a:p>
+            <a:pPr marL="342900" indent="-342900">
+              <a:buFont typeface="Arial" panose="020B0604020202020204" pitchFamily="34" charset="0"/>
+              <a:buChar char="•"/>
+            </a:pPr>
+            <a:r>
+              <a:rPr lang="en-US" dirty="0" smtClean="0"/>
+              <a:t>Code</a:t>
+            </a:r>
+          </a:p>
+          <a:p>
+            <a:pPr marL="1085850" lvl="1" indent="-342900">
+              <a:buFont typeface="Arial" panose="020B0604020202020204" pitchFamily="34" charset="0"/>
+              <a:buChar char="•"/>
+            </a:pPr>
+            <a:r>
+              <a:rPr lang="en-US" dirty="0">
+                <a:hlinkClick r:id="rId2"/>
+              </a:rPr>
+              <a:t>https://</a:t>
+            </a:r>
+            <a:r>
+              <a:rPr lang="en-US" dirty="0" smtClean="0">
+                <a:hlinkClick r:id="rId2"/>
+              </a:rPr>
+              <a:t>bbgithub.dev.bloomberg.com/QDLA-infrastructure/pretty-good-sum</a:t>
+            </a:r>
+            <a:endParaRPr lang="en-US" dirty="0" smtClean="0"/>
+          </a:p>
+          <a:p>
+            <a:pPr marL="1085850" lvl="1" indent="-342900">
+              <a:buFont typeface="Arial" panose="020B0604020202020204" pitchFamily="34" charset="0"/>
+              <a:buChar char="•"/>
+            </a:pPr>
+            <a:r>
+              <a:rPr lang="en-US" i="1" dirty="0" smtClean="0"/>
+              <a:t>Will soon be present in our Windows installer and DPKG</a:t>
+            </a:r>
+            <a:br>
+              <a:rPr lang="en-US" i="1" dirty="0" smtClean="0"/>
+            </a:br>
+            <a:endParaRPr lang="en-US" i="1" dirty="0" smtClean="0"/>
+          </a:p>
+          <a:p>
+            <a:pPr marL="342900" indent="-342900">
+              <a:buFont typeface="Arial" panose="020B0604020202020204" pitchFamily="34" charset="0"/>
+              <a:buChar char="•"/>
+            </a:pPr>
+            <a:r>
+              <a:rPr lang="en-US" dirty="0" smtClean="0"/>
+              <a:t>Online documentation</a:t>
+            </a:r>
+          </a:p>
+          <a:p>
+            <a:pPr marL="1085850" lvl="1" indent="-342900">
+              <a:buFont typeface="Arial" panose="020B0604020202020204" pitchFamily="34" charset="0"/>
+              <a:buChar char="•"/>
+            </a:pPr>
+            <a:r>
+              <a:rPr lang="en-US" dirty="0">
+                <a:hlinkClick r:id="rId3"/>
+              </a:rPr>
+              <a:t>http://</a:t>
+            </a:r>
+            <a:r>
+              <a:rPr lang="en-US" dirty="0" smtClean="0">
+                <a:hlinkClick r:id="rId3"/>
+              </a:rPr>
+              <a:t>nydeviisquant01/pretty-good-sum/index.html</a:t>
+            </a:r>
+            <a:endParaRPr lang="en-US" dirty="0" smtClean="0"/>
+          </a:p>
+          <a:p>
+            <a:pPr marL="1085850" lvl="1" indent="-342900">
+              <a:buFont typeface="Arial" panose="020B0604020202020204" pitchFamily="34" charset="0"/>
+              <a:buChar char="•"/>
+            </a:pPr>
             <a:endParaRPr lang="en-US" dirty="0"/>
           </a:p>
         </p:txBody>
@@ -26298,7 +26671,118 @@
                 </a:solidFill>
               </a:rPr>
               <a:pPr/>
-              <a:t>35</a:t>
+              <a:t>36</a:t>
+            </a:fld>
+            <a:endParaRPr lang="en-US">
+              <a:solidFill>
+                <a:prstClr val="white">
+                  <a:lumMod val="75000"/>
+                </a:prstClr>
+              </a:solidFill>
+            </a:endParaRPr>
+          </a:p>
+        </p:txBody>
+      </p:sp>
+      <p:sp>
+        <p:nvSpPr>
+          <p:cNvPr id="5" name="Footer Placeholder 4"/>
+          <p:cNvSpPr>
+            <a:spLocks noGrp="1"/>
+          </p:cNvSpPr>
+          <p:nvPr>
+            <p:ph type="ftr" sz="quarter" idx="13"/>
+          </p:nvPr>
+        </p:nvSpPr>
+        <p:spPr/>
+        <p:txBody>
+          <a:bodyPr/>
+          <a:lstStyle/>
+          <a:p>
+            <a:endParaRPr lang="en-US" dirty="0"/>
+          </a:p>
+        </p:txBody>
+      </p:sp>
+    </p:spTree>
+    <p:extLst>
+      <p:ext uri="{BB962C8B-B14F-4D97-AF65-F5344CB8AC3E}">
+        <p14:creationId xmlns:p14="http://schemas.microsoft.com/office/powerpoint/2010/main" val="932800072"/>
+      </p:ext>
+    </p:extLst>
+  </p:cSld>
+  <p:clrMapOvr>
+    <a:masterClrMapping/>
+  </p:clrMapOvr>
+  <p:timing>
+    <p:tnLst>
+      <p:par>
+        <p:cTn id="1" dur="indefinite" restart="never" nodeType="tmRoot"/>
+      </p:par>
+    </p:tnLst>
+  </p:timing>
+</p:sld>
+</file>
+
+<file path=ppt/slides/slide37.xml><?xml version="1.0" encoding="utf-8"?>
+<p:sld xmlns:a="http://schemas.openxmlformats.org/drawingml/2006/main" xmlns:r="http://schemas.openxmlformats.org/officeDocument/2006/relationships" xmlns:p="http://schemas.openxmlformats.org/presentationml/2006/main">
+  <p:cSld>
+    <p:spTree>
+      <p:nvGrpSpPr>
+        <p:cNvPr id="1" name=""/>
+        <p:cNvGrpSpPr/>
+        <p:nvPr/>
+      </p:nvGrpSpPr>
+      <p:grpSpPr>
+        <a:xfrm>
+          <a:off x="0" y="0"/>
+          <a:ext cx="0" cy="0"/>
+          <a:chOff x="0" y="0"/>
+          <a:chExt cx="0" cy="0"/>
+        </a:xfrm>
+      </p:grpSpPr>
+      <p:sp>
+        <p:nvSpPr>
+          <p:cNvPr id="6" name="Title 5"/>
+          <p:cNvSpPr>
+            <a:spLocks noGrp="1"/>
+          </p:cNvSpPr>
+          <p:nvPr>
+            <p:ph type="title"/>
+          </p:nvPr>
+        </p:nvSpPr>
+        <p:spPr/>
+        <p:txBody>
+          <a:bodyPr/>
+          <a:lstStyle/>
+          <a:p>
+            <a:endParaRPr lang="en-US" dirty="0"/>
+          </a:p>
+        </p:txBody>
+      </p:sp>
+      <p:sp>
+        <p:nvSpPr>
+          <p:cNvPr id="4" name="Slide Number Placeholder 3"/>
+          <p:cNvSpPr>
+            <a:spLocks noGrp="1"/>
+          </p:cNvSpPr>
+          <p:nvPr>
+            <p:ph type="sldNum" sz="quarter" idx="12"/>
+          </p:nvPr>
+        </p:nvSpPr>
+        <p:spPr/>
+        <p:txBody>
+          <a:bodyPr/>
+          <a:lstStyle/>
+          <a:p>
+            <a:fld id="{B383C57C-80DA-45D5-BFE5-7583B8192761}" type="slidenum">
+              <a:rPr lang="en-US" smtClean="0">
+                <a:solidFill>
+                  <a:prstClr val="white">
+                    <a:lumMod val="75000"/>
+                  </a:prstClr>
+                </a:solidFill>
+              </a:rPr>
+              <a:pPr/>
+              <a:t>37</a:t>
             </a:fld>
             <a:endParaRPr lang="en-US">
               <a:solidFill>
